--- a/Project/IS4250Presentation.pptx
+++ b/Project/IS4250Presentation.pptx
@@ -27,8 +27,8 @@
     <p:sldId id="292" r:id="rId18"/>
     <p:sldId id="293" r:id="rId19"/>
     <p:sldId id="287" r:id="rId20"/>
-    <p:sldId id="294" r:id="rId21"/>
-    <p:sldId id="295" r:id="rId22"/>
+    <p:sldId id="295" r:id="rId21"/>
+    <p:sldId id="294" r:id="rId22"/>
     <p:sldId id="296" r:id="rId23"/>
     <p:sldId id="297" r:id="rId24"/>
     <p:sldId id="298" r:id="rId25"/>
@@ -277,8 +277,8 @@
             <p14:sldId id="292"/>
             <p14:sldId id="293"/>
             <p14:sldId id="287"/>
+            <p14:sldId id="295"/>
             <p14:sldId id="294"/>
-            <p14:sldId id="295"/>
             <p14:sldId id="296"/>
             <p14:sldId id="297"/>
             <p14:sldId id="298"/>
@@ -1990,29 +1990,7 @@
                 <a:ea typeface="+mn-ea"/>
                 <a:cs typeface="+mn-cs"/>
               </a:rPr>
-              <a:t>Dose-time-response models are used to analyze a clinical trail where the effects of </a:t>
-            </a:r>
-            <a:r>
-              <a:rPr lang="en-US" sz="1100" u="none" kern="1200" baseline="0" dirty="0" err="1" smtClean="0">
-                <a:solidFill>
-                  <a:schemeClr val="tx1"/>
-                </a:solidFill>
-                <a:latin typeface="+mn-lt"/>
-                <a:ea typeface="+mn-ea"/>
-                <a:cs typeface="+mn-cs"/>
-              </a:rPr>
-              <a:t>canakinumab</a:t>
-            </a:r>
-            <a:r>
-              <a:rPr lang="en-US" sz="1100" u="none" kern="1200" baseline="0" dirty="0" smtClean="0">
-                <a:solidFill>
-                  <a:schemeClr val="tx1"/>
-                </a:solidFill>
-                <a:latin typeface="+mn-lt"/>
-                <a:ea typeface="+mn-ea"/>
-                <a:cs typeface="+mn-cs"/>
-              </a:rPr>
-              <a:t> subcutaneous injection were examined. Active control was used in this 24-week double-blinded dose-ranging study.</a:t>
+              <a:t>Ideally, the model should describe the data well for each single-dose group, and also predict the actual observed response of the treatment group with multiple injections with a reasonable level of accuracy.</a:t>
             </a:r>
             <a:endParaRPr dirty="0"/>
           </a:p>
@@ -2124,7 +2102,29 @@
                 <a:ea typeface="+mn-ea"/>
                 <a:cs typeface="+mn-cs"/>
               </a:rPr>
-              <a:t>Ideally, the model should describe the data well for each single-dose group, and also predict the actual observed response of the treatment group with multiple injections with a reasonable level of accuracy.</a:t>
+              <a:t>Dose-time-response models are used to analyze a clinical trail where the effects of </a:t>
+            </a:r>
+            <a:r>
+              <a:rPr lang="en-US" sz="1100" u="none" kern="1200" baseline="0" dirty="0" err="1" smtClean="0">
+                <a:solidFill>
+                  <a:schemeClr val="tx1"/>
+                </a:solidFill>
+                <a:latin typeface="+mn-lt"/>
+                <a:ea typeface="+mn-ea"/>
+                <a:cs typeface="+mn-cs"/>
+              </a:rPr>
+              <a:t>canakinumab</a:t>
+            </a:r>
+            <a:r>
+              <a:rPr lang="en-US" sz="1100" u="none" kern="1200" baseline="0" dirty="0" smtClean="0">
+                <a:solidFill>
+                  <a:schemeClr val="tx1"/>
+                </a:solidFill>
+                <a:latin typeface="+mn-lt"/>
+                <a:ea typeface="+mn-ea"/>
+                <a:cs typeface="+mn-cs"/>
+              </a:rPr>
+              <a:t> subcutaneous injection were examined. Active control was used in this 24-week double-blinded dose-ranging study.</a:t>
             </a:r>
             <a:endParaRPr dirty="0"/>
           </a:p>
@@ -8709,24 +8709,15 @@
                 <a:latin typeface="Garamond"/>
                 <a:cs typeface="Garamond"/>
               </a:rPr>
-              <a:t>Maximum Likelihood</a:t>
-            </a:r>
-            <a:endParaRPr lang="en-US" sz="1800" dirty="0">
-              <a:latin typeface="Garamond"/>
-              <a:cs typeface="Garamond"/>
-            </a:endParaRPr>
-          </a:p>
-          <a:p>
-            <a:pPr marL="514350" lvl="0" indent="-285750">
-              <a:lnSpc>
-                <a:spcPct val="120000"/>
-              </a:lnSpc>
-              <a:spcBef>
-                <a:spcPts val="0"/>
-              </a:spcBef>
-              <a:buFont typeface="Wingdings" charset="2"/>
-              <a:buChar char="v"/>
-            </a:pPr>
+              <a:t>Maximum </a:t>
+            </a:r>
+            <a:r>
+              <a:rPr lang="en-US" sz="2000" b="1" dirty="0" smtClean="0">
+                <a:latin typeface="Garamond"/>
+                <a:cs typeface="Garamond"/>
+              </a:rPr>
+              <a:t>Likelihood</a:t>
+            </a:r>
             <a:endParaRPr lang="en-US" sz="1800" dirty="0" smtClean="0">
               <a:latin typeface="Garamond"/>
               <a:cs typeface="Garamond"/>
@@ -8743,23 +8734,53 @@
               <a:buFont typeface="Wingdings" charset="2"/>
               <a:buChar char="v"/>
             </a:pPr>
-            <a:endParaRPr lang="en-US" sz="1800" dirty="0" smtClean="0">
-              <a:latin typeface="Garamond"/>
-              <a:cs typeface="Garamond"/>
-            </a:endParaRPr>
+            <a:r>
+              <a:rPr lang="en-US" sz="1800" dirty="0" smtClean="0">
+                <a:latin typeface="Garamond"/>
+                <a:cs typeface="Garamond"/>
+              </a:rPr>
+              <a:t>Likelihood Function</a:t>
+            </a:r>
           </a:p>
           <a:p>
-            <a:pPr marL="514350" lvl="0" indent="-285750">
+            <a:pPr marL="228600">
               <a:lnSpc>
                 <a:spcPct val="120000"/>
               </a:lnSpc>
               <a:spcBef>
                 <a:spcPts val="0"/>
               </a:spcBef>
-              <a:buFont typeface="Wingdings" charset="2"/>
-              <a:buChar char="v"/>
+              <a:spcAft>
+                <a:spcPts val="1000"/>
+              </a:spcAft>
+              <a:buNone/>
             </a:pPr>
-            <a:endParaRPr lang="en-US" sz="1800" dirty="0" smtClean="0">
+            <a:endParaRPr lang="en-US" sz="2000" b="1" dirty="0" smtClean="0">
+              <a:latin typeface="Garamond"/>
+              <a:cs typeface="Garamond"/>
+            </a:endParaRPr>
+          </a:p>
+          <a:p>
+            <a:pPr marL="228600">
+              <a:lnSpc>
+                <a:spcPct val="120000"/>
+              </a:lnSpc>
+              <a:spcBef>
+                <a:spcPts val="0"/>
+              </a:spcBef>
+              <a:spcAft>
+                <a:spcPts val="1000"/>
+              </a:spcAft>
+              <a:buNone/>
+            </a:pPr>
+            <a:r>
+              <a:rPr lang="en" sz="2000" b="1" dirty="0" smtClean="0">
+                <a:latin typeface="Garamond"/>
+                <a:cs typeface="Garamond"/>
+              </a:rPr>
+              <a:t>Bayesian estimation</a:t>
+            </a:r>
+            <a:endParaRPr lang="en" sz="2000" b="1" dirty="0">
               <a:latin typeface="Garamond"/>
               <a:cs typeface="Garamond"/>
             </a:endParaRPr>
@@ -8775,10 +8796,13 @@
               <a:buFont typeface="Wingdings" charset="2"/>
               <a:buChar char="v"/>
             </a:pPr>
-            <a:endParaRPr lang="en-US" sz="1800" dirty="0" smtClean="0">
-              <a:latin typeface="Garamond"/>
-              <a:cs typeface="Garamond"/>
-            </a:endParaRPr>
+            <a:r>
+              <a:rPr lang="en-US" sz="1800" dirty="0" smtClean="0">
+                <a:latin typeface="Garamond"/>
+                <a:cs typeface="Garamond"/>
+              </a:rPr>
+              <a:t>Posterior Distribution</a:t>
+            </a:r>
           </a:p>
         </p:txBody>
       </p:sp>
@@ -9356,8 +9380,36 @@
         </p:blipFill>
         <p:spPr>
           <a:xfrm>
-            <a:off x="2684150" y="2150670"/>
+            <a:off x="3371799" y="1939683"/>
             <a:ext cx="3775700" cy="495300"/>
+          </a:xfrm>
+          <a:prstGeom prst="rect">
+            <a:avLst/>
+          </a:prstGeom>
+          <a:noFill/>
+          <a:ln>
+            <a:noFill/>
+          </a:ln>
+        </p:spPr>
+      </p:pic>
+      <p:pic>
+        <p:nvPicPr>
+          <p:cNvPr id="11" name="Shape 99"/>
+          <p:cNvPicPr preferRelativeResize="0"/>
+          <p:nvPr/>
+        </p:nvPicPr>
+        <p:blipFill>
+          <a:blip r:embed="rId4">
+            <a:alphaModFix/>
+          </a:blip>
+          <a:stretch>
+            <a:fillRect/>
+          </a:stretch>
+        </p:blipFill>
+        <p:spPr>
+          <a:xfrm>
+            <a:off x="3649839" y="3148179"/>
+            <a:ext cx="2645849" cy="714875"/>
           </a:xfrm>
           <a:prstGeom prst="rect">
             <a:avLst/>
@@ -12381,21 +12433,7 @@
                 <a:latin typeface="Garamond"/>
                 <a:cs typeface="Garamond"/>
               </a:rPr>
-              <a:t>To estimate the operating </a:t>
-            </a:r>
-            <a:r>
-              <a:rPr lang="en-US" sz="2000" b="1" dirty="0" smtClean="0">
-                <a:latin typeface="Garamond"/>
-                <a:cs typeface="Garamond"/>
-              </a:rPr>
-              <a:t>characteristics </a:t>
-            </a:r>
-            <a:r>
-              <a:rPr lang="en-US" sz="2000" b="1" dirty="0" smtClean="0">
-                <a:latin typeface="Garamond"/>
-                <a:cs typeface="Garamond"/>
-              </a:rPr>
-              <a:t>of the basic model</a:t>
+              <a:t>To estimate the operating characteristics of the basic model</a:t>
             </a:r>
           </a:p>
           <a:p>
@@ -14799,14 +14837,7 @@
                 <a:latin typeface="Rockwell"/>
                 <a:cs typeface="Rockwell"/>
               </a:rPr>
-              <a:t>Clinical </a:t>
-            </a:r>
-            <a:r>
-              <a:rPr lang="en-US" dirty="0" smtClean="0">
-                <a:latin typeface="Rockwell"/>
-                <a:cs typeface="Rockwell"/>
-              </a:rPr>
-              <a:t>Trail</a:t>
+              <a:t>Clinical Trail</a:t>
             </a:r>
             <a:endParaRPr lang="en" dirty="0">
               <a:latin typeface="Rockwell"/>
@@ -15664,10 +15695,6 @@
               </a:rPr>
               <a:t>Simulation</a:t>
             </a:r>
-            <a:endParaRPr lang="en-US" dirty="0" smtClean="0">
-              <a:latin typeface="Rockwell"/>
-              <a:cs typeface="Rockwell"/>
-            </a:endParaRPr>
           </a:p>
           <a:p>
             <a:pPr marL="571500" lvl="0" indent="-342900" rtl="0">
@@ -15685,19 +15712,8 @@
                 <a:latin typeface="Rockwell"/>
                 <a:cs typeface="Rockwell"/>
               </a:rPr>
-              <a:t>Clinical </a:t>
-            </a:r>
-            <a:r>
-              <a:rPr lang="en-US" dirty="0" smtClean="0">
-                <a:latin typeface="Rockwell"/>
-                <a:cs typeface="Rockwell"/>
-              </a:rPr>
-              <a:t>Trail</a:t>
-            </a:r>
-            <a:endParaRPr lang="en-US" dirty="0" smtClean="0">
-              <a:latin typeface="Rockwell"/>
-              <a:cs typeface="Rockwell"/>
-            </a:endParaRPr>
+              <a:t>Clinical Trail</a:t>
+            </a:r>
           </a:p>
           <a:p>
             <a:pPr marL="571500" lvl="0" indent="-342900" rtl="0">
@@ -15791,14 +15807,7 @@
                 <a:latin typeface="Rockwell"/>
                 <a:cs typeface="Rockwell"/>
               </a:rPr>
-              <a:t>Clinical </a:t>
-            </a:r>
-            <a:r>
-              <a:rPr lang="en-US" sz="2800" dirty="0" smtClean="0">
-                <a:latin typeface="Rockwell"/>
-                <a:cs typeface="Rockwell"/>
-              </a:rPr>
-              <a:t>Trail</a:t>
+              <a:t>Clinical Trail</a:t>
             </a:r>
             <a:endParaRPr lang="en" sz="2800" dirty="0">
               <a:highlight>
@@ -15852,33 +15861,8 @@
                 <a:latin typeface="Garamond"/>
                 <a:cs typeface="Garamond"/>
               </a:rPr>
-              <a:t>Dose-time</a:t>
-            </a:r>
-            <a:r>
-              <a:rPr lang="en-US" sz="2000" b="1" dirty="0">
-                <a:latin typeface="Garamond"/>
-                <a:cs typeface="Garamond"/>
-              </a:rPr>
-              <a:t>-response models </a:t>
-            </a:r>
-            <a:r>
-              <a:rPr lang="en-US" sz="2000" b="1" dirty="0" smtClean="0">
-                <a:latin typeface="Garamond"/>
-                <a:cs typeface="Garamond"/>
-              </a:rPr>
-              <a:t>used </a:t>
-            </a:r>
-            <a:r>
-              <a:rPr lang="en-US" sz="2000" b="1" dirty="0">
-                <a:latin typeface="Garamond"/>
-                <a:cs typeface="Garamond"/>
-              </a:rPr>
-              <a:t>to analyze the clinical trail </a:t>
-            </a:r>
-            <a:endParaRPr lang="en-US" sz="2000" b="1" dirty="0" smtClean="0">
-              <a:latin typeface="Garamond"/>
-              <a:cs typeface="Garamond"/>
-            </a:endParaRPr>
+              <a:t>Objectives</a:t>
+            </a:r>
           </a:p>
           <a:p>
             <a:pPr marL="514350" lvl="0" indent="-285750">
@@ -15892,32 +15876,18 @@
               <a:buChar char="v"/>
             </a:pPr>
             <a:r>
+              <a:rPr lang="en-US" sz="1800" dirty="0" smtClean="0">
+                <a:latin typeface="Garamond"/>
+                <a:cs typeface="Garamond"/>
+              </a:rPr>
+              <a:t>To evaluate the </a:t>
+            </a:r>
+            <a:r>
               <a:rPr lang="en-US" sz="1800" dirty="0">
                 <a:latin typeface="Garamond"/>
                 <a:cs typeface="Garamond"/>
               </a:rPr>
-              <a:t>The effects of </a:t>
-            </a:r>
-            <a:r>
-              <a:rPr lang="en-US" sz="1800" dirty="0" err="1">
-                <a:latin typeface="Garamond"/>
-                <a:cs typeface="Garamond"/>
-              </a:rPr>
-              <a:t>canakinumab</a:t>
-            </a:r>
-            <a:r>
-              <a:rPr lang="en-US" sz="1800" dirty="0">
-                <a:latin typeface="Garamond"/>
-                <a:cs typeface="Garamond"/>
-              </a:rPr>
-              <a:t> subcutaneous injection were </a:t>
-            </a:r>
-            <a:r>
-              <a:rPr lang="en-US" sz="1800" dirty="0" smtClean="0">
-                <a:latin typeface="Garamond"/>
-                <a:cs typeface="Garamond"/>
-              </a:rPr>
-              <a:t>examined</a:t>
+              <a:t>fitness of the dose-time-response model in the clinical trail</a:t>
             </a:r>
           </a:p>
           <a:p>
@@ -15932,201 +15902,12 @@
               <a:buChar char="v"/>
             </a:pPr>
             <a:r>
-              <a:rPr lang="en-US" sz="1800" dirty="0" smtClean="0">
-                <a:latin typeface="Garamond"/>
-                <a:cs typeface="Garamond"/>
-              </a:rPr>
-              <a:t>24 weeks, 400 patients</a:t>
-            </a:r>
-            <a:endParaRPr lang="en-US" sz="1800" dirty="0">
-              <a:latin typeface="Garamond"/>
-              <a:cs typeface="Garamond"/>
-            </a:endParaRPr>
-          </a:p>
-          <a:p>
-            <a:pPr marL="514350" lvl="0" indent="-285750">
-              <a:lnSpc>
-                <a:spcPct val="120000"/>
-              </a:lnSpc>
-              <a:spcBef>
-                <a:spcPts val="0"/>
-              </a:spcBef>
-              <a:buFont typeface="Wingdings" charset="2"/>
-              <a:buChar char="v"/>
-            </a:pPr>
-            <a:r>
               <a:rPr lang="en-US" sz="1800" dirty="0">
                 <a:latin typeface="Garamond"/>
                 <a:cs typeface="Garamond"/>
               </a:rPr>
-              <a:t>Participants randomly divided into seven groups</a:t>
-            </a:r>
-          </a:p>
-          <a:p>
-            <a:pPr marL="766800" lvl="2" indent="-285750">
-              <a:lnSpc>
-                <a:spcPct val="120000"/>
-              </a:lnSpc>
-              <a:spcBef>
-                <a:spcPts val="0"/>
-              </a:spcBef>
-              <a:buFont typeface="Wingdings" charset="2"/>
-              <a:buChar char="²"/>
-            </a:pPr>
-            <a:r>
-              <a:rPr lang="en-US" sz="1400" dirty="0">
-                <a:latin typeface="Garamond"/>
-                <a:cs typeface="Garamond"/>
-              </a:rPr>
-              <a:t>Five </a:t>
-            </a:r>
-            <a:r>
-              <a:rPr lang="en-US" sz="1400" dirty="0" smtClean="0">
-                <a:latin typeface="Garamond"/>
-                <a:cs typeface="Garamond"/>
-              </a:rPr>
-              <a:t>groups </a:t>
-            </a:r>
-            <a:r>
-              <a:rPr lang="en-US" sz="1400" dirty="0">
-                <a:latin typeface="Garamond"/>
-                <a:cs typeface="Garamond"/>
-              </a:rPr>
-              <a:t>received single doses (either 25 mg, 50 mg, 100 mg, 200 mg, or 300 mg at day 1)</a:t>
-            </a:r>
-          </a:p>
-          <a:p>
-            <a:pPr marL="766800" lvl="2" indent="-285750">
-              <a:lnSpc>
-                <a:spcPct val="120000"/>
-              </a:lnSpc>
-              <a:spcBef>
-                <a:spcPts val="0"/>
-              </a:spcBef>
-              <a:buFont typeface="Wingdings" charset="2"/>
-              <a:buChar char="²"/>
-            </a:pPr>
-            <a:r>
-              <a:rPr lang="en-US" sz="1400" dirty="0">
-                <a:latin typeface="Garamond"/>
-                <a:cs typeface="Garamond"/>
-              </a:rPr>
-              <a:t>One group received multiple doses (50 mg at day 1, 50 mg at week 4, 25 mg at week 8, and 25 mg at week 12)</a:t>
-            </a:r>
-          </a:p>
-          <a:p>
-            <a:pPr marL="766800" lvl="2" indent="-285750">
-              <a:lnSpc>
-                <a:spcPct val="120000"/>
-              </a:lnSpc>
-              <a:spcBef>
-                <a:spcPts val="0"/>
-              </a:spcBef>
-              <a:buFont typeface="Wingdings" charset="2"/>
-              <a:buChar char="²"/>
-            </a:pPr>
-            <a:r>
-              <a:rPr lang="en-US" sz="1400" dirty="0">
-                <a:latin typeface="Garamond"/>
-                <a:cs typeface="Garamond"/>
-              </a:rPr>
-              <a:t>The last group </a:t>
-            </a:r>
-            <a:r>
-              <a:rPr lang="en-US" sz="1400" dirty="0" smtClean="0">
-                <a:latin typeface="Garamond"/>
-                <a:cs typeface="Garamond"/>
-              </a:rPr>
-              <a:t>as the </a:t>
-            </a:r>
-            <a:r>
-              <a:rPr lang="en-US" sz="1400" dirty="0">
-                <a:latin typeface="Garamond"/>
-                <a:cs typeface="Garamond"/>
-              </a:rPr>
-              <a:t>placebo</a:t>
-            </a:r>
-          </a:p>
-          <a:p>
-            <a:pPr marL="514350" lvl="0" indent="-285750">
-              <a:lnSpc>
-                <a:spcPct val="120000"/>
-              </a:lnSpc>
-              <a:spcBef>
-                <a:spcPts val="0"/>
-              </a:spcBef>
-              <a:buFont typeface="Wingdings" charset="2"/>
-              <a:buChar char="v"/>
-            </a:pPr>
-            <a:r>
-              <a:rPr lang="en-US" sz="1800" dirty="0">
-                <a:latin typeface="Garamond"/>
-                <a:cs typeface="Garamond"/>
-              </a:rPr>
-              <a:t>The logarithm of C-reactive protein (CRP) levels as a proxy of the </a:t>
-            </a:r>
-            <a:r>
-              <a:rPr lang="en-US" sz="1800" dirty="0" smtClean="0">
-                <a:latin typeface="Garamond"/>
-                <a:cs typeface="Garamond"/>
-              </a:rPr>
-              <a:t>response</a:t>
-            </a:r>
-            <a:endParaRPr lang="en-US" sz="1800" dirty="0">
-              <a:latin typeface="Garamond"/>
-              <a:cs typeface="Garamond"/>
-            </a:endParaRPr>
-          </a:p>
-          <a:p>
-            <a:pPr marL="766800" lvl="1" indent="-285750">
-              <a:lnSpc>
-                <a:spcPct val="120000"/>
-              </a:lnSpc>
-              <a:spcBef>
-                <a:spcPts val="0"/>
-              </a:spcBef>
-              <a:buFont typeface="Wingdings" charset="2"/>
-              <a:buChar char="²"/>
-            </a:pPr>
-            <a:r>
-              <a:rPr lang="en-US" sz="1400" dirty="0">
-                <a:latin typeface="Garamond"/>
-                <a:cs typeface="Garamond"/>
-              </a:rPr>
-              <a:t>CRP</a:t>
-            </a:r>
-            <a:r>
-              <a:rPr lang="en-US" sz="1400" dirty="0" smtClean="0">
-                <a:latin typeface="Garamond"/>
-                <a:cs typeface="Garamond"/>
-              </a:rPr>
-              <a:t> </a:t>
-            </a:r>
-            <a:r>
-              <a:rPr lang="en-US" sz="1400" dirty="0">
-                <a:latin typeface="Garamond"/>
-                <a:cs typeface="Garamond"/>
-              </a:rPr>
-              <a:t>is a biomarker signaling the </a:t>
-            </a:r>
-            <a:r>
-              <a:rPr lang="en-US" sz="1400" dirty="0" err="1">
-                <a:latin typeface="Garamond"/>
-                <a:cs typeface="Garamond"/>
-              </a:rPr>
-              <a:t>severeness</a:t>
-            </a:r>
-            <a:r>
-              <a:rPr lang="en-US" sz="1400" dirty="0">
-                <a:latin typeface="Garamond"/>
-                <a:cs typeface="Garamond"/>
-              </a:rPr>
-              <a:t> of the disease</a:t>
-            </a:r>
-            <a:endParaRPr sz="1400" dirty="0">
-              <a:latin typeface="Garamond"/>
-              <a:cs typeface="Garamond"/>
-            </a:endParaRPr>
+              <a:t>To evaluate the accuracy of the dose-time-response model predictions of the untested treatment regimens response</a:t>
+            </a:r>
           </a:p>
         </p:txBody>
       </p:sp>
@@ -16691,7 +16472,7 @@
     </p:spTree>
     <p:extLst>
       <p:ext uri="{BB962C8B-B14F-4D97-AF65-F5344CB8AC3E}">
-        <p14:creationId xmlns:p14="http://schemas.microsoft.com/office/powerpoint/2010/main" val="1061081451"/>
+        <p14:creationId xmlns:p14="http://schemas.microsoft.com/office/powerpoint/2010/main" val="3632421131"/>
       </p:ext>
     </p:extLst>
   </p:cSld>
@@ -16764,14 +16545,7 @@
                 <a:latin typeface="Rockwell"/>
                 <a:cs typeface="Rockwell"/>
               </a:rPr>
-              <a:t>Clinical </a:t>
-            </a:r>
-            <a:r>
-              <a:rPr lang="en-US" sz="2800" dirty="0" smtClean="0">
-                <a:latin typeface="Rockwell"/>
-                <a:cs typeface="Rockwell"/>
-              </a:rPr>
-              <a:t>Trail</a:t>
+              <a:t>Clinical Trail</a:t>
             </a:r>
             <a:endParaRPr lang="en" sz="2800" dirty="0">
               <a:highlight>
@@ -16821,11 +16595,18 @@
               <a:buNone/>
             </a:pPr>
             <a:r>
+              <a:rPr lang="en-US" sz="2000" b="1" dirty="0">
+                <a:latin typeface="Garamond"/>
+                <a:cs typeface="Garamond"/>
+              </a:rPr>
+              <a:t>Dose-time-response models used to analyze the clinical </a:t>
+            </a:r>
+            <a:r>
               <a:rPr lang="en-US" sz="2000" b="1" dirty="0" smtClean="0">
                 <a:latin typeface="Garamond"/>
                 <a:cs typeface="Garamond"/>
               </a:rPr>
-              <a:t>Objectives</a:t>
+              <a:t>trail</a:t>
             </a:r>
           </a:p>
           <a:p>
@@ -16844,14 +16625,21 @@
                 <a:latin typeface="Garamond"/>
                 <a:cs typeface="Garamond"/>
               </a:rPr>
-              <a:t>To evaluate the </a:t>
-            </a:r>
-            <a:r>
-              <a:rPr lang="en-US" sz="1800" dirty="0">
+              <a:t>The effects of </a:t>
+            </a:r>
+            <a:r>
+              <a:rPr lang="en-US" sz="1800" dirty="0" err="1" smtClean="0">
                 <a:latin typeface="Garamond"/>
                 <a:cs typeface="Garamond"/>
               </a:rPr>
-              <a:t>fitness of the dose-time-response model in the clinical trail</a:t>
+              <a:t>canakinumab</a:t>
+            </a:r>
+            <a:r>
+              <a:rPr lang="en-US" sz="1800" dirty="0" smtClean="0">
+                <a:latin typeface="Garamond"/>
+                <a:cs typeface="Garamond"/>
+              </a:rPr>
+              <a:t> subcutaneous injection were examined</a:t>
             </a:r>
           </a:p>
           <a:p>
@@ -16866,19 +16654,201 @@
               <a:buChar char="v"/>
             </a:pPr>
             <a:r>
+              <a:rPr lang="en-US" sz="1800" dirty="0" smtClean="0">
+                <a:latin typeface="Garamond"/>
+                <a:cs typeface="Garamond"/>
+              </a:rPr>
+              <a:t>24 weeks, 400 patients</a:t>
+            </a:r>
+            <a:endParaRPr lang="en-US" sz="1800" dirty="0">
+              <a:latin typeface="Garamond"/>
+              <a:cs typeface="Garamond"/>
+            </a:endParaRPr>
+          </a:p>
+          <a:p>
+            <a:pPr marL="514350" lvl="0" indent="-285750">
+              <a:lnSpc>
+                <a:spcPct val="120000"/>
+              </a:lnSpc>
+              <a:spcBef>
+                <a:spcPts val="0"/>
+              </a:spcBef>
+              <a:buFont typeface="Wingdings" charset="2"/>
+              <a:buChar char="v"/>
+            </a:pPr>
+            <a:r>
               <a:rPr lang="en-US" sz="1800" dirty="0">
                 <a:latin typeface="Garamond"/>
                 <a:cs typeface="Garamond"/>
               </a:rPr>
-              <a:t>To evaluate the accuracy </a:t>
-            </a:r>
+              <a:t>Participants randomly divided into seven groups</a:t>
+            </a:r>
+          </a:p>
+          <a:p>
+            <a:pPr marL="766800" lvl="2" indent="-285750">
+              <a:lnSpc>
+                <a:spcPct val="120000"/>
+              </a:lnSpc>
+              <a:spcBef>
+                <a:spcPts val="0"/>
+              </a:spcBef>
+              <a:buFont typeface="Wingdings" charset="2"/>
+              <a:buChar char="²"/>
+            </a:pPr>
+            <a:r>
+              <a:rPr lang="en-US" sz="1400" dirty="0">
+                <a:latin typeface="Garamond"/>
+                <a:cs typeface="Garamond"/>
+              </a:rPr>
+              <a:t>Five </a:t>
+            </a:r>
+            <a:r>
+              <a:rPr lang="en-US" sz="1400" dirty="0" smtClean="0">
+                <a:latin typeface="Garamond"/>
+                <a:cs typeface="Garamond"/>
+              </a:rPr>
+              <a:t>groups </a:t>
+            </a:r>
+            <a:r>
+              <a:rPr lang="en-US" sz="1400" dirty="0">
+                <a:latin typeface="Garamond"/>
+                <a:cs typeface="Garamond"/>
+              </a:rPr>
+              <a:t>received single doses (either 25 mg, 50 mg, 100 mg, 200 mg, or 300 mg at day 1)</a:t>
+            </a:r>
+          </a:p>
+          <a:p>
+            <a:pPr marL="766800" lvl="2" indent="-285750">
+              <a:lnSpc>
+                <a:spcPct val="120000"/>
+              </a:lnSpc>
+              <a:spcBef>
+                <a:spcPts val="0"/>
+              </a:spcBef>
+              <a:buFont typeface="Wingdings" charset="2"/>
+              <a:buChar char="²"/>
+            </a:pPr>
+            <a:r>
+              <a:rPr lang="en-US" sz="1400" dirty="0">
+                <a:latin typeface="Garamond"/>
+                <a:cs typeface="Garamond"/>
+              </a:rPr>
+              <a:t>One group received multiple doses (50 mg at day 1, 50 mg at week 4, 25 mg at week 8, and 25 mg at week 12)</a:t>
+            </a:r>
+          </a:p>
+          <a:p>
+            <a:pPr marL="766800" lvl="2" indent="-285750">
+              <a:lnSpc>
+                <a:spcPct val="120000"/>
+              </a:lnSpc>
+              <a:spcBef>
+                <a:spcPts val="0"/>
+              </a:spcBef>
+              <a:buFont typeface="Wingdings" charset="2"/>
+              <a:buChar char="²"/>
+            </a:pPr>
+            <a:r>
+              <a:rPr lang="en-US" sz="1400" dirty="0">
+                <a:latin typeface="Garamond"/>
+                <a:cs typeface="Garamond"/>
+              </a:rPr>
+              <a:t>The last group </a:t>
+            </a:r>
+            <a:r>
+              <a:rPr lang="en-US" sz="1400" dirty="0" smtClean="0">
+                <a:latin typeface="Garamond"/>
+                <a:cs typeface="Garamond"/>
+              </a:rPr>
+              <a:t>as the </a:t>
+            </a:r>
+            <a:r>
+              <a:rPr lang="en-US" sz="1400" dirty="0">
+                <a:latin typeface="Garamond"/>
+                <a:cs typeface="Garamond"/>
+              </a:rPr>
+              <a:t>placebo</a:t>
+            </a:r>
+          </a:p>
+          <a:p>
+            <a:pPr marL="514350" lvl="0" indent="-285750">
+              <a:lnSpc>
+                <a:spcPct val="120000"/>
+              </a:lnSpc>
+              <a:spcBef>
+                <a:spcPts val="0"/>
+              </a:spcBef>
+              <a:buFont typeface="Wingdings" charset="2"/>
+              <a:buChar char="v"/>
+            </a:pPr>
             <a:r>
               <a:rPr lang="en-US" sz="1800" dirty="0">
                 <a:latin typeface="Garamond"/>
                 <a:cs typeface="Garamond"/>
               </a:rPr>
-              <a:t>of the dose-time-response model predictions of the untested treatment regimens response</a:t>
-            </a:r>
+              <a:t>The logarithm of C-reactive protein (CRP) levels as a proxy of the </a:t>
+            </a:r>
+            <a:r>
+              <a:rPr lang="en-US" sz="1800" dirty="0" smtClean="0">
+                <a:latin typeface="Garamond"/>
+                <a:cs typeface="Garamond"/>
+              </a:rPr>
+              <a:t>response</a:t>
+            </a:r>
+            <a:endParaRPr lang="en-US" sz="1800" dirty="0">
+              <a:latin typeface="Garamond"/>
+              <a:cs typeface="Garamond"/>
+            </a:endParaRPr>
+          </a:p>
+          <a:p>
+            <a:pPr marL="766800" lvl="1" indent="-285750">
+              <a:lnSpc>
+                <a:spcPct val="120000"/>
+              </a:lnSpc>
+              <a:spcBef>
+                <a:spcPts val="0"/>
+              </a:spcBef>
+              <a:buFont typeface="Wingdings" charset="2"/>
+              <a:buChar char="²"/>
+            </a:pPr>
+            <a:r>
+              <a:rPr lang="en-US" sz="1400" dirty="0">
+                <a:latin typeface="Garamond"/>
+                <a:cs typeface="Garamond"/>
+              </a:rPr>
+              <a:t>CRP</a:t>
+            </a:r>
+            <a:r>
+              <a:rPr lang="en-US" sz="1400" dirty="0" smtClean="0">
+                <a:latin typeface="Garamond"/>
+                <a:cs typeface="Garamond"/>
+              </a:rPr>
+              <a:t> </a:t>
+            </a:r>
+            <a:r>
+              <a:rPr lang="en-US" sz="1400" dirty="0">
+                <a:latin typeface="Garamond"/>
+                <a:cs typeface="Garamond"/>
+              </a:rPr>
+              <a:t>is a biomarker signaling the </a:t>
+            </a:r>
+            <a:r>
+              <a:rPr lang="en-US" sz="1400" dirty="0" err="1">
+                <a:latin typeface="Garamond"/>
+                <a:cs typeface="Garamond"/>
+              </a:rPr>
+              <a:t>severeness</a:t>
+            </a:r>
+            <a:r>
+              <a:rPr lang="en-US" sz="1400" dirty="0">
+                <a:latin typeface="Garamond"/>
+                <a:cs typeface="Garamond"/>
+              </a:rPr>
+              <a:t> of the disease</a:t>
+            </a:r>
+            <a:endParaRPr sz="1400" dirty="0">
+              <a:latin typeface="Garamond"/>
+              <a:cs typeface="Garamond"/>
+            </a:endParaRPr>
           </a:p>
         </p:txBody>
       </p:sp>
@@ -17443,7 +17413,7 @@
     </p:spTree>
     <p:extLst>
       <p:ext uri="{BB962C8B-B14F-4D97-AF65-F5344CB8AC3E}">
-        <p14:creationId xmlns:p14="http://schemas.microsoft.com/office/powerpoint/2010/main" val="3632421131"/>
+        <p14:creationId xmlns:p14="http://schemas.microsoft.com/office/powerpoint/2010/main" val="1061081451"/>
       </p:ext>
     </p:extLst>
   </p:cSld>
@@ -17516,14 +17486,7 @@
                 <a:latin typeface="Rockwell"/>
                 <a:cs typeface="Rockwell"/>
               </a:rPr>
-              <a:t>Clinical </a:t>
-            </a:r>
-            <a:r>
-              <a:rPr lang="en-US" sz="2800" dirty="0" smtClean="0">
-                <a:latin typeface="Rockwell"/>
-                <a:cs typeface="Rockwell"/>
-              </a:rPr>
-              <a:t>Trail</a:t>
+              <a:t>Clinical Trail</a:t>
             </a:r>
             <a:endParaRPr lang="en" sz="2800" dirty="0">
               <a:highlight>
@@ -18397,10 +18360,6 @@
               </a:rPr>
               <a:t>Comparison of observed values and the fitted Bayesian model</a:t>
             </a:r>
-            <a:endParaRPr lang="en-US" sz="2000" b="1" dirty="0">
-              <a:latin typeface="Garamond"/>
-              <a:cs typeface="Garamond"/>
-            </a:endParaRPr>
           </a:p>
         </p:txBody>
       </p:sp>
@@ -19558,14 +19517,14 @@
                 <a:latin typeface="Garamond"/>
                 <a:cs typeface="Garamond"/>
               </a:rPr>
-              <a:t>The </a:t>
+              <a:t>With  </a:t>
             </a:r>
             <a:r>
               <a:rPr lang="en-US" sz="1800" dirty="0">
                 <a:latin typeface="Garamond"/>
                 <a:cs typeface="Garamond"/>
               </a:rPr>
-              <a:t>dose-time-response model describes the single-dose data well with  R</a:t>
+              <a:t>R</a:t>
             </a:r>
             <a:r>
               <a:rPr lang="en-US" sz="1800" baseline="30000" dirty="0">
@@ -19586,7 +19545,7 @@
                 <a:latin typeface="Garamond"/>
                 <a:cs typeface="Garamond"/>
               </a:rPr>
-              <a:t>0.82</a:t>
+              <a:t>0.82, the dose-time-response model describes the single-dose data well</a:t>
             </a:r>
             <a:endParaRPr lang="en-US" sz="1800" dirty="0">
               <a:latin typeface="Garamond"/>
@@ -24344,93 +24303,38 @@
                 <a:latin typeface="Garamond"/>
                 <a:cs typeface="Garamond"/>
               </a:rPr>
-              <a:t>ample generated </a:t>
+              <a:t>ample generated using </a:t>
+            </a:r>
+            <a:r>
+              <a:rPr lang="en-US" sz="1800" dirty="0">
+                <a:solidFill>
+                  <a:schemeClr val="tx1"/>
+                </a:solidFill>
+                <a:latin typeface="Garamond"/>
+                <a:cs typeface="Garamond"/>
+              </a:rPr>
+              <a:t>Markov chain Monte Carlo (MCMC) </a:t>
+            </a:r>
+            <a:r>
+              <a:rPr lang="en-US" sz="1800" dirty="0" smtClean="0">
+                <a:latin typeface="Garamond"/>
+                <a:cs typeface="Garamond"/>
+              </a:rPr>
+              <a:t>methods are </a:t>
             </a:r>
             <a:r>
               <a:rPr lang="en-US" sz="1800" dirty="0">
                 <a:latin typeface="Garamond"/>
                 <a:cs typeface="Garamond"/>
               </a:rPr>
-              <a:t>using MCMC </a:t>
+              <a:t>subject to the </a:t>
             </a:r>
             <a:r>
               <a:rPr lang="en-US" sz="1800" dirty="0" smtClean="0">
                 <a:latin typeface="Garamond"/>
                 <a:cs typeface="Garamond"/>
               </a:rPr>
-              <a:t>methods</a:t>
-            </a:r>
-            <a:r>
-              <a:rPr lang="en-US" sz="1800" dirty="0">
-                <a:latin typeface="Garamond"/>
-                <a:cs typeface="Garamond"/>
-              </a:rPr>
-              <a:t> </a:t>
-            </a:r>
-            <a:r>
-              <a:rPr lang="en-US" sz="1800" dirty="0" smtClean="0">
-                <a:latin typeface="Garamond"/>
-                <a:cs typeface="Garamond"/>
-              </a:rPr>
-              <a:t>are </a:t>
-            </a:r>
-            <a:r>
-              <a:rPr lang="en-US" sz="1800" dirty="0">
-                <a:latin typeface="Garamond"/>
-                <a:cs typeface="Garamond"/>
-              </a:rPr>
-              <a:t>subject to the </a:t>
-            </a:r>
-            <a:r>
-              <a:rPr lang="en-US" sz="1800" dirty="0" smtClean="0">
-                <a:latin typeface="Garamond"/>
-                <a:cs typeface="Garamond"/>
-              </a:rPr>
               <a:t>validity problem</a:t>
-            </a:r>
-            <a:endParaRPr lang="en-US" sz="1800" dirty="0">
-              <a:latin typeface="Garamond"/>
-              <a:cs typeface="Garamond"/>
-            </a:endParaRPr>
-          </a:p>
-          <a:p>
-            <a:pPr marL="571500" lvl="0" indent="-342900">
-              <a:lnSpc>
-                <a:spcPct val="120000"/>
-              </a:lnSpc>
-              <a:spcBef>
-                <a:spcPts val="0"/>
-              </a:spcBef>
-              <a:buFont typeface="Wingdings" charset="2"/>
-              <a:buChar char="v"/>
-            </a:pPr>
-            <a:r>
-              <a:rPr lang="en-US" sz="1800" dirty="0">
-                <a:latin typeface="Garamond"/>
-                <a:cs typeface="Garamond"/>
-              </a:rPr>
-              <a:t>In the clinical trail, </a:t>
-            </a:r>
-            <a:r>
-              <a:rPr lang="en-US" sz="1800" dirty="0" smtClean="0">
-                <a:latin typeface="Garamond"/>
-                <a:cs typeface="Garamond"/>
-              </a:rPr>
-              <a:t>data may </a:t>
-            </a:r>
-            <a:r>
-              <a:rPr lang="en-US" sz="1800" dirty="0">
-                <a:latin typeface="Garamond"/>
-                <a:cs typeface="Garamond"/>
-              </a:rPr>
-              <a:t>not be complete enough to achieve the accuracy of the model </a:t>
-            </a:r>
-            <a:r>
-              <a:rPr lang="en-US" sz="1800" dirty="0" smtClean="0">
-                <a:latin typeface="Garamond"/>
-                <a:cs typeface="Garamond"/>
-              </a:rPr>
-              <a:t>evaluation</a:t>
             </a:r>
             <a:endParaRPr lang="en-US" sz="1800" dirty="0">
               <a:latin typeface="Garamond"/>
@@ -25220,10 +25124,6 @@
               </a:rPr>
               <a:t>consuming</a:t>
             </a:r>
-            <a:endParaRPr lang="en-US" sz="1800" dirty="0" smtClean="0">
-              <a:latin typeface="Garamond"/>
-              <a:cs typeface="Garamond"/>
-            </a:endParaRPr>
           </a:p>
         </p:txBody>
       </p:sp>
@@ -27665,10 +27565,6 @@
               </a:rPr>
               <a:t>In general, for a fixed set of data and underlying statistical model, the method of maximum likelihood selects the set of values of the model parameters that maximizes the likelihood function.</a:t>
             </a:r>
-            <a:endParaRPr lang="en-US" sz="1800" dirty="0">
-              <a:latin typeface="Garamond"/>
-              <a:cs typeface="Garamond"/>
-            </a:endParaRPr>
           </a:p>
         </p:txBody>
       </p:sp>
@@ -36319,83 +36215,40 @@
                 <a:latin typeface="Garamond"/>
                 <a:cs typeface="Garamond"/>
               </a:rPr>
-              <a:t>P(</a:t>
-            </a:r>
-            <a:r>
-              <a:rPr lang="en-US" sz="1800" dirty="0" err="1">
+              <a:t>O</a:t>
+            </a:r>
+            <a:r>
+              <a:rPr lang="en-US" sz="1800" dirty="0" smtClean="0">
                 <a:latin typeface="Garamond"/>
                 <a:cs typeface="Garamond"/>
               </a:rPr>
-              <a:t>Data|Model</a:t>
+              <a:t>bserved </a:t>
             </a:r>
             <a:r>
               <a:rPr lang="en-US" sz="1800" dirty="0">
                 <a:latin typeface="Garamond"/>
                 <a:cs typeface="Garamond"/>
               </a:rPr>
-              <a:t>): p</a:t>
+              <a:t>data </a:t>
             </a:r>
             <a:r>
               <a:rPr lang="en-US" sz="1800" dirty="0" smtClean="0">
                 <a:latin typeface="Garamond"/>
                 <a:cs typeface="Garamond"/>
               </a:rPr>
-              <a:t>rior </a:t>
-            </a:r>
-            <a:r>
-              <a:rPr lang="en-US" sz="1800" dirty="0">
+              <a:t>⇒ prior probability and Statistical Model ⇒ Posterior </a:t>
+            </a:r>
+            <a:r>
+              <a:rPr lang="en-US" sz="1800" dirty="0" err="1" smtClean="0">
                 <a:latin typeface="Garamond"/>
                 <a:cs typeface="Garamond"/>
               </a:rPr>
-              <a:t>model ⇒ data</a:t>
-            </a:r>
-          </a:p>
-          <a:p>
-            <a:pPr marL="514350" lvl="0" indent="-285750">
-              <a:lnSpc>
-                <a:spcPct val="120000"/>
-              </a:lnSpc>
-              <a:spcBef>
-                <a:spcPts val="0"/>
-              </a:spcBef>
-              <a:buFont typeface="Wingdings" charset="2"/>
-              <a:buChar char="v"/>
-            </a:pPr>
-            <a:r>
-              <a:rPr lang="en-US" sz="1800" dirty="0" smtClean="0">
-                <a:latin typeface="Garamond"/>
-                <a:cs typeface="Garamond"/>
-              </a:rPr>
-              <a:t>P</a:t>
-            </a:r>
-            <a:r>
-              <a:rPr lang="en-US" sz="1800" dirty="0">
-                <a:latin typeface="Garamond"/>
-                <a:cs typeface="Garamond"/>
-              </a:rPr>
-              <a:t>(</a:t>
-            </a:r>
-            <a:r>
-              <a:rPr lang="en-US" sz="1800" dirty="0" err="1">
-                <a:latin typeface="Garamond"/>
-                <a:cs typeface="Garamond"/>
-              </a:rPr>
-              <a:t>model|data</a:t>
-            </a:r>
-            <a:r>
-              <a:rPr lang="en-US" sz="1800" dirty="0">
-                <a:latin typeface="Garamond"/>
-                <a:cs typeface="Garamond"/>
-              </a:rPr>
-              <a:t>): data ⇒ p</a:t>
-            </a:r>
-            <a:r>
-              <a:rPr lang="en-US" sz="1800" dirty="0" smtClean="0">
-                <a:latin typeface="Garamond"/>
-                <a:cs typeface="Garamond"/>
-              </a:rPr>
-              <a:t>osterior model</a:t>
-            </a:r>
+              <a:t>probabilitys</a:t>
+            </a:r>
+            <a:endParaRPr lang="en-US" sz="1800" dirty="0">
+              <a:latin typeface="Garamond"/>
+              <a:cs typeface="Garamond"/>
+            </a:endParaRPr>
           </a:p>
         </p:txBody>
       </p:sp>
@@ -37300,10 +37153,6 @@
               </a:rPr>
               <a:t>Previous knowledge of phone location</a:t>
             </a:r>
-            <a:endParaRPr lang="en-US" sz="1400" dirty="0">
-              <a:latin typeface="Garamond"/>
-              <a:cs typeface="Garamond"/>
-            </a:endParaRPr>
           </a:p>
         </p:txBody>
       </p:sp>

--- a/Project/IS4250Presentation.pptx
+++ b/Project/IS4250Presentation.pptx
@@ -5,7 +5,7 @@
     <p:sldMasterId id="2147483658" r:id="rId1"/>
   </p:sldMasterIdLst>
   <p:notesMasterIdLst>
-    <p:notesMasterId r:id="rId42"/>
+    <p:notesMasterId r:id="rId41"/>
   </p:notesMasterIdLst>
   <p:sldIdLst>
     <p:sldId id="256" r:id="rId2"/>
@@ -21,33 +21,32 @@
     <p:sldId id="285" r:id="rId12"/>
     <p:sldId id="329" r:id="rId13"/>
     <p:sldId id="330" r:id="rId14"/>
-    <p:sldId id="331" r:id="rId15"/>
-    <p:sldId id="286" r:id="rId16"/>
-    <p:sldId id="290" r:id="rId17"/>
-    <p:sldId id="292" r:id="rId18"/>
-    <p:sldId id="293" r:id="rId19"/>
-    <p:sldId id="287" r:id="rId20"/>
-    <p:sldId id="295" r:id="rId21"/>
-    <p:sldId id="294" r:id="rId22"/>
-    <p:sldId id="296" r:id="rId23"/>
-    <p:sldId id="297" r:id="rId24"/>
-    <p:sldId id="298" r:id="rId25"/>
-    <p:sldId id="299" r:id="rId26"/>
-    <p:sldId id="300" r:id="rId27"/>
-    <p:sldId id="301" r:id="rId28"/>
-    <p:sldId id="302" r:id="rId29"/>
-    <p:sldId id="288" r:id="rId30"/>
-    <p:sldId id="303" r:id="rId31"/>
-    <p:sldId id="304" r:id="rId32"/>
-    <p:sldId id="305" r:id="rId33"/>
-    <p:sldId id="317" r:id="rId34"/>
-    <p:sldId id="316" r:id="rId35"/>
-    <p:sldId id="312" r:id="rId36"/>
-    <p:sldId id="319" r:id="rId37"/>
-    <p:sldId id="313" r:id="rId38"/>
-    <p:sldId id="321" r:id="rId39"/>
-    <p:sldId id="315" r:id="rId40"/>
-    <p:sldId id="314" r:id="rId41"/>
+    <p:sldId id="286" r:id="rId15"/>
+    <p:sldId id="290" r:id="rId16"/>
+    <p:sldId id="292" r:id="rId17"/>
+    <p:sldId id="293" r:id="rId18"/>
+    <p:sldId id="287" r:id="rId19"/>
+    <p:sldId id="295" r:id="rId20"/>
+    <p:sldId id="294" r:id="rId21"/>
+    <p:sldId id="296" r:id="rId22"/>
+    <p:sldId id="297" r:id="rId23"/>
+    <p:sldId id="298" r:id="rId24"/>
+    <p:sldId id="299" r:id="rId25"/>
+    <p:sldId id="300" r:id="rId26"/>
+    <p:sldId id="301" r:id="rId27"/>
+    <p:sldId id="302" r:id="rId28"/>
+    <p:sldId id="288" r:id="rId29"/>
+    <p:sldId id="303" r:id="rId30"/>
+    <p:sldId id="304" r:id="rId31"/>
+    <p:sldId id="305" r:id="rId32"/>
+    <p:sldId id="317" r:id="rId33"/>
+    <p:sldId id="316" r:id="rId34"/>
+    <p:sldId id="312" r:id="rId35"/>
+    <p:sldId id="319" r:id="rId36"/>
+    <p:sldId id="313" r:id="rId37"/>
+    <p:sldId id="321" r:id="rId38"/>
+    <p:sldId id="315" r:id="rId39"/>
+    <p:sldId id="314" r:id="rId40"/>
   </p:sldIdLst>
   <p:sldSz cx="9144000" cy="5143500" type="screen16x9"/>
   <p:notesSz cx="6858000" cy="9144000"/>
@@ -271,7 +270,6 @@
             <p14:sldId id="285"/>
             <p14:sldId id="329"/>
             <p14:sldId id="330"/>
-            <p14:sldId id="331"/>
             <p14:sldId id="286"/>
             <p14:sldId id="290"/>
             <p14:sldId id="292"/>
@@ -1081,6 +1079,107 @@
   <p:cSld>
     <p:spTree>
       <p:nvGrpSpPr>
+        <p:cNvPr id="1" name="Shape 95"/>
+        <p:cNvGrpSpPr/>
+        <p:nvPr/>
+      </p:nvGrpSpPr>
+      <p:grpSpPr>
+        <a:xfrm>
+          <a:off x="0" y="0"/>
+          <a:ext cx="0" cy="0"/>
+          <a:chOff x="0" y="0"/>
+          <a:chExt cx="0" cy="0"/>
+        </a:xfrm>
+      </p:grpSpPr>
+      <p:sp>
+        <p:nvSpPr>
+          <p:cNvPr id="96" name="Shape 96"/>
+          <p:cNvSpPr>
+            <a:spLocks noGrp="1" noRot="1" noChangeAspect="1"/>
+          </p:cNvSpPr>
+          <p:nvPr>
+            <p:ph type="sldImg" idx="2"/>
+          </p:nvPr>
+        </p:nvSpPr>
+        <p:spPr>
+          <a:xfrm>
+            <a:off x="381000" y="685800"/>
+            <a:ext cx="6096000" cy="3429000"/>
+          </a:xfrm>
+          <a:custGeom>
+            <a:avLst/>
+            <a:gdLst/>
+            <a:ahLst/>
+            <a:cxnLst/>
+            <a:rect l="0" t="0" r="0" b="0"/>
+            <a:pathLst>
+              <a:path w="120000" h="120000" extrusionOk="0">
+                <a:moveTo>
+                  <a:pt x="0" y="0"/>
+                </a:moveTo>
+                <a:lnTo>
+                  <a:pt x="120000" y="0"/>
+                </a:lnTo>
+                <a:lnTo>
+                  <a:pt x="120000" y="120000"/>
+                </a:lnTo>
+                <a:lnTo>
+                  <a:pt x="0" y="120000"/>
+                </a:lnTo>
+                <a:close/>
+              </a:path>
+            </a:pathLst>
+          </a:custGeom>
+        </p:spPr>
+      </p:sp>
+      <p:sp>
+        <p:nvSpPr>
+          <p:cNvPr id="97" name="Shape 97"/>
+          <p:cNvSpPr txBox="1">
+            <a:spLocks noGrp="1"/>
+          </p:cNvSpPr>
+          <p:nvPr>
+            <p:ph type="body" idx="1"/>
+          </p:nvPr>
+        </p:nvSpPr>
+        <p:spPr>
+          <a:xfrm>
+            <a:off x="685800" y="4343400"/>
+            <a:ext cx="5486399" cy="4114800"/>
+          </a:xfrm>
+          <a:prstGeom prst="rect">
+            <a:avLst/>
+          </a:prstGeom>
+        </p:spPr>
+        <p:txBody>
+          <a:bodyPr lIns="91425" tIns="91425" rIns="91425" bIns="91425" anchor="t" anchorCtr="0">
+            <a:noAutofit/>
+          </a:bodyPr>
+          <a:lstStyle/>
+          <a:p>
+            <a:pPr lvl="0">
+              <a:spcBef>
+                <a:spcPts val="0"/>
+              </a:spcBef>
+              <a:buNone/>
+            </a:pPr>
+            <a:endParaRPr/>
+          </a:p>
+        </p:txBody>
+      </p:sp>
+    </p:spTree>
+  </p:cSld>
+  <p:clrMapOvr>
+    <a:masterClrMapping/>
+  </p:clrMapOvr>
+</p:notes>
+</file>
+
+<file path=ppt/notesSlides/notesSlide15.xml><?xml version="1.0" encoding="utf-8"?>
+<p:notes xmlns:a="http://schemas.openxmlformats.org/drawingml/2006/main" xmlns:r="http://schemas.openxmlformats.org/officeDocument/2006/relationships" xmlns:p="http://schemas.openxmlformats.org/presentationml/2006/main" showMasterSp="0" showMasterPhAnim="0">
+  <p:cSld>
+    <p:spTree>
+      <p:nvGrpSpPr>
         <p:cNvPr id="1" name="Shape 107"/>
         <p:cNvGrpSpPr/>
         <p:nvPr/>
@@ -1159,14 +1258,109 @@
           </a:bodyPr>
           <a:lstStyle/>
           <a:p>
-            <a:endParaRPr lang="en-US" sz="1100" u="none" kern="1200" baseline="0" dirty="0" smtClean="0">
-              <a:solidFill>
-                <a:schemeClr val="tx1"/>
-              </a:solidFill>
-              <a:latin typeface="+mn-lt"/>
-              <a:ea typeface="+mn-ea"/>
-              <a:cs typeface="+mn-cs"/>
-            </a:endParaRPr>
+            <a:r>
+              <a:rPr lang="en-US" sz="1100" u="none" kern="1200" baseline="0" dirty="0" smtClean="0">
+                <a:solidFill>
+                  <a:schemeClr val="tx1"/>
+                </a:solidFill>
+                <a:latin typeface="+mn-lt"/>
+                <a:ea typeface="+mn-ea"/>
+                <a:cs typeface="+mn-cs"/>
+              </a:rPr>
+              <a:t>1. In clinical trial simulations, data are generated repeatedly for a given dose–time-response model. Then the operating characteristics are evaluated by statistical methods based on the data obtained. </a:t>
+            </a:r>
+          </a:p>
+          <a:p>
+            <a:r>
+              <a:rPr lang="en-US" sz="1100" u="none" kern="1200" baseline="0" dirty="0" smtClean="0">
+                <a:solidFill>
+                  <a:schemeClr val="tx1"/>
+                </a:solidFill>
+                <a:latin typeface="+mn-lt"/>
+                <a:ea typeface="+mn-ea"/>
+                <a:cs typeface="+mn-cs"/>
+              </a:rPr>
+              <a:t>2. Here, a clinical trial where a </a:t>
+            </a:r>
+            <a:r>
+              <a:rPr lang="en-US" sz="1100" u="none" kern="1200" baseline="0" dirty="0" err="1" smtClean="0">
+                <a:solidFill>
+                  <a:schemeClr val="tx1"/>
+                </a:solidFill>
+                <a:latin typeface="+mn-lt"/>
+                <a:ea typeface="+mn-ea"/>
+                <a:cs typeface="+mn-cs"/>
+              </a:rPr>
+              <a:t>mAb</a:t>
+            </a:r>
+            <a:r>
+              <a:rPr lang="en-US" sz="1100" u="none" kern="1200" baseline="0" dirty="0" smtClean="0">
+                <a:solidFill>
+                  <a:schemeClr val="tx1"/>
+                </a:solidFill>
+                <a:latin typeface="+mn-lt"/>
+                <a:ea typeface="+mn-ea"/>
+                <a:cs typeface="+mn-cs"/>
+              </a:rPr>
+              <a:t> is administered by subcutaneous injection is considered. 1000 datasets are generated using a multivariate normal distribution. </a:t>
+            </a:r>
+            <a:r>
+              <a:rPr lang="en-US" sz="1100" u="none" kern="1200" baseline="0" dirty="0" err="1" smtClean="0">
+                <a:solidFill>
+                  <a:schemeClr val="tx1"/>
+                </a:solidFill>
+                <a:latin typeface="+mn-lt"/>
+                <a:ea typeface="+mn-ea"/>
+                <a:cs typeface="+mn-cs"/>
+              </a:rPr>
+              <a:t>E</a:t>
+            </a:r>
+            <a:r>
+              <a:rPr lang="en-US" sz="1100" u="none" kern="1200" baseline="-25000" dirty="0" err="1" smtClean="0">
+                <a:solidFill>
+                  <a:schemeClr val="tx1"/>
+                </a:solidFill>
+                <a:latin typeface="+mn-lt"/>
+                <a:ea typeface="+mn-ea"/>
+                <a:cs typeface="+mn-cs"/>
+              </a:rPr>
+              <a:t>max</a:t>
+            </a:r>
+            <a:r>
+              <a:rPr lang="en-US" sz="1100" u="none" kern="1200" baseline="-25000" dirty="0" smtClean="0">
+                <a:solidFill>
+                  <a:schemeClr val="tx1"/>
+                </a:solidFill>
+                <a:latin typeface="+mn-lt"/>
+                <a:ea typeface="+mn-ea"/>
+                <a:cs typeface="+mn-cs"/>
+              </a:rPr>
+              <a:t> </a:t>
+            </a:r>
+            <a:r>
+              <a:rPr lang="en-US" sz="1100" u="none" kern="1200" baseline="0" dirty="0" smtClean="0">
+                <a:solidFill>
+                  <a:schemeClr val="tx1"/>
+                </a:solidFill>
+                <a:latin typeface="+mn-lt"/>
+                <a:ea typeface="+mn-ea"/>
+                <a:cs typeface="+mn-cs"/>
+              </a:rPr>
+              <a:t>model is used to asses the expected value, and the results are shown in Table 1. </a:t>
+            </a:r>
+          </a:p>
+          <a:p>
+            <a:r>
+              <a:rPr lang="en-US" sz="1100" u="none" kern="1200" baseline="0" dirty="0" smtClean="0">
+                <a:solidFill>
+                  <a:schemeClr val="tx1"/>
+                </a:solidFill>
+                <a:latin typeface="+mn-lt"/>
+                <a:ea typeface="+mn-ea"/>
+                <a:cs typeface="+mn-cs"/>
+              </a:rPr>
+              <a:t>3. For the expected value, we used the (5), with true parameters shown in Table I (The true values of the  error covariance matrix were set to</a:t>
+            </a:r>
           </a:p>
         </p:txBody>
       </p:sp>
@@ -1178,7 +1372,221 @@
 </p:notes>
 </file>
 
-<file path=ppt/notesSlides/notesSlide15.xml><?xml version="1.0" encoding="utf-8"?>
+<file path=ppt/notesSlides/notesSlide16.xml><?xml version="1.0" encoding="utf-8"?>
+<p:notes xmlns:a="http://schemas.openxmlformats.org/drawingml/2006/main" xmlns:r="http://schemas.openxmlformats.org/officeDocument/2006/relationships" xmlns:p="http://schemas.openxmlformats.org/presentationml/2006/main" showMasterSp="0" showMasterPhAnim="0">
+  <p:cSld>
+    <p:spTree>
+      <p:nvGrpSpPr>
+        <p:cNvPr id="1" name="Shape 107"/>
+        <p:cNvGrpSpPr/>
+        <p:nvPr/>
+      </p:nvGrpSpPr>
+      <p:grpSpPr>
+        <a:xfrm>
+          <a:off x="0" y="0"/>
+          <a:ext cx="0" cy="0"/>
+          <a:chOff x="0" y="0"/>
+          <a:chExt cx="0" cy="0"/>
+        </a:xfrm>
+      </p:grpSpPr>
+      <p:sp>
+        <p:nvSpPr>
+          <p:cNvPr id="108" name="Shape 108"/>
+          <p:cNvSpPr>
+            <a:spLocks noGrp="1" noRot="1" noChangeAspect="1"/>
+          </p:cNvSpPr>
+          <p:nvPr>
+            <p:ph type="sldImg" idx="2"/>
+          </p:nvPr>
+        </p:nvSpPr>
+        <p:spPr>
+          <a:xfrm>
+            <a:off x="381000" y="685800"/>
+            <a:ext cx="6096000" cy="3429000"/>
+          </a:xfrm>
+          <a:custGeom>
+            <a:avLst/>
+            <a:gdLst/>
+            <a:ahLst/>
+            <a:cxnLst/>
+            <a:rect l="0" t="0" r="0" b="0"/>
+            <a:pathLst>
+              <a:path w="120000" h="120000" extrusionOk="0">
+                <a:moveTo>
+                  <a:pt x="0" y="0"/>
+                </a:moveTo>
+                <a:lnTo>
+                  <a:pt x="120000" y="0"/>
+                </a:lnTo>
+                <a:lnTo>
+                  <a:pt x="120000" y="120000"/>
+                </a:lnTo>
+                <a:lnTo>
+                  <a:pt x="0" y="120000"/>
+                </a:lnTo>
+                <a:close/>
+              </a:path>
+            </a:pathLst>
+          </a:custGeom>
+        </p:spPr>
+      </p:sp>
+      <p:sp>
+        <p:nvSpPr>
+          <p:cNvPr id="109" name="Shape 109"/>
+          <p:cNvSpPr txBox="1">
+            <a:spLocks noGrp="1"/>
+          </p:cNvSpPr>
+          <p:nvPr>
+            <p:ph type="body" idx="1"/>
+          </p:nvPr>
+        </p:nvSpPr>
+        <p:spPr>
+          <a:xfrm>
+            <a:off x="685800" y="4343400"/>
+            <a:ext cx="5486399" cy="4114800"/>
+          </a:xfrm>
+          <a:prstGeom prst="rect">
+            <a:avLst/>
+          </a:prstGeom>
+        </p:spPr>
+        <p:txBody>
+          <a:bodyPr lIns="91425" tIns="91425" rIns="91425" bIns="91425" anchor="t" anchorCtr="0">
+            <a:noAutofit/>
+          </a:bodyPr>
+          <a:lstStyle/>
+          <a:p>
+            <a:r>
+              <a:rPr lang="en-US" sz="1100" kern="1200" dirty="0" smtClean="0">
+                <a:solidFill>
+                  <a:schemeClr val="tx1"/>
+                </a:solidFill>
+                <a:effectLst/>
+                <a:latin typeface="+mn-lt"/>
+                <a:ea typeface="+mn-ea"/>
+                <a:cs typeface="+mn-cs"/>
+              </a:rPr>
+              <a:t>Both the ML and the Bayesian methods provided point estimates near to the true parameter values, with ML estimates tending to be closer. Furthermore, the coverage of the confidence and probability intervals seems acceptable in this example. The coverage of the Bayesian probability intervals was somewhat better than the coverage of ML-confidence intervals in the sense of being typically closer to 95%. </a:t>
+            </a:r>
+            <a:endParaRPr lang="en-US" dirty="0" smtClean="0"/>
+          </a:p>
+        </p:txBody>
+      </p:sp>
+    </p:spTree>
+  </p:cSld>
+  <p:clrMapOvr>
+    <a:masterClrMapping/>
+  </p:clrMapOvr>
+</p:notes>
+</file>
+
+<file path=ppt/notesSlides/notesSlide17.xml><?xml version="1.0" encoding="utf-8"?>
+<p:notes xmlns:a="http://schemas.openxmlformats.org/drawingml/2006/main" xmlns:r="http://schemas.openxmlformats.org/officeDocument/2006/relationships" xmlns:p="http://schemas.openxmlformats.org/presentationml/2006/main" showMasterSp="0" showMasterPhAnim="0">
+  <p:cSld>
+    <p:spTree>
+      <p:nvGrpSpPr>
+        <p:cNvPr id="1" name="Shape 107"/>
+        <p:cNvGrpSpPr/>
+        <p:nvPr/>
+      </p:nvGrpSpPr>
+      <p:grpSpPr>
+        <a:xfrm>
+          <a:off x="0" y="0"/>
+          <a:ext cx="0" cy="0"/>
+          <a:chOff x="0" y="0"/>
+          <a:chExt cx="0" cy="0"/>
+        </a:xfrm>
+      </p:grpSpPr>
+      <p:sp>
+        <p:nvSpPr>
+          <p:cNvPr id="108" name="Shape 108"/>
+          <p:cNvSpPr>
+            <a:spLocks noGrp="1" noRot="1" noChangeAspect="1"/>
+          </p:cNvSpPr>
+          <p:nvPr>
+            <p:ph type="sldImg" idx="2"/>
+          </p:nvPr>
+        </p:nvSpPr>
+        <p:spPr>
+          <a:xfrm>
+            <a:off x="381000" y="685800"/>
+            <a:ext cx="6096000" cy="3429000"/>
+          </a:xfrm>
+          <a:custGeom>
+            <a:avLst/>
+            <a:gdLst/>
+            <a:ahLst/>
+            <a:cxnLst/>
+            <a:rect l="0" t="0" r="0" b="0"/>
+            <a:pathLst>
+              <a:path w="120000" h="120000" extrusionOk="0">
+                <a:moveTo>
+                  <a:pt x="0" y="0"/>
+                </a:moveTo>
+                <a:lnTo>
+                  <a:pt x="120000" y="0"/>
+                </a:lnTo>
+                <a:lnTo>
+                  <a:pt x="120000" y="120000"/>
+                </a:lnTo>
+                <a:lnTo>
+                  <a:pt x="0" y="120000"/>
+                </a:lnTo>
+                <a:close/>
+              </a:path>
+            </a:pathLst>
+          </a:custGeom>
+        </p:spPr>
+      </p:sp>
+      <p:sp>
+        <p:nvSpPr>
+          <p:cNvPr id="109" name="Shape 109"/>
+          <p:cNvSpPr txBox="1">
+            <a:spLocks noGrp="1"/>
+          </p:cNvSpPr>
+          <p:nvPr>
+            <p:ph type="body" idx="1"/>
+          </p:nvPr>
+        </p:nvSpPr>
+        <p:spPr>
+          <a:xfrm>
+            <a:off x="685800" y="4343400"/>
+            <a:ext cx="5486399" cy="4114800"/>
+          </a:xfrm>
+          <a:prstGeom prst="rect">
+            <a:avLst/>
+          </a:prstGeom>
+        </p:spPr>
+        <p:txBody>
+          <a:bodyPr lIns="91425" tIns="91425" rIns="91425" bIns="91425" anchor="t" anchorCtr="0">
+            <a:noAutofit/>
+          </a:bodyPr>
+          <a:lstStyle/>
+          <a:p>
+            <a:r>
+              <a:rPr lang="en-US" sz="1100" kern="1200" dirty="0" smtClean="0">
+                <a:solidFill>
+                  <a:schemeClr val="tx1"/>
+                </a:solidFill>
+                <a:effectLst/>
+                <a:latin typeface="+mn-lt"/>
+                <a:ea typeface="+mn-ea"/>
+                <a:cs typeface="+mn-cs"/>
+              </a:rPr>
+              <a:t>Both the ML and the Bayesian methods provided point estimates near to the true parameter values, with ML estimates tending to be closer. Furthermore, the coverage of the confidence and probability intervals seems acceptable in this example. The coverage of the Bayesian probability intervals was somewhat better than the coverage of ML-confidence intervals in the sense of being typically closer to 95%. </a:t>
+            </a:r>
+            <a:endParaRPr lang="en-US" dirty="0" smtClean="0"/>
+          </a:p>
+        </p:txBody>
+      </p:sp>
+    </p:spTree>
+  </p:cSld>
+  <p:clrMapOvr>
+    <a:masterClrMapping/>
+  </p:clrMapOvr>
+</p:notes>
+</file>
+
+<file path=ppt/notesSlides/notesSlide18.xml><?xml version="1.0" encoding="utf-8"?>
 <p:notes xmlns:a="http://schemas.openxmlformats.org/drawingml/2006/main" xmlns:r="http://schemas.openxmlformats.org/officeDocument/2006/relationships" xmlns:p="http://schemas.openxmlformats.org/presentationml/2006/main" showMasterSp="0" showMasterPhAnim="0">
   <p:cSld>
     <p:spTree>
@@ -1279,7 +1687,7 @@
 </p:notes>
 </file>
 
-<file path=ppt/notesSlides/notesSlide16.xml><?xml version="1.0" encoding="utf-8"?>
+<file path=ppt/notesSlides/notesSlide19.xml><?xml version="1.0" encoding="utf-8"?>
 <p:notes xmlns:a="http://schemas.openxmlformats.org/drawingml/2006/main" xmlns:r="http://schemas.openxmlformats.org/officeDocument/2006/relationships" xmlns:p="http://schemas.openxmlformats.org/presentationml/2006/main" showMasterSp="0" showMasterPhAnim="0">
   <p:cSld>
     <p:spTree>
@@ -1362,6 +1770,12 @@
           </a:bodyPr>
           <a:lstStyle/>
           <a:p>
+            <a:pPr lvl="0">
+              <a:spcBef>
+                <a:spcPts val="0"/>
+              </a:spcBef>
+              <a:buNone/>
+            </a:pPr>
             <a:r>
               <a:rPr lang="en-US" sz="1100" u="none" kern="1200" baseline="0" dirty="0" smtClean="0">
                 <a:solidFill>
@@ -1371,415 +1785,9 @@
                 <a:ea typeface="+mn-ea"/>
                 <a:cs typeface="+mn-cs"/>
               </a:rPr>
-              <a:t>1. In clinical trial simulations, data are generated repeatedly for a given dose–time-response model. Then the operating characteristics are evaluated by statistical methods based on the data obtained. </a:t>
-            </a:r>
-          </a:p>
-          <a:p>
-            <a:r>
-              <a:rPr lang="en-US" sz="1100" u="none" kern="1200" baseline="0" dirty="0" smtClean="0">
-                <a:solidFill>
-                  <a:schemeClr val="tx1"/>
-                </a:solidFill>
-                <a:latin typeface="+mn-lt"/>
-                <a:ea typeface="+mn-ea"/>
-                <a:cs typeface="+mn-cs"/>
-              </a:rPr>
-              <a:t>2. Here, a clinical trial where a </a:t>
-            </a:r>
-            <a:r>
-              <a:rPr lang="en-US" sz="1100" u="none" kern="1200" baseline="0" dirty="0" err="1" smtClean="0">
-                <a:solidFill>
-                  <a:schemeClr val="tx1"/>
-                </a:solidFill>
-                <a:latin typeface="+mn-lt"/>
-                <a:ea typeface="+mn-ea"/>
-                <a:cs typeface="+mn-cs"/>
-              </a:rPr>
-              <a:t>mAb</a:t>
-            </a:r>
-            <a:r>
-              <a:rPr lang="en-US" sz="1100" u="none" kern="1200" baseline="0" dirty="0" smtClean="0">
-                <a:solidFill>
-                  <a:schemeClr val="tx1"/>
-                </a:solidFill>
-                <a:latin typeface="+mn-lt"/>
-                <a:ea typeface="+mn-ea"/>
-                <a:cs typeface="+mn-cs"/>
-              </a:rPr>
-              <a:t> is administered by subcutaneous injection is considered. 1000 datasets are generated using a multivariate normal distribution. </a:t>
-            </a:r>
-            <a:r>
-              <a:rPr lang="en-US" sz="1100" u="none" kern="1200" baseline="0" dirty="0" err="1" smtClean="0">
-                <a:solidFill>
-                  <a:schemeClr val="tx1"/>
-                </a:solidFill>
-                <a:latin typeface="+mn-lt"/>
-                <a:ea typeface="+mn-ea"/>
-                <a:cs typeface="+mn-cs"/>
-              </a:rPr>
-              <a:t>E</a:t>
-            </a:r>
-            <a:r>
-              <a:rPr lang="en-US" sz="1100" u="none" kern="1200" baseline="-25000" dirty="0" err="1" smtClean="0">
-                <a:solidFill>
-                  <a:schemeClr val="tx1"/>
-                </a:solidFill>
-                <a:latin typeface="+mn-lt"/>
-                <a:ea typeface="+mn-ea"/>
-                <a:cs typeface="+mn-cs"/>
-              </a:rPr>
-              <a:t>max</a:t>
-            </a:r>
-            <a:r>
-              <a:rPr lang="en-US" sz="1100" u="none" kern="1200" baseline="-25000" dirty="0" smtClean="0">
-                <a:solidFill>
-                  <a:schemeClr val="tx1"/>
-                </a:solidFill>
-                <a:latin typeface="+mn-lt"/>
-                <a:ea typeface="+mn-ea"/>
-                <a:cs typeface="+mn-cs"/>
-              </a:rPr>
-              <a:t> </a:t>
-            </a:r>
-            <a:r>
-              <a:rPr lang="en-US" sz="1100" u="none" kern="1200" baseline="0" dirty="0" smtClean="0">
-                <a:solidFill>
-                  <a:schemeClr val="tx1"/>
-                </a:solidFill>
-                <a:latin typeface="+mn-lt"/>
-                <a:ea typeface="+mn-ea"/>
-                <a:cs typeface="+mn-cs"/>
-              </a:rPr>
-              <a:t>model is used to asses the expected value, and the results are shown in Table 1. </a:t>
-            </a:r>
-          </a:p>
-          <a:p>
-            <a:r>
-              <a:rPr lang="en-US" sz="1100" u="none" kern="1200" baseline="0" dirty="0" smtClean="0">
-                <a:solidFill>
-                  <a:schemeClr val="tx1"/>
-                </a:solidFill>
-                <a:latin typeface="+mn-lt"/>
-                <a:ea typeface="+mn-ea"/>
-                <a:cs typeface="+mn-cs"/>
-              </a:rPr>
-              <a:t>3. For the expected value, we used the (5), with true parameters shown in Table I (The true values of the  error covariance matrix were set to</a:t>
-            </a:r>
-          </a:p>
-        </p:txBody>
-      </p:sp>
-    </p:spTree>
-  </p:cSld>
-  <p:clrMapOvr>
-    <a:masterClrMapping/>
-  </p:clrMapOvr>
-</p:notes>
-</file>
-
-<file path=ppt/notesSlides/notesSlide17.xml><?xml version="1.0" encoding="utf-8"?>
-<p:notes xmlns:a="http://schemas.openxmlformats.org/drawingml/2006/main" xmlns:r="http://schemas.openxmlformats.org/officeDocument/2006/relationships" xmlns:p="http://schemas.openxmlformats.org/presentationml/2006/main" showMasterSp="0" showMasterPhAnim="0">
-  <p:cSld>
-    <p:spTree>
-      <p:nvGrpSpPr>
-        <p:cNvPr id="1" name="Shape 107"/>
-        <p:cNvGrpSpPr/>
-        <p:nvPr/>
-      </p:nvGrpSpPr>
-      <p:grpSpPr>
-        <a:xfrm>
-          <a:off x="0" y="0"/>
-          <a:ext cx="0" cy="0"/>
-          <a:chOff x="0" y="0"/>
-          <a:chExt cx="0" cy="0"/>
-        </a:xfrm>
-      </p:grpSpPr>
-      <p:sp>
-        <p:nvSpPr>
-          <p:cNvPr id="108" name="Shape 108"/>
-          <p:cNvSpPr>
-            <a:spLocks noGrp="1" noRot="1" noChangeAspect="1"/>
-          </p:cNvSpPr>
-          <p:nvPr>
-            <p:ph type="sldImg" idx="2"/>
-          </p:nvPr>
-        </p:nvSpPr>
-        <p:spPr>
-          <a:xfrm>
-            <a:off x="381000" y="685800"/>
-            <a:ext cx="6096000" cy="3429000"/>
-          </a:xfrm>
-          <a:custGeom>
-            <a:avLst/>
-            <a:gdLst/>
-            <a:ahLst/>
-            <a:cxnLst/>
-            <a:rect l="0" t="0" r="0" b="0"/>
-            <a:pathLst>
-              <a:path w="120000" h="120000" extrusionOk="0">
-                <a:moveTo>
-                  <a:pt x="0" y="0"/>
-                </a:moveTo>
-                <a:lnTo>
-                  <a:pt x="120000" y="0"/>
-                </a:lnTo>
-                <a:lnTo>
-                  <a:pt x="120000" y="120000"/>
-                </a:lnTo>
-                <a:lnTo>
-                  <a:pt x="0" y="120000"/>
-                </a:lnTo>
-                <a:close/>
-              </a:path>
-            </a:pathLst>
-          </a:custGeom>
-        </p:spPr>
-      </p:sp>
-      <p:sp>
-        <p:nvSpPr>
-          <p:cNvPr id="109" name="Shape 109"/>
-          <p:cNvSpPr txBox="1">
-            <a:spLocks noGrp="1"/>
-          </p:cNvSpPr>
-          <p:nvPr>
-            <p:ph type="body" idx="1"/>
-          </p:nvPr>
-        </p:nvSpPr>
-        <p:spPr>
-          <a:xfrm>
-            <a:off x="685800" y="4343400"/>
-            <a:ext cx="5486399" cy="4114800"/>
-          </a:xfrm>
-          <a:prstGeom prst="rect">
-            <a:avLst/>
-          </a:prstGeom>
-        </p:spPr>
-        <p:txBody>
-          <a:bodyPr lIns="91425" tIns="91425" rIns="91425" bIns="91425" anchor="t" anchorCtr="0">
-            <a:noAutofit/>
-          </a:bodyPr>
-          <a:lstStyle/>
-          <a:p>
-            <a:r>
-              <a:rPr lang="en-US" sz="1100" kern="1200" dirty="0" smtClean="0">
-                <a:solidFill>
-                  <a:schemeClr val="tx1"/>
-                </a:solidFill>
-                <a:effectLst/>
-                <a:latin typeface="+mn-lt"/>
-                <a:ea typeface="+mn-ea"/>
-                <a:cs typeface="+mn-cs"/>
-              </a:rPr>
-              <a:t>Both the ML and the Bayesian methods provided point estimates near to the true parameter values, with ML estimates tending to be closer. Furthermore, the coverage of the confidence and probability intervals seems acceptable in this example. The coverage of the Bayesian probability intervals was somewhat better than the coverage of ML-confidence intervals in the sense of being typically closer to 95%. </a:t>
-            </a:r>
-            <a:endParaRPr lang="en-US" dirty="0" smtClean="0"/>
-          </a:p>
-        </p:txBody>
-      </p:sp>
-    </p:spTree>
-  </p:cSld>
-  <p:clrMapOvr>
-    <a:masterClrMapping/>
-  </p:clrMapOvr>
-</p:notes>
-</file>
-
-<file path=ppt/notesSlides/notesSlide18.xml><?xml version="1.0" encoding="utf-8"?>
-<p:notes xmlns:a="http://schemas.openxmlformats.org/drawingml/2006/main" xmlns:r="http://schemas.openxmlformats.org/officeDocument/2006/relationships" xmlns:p="http://schemas.openxmlformats.org/presentationml/2006/main" showMasterSp="0" showMasterPhAnim="0">
-  <p:cSld>
-    <p:spTree>
-      <p:nvGrpSpPr>
-        <p:cNvPr id="1" name="Shape 107"/>
-        <p:cNvGrpSpPr/>
-        <p:nvPr/>
-      </p:nvGrpSpPr>
-      <p:grpSpPr>
-        <a:xfrm>
-          <a:off x="0" y="0"/>
-          <a:ext cx="0" cy="0"/>
-          <a:chOff x="0" y="0"/>
-          <a:chExt cx="0" cy="0"/>
-        </a:xfrm>
-      </p:grpSpPr>
-      <p:sp>
-        <p:nvSpPr>
-          <p:cNvPr id="108" name="Shape 108"/>
-          <p:cNvSpPr>
-            <a:spLocks noGrp="1" noRot="1" noChangeAspect="1"/>
-          </p:cNvSpPr>
-          <p:nvPr>
-            <p:ph type="sldImg" idx="2"/>
-          </p:nvPr>
-        </p:nvSpPr>
-        <p:spPr>
-          <a:xfrm>
-            <a:off x="381000" y="685800"/>
-            <a:ext cx="6096000" cy="3429000"/>
-          </a:xfrm>
-          <a:custGeom>
-            <a:avLst/>
-            <a:gdLst/>
-            <a:ahLst/>
-            <a:cxnLst/>
-            <a:rect l="0" t="0" r="0" b="0"/>
-            <a:pathLst>
-              <a:path w="120000" h="120000" extrusionOk="0">
-                <a:moveTo>
-                  <a:pt x="0" y="0"/>
-                </a:moveTo>
-                <a:lnTo>
-                  <a:pt x="120000" y="0"/>
-                </a:lnTo>
-                <a:lnTo>
-                  <a:pt x="120000" y="120000"/>
-                </a:lnTo>
-                <a:lnTo>
-                  <a:pt x="0" y="120000"/>
-                </a:lnTo>
-                <a:close/>
-              </a:path>
-            </a:pathLst>
-          </a:custGeom>
-        </p:spPr>
-      </p:sp>
-      <p:sp>
-        <p:nvSpPr>
-          <p:cNvPr id="109" name="Shape 109"/>
-          <p:cNvSpPr txBox="1">
-            <a:spLocks noGrp="1"/>
-          </p:cNvSpPr>
-          <p:nvPr>
-            <p:ph type="body" idx="1"/>
-          </p:nvPr>
-        </p:nvSpPr>
-        <p:spPr>
-          <a:xfrm>
-            <a:off x="685800" y="4343400"/>
-            <a:ext cx="5486399" cy="4114800"/>
-          </a:xfrm>
-          <a:prstGeom prst="rect">
-            <a:avLst/>
-          </a:prstGeom>
-        </p:spPr>
-        <p:txBody>
-          <a:bodyPr lIns="91425" tIns="91425" rIns="91425" bIns="91425" anchor="t" anchorCtr="0">
-            <a:noAutofit/>
-          </a:bodyPr>
-          <a:lstStyle/>
-          <a:p>
-            <a:r>
-              <a:rPr lang="en-US" sz="1100" kern="1200" dirty="0" smtClean="0">
-                <a:solidFill>
-                  <a:schemeClr val="tx1"/>
-                </a:solidFill>
-                <a:effectLst/>
-                <a:latin typeface="+mn-lt"/>
-                <a:ea typeface="+mn-ea"/>
-                <a:cs typeface="+mn-cs"/>
-              </a:rPr>
-              <a:t>Both the ML and the Bayesian methods provided point estimates near to the true parameter values, with ML estimates tending to be closer. Furthermore, the coverage of the confidence and probability intervals seems acceptable in this example. The coverage of the Bayesian probability intervals was somewhat better than the coverage of ML-confidence intervals in the sense of being typically closer to 95%. </a:t>
-            </a:r>
-            <a:endParaRPr lang="en-US" dirty="0" smtClean="0"/>
-          </a:p>
-        </p:txBody>
-      </p:sp>
-    </p:spTree>
-  </p:cSld>
-  <p:clrMapOvr>
-    <a:masterClrMapping/>
-  </p:clrMapOvr>
-</p:notes>
-</file>
-
-<file path=ppt/notesSlides/notesSlide19.xml><?xml version="1.0" encoding="utf-8"?>
-<p:notes xmlns:a="http://schemas.openxmlformats.org/drawingml/2006/main" xmlns:r="http://schemas.openxmlformats.org/officeDocument/2006/relationships" xmlns:p="http://schemas.openxmlformats.org/presentationml/2006/main" showMasterSp="0" showMasterPhAnim="0">
-  <p:cSld>
-    <p:spTree>
-      <p:nvGrpSpPr>
-        <p:cNvPr id="1" name="Shape 95"/>
-        <p:cNvGrpSpPr/>
-        <p:nvPr/>
-      </p:nvGrpSpPr>
-      <p:grpSpPr>
-        <a:xfrm>
-          <a:off x="0" y="0"/>
-          <a:ext cx="0" cy="0"/>
-          <a:chOff x="0" y="0"/>
-          <a:chExt cx="0" cy="0"/>
-        </a:xfrm>
-      </p:grpSpPr>
-      <p:sp>
-        <p:nvSpPr>
-          <p:cNvPr id="96" name="Shape 96"/>
-          <p:cNvSpPr>
-            <a:spLocks noGrp="1" noRot="1" noChangeAspect="1"/>
-          </p:cNvSpPr>
-          <p:nvPr>
-            <p:ph type="sldImg" idx="2"/>
-          </p:nvPr>
-        </p:nvSpPr>
-        <p:spPr>
-          <a:xfrm>
-            <a:off x="381000" y="685800"/>
-            <a:ext cx="6096000" cy="3429000"/>
-          </a:xfrm>
-          <a:custGeom>
-            <a:avLst/>
-            <a:gdLst/>
-            <a:ahLst/>
-            <a:cxnLst/>
-            <a:rect l="0" t="0" r="0" b="0"/>
-            <a:pathLst>
-              <a:path w="120000" h="120000" extrusionOk="0">
-                <a:moveTo>
-                  <a:pt x="0" y="0"/>
-                </a:moveTo>
-                <a:lnTo>
-                  <a:pt x="120000" y="0"/>
-                </a:lnTo>
-                <a:lnTo>
-                  <a:pt x="120000" y="120000"/>
-                </a:lnTo>
-                <a:lnTo>
-                  <a:pt x="0" y="120000"/>
-                </a:lnTo>
-                <a:close/>
-              </a:path>
-            </a:pathLst>
-          </a:custGeom>
-        </p:spPr>
-      </p:sp>
-      <p:sp>
-        <p:nvSpPr>
-          <p:cNvPr id="97" name="Shape 97"/>
-          <p:cNvSpPr txBox="1">
-            <a:spLocks noGrp="1"/>
-          </p:cNvSpPr>
-          <p:nvPr>
-            <p:ph type="body" idx="1"/>
-          </p:nvPr>
-        </p:nvSpPr>
-        <p:spPr>
-          <a:xfrm>
-            <a:off x="685800" y="4343400"/>
-            <a:ext cx="5486399" cy="4114800"/>
-          </a:xfrm>
-          <a:prstGeom prst="rect">
-            <a:avLst/>
-          </a:prstGeom>
-        </p:spPr>
-        <p:txBody>
-          <a:bodyPr lIns="91425" tIns="91425" rIns="91425" bIns="91425" anchor="t" anchorCtr="0">
-            <a:noAutofit/>
-          </a:bodyPr>
-          <a:lstStyle/>
-          <a:p>
-            <a:pPr lvl="0">
-              <a:spcBef>
-                <a:spcPts val="0"/>
-              </a:spcBef>
-              <a:buNone/>
-            </a:pPr>
-            <a:endParaRPr/>
+              <a:t>Ideally, the model should describe the data well for each single-dose group, and also predict the actual observed response of the treatment group with multiple injections with a reasonable level of accuracy.</a:t>
+            </a:r>
+            <a:endParaRPr dirty="0"/>
           </a:p>
         </p:txBody>
       </p:sp>
@@ -1990,7 +1998,51 @@
                 <a:ea typeface="+mn-ea"/>
                 <a:cs typeface="+mn-cs"/>
               </a:rPr>
-              <a:t>Ideally, the model should describe the data well for each single-dose group, and also predict the actual observed response of the treatment group with multiple injections with a reasonable level of accuracy.</a:t>
+              <a:t>Dose-time-response models are used to analyze a clinical </a:t>
+            </a:r>
+            <a:r>
+              <a:rPr lang="en-US" sz="1100" u="none" kern="1200" baseline="0" dirty="0" smtClean="0">
+                <a:solidFill>
+                  <a:schemeClr val="tx1"/>
+                </a:solidFill>
+                <a:latin typeface="+mn-lt"/>
+                <a:ea typeface="+mn-ea"/>
+                <a:cs typeface="+mn-cs"/>
+              </a:rPr>
+              <a:t>trial </a:t>
+            </a:r>
+            <a:r>
+              <a:rPr lang="en-US" sz="1100" u="none" kern="1200" baseline="0" dirty="0" smtClean="0">
+                <a:solidFill>
+                  <a:schemeClr val="tx1"/>
+                </a:solidFill>
+                <a:latin typeface="+mn-lt"/>
+                <a:ea typeface="+mn-ea"/>
+                <a:cs typeface="+mn-cs"/>
+              </a:rPr>
+              <a:t>where the effects of </a:t>
+            </a:r>
+            <a:r>
+              <a:rPr lang="en-US" sz="1100" u="none" kern="1200" baseline="0" dirty="0" err="1" smtClean="0">
+                <a:solidFill>
+                  <a:schemeClr val="tx1"/>
+                </a:solidFill>
+                <a:latin typeface="+mn-lt"/>
+                <a:ea typeface="+mn-ea"/>
+                <a:cs typeface="+mn-cs"/>
+              </a:rPr>
+              <a:t>canakinumab</a:t>
+            </a:r>
+            <a:r>
+              <a:rPr lang="en-US" sz="1100" u="none" kern="1200" baseline="0" dirty="0" smtClean="0">
+                <a:solidFill>
+                  <a:schemeClr val="tx1"/>
+                </a:solidFill>
+                <a:latin typeface="+mn-lt"/>
+                <a:ea typeface="+mn-ea"/>
+                <a:cs typeface="+mn-cs"/>
+              </a:rPr>
+              <a:t> subcutaneous injection were examined. Active control was used in this 24-week double-blinded dose-ranging study.</a:t>
             </a:r>
             <a:endParaRPr dirty="0"/>
           </a:p>
@@ -2093,39 +2145,6 @@
               </a:spcBef>
               <a:buNone/>
             </a:pPr>
-            <a:r>
-              <a:rPr lang="en-US" sz="1100" u="none" kern="1200" baseline="0" dirty="0" smtClean="0">
-                <a:solidFill>
-                  <a:schemeClr val="tx1"/>
-                </a:solidFill>
-                <a:latin typeface="+mn-lt"/>
-                <a:ea typeface="+mn-ea"/>
-                <a:cs typeface="+mn-cs"/>
-              </a:rPr>
-              <a:t>Dose-time-response models are used to analyze a clinical trail where the effects of </a:t>
-            </a:r>
-            <a:r>
-              <a:rPr lang="en-US" sz="1100" u="none" kern="1200" baseline="0" dirty="0" err="1" smtClean="0">
-                <a:solidFill>
-                  <a:schemeClr val="tx1"/>
-                </a:solidFill>
-                <a:latin typeface="+mn-lt"/>
-                <a:ea typeface="+mn-ea"/>
-                <a:cs typeface="+mn-cs"/>
-              </a:rPr>
-              <a:t>canakinumab</a:t>
-            </a:r>
-            <a:r>
-              <a:rPr lang="en-US" sz="1100" u="none" kern="1200" baseline="0" dirty="0" smtClean="0">
-                <a:solidFill>
-                  <a:schemeClr val="tx1"/>
-                </a:solidFill>
-                <a:latin typeface="+mn-lt"/>
-                <a:ea typeface="+mn-ea"/>
-                <a:cs typeface="+mn-cs"/>
-              </a:rPr>
-              <a:t> subcutaneous injection were examined. Active control was used in this 24-week double-blinded dose-ranging study.</a:t>
-            </a:r>
             <a:endParaRPr dirty="0"/>
           </a:p>
         </p:txBody>
@@ -2227,6 +2246,10 @@
               </a:spcBef>
               <a:buNone/>
             </a:pPr>
+            <a:r>
+              <a:rPr lang="en-US" dirty="0" smtClean="0"/>
+              <a:t>The dots represent the means of the CRP levels, the solid curves the median of the posterior CRP levels, the grey area the 95% posterior probability interval, and the vertical lines the 95% prediction probability interval. The last plot displays all posterior median curves relative to their baseline value.</a:t>
+            </a:r>
             <a:endParaRPr dirty="0"/>
           </a:p>
         </p:txBody>
@@ -2434,8 +2457,34 @@
               <a:buNone/>
             </a:pPr>
             <a:r>
-              <a:rPr lang="en-US" dirty="0" smtClean="0"/>
-              <a:t>The dots represent the means of the CRP levels, the solid curves the median of the posterior CRP levels, the grey area the 95% posterior probability interval, and the vertical lines the 95% prediction probability interval. The last plot displays all posterior median curves relative to their baseline value.</a:t>
+              <a:rPr lang="en-US" sz="1100" b="0" u="none" kern="1200" baseline="0" dirty="0" smtClean="0">
+                <a:solidFill>
+                  <a:schemeClr val="tx1"/>
+                </a:solidFill>
+                <a:latin typeface="+mn-lt"/>
+                <a:ea typeface="+mn-ea"/>
+                <a:cs typeface="+mn-cs"/>
+              </a:rPr>
+              <a:t>1. Bayesian prediction of the repeated dosing regimen based on the dose-time-response model derived from single-dose regimens</a:t>
+            </a:r>
+          </a:p>
+          <a:p>
+            <a:pPr lvl="0">
+              <a:spcBef>
+                <a:spcPts val="0"/>
+              </a:spcBef>
+              <a:buNone/>
+            </a:pPr>
+            <a:r>
+              <a:rPr lang="en-US" sz="1100" u="none" kern="1200" baseline="0" dirty="0" smtClean="0">
+                <a:solidFill>
+                  <a:schemeClr val="tx1"/>
+                </a:solidFill>
+                <a:latin typeface="+mn-lt"/>
+                <a:ea typeface="+mn-ea"/>
+                <a:cs typeface="+mn-cs"/>
+              </a:rPr>
+              <a:t>2. Figure 5 is a comparison of the data from the multiple dose group of the trial and the prediction from the dose-time-response model derived from the Bayesian analysis of the single-dose data. All of the data points are within the 95% prediction intervals, which implies a good accuracy of the dose-time-response model predictions of the response over time for the multiple dose treatment. </a:t>
             </a:r>
             <a:endParaRPr dirty="0"/>
           </a:p>
@@ -2568,7 +2617,7 @@
               </a:rPr>
               <a:t>2. Figure 5 is a comparison of the data from the multiple dose group of the trial and the prediction from the dose-time-response model derived from the Bayesian analysis of the single-dose data. All of the data points are within the 95% prediction intervals, which implies a good accuracy of the dose-time-response model predictions of the response over time for the multiple dose treatment. </a:t>
             </a:r>
-            <a:endParaRPr dirty="0"/>
+            <a:endParaRPr lang="en-US" dirty="0"/>
           </a:p>
         </p:txBody>
       </p:sp>
@@ -2663,11 +2712,22 @@
           </a:bodyPr>
           <a:lstStyle/>
           <a:p>
-            <a:pPr lvl="0">
+            <a:pPr marL="0" marR="0" lvl="0" indent="0" algn="l" defTabSz="457200" rtl="0" eaLnBrk="1" fontAlgn="auto" latinLnBrk="0" hangingPunct="1">
+              <a:lnSpc>
+                <a:spcPct val="100000"/>
+              </a:lnSpc>
               <a:spcBef>
                 <a:spcPts val="0"/>
               </a:spcBef>
+              <a:spcAft>
+                <a:spcPts val="0"/>
+              </a:spcAft>
+              <a:buClrTx/>
+              <a:buSzTx/>
+              <a:buFontTx/>
               <a:buNone/>
+              <a:tabLst/>
+              <a:defRPr/>
             </a:pPr>
             <a:r>
               <a:rPr lang="en-US" sz="1100" b="0" u="none" kern="1200" baseline="0" dirty="0" smtClean="0">
@@ -2678,15 +2738,92 @@
                 <a:ea typeface="+mn-ea"/>
                 <a:cs typeface="+mn-cs"/>
               </a:rPr>
-              <a:t>1. Bayesian prediction of the repeated dosing regimen based on the dose-time-response model derived from single-dose regimens</a:t>
+              <a:t>1. Comparison of the dose-time-response model with the standard </a:t>
+            </a:r>
+            <a:r>
+              <a:rPr lang="en-US" sz="1100" b="0" u="none" kern="1200" baseline="0" dirty="0" err="1" smtClean="0">
+                <a:solidFill>
+                  <a:schemeClr val="tx1"/>
+                </a:solidFill>
+                <a:latin typeface="+mn-lt"/>
+                <a:ea typeface="+mn-ea"/>
+                <a:cs typeface="+mn-cs"/>
+              </a:rPr>
+              <a:t>E</a:t>
+            </a:r>
+            <a:r>
+              <a:rPr lang="en-US" sz="1100" b="0" u="none" kern="1200" baseline="-25000" dirty="0" err="1" smtClean="0">
+                <a:solidFill>
+                  <a:schemeClr val="tx1"/>
+                </a:solidFill>
+                <a:latin typeface="+mn-lt"/>
+                <a:ea typeface="+mn-ea"/>
+                <a:cs typeface="+mn-cs"/>
+              </a:rPr>
+              <a:t>max</a:t>
+            </a:r>
+            <a:r>
+              <a:rPr lang="en-US" sz="1100" b="0" u="none" kern="1200" baseline="0" dirty="0" smtClean="0">
+                <a:solidFill>
+                  <a:schemeClr val="tx1"/>
+                </a:solidFill>
+                <a:latin typeface="+mn-lt"/>
+                <a:ea typeface="+mn-ea"/>
+                <a:cs typeface="+mn-cs"/>
+              </a:rPr>
+              <a:t> model. The dots represent the means of the measurements, the solid line the fitted </a:t>
+            </a:r>
+            <a:r>
+              <a:rPr lang="en-US" sz="1100" b="0" u="none" kern="1200" baseline="0" dirty="0" err="1" smtClean="0">
+                <a:solidFill>
+                  <a:schemeClr val="tx1"/>
+                </a:solidFill>
+                <a:latin typeface="+mn-lt"/>
+                <a:ea typeface="+mn-ea"/>
+                <a:cs typeface="+mn-cs"/>
+              </a:rPr>
+              <a:t>E</a:t>
+            </a:r>
+            <a:r>
+              <a:rPr lang="en-US" sz="1100" b="0" u="none" kern="1200" baseline="-25000" dirty="0" err="1" smtClean="0">
+                <a:solidFill>
+                  <a:schemeClr val="tx1"/>
+                </a:solidFill>
+                <a:latin typeface="+mn-lt"/>
+                <a:ea typeface="+mn-ea"/>
+                <a:cs typeface="+mn-cs"/>
+              </a:rPr>
+              <a:t>max</a:t>
+            </a:r>
+            <a:r>
+              <a:rPr lang="en-US" sz="1100" b="0" u="none" kern="1200" baseline="0" dirty="0" smtClean="0">
+                <a:solidFill>
+                  <a:schemeClr val="tx1"/>
+                </a:solidFill>
+                <a:latin typeface="+mn-lt"/>
+                <a:ea typeface="+mn-ea"/>
+                <a:cs typeface="+mn-cs"/>
+              </a:rPr>
+              <a:t> model, and the dashed line the fitted dose-time-response model. The light grey area and the dark grey area mark the respective 95%-confidence bands of the expected response. </a:t>
             </a:r>
           </a:p>
           <a:p>
-            <a:pPr lvl="0">
+            <a:pPr marL="0" marR="0" lvl="0" indent="0" algn="l" defTabSz="457200" rtl="0" eaLnBrk="1" fontAlgn="auto" latinLnBrk="0" hangingPunct="1">
+              <a:lnSpc>
+                <a:spcPct val="100000"/>
+              </a:lnSpc>
               <a:spcBef>
                 <a:spcPts val="0"/>
               </a:spcBef>
+              <a:spcAft>
+                <a:spcPts val="0"/>
+              </a:spcAft>
+              <a:buClrTx/>
+              <a:buSzTx/>
+              <a:buFontTx/>
               <a:buNone/>
+              <a:tabLst/>
+              <a:defRPr/>
             </a:pPr>
             <a:r>
               <a:rPr lang="en-US" sz="1100" u="none" kern="1200" baseline="0" dirty="0" smtClean="0">
@@ -2697,9 +2834,52 @@
                 <a:ea typeface="+mn-ea"/>
                 <a:cs typeface="+mn-cs"/>
               </a:rPr>
-              <a:t>2. Figure 5 is a comparison of the data from the multiple dose group of the trial and the prediction from the dose-time-response model derived from the Bayesian analysis of the single-dose data. All of the data points are within the 95% prediction intervals, which implies a good accuracy of the dose-time-response model predictions of the response over time for the multiple dose treatment. </a:t>
-            </a:r>
-            <a:endParaRPr lang="en-US" dirty="0"/>
+              <a:t>2. Figure 6 is a comparison of the fitted dose-time-response model with the standard fitted </a:t>
+            </a:r>
+            <a:r>
+              <a:rPr lang="en-US" sz="1100" u="none" kern="1200" baseline="0" dirty="0" err="1" smtClean="0">
+                <a:solidFill>
+                  <a:schemeClr val="tx1"/>
+                </a:solidFill>
+                <a:latin typeface="+mn-lt"/>
+                <a:ea typeface="+mn-ea"/>
+                <a:cs typeface="+mn-cs"/>
+              </a:rPr>
+              <a:t>E</a:t>
+            </a:r>
+            <a:r>
+              <a:rPr lang="en-US" sz="1100" u="none" kern="1200" baseline="-25000" dirty="0" err="1" smtClean="0">
+                <a:solidFill>
+                  <a:schemeClr val="tx1"/>
+                </a:solidFill>
+                <a:latin typeface="+mn-lt"/>
+                <a:ea typeface="+mn-ea"/>
+                <a:cs typeface="+mn-cs"/>
+              </a:rPr>
+              <a:t>max</a:t>
+            </a:r>
+            <a:r>
+              <a:rPr lang="en-US" sz="1100" u="none" kern="1200" baseline="-25000" dirty="0" smtClean="0">
+                <a:solidFill>
+                  <a:schemeClr val="tx1"/>
+                </a:solidFill>
+                <a:latin typeface="+mn-lt"/>
+                <a:ea typeface="+mn-ea"/>
+                <a:cs typeface="+mn-cs"/>
+              </a:rPr>
+              <a:t> </a:t>
+            </a:r>
+            <a:r>
+              <a:rPr lang="en-US" sz="1100" u="none" kern="1200" baseline="0" dirty="0" smtClean="0">
+                <a:solidFill>
+                  <a:schemeClr val="tx1"/>
+                </a:solidFill>
+                <a:latin typeface="+mn-lt"/>
+                <a:ea typeface="+mn-ea"/>
+                <a:cs typeface="+mn-cs"/>
+              </a:rPr>
+              <a:t>(dose-response) model in estimating the difference to baseline. It is obtained by using Bayesian approach to fit the model for three time points at day 15, 85, and 169. Although the fits of data are similar for both models, the confidence band of the dose-time-response model is narrower than that of dose-response model, especially for the higher doses. This suggests that the predictions for higher doses in the dose-time-response model are more accurate on average.</a:t>
+            </a:r>
           </a:p>
         </p:txBody>
       </p:sp>
@@ -2978,268 +3158,6 @@
   <p:cSld>
     <p:spTree>
       <p:nvGrpSpPr>
-        <p:cNvPr id="1" name="Shape 107"/>
-        <p:cNvGrpSpPr/>
-        <p:nvPr/>
-      </p:nvGrpSpPr>
-      <p:grpSpPr>
-        <a:xfrm>
-          <a:off x="0" y="0"/>
-          <a:ext cx="0" cy="0"/>
-          <a:chOff x="0" y="0"/>
-          <a:chExt cx="0" cy="0"/>
-        </a:xfrm>
-      </p:grpSpPr>
-      <p:sp>
-        <p:nvSpPr>
-          <p:cNvPr id="108" name="Shape 108"/>
-          <p:cNvSpPr>
-            <a:spLocks noGrp="1" noRot="1" noChangeAspect="1"/>
-          </p:cNvSpPr>
-          <p:nvPr>
-            <p:ph type="sldImg" idx="2"/>
-          </p:nvPr>
-        </p:nvSpPr>
-        <p:spPr>
-          <a:xfrm>
-            <a:off x="381000" y="685800"/>
-            <a:ext cx="6096000" cy="3429000"/>
-          </a:xfrm>
-          <a:custGeom>
-            <a:avLst/>
-            <a:gdLst/>
-            <a:ahLst/>
-            <a:cxnLst/>
-            <a:rect l="0" t="0" r="0" b="0"/>
-            <a:pathLst>
-              <a:path w="120000" h="120000" extrusionOk="0">
-                <a:moveTo>
-                  <a:pt x="0" y="0"/>
-                </a:moveTo>
-                <a:lnTo>
-                  <a:pt x="120000" y="0"/>
-                </a:lnTo>
-                <a:lnTo>
-                  <a:pt x="120000" y="120000"/>
-                </a:lnTo>
-                <a:lnTo>
-                  <a:pt x="0" y="120000"/>
-                </a:lnTo>
-                <a:close/>
-              </a:path>
-            </a:pathLst>
-          </a:custGeom>
-        </p:spPr>
-      </p:sp>
-      <p:sp>
-        <p:nvSpPr>
-          <p:cNvPr id="109" name="Shape 109"/>
-          <p:cNvSpPr txBox="1">
-            <a:spLocks noGrp="1"/>
-          </p:cNvSpPr>
-          <p:nvPr>
-            <p:ph type="body" idx="1"/>
-          </p:nvPr>
-        </p:nvSpPr>
-        <p:spPr>
-          <a:xfrm>
-            <a:off x="685800" y="4343400"/>
-            <a:ext cx="5486399" cy="4114800"/>
-          </a:xfrm>
-          <a:prstGeom prst="rect">
-            <a:avLst/>
-          </a:prstGeom>
-        </p:spPr>
-        <p:txBody>
-          <a:bodyPr lIns="91425" tIns="91425" rIns="91425" bIns="91425" anchor="t" anchorCtr="0">
-            <a:noAutofit/>
-          </a:bodyPr>
-          <a:lstStyle/>
-          <a:p>
-            <a:pPr marL="0" marR="0" lvl="0" indent="0" algn="l" defTabSz="457200" rtl="0" eaLnBrk="1" fontAlgn="auto" latinLnBrk="0" hangingPunct="1">
-              <a:lnSpc>
-                <a:spcPct val="100000"/>
-              </a:lnSpc>
-              <a:spcBef>
-                <a:spcPts val="0"/>
-              </a:spcBef>
-              <a:spcAft>
-                <a:spcPts val="0"/>
-              </a:spcAft>
-              <a:buClrTx/>
-              <a:buSzTx/>
-              <a:buFontTx/>
-              <a:buNone/>
-              <a:tabLst/>
-              <a:defRPr/>
-            </a:pPr>
-            <a:r>
-              <a:rPr lang="en-US" sz="1100" b="0" u="none" kern="1200" baseline="0" dirty="0" smtClean="0">
-                <a:solidFill>
-                  <a:schemeClr val="tx1"/>
-                </a:solidFill>
-                <a:latin typeface="+mn-lt"/>
-                <a:ea typeface="+mn-ea"/>
-                <a:cs typeface="+mn-cs"/>
-              </a:rPr>
-              <a:t>1. Comparison of the dose-time-response model with the standard </a:t>
-            </a:r>
-            <a:r>
-              <a:rPr lang="en-US" sz="1100" b="0" u="none" kern="1200" baseline="0" dirty="0" err="1" smtClean="0">
-                <a:solidFill>
-                  <a:schemeClr val="tx1"/>
-                </a:solidFill>
-                <a:latin typeface="+mn-lt"/>
-                <a:ea typeface="+mn-ea"/>
-                <a:cs typeface="+mn-cs"/>
-              </a:rPr>
-              <a:t>E</a:t>
-            </a:r>
-            <a:r>
-              <a:rPr lang="en-US" sz="1100" b="0" u="none" kern="1200" baseline="-25000" dirty="0" err="1" smtClean="0">
-                <a:solidFill>
-                  <a:schemeClr val="tx1"/>
-                </a:solidFill>
-                <a:latin typeface="+mn-lt"/>
-                <a:ea typeface="+mn-ea"/>
-                <a:cs typeface="+mn-cs"/>
-              </a:rPr>
-              <a:t>max</a:t>
-            </a:r>
-            <a:r>
-              <a:rPr lang="en-US" sz="1100" b="0" u="none" kern="1200" baseline="0" dirty="0" smtClean="0">
-                <a:solidFill>
-                  <a:schemeClr val="tx1"/>
-                </a:solidFill>
-                <a:latin typeface="+mn-lt"/>
-                <a:ea typeface="+mn-ea"/>
-                <a:cs typeface="+mn-cs"/>
-              </a:rPr>
-              <a:t> model. The dots represent the means of the measurements, the solid line the fitted </a:t>
-            </a:r>
-            <a:r>
-              <a:rPr lang="en-US" sz="1100" b="0" u="none" kern="1200" baseline="0" dirty="0" err="1" smtClean="0">
-                <a:solidFill>
-                  <a:schemeClr val="tx1"/>
-                </a:solidFill>
-                <a:latin typeface="+mn-lt"/>
-                <a:ea typeface="+mn-ea"/>
-                <a:cs typeface="+mn-cs"/>
-              </a:rPr>
-              <a:t>E</a:t>
-            </a:r>
-            <a:r>
-              <a:rPr lang="en-US" sz="1100" b="0" u="none" kern="1200" baseline="-25000" dirty="0" err="1" smtClean="0">
-                <a:solidFill>
-                  <a:schemeClr val="tx1"/>
-                </a:solidFill>
-                <a:latin typeface="+mn-lt"/>
-                <a:ea typeface="+mn-ea"/>
-                <a:cs typeface="+mn-cs"/>
-              </a:rPr>
-              <a:t>max</a:t>
-            </a:r>
-            <a:r>
-              <a:rPr lang="en-US" sz="1100" b="0" u="none" kern="1200" baseline="0" dirty="0" smtClean="0">
-                <a:solidFill>
-                  <a:schemeClr val="tx1"/>
-                </a:solidFill>
-                <a:latin typeface="+mn-lt"/>
-                <a:ea typeface="+mn-ea"/>
-                <a:cs typeface="+mn-cs"/>
-              </a:rPr>
-              <a:t> model, and the dashed line the fitted dose-time-response model. The light grey area and the dark grey area mark the respective 95%-confidence bands of the expected response. </a:t>
-            </a:r>
-          </a:p>
-          <a:p>
-            <a:pPr marL="0" marR="0" lvl="0" indent="0" algn="l" defTabSz="457200" rtl="0" eaLnBrk="1" fontAlgn="auto" latinLnBrk="0" hangingPunct="1">
-              <a:lnSpc>
-                <a:spcPct val="100000"/>
-              </a:lnSpc>
-              <a:spcBef>
-                <a:spcPts val="0"/>
-              </a:spcBef>
-              <a:spcAft>
-                <a:spcPts val="0"/>
-              </a:spcAft>
-              <a:buClrTx/>
-              <a:buSzTx/>
-              <a:buFontTx/>
-              <a:buNone/>
-              <a:tabLst/>
-              <a:defRPr/>
-            </a:pPr>
-            <a:r>
-              <a:rPr lang="en-US" sz="1100" u="none" kern="1200" baseline="0" dirty="0" smtClean="0">
-                <a:solidFill>
-                  <a:schemeClr val="tx1"/>
-                </a:solidFill>
-                <a:latin typeface="+mn-lt"/>
-                <a:ea typeface="+mn-ea"/>
-                <a:cs typeface="+mn-cs"/>
-              </a:rPr>
-              <a:t>2. Figure 6 is a comparison of the fitted dose-time-response model with the standard fitted </a:t>
-            </a:r>
-            <a:r>
-              <a:rPr lang="en-US" sz="1100" u="none" kern="1200" baseline="0" dirty="0" err="1" smtClean="0">
-                <a:solidFill>
-                  <a:schemeClr val="tx1"/>
-                </a:solidFill>
-                <a:latin typeface="+mn-lt"/>
-                <a:ea typeface="+mn-ea"/>
-                <a:cs typeface="+mn-cs"/>
-              </a:rPr>
-              <a:t>E</a:t>
-            </a:r>
-            <a:r>
-              <a:rPr lang="en-US" sz="1100" u="none" kern="1200" baseline="-25000" dirty="0" err="1" smtClean="0">
-                <a:solidFill>
-                  <a:schemeClr val="tx1"/>
-                </a:solidFill>
-                <a:latin typeface="+mn-lt"/>
-                <a:ea typeface="+mn-ea"/>
-                <a:cs typeface="+mn-cs"/>
-              </a:rPr>
-              <a:t>max</a:t>
-            </a:r>
-            <a:r>
-              <a:rPr lang="en-US" sz="1100" u="none" kern="1200" baseline="-25000" dirty="0" smtClean="0">
-                <a:solidFill>
-                  <a:schemeClr val="tx1"/>
-                </a:solidFill>
-                <a:latin typeface="+mn-lt"/>
-                <a:ea typeface="+mn-ea"/>
-                <a:cs typeface="+mn-cs"/>
-              </a:rPr>
-              <a:t> </a:t>
-            </a:r>
-            <a:r>
-              <a:rPr lang="en-US" sz="1100" u="none" kern="1200" baseline="0" dirty="0" smtClean="0">
-                <a:solidFill>
-                  <a:schemeClr val="tx1"/>
-                </a:solidFill>
-                <a:latin typeface="+mn-lt"/>
-                <a:ea typeface="+mn-ea"/>
-                <a:cs typeface="+mn-cs"/>
-              </a:rPr>
-              <a:t>(dose-response) model in estimating the difference to baseline. It is obtained by using Bayesian approach to fit the model for three time points at day 15, 85, and 169. Although the fits of data are similar for both models, the confidence band of the dose-time-response model is narrower than that of dose-response model, especially for the higher doses. This suggests that the predictions for higher doses in the dose-time-response model are more accurate on average.</a:t>
-            </a:r>
-          </a:p>
-        </p:txBody>
-      </p:sp>
-    </p:spTree>
-  </p:cSld>
-  <p:clrMapOvr>
-    <a:masterClrMapping/>
-  </p:clrMapOvr>
-</p:notes>
-</file>
-
-<file path=ppt/notesSlides/notesSlide29.xml><?xml version="1.0" encoding="utf-8"?>
-<p:notes xmlns:a="http://schemas.openxmlformats.org/drawingml/2006/main" xmlns:r="http://schemas.openxmlformats.org/officeDocument/2006/relationships" xmlns:p="http://schemas.openxmlformats.org/presentationml/2006/main" showMasterSp="0" showMasterPhAnim="0">
-  <p:cSld>
-    <p:spTree>
-      <p:nvGrpSpPr>
         <p:cNvPr id="1" name="Shape 95"/>
         <p:cNvGrpSpPr/>
         <p:nvPr/>
@@ -3325,6 +3243,172 @@
               <a:buNone/>
             </a:pPr>
             <a:endParaRPr/>
+          </a:p>
+        </p:txBody>
+      </p:sp>
+    </p:spTree>
+  </p:cSld>
+  <p:clrMapOvr>
+    <a:masterClrMapping/>
+  </p:clrMapOvr>
+</p:notes>
+</file>
+
+<file path=ppt/notesSlides/notesSlide29.xml><?xml version="1.0" encoding="utf-8"?>
+<p:notes xmlns:a="http://schemas.openxmlformats.org/drawingml/2006/main" xmlns:r="http://schemas.openxmlformats.org/officeDocument/2006/relationships" xmlns:p="http://schemas.openxmlformats.org/presentationml/2006/main" showMasterSp="0" showMasterPhAnim="0">
+  <p:cSld>
+    <p:spTree>
+      <p:nvGrpSpPr>
+        <p:cNvPr id="1" name="Shape 107"/>
+        <p:cNvGrpSpPr/>
+        <p:nvPr/>
+      </p:nvGrpSpPr>
+      <p:grpSpPr>
+        <a:xfrm>
+          <a:off x="0" y="0"/>
+          <a:ext cx="0" cy="0"/>
+          <a:chOff x="0" y="0"/>
+          <a:chExt cx="0" cy="0"/>
+        </a:xfrm>
+      </p:grpSpPr>
+      <p:sp>
+        <p:nvSpPr>
+          <p:cNvPr id="108" name="Shape 108"/>
+          <p:cNvSpPr>
+            <a:spLocks noGrp="1" noRot="1" noChangeAspect="1"/>
+          </p:cNvSpPr>
+          <p:nvPr>
+            <p:ph type="sldImg" idx="2"/>
+          </p:nvPr>
+        </p:nvSpPr>
+        <p:spPr>
+          <a:xfrm>
+            <a:off x="381000" y="685800"/>
+            <a:ext cx="6096000" cy="3429000"/>
+          </a:xfrm>
+          <a:custGeom>
+            <a:avLst/>
+            <a:gdLst/>
+            <a:ahLst/>
+            <a:cxnLst/>
+            <a:rect l="0" t="0" r="0" b="0"/>
+            <a:pathLst>
+              <a:path w="120000" h="120000" extrusionOk="0">
+                <a:moveTo>
+                  <a:pt x="0" y="0"/>
+                </a:moveTo>
+                <a:lnTo>
+                  <a:pt x="120000" y="0"/>
+                </a:lnTo>
+                <a:lnTo>
+                  <a:pt x="120000" y="120000"/>
+                </a:lnTo>
+                <a:lnTo>
+                  <a:pt x="0" y="120000"/>
+                </a:lnTo>
+                <a:close/>
+              </a:path>
+            </a:pathLst>
+          </a:custGeom>
+        </p:spPr>
+      </p:sp>
+      <p:sp>
+        <p:nvSpPr>
+          <p:cNvPr id="109" name="Shape 109"/>
+          <p:cNvSpPr txBox="1">
+            <a:spLocks noGrp="1"/>
+          </p:cNvSpPr>
+          <p:nvPr>
+            <p:ph type="body" idx="1"/>
+          </p:nvPr>
+        </p:nvSpPr>
+        <p:spPr>
+          <a:xfrm>
+            <a:off x="685800" y="4343400"/>
+            <a:ext cx="5486399" cy="4114800"/>
+          </a:xfrm>
+          <a:prstGeom prst="rect">
+            <a:avLst/>
+          </a:prstGeom>
+        </p:spPr>
+        <p:txBody>
+          <a:bodyPr lIns="91425" tIns="91425" rIns="91425" bIns="91425" anchor="t" anchorCtr="0">
+            <a:noAutofit/>
+          </a:bodyPr>
+          <a:lstStyle/>
+          <a:p>
+            <a:r>
+              <a:rPr lang="en-US" sz="1100" u="none" kern="1200" baseline="0" dirty="0" smtClean="0">
+                <a:solidFill>
+                  <a:schemeClr val="tx1"/>
+                </a:solidFill>
+                <a:latin typeface="+mn-lt"/>
+                <a:ea typeface="+mn-ea"/>
+                <a:cs typeface="+mn-cs"/>
+              </a:rPr>
+              <a:t>1. ML methods make inferences based on asymptotic theory, but it may not be valid for small samples in the experiments. </a:t>
+            </a:r>
+          </a:p>
+          <a:p>
+            <a:r>
+              <a:rPr lang="en-US" sz="1100" u="none" kern="1200" baseline="0" dirty="0" smtClean="0">
+                <a:solidFill>
+                  <a:schemeClr val="tx1"/>
+                </a:solidFill>
+                <a:latin typeface="+mn-lt"/>
+                <a:ea typeface="+mn-ea"/>
+                <a:cs typeface="+mn-cs"/>
+              </a:rPr>
+              <a:t>2. In a Bayesian framework, unintended informative prior problems may occur because of inappropriate prior distributions for nonlinear models.</a:t>
+            </a:r>
+          </a:p>
+          <a:p>
+            <a:r>
+              <a:rPr lang="en-US" sz="1100" u="none" kern="1200" baseline="0" dirty="0" smtClean="0">
+                <a:solidFill>
+                  <a:schemeClr val="tx1"/>
+                </a:solidFill>
+                <a:latin typeface="+mn-lt"/>
+                <a:ea typeface="+mn-ea"/>
+                <a:cs typeface="+mn-cs"/>
+              </a:rPr>
+              <a:t>3. Samples from the posterior are generated using MCMC methods, rather than direct calculations. Therefore, the estimation results are subject to the validity problem.</a:t>
+            </a:r>
+          </a:p>
+          <a:p>
+            <a:r>
+              <a:rPr lang="en-US" sz="1100" u="none" kern="1200" baseline="0" dirty="0" smtClean="0">
+                <a:solidFill>
+                  <a:schemeClr val="tx1"/>
+                </a:solidFill>
+                <a:latin typeface="+mn-lt"/>
+                <a:ea typeface="+mn-ea"/>
+                <a:cs typeface="+mn-cs"/>
+              </a:rPr>
+              <a:t>4. In the clinical </a:t>
+            </a:r>
+            <a:r>
+              <a:rPr lang="en-US" sz="1100" u="none" kern="1200" baseline="0" dirty="0" smtClean="0">
+                <a:solidFill>
+                  <a:schemeClr val="tx1"/>
+                </a:solidFill>
+                <a:latin typeface="+mn-lt"/>
+                <a:ea typeface="+mn-ea"/>
+                <a:cs typeface="+mn-cs"/>
+              </a:rPr>
+              <a:t>trial, </a:t>
+            </a:r>
+            <a:r>
+              <a:rPr lang="en-US" sz="1100" u="none" kern="1200" baseline="0" dirty="0" smtClean="0">
+                <a:solidFill>
+                  <a:schemeClr val="tx1"/>
+                </a:solidFill>
+                <a:latin typeface="+mn-lt"/>
+                <a:ea typeface="+mn-ea"/>
+                <a:cs typeface="+mn-cs"/>
+              </a:rPr>
+              <a:t>only five single-dose arms and one multiple-dose arm are carried out for assessment, which may not be complete enough to achieve the accuracy of the model evaluation.</a:t>
+            </a:r>
           </a:p>
         </p:txBody>
       </p:sp>
@@ -3529,7 +3613,7 @@
                 <a:ea typeface="+mn-ea"/>
                 <a:cs typeface="+mn-cs"/>
               </a:rPr>
-              <a:t>1. ML methods make inferences based on asymptotic theory, but it may not be valid for small samples in the experiments. </a:t>
+              <a:t>1. Form both technical and conceptual perspectives, It is often challenging to ensure the fitness of nonlinear regression models.</a:t>
             </a:r>
           </a:p>
           <a:p>
@@ -3542,10 +3626,19 @@
                 <a:ea typeface="+mn-ea"/>
                 <a:cs typeface="+mn-cs"/>
               </a:rPr>
-              <a:t>2. In a Bayesian framework, unintended informative prior problems may occur because of inappropriate prior distributions for nonlinear models.</a:t>
-            </a:r>
-          </a:p>
-          <a:p>
+              <a:t>2. Convergence problems, </a:t>
+            </a:r>
+            <a:r>
+              <a:rPr lang="en-US" sz="1100" u="none" kern="1200" baseline="0" dirty="0" err="1" smtClean="0">
+                <a:solidFill>
+                  <a:schemeClr val="tx1"/>
+                </a:solidFill>
+                <a:latin typeface="+mn-lt"/>
+                <a:ea typeface="+mn-ea"/>
+                <a:cs typeface="+mn-cs"/>
+              </a:rPr>
+              <a:t>identifiability</a:t>
+            </a:r>
             <a:r>
               <a:rPr lang="en-US" sz="1100" u="none" kern="1200" baseline="0" dirty="0" smtClean="0">
                 <a:solidFill>
@@ -3555,7 +3648,7 @@
                 <a:ea typeface="+mn-ea"/>
                 <a:cs typeface="+mn-cs"/>
               </a:rPr>
-              <a:t>3. Samples from the posterior are generated using MCMC methods, rather than direct calculations. Therefore, the estimation results are subject to the validity problem.</a:t>
+              <a:t> problems, and ill-conditioning problems are commonly encountered in the experiments.</a:t>
             </a:r>
           </a:p>
           <a:p>
@@ -3568,7 +3661,7 @@
                 <a:ea typeface="+mn-ea"/>
                 <a:cs typeface="+mn-cs"/>
               </a:rPr>
-              <a:t>4. In the clinical trail, only five single-dose arms and one multiple-dose arm are carried out for assessment, which may not be complete enough to achieve the accuracy of the model evaluation.</a:t>
+              <a:t>3. Bayesian analysis requiring MCMC algorithms is computer-intensive and time-consuming. Doing so for many simulated datasets need a significant amount of computing powers and time.</a:t>
             </a:r>
           </a:p>
         </p:txBody>
@@ -3582,159 +3675,6 @@
 </file>
 
 <file path=ppt/notesSlides/notesSlide31.xml><?xml version="1.0" encoding="utf-8"?>
-<p:notes xmlns:a="http://schemas.openxmlformats.org/drawingml/2006/main" xmlns:r="http://schemas.openxmlformats.org/officeDocument/2006/relationships" xmlns:p="http://schemas.openxmlformats.org/presentationml/2006/main" showMasterSp="0" showMasterPhAnim="0">
-  <p:cSld>
-    <p:spTree>
-      <p:nvGrpSpPr>
-        <p:cNvPr id="1" name="Shape 107"/>
-        <p:cNvGrpSpPr/>
-        <p:nvPr/>
-      </p:nvGrpSpPr>
-      <p:grpSpPr>
-        <a:xfrm>
-          <a:off x="0" y="0"/>
-          <a:ext cx="0" cy="0"/>
-          <a:chOff x="0" y="0"/>
-          <a:chExt cx="0" cy="0"/>
-        </a:xfrm>
-      </p:grpSpPr>
-      <p:sp>
-        <p:nvSpPr>
-          <p:cNvPr id="108" name="Shape 108"/>
-          <p:cNvSpPr>
-            <a:spLocks noGrp="1" noRot="1" noChangeAspect="1"/>
-          </p:cNvSpPr>
-          <p:nvPr>
-            <p:ph type="sldImg" idx="2"/>
-          </p:nvPr>
-        </p:nvSpPr>
-        <p:spPr>
-          <a:xfrm>
-            <a:off x="381000" y="685800"/>
-            <a:ext cx="6096000" cy="3429000"/>
-          </a:xfrm>
-          <a:custGeom>
-            <a:avLst/>
-            <a:gdLst/>
-            <a:ahLst/>
-            <a:cxnLst/>
-            <a:rect l="0" t="0" r="0" b="0"/>
-            <a:pathLst>
-              <a:path w="120000" h="120000" extrusionOk="0">
-                <a:moveTo>
-                  <a:pt x="0" y="0"/>
-                </a:moveTo>
-                <a:lnTo>
-                  <a:pt x="120000" y="0"/>
-                </a:lnTo>
-                <a:lnTo>
-                  <a:pt x="120000" y="120000"/>
-                </a:lnTo>
-                <a:lnTo>
-                  <a:pt x="0" y="120000"/>
-                </a:lnTo>
-                <a:close/>
-              </a:path>
-            </a:pathLst>
-          </a:custGeom>
-        </p:spPr>
-      </p:sp>
-      <p:sp>
-        <p:nvSpPr>
-          <p:cNvPr id="109" name="Shape 109"/>
-          <p:cNvSpPr txBox="1">
-            <a:spLocks noGrp="1"/>
-          </p:cNvSpPr>
-          <p:nvPr>
-            <p:ph type="body" idx="1"/>
-          </p:nvPr>
-        </p:nvSpPr>
-        <p:spPr>
-          <a:xfrm>
-            <a:off x="685800" y="4343400"/>
-            <a:ext cx="5486399" cy="4114800"/>
-          </a:xfrm>
-          <a:prstGeom prst="rect">
-            <a:avLst/>
-          </a:prstGeom>
-        </p:spPr>
-        <p:txBody>
-          <a:bodyPr lIns="91425" tIns="91425" rIns="91425" bIns="91425" anchor="t" anchorCtr="0">
-            <a:noAutofit/>
-          </a:bodyPr>
-          <a:lstStyle/>
-          <a:p>
-            <a:r>
-              <a:rPr lang="en-US" sz="1100" u="none" kern="1200" baseline="0" dirty="0" smtClean="0">
-                <a:solidFill>
-                  <a:schemeClr val="tx1"/>
-                </a:solidFill>
-                <a:latin typeface="+mn-lt"/>
-                <a:ea typeface="+mn-ea"/>
-                <a:cs typeface="+mn-cs"/>
-              </a:rPr>
-              <a:t>1. Form both technical and conceptual perspectives, It is often challenging to ensure the fitness of nonlinear regression models.</a:t>
-            </a:r>
-          </a:p>
-          <a:p>
-            <a:r>
-              <a:rPr lang="en-US" sz="1100" u="none" kern="1200" baseline="0" dirty="0" smtClean="0">
-                <a:solidFill>
-                  <a:schemeClr val="tx1"/>
-                </a:solidFill>
-                <a:latin typeface="+mn-lt"/>
-                <a:ea typeface="+mn-ea"/>
-                <a:cs typeface="+mn-cs"/>
-              </a:rPr>
-              <a:t>2. Convergence problems, </a:t>
-            </a:r>
-            <a:r>
-              <a:rPr lang="en-US" sz="1100" u="none" kern="1200" baseline="0" dirty="0" err="1" smtClean="0">
-                <a:solidFill>
-                  <a:schemeClr val="tx1"/>
-                </a:solidFill>
-                <a:latin typeface="+mn-lt"/>
-                <a:ea typeface="+mn-ea"/>
-                <a:cs typeface="+mn-cs"/>
-              </a:rPr>
-              <a:t>identifiability</a:t>
-            </a:r>
-            <a:r>
-              <a:rPr lang="en-US" sz="1100" u="none" kern="1200" baseline="0" dirty="0" smtClean="0">
-                <a:solidFill>
-                  <a:schemeClr val="tx1"/>
-                </a:solidFill>
-                <a:latin typeface="+mn-lt"/>
-                <a:ea typeface="+mn-ea"/>
-                <a:cs typeface="+mn-cs"/>
-              </a:rPr>
-              <a:t> problems, and ill-conditioning problems are commonly encountered in the experiments.</a:t>
-            </a:r>
-          </a:p>
-          <a:p>
-            <a:r>
-              <a:rPr lang="en-US" sz="1100" u="none" kern="1200" baseline="0" dirty="0" smtClean="0">
-                <a:solidFill>
-                  <a:schemeClr val="tx1"/>
-                </a:solidFill>
-                <a:latin typeface="+mn-lt"/>
-                <a:ea typeface="+mn-ea"/>
-                <a:cs typeface="+mn-cs"/>
-              </a:rPr>
-              <a:t>3. Bayesian analysis requiring MCMC algorithms is computer-intensive and time-consuming. Doing so for many simulated datasets need a significant amount of computing powers and time.</a:t>
-            </a:r>
-          </a:p>
-        </p:txBody>
-      </p:sp>
-    </p:spTree>
-  </p:cSld>
-  <p:clrMapOvr>
-    <a:masterClrMapping/>
-  </p:clrMapOvr>
-</p:notes>
-</file>
-
-<file path=ppt/notesSlides/notesSlide32.xml><?xml version="1.0" encoding="utf-8"?>
 <p:notes xmlns:a="http://schemas.openxmlformats.org/drawingml/2006/main" xmlns:r="http://schemas.openxmlformats.org/officeDocument/2006/relationships" xmlns:p="http://schemas.openxmlformats.org/presentationml/2006/main" showMasterSp="0" showMasterPhAnim="0">
   <p:cSld>
     <p:spTree>
@@ -3824,6 +3764,108 @@
               <a:buNone/>
             </a:pPr>
             <a:endParaRPr dirty="0"/>
+          </a:p>
+        </p:txBody>
+      </p:sp>
+    </p:spTree>
+  </p:cSld>
+  <p:clrMapOvr>
+    <a:masterClrMapping/>
+  </p:clrMapOvr>
+</p:notes>
+</file>
+
+<file path=ppt/notesSlides/notesSlide32.xml><?xml version="1.0" encoding="utf-8"?>
+<p:notes xmlns:a="http://schemas.openxmlformats.org/drawingml/2006/main" xmlns:r="http://schemas.openxmlformats.org/officeDocument/2006/relationships" xmlns:p="http://schemas.openxmlformats.org/presentationml/2006/main" showMasterSp="0" showMasterPhAnim="0">
+  <p:cSld>
+    <p:spTree>
+      <p:nvGrpSpPr>
+        <p:cNvPr id="1" name="Shape 107"/>
+        <p:cNvGrpSpPr/>
+        <p:nvPr/>
+      </p:nvGrpSpPr>
+      <p:grpSpPr>
+        <a:xfrm>
+          <a:off x="0" y="0"/>
+          <a:ext cx="0" cy="0"/>
+          <a:chOff x="0" y="0"/>
+          <a:chExt cx="0" cy="0"/>
+        </a:xfrm>
+      </p:grpSpPr>
+      <p:sp>
+        <p:nvSpPr>
+          <p:cNvPr id="108" name="Shape 108"/>
+          <p:cNvSpPr>
+            <a:spLocks noGrp="1" noRot="1" noChangeAspect="1"/>
+          </p:cNvSpPr>
+          <p:nvPr>
+            <p:ph type="sldImg" idx="2"/>
+          </p:nvPr>
+        </p:nvSpPr>
+        <p:spPr>
+          <a:xfrm>
+            <a:off x="381000" y="685800"/>
+            <a:ext cx="6096000" cy="3429000"/>
+          </a:xfrm>
+          <a:custGeom>
+            <a:avLst/>
+            <a:gdLst/>
+            <a:ahLst/>
+            <a:cxnLst/>
+            <a:rect l="0" t="0" r="0" b="0"/>
+            <a:pathLst>
+              <a:path w="120000" h="120000" extrusionOk="0">
+                <a:moveTo>
+                  <a:pt x="0" y="0"/>
+                </a:moveTo>
+                <a:lnTo>
+                  <a:pt x="120000" y="0"/>
+                </a:lnTo>
+                <a:lnTo>
+                  <a:pt x="120000" y="120000"/>
+                </a:lnTo>
+                <a:lnTo>
+                  <a:pt x="0" y="120000"/>
+                </a:lnTo>
+                <a:close/>
+              </a:path>
+            </a:pathLst>
+          </a:custGeom>
+        </p:spPr>
+      </p:sp>
+      <p:sp>
+        <p:nvSpPr>
+          <p:cNvPr id="109" name="Shape 109"/>
+          <p:cNvSpPr txBox="1">
+            <a:spLocks noGrp="1"/>
+          </p:cNvSpPr>
+          <p:nvPr>
+            <p:ph type="body" idx="1"/>
+          </p:nvPr>
+        </p:nvSpPr>
+        <p:spPr>
+          <a:xfrm>
+            <a:off x="685800" y="4343400"/>
+            <a:ext cx="5486399" cy="4114800"/>
+          </a:xfrm>
+          <a:prstGeom prst="rect">
+            <a:avLst/>
+          </a:prstGeom>
+        </p:spPr>
+        <p:txBody>
+          <a:bodyPr lIns="91425" tIns="91425" rIns="91425" bIns="91425" anchor="t" anchorCtr="0">
+            <a:noAutofit/>
+          </a:bodyPr>
+          <a:lstStyle/>
+          <a:p>
+            <a:endParaRPr lang="en-US" sz="1100" u="none" kern="1200" baseline="0" dirty="0" smtClean="0">
+              <a:solidFill>
+                <a:schemeClr val="tx1"/>
+              </a:solidFill>
+              <a:latin typeface="+mn-lt"/>
+              <a:ea typeface="+mn-ea"/>
+              <a:cs typeface="+mn-cs"/>
+            </a:endParaRPr>
           </a:p>
         </p:txBody>
       </p:sp>
@@ -4550,108 +4592,6 @@
 </file>
 
 <file path=ppt/notesSlides/notesSlide4.xml><?xml version="1.0" encoding="utf-8"?>
-<p:notes xmlns:a="http://schemas.openxmlformats.org/drawingml/2006/main" xmlns:r="http://schemas.openxmlformats.org/officeDocument/2006/relationships" xmlns:p="http://schemas.openxmlformats.org/presentationml/2006/main" showMasterSp="0" showMasterPhAnim="0">
-  <p:cSld>
-    <p:spTree>
-      <p:nvGrpSpPr>
-        <p:cNvPr id="1" name="Shape 107"/>
-        <p:cNvGrpSpPr/>
-        <p:nvPr/>
-      </p:nvGrpSpPr>
-      <p:grpSpPr>
-        <a:xfrm>
-          <a:off x="0" y="0"/>
-          <a:ext cx="0" cy="0"/>
-          <a:chOff x="0" y="0"/>
-          <a:chExt cx="0" cy="0"/>
-        </a:xfrm>
-      </p:grpSpPr>
-      <p:sp>
-        <p:nvSpPr>
-          <p:cNvPr id="108" name="Shape 108"/>
-          <p:cNvSpPr>
-            <a:spLocks noGrp="1" noRot="1" noChangeAspect="1"/>
-          </p:cNvSpPr>
-          <p:nvPr>
-            <p:ph type="sldImg" idx="2"/>
-          </p:nvPr>
-        </p:nvSpPr>
-        <p:spPr>
-          <a:xfrm>
-            <a:off x="381000" y="685800"/>
-            <a:ext cx="6096000" cy="3429000"/>
-          </a:xfrm>
-          <a:custGeom>
-            <a:avLst/>
-            <a:gdLst/>
-            <a:ahLst/>
-            <a:cxnLst/>
-            <a:rect l="0" t="0" r="0" b="0"/>
-            <a:pathLst>
-              <a:path w="120000" h="120000" extrusionOk="0">
-                <a:moveTo>
-                  <a:pt x="0" y="0"/>
-                </a:moveTo>
-                <a:lnTo>
-                  <a:pt x="120000" y="0"/>
-                </a:lnTo>
-                <a:lnTo>
-                  <a:pt x="120000" y="120000"/>
-                </a:lnTo>
-                <a:lnTo>
-                  <a:pt x="0" y="120000"/>
-                </a:lnTo>
-                <a:close/>
-              </a:path>
-            </a:pathLst>
-          </a:custGeom>
-        </p:spPr>
-      </p:sp>
-      <p:sp>
-        <p:nvSpPr>
-          <p:cNvPr id="109" name="Shape 109"/>
-          <p:cNvSpPr txBox="1">
-            <a:spLocks noGrp="1"/>
-          </p:cNvSpPr>
-          <p:nvPr>
-            <p:ph type="body" idx="1"/>
-          </p:nvPr>
-        </p:nvSpPr>
-        <p:spPr>
-          <a:xfrm>
-            <a:off x="685800" y="4343400"/>
-            <a:ext cx="5486399" cy="4114800"/>
-          </a:xfrm>
-          <a:prstGeom prst="rect">
-            <a:avLst/>
-          </a:prstGeom>
-        </p:spPr>
-        <p:txBody>
-          <a:bodyPr lIns="91425" tIns="91425" rIns="91425" bIns="91425" anchor="t" anchorCtr="0">
-            <a:noAutofit/>
-          </a:bodyPr>
-          <a:lstStyle/>
-          <a:p>
-            <a:endParaRPr lang="en-US" sz="1100" u="none" kern="1200" baseline="0" dirty="0" smtClean="0">
-              <a:solidFill>
-                <a:schemeClr val="tx1"/>
-              </a:solidFill>
-              <a:latin typeface="+mn-lt"/>
-              <a:ea typeface="+mn-ea"/>
-              <a:cs typeface="+mn-cs"/>
-            </a:endParaRPr>
-          </a:p>
-        </p:txBody>
-      </p:sp>
-    </p:spTree>
-  </p:cSld>
-  <p:clrMapOvr>
-    <a:masterClrMapping/>
-  </p:clrMapOvr>
-</p:notes>
-</file>
-
-<file path=ppt/notesSlides/notesSlide40.xml><?xml version="1.0" encoding="utf-8"?>
 <p:notes xmlns:a="http://schemas.openxmlformats.org/drawingml/2006/main" xmlns:r="http://schemas.openxmlformats.org/officeDocument/2006/relationships" xmlns:p="http://schemas.openxmlformats.org/presentationml/2006/main" showMasterSp="0" showMasterPhAnim="0">
   <p:cSld>
     <p:spTree>
@@ -11342,855 +11282,6 @@
   <p:cSld>
     <p:spTree>
       <p:nvGrpSpPr>
-        <p:cNvPr id="1" name="Shape 110"/>
-        <p:cNvGrpSpPr/>
-        <p:nvPr/>
-      </p:nvGrpSpPr>
-      <p:grpSpPr>
-        <a:xfrm>
-          <a:off x="0" y="0"/>
-          <a:ext cx="0" cy="0"/>
-          <a:chOff x="0" y="0"/>
-          <a:chExt cx="0" cy="0"/>
-        </a:xfrm>
-      </p:grpSpPr>
-      <p:sp>
-        <p:nvSpPr>
-          <p:cNvPr id="111" name="Shape 111"/>
-          <p:cNvSpPr txBox="1">
-            <a:spLocks noGrp="1"/>
-          </p:cNvSpPr>
-          <p:nvPr>
-            <p:ph type="title"/>
-          </p:nvPr>
-        </p:nvSpPr>
-        <p:spPr>
-          <a:xfrm>
-            <a:off x="1381250" y="876896"/>
-            <a:ext cx="5556490" cy="435599"/>
-          </a:xfrm>
-          <a:prstGeom prst="rect">
-            <a:avLst/>
-          </a:prstGeom>
-        </p:spPr>
-        <p:txBody>
-          <a:bodyPr lIns="91425" tIns="91425" rIns="91425" bIns="91425" anchor="ctr" anchorCtr="0">
-            <a:noAutofit/>
-          </a:bodyPr>
-          <a:lstStyle/>
-          <a:p>
-            <a:pPr lvl="0"/>
-            <a:r>
-              <a:rPr lang="en-US" sz="2800" dirty="0">
-                <a:latin typeface="Rockwell"/>
-                <a:cs typeface="Rockwell"/>
-              </a:rPr>
-              <a:t>Dose-Time-Response Model</a:t>
-            </a:r>
-            <a:endParaRPr lang="en" sz="2800" dirty="0">
-              <a:highlight>
-                <a:srgbClr val="FFCD00"/>
-              </a:highlight>
-              <a:latin typeface="Rockwell"/>
-              <a:cs typeface="Rockwell"/>
-            </a:endParaRPr>
-          </a:p>
-        </p:txBody>
-      </p:sp>
-      <p:sp>
-        <p:nvSpPr>
-          <p:cNvPr id="112" name="Shape 112"/>
-          <p:cNvSpPr txBox="1">
-            <a:spLocks noGrp="1"/>
-          </p:cNvSpPr>
-          <p:nvPr>
-            <p:ph type="body" idx="1"/>
-          </p:nvPr>
-        </p:nvSpPr>
-        <p:spPr>
-          <a:xfrm>
-            <a:off x="549158" y="1399053"/>
-            <a:ext cx="8134353" cy="3315346"/>
-          </a:xfrm>
-          <a:prstGeom prst="rect">
-            <a:avLst/>
-          </a:prstGeom>
-        </p:spPr>
-        <p:txBody>
-          <a:bodyPr lIns="91425" tIns="91425" rIns="91425" bIns="91425" anchor="t" anchorCtr="0">
-            <a:noAutofit/>
-          </a:bodyPr>
-          <a:lstStyle/>
-          <a:p>
-            <a:pPr marL="228600" lvl="0">
-              <a:lnSpc>
-                <a:spcPct val="120000"/>
-              </a:lnSpc>
-              <a:spcBef>
-                <a:spcPts val="0"/>
-              </a:spcBef>
-              <a:spcAft>
-                <a:spcPts val="1000"/>
-              </a:spcAft>
-              <a:buNone/>
-            </a:pPr>
-            <a:r>
-              <a:rPr lang="en-US" sz="2000" b="1" dirty="0">
-                <a:latin typeface="Garamond"/>
-                <a:cs typeface="Garamond"/>
-              </a:rPr>
-              <a:t>Model </a:t>
-            </a:r>
-            <a:r>
-              <a:rPr lang="en-US" sz="2000" b="1" dirty="0" smtClean="0">
-                <a:latin typeface="Garamond"/>
-                <a:cs typeface="Garamond"/>
-              </a:rPr>
-              <a:t>Extension</a:t>
-            </a:r>
-            <a:endParaRPr lang="en-US" sz="1800" dirty="0" smtClean="0">
-              <a:latin typeface="Garamond"/>
-              <a:cs typeface="Garamond"/>
-            </a:endParaRPr>
-          </a:p>
-          <a:p>
-            <a:pPr marL="514350" lvl="0" indent="-285750">
-              <a:lnSpc>
-                <a:spcPct val="120000"/>
-              </a:lnSpc>
-              <a:spcBef>
-                <a:spcPts val="0"/>
-              </a:spcBef>
-              <a:buFont typeface="Wingdings" charset="2"/>
-              <a:buChar char="v"/>
-            </a:pPr>
-            <a:r>
-              <a:rPr lang="en-US" sz="1800" dirty="0">
-                <a:latin typeface="Garamond"/>
-                <a:cs typeface="Garamond"/>
-              </a:rPr>
-              <a:t>Placebo response</a:t>
-            </a:r>
-          </a:p>
-          <a:p>
-            <a:pPr marL="514350" lvl="0" indent="-285750">
-              <a:lnSpc>
-                <a:spcPct val="120000"/>
-              </a:lnSpc>
-              <a:spcBef>
-                <a:spcPts val="0"/>
-              </a:spcBef>
-              <a:buFont typeface="Wingdings" charset="2"/>
-              <a:buChar char="v"/>
-            </a:pPr>
-            <a:r>
-              <a:rPr lang="en-US" sz="1800" dirty="0">
-                <a:latin typeface="Garamond"/>
-                <a:cs typeface="Garamond"/>
-              </a:rPr>
-              <a:t>Baseline covariates</a:t>
-            </a:r>
-          </a:p>
-          <a:p>
-            <a:pPr marL="514350" lvl="0" indent="-285750">
-              <a:lnSpc>
-                <a:spcPct val="120000"/>
-              </a:lnSpc>
-              <a:spcBef>
-                <a:spcPts val="0"/>
-              </a:spcBef>
-              <a:buFont typeface="Wingdings" charset="2"/>
-              <a:buChar char="v"/>
-            </a:pPr>
-            <a:r>
-              <a:rPr lang="en-US" sz="1800" dirty="0">
-                <a:latin typeface="Garamond"/>
-                <a:cs typeface="Garamond"/>
-              </a:rPr>
-              <a:t>Multiple doses</a:t>
-            </a:r>
-          </a:p>
-          <a:p>
-            <a:pPr marL="514350" lvl="0" indent="-285750">
-              <a:lnSpc>
-                <a:spcPct val="120000"/>
-              </a:lnSpc>
-              <a:spcBef>
-                <a:spcPts val="0"/>
-              </a:spcBef>
-              <a:buFont typeface="Wingdings" charset="2"/>
-              <a:buChar char="v"/>
-            </a:pPr>
-            <a:r>
-              <a:rPr lang="en-US" sz="1800" dirty="0">
-                <a:latin typeface="Garamond"/>
-                <a:cs typeface="Garamond"/>
-              </a:rPr>
-              <a:t>Route of administration</a:t>
-            </a:r>
-          </a:p>
-          <a:p>
-            <a:pPr marL="514350" lvl="0" indent="-285750">
-              <a:lnSpc>
-                <a:spcPct val="120000"/>
-              </a:lnSpc>
-              <a:spcBef>
-                <a:spcPts val="0"/>
-              </a:spcBef>
-              <a:buFont typeface="Wingdings" charset="2"/>
-              <a:buChar char="v"/>
-            </a:pPr>
-            <a:r>
-              <a:rPr lang="en-US" sz="1800" dirty="0">
-                <a:latin typeface="Garamond"/>
-                <a:cs typeface="Garamond"/>
-              </a:rPr>
-              <a:t>Residual error</a:t>
-            </a:r>
-          </a:p>
-          <a:p>
-            <a:pPr marL="514350" lvl="0" indent="-285750">
-              <a:lnSpc>
-                <a:spcPct val="120000"/>
-              </a:lnSpc>
-              <a:spcBef>
-                <a:spcPts val="0"/>
-              </a:spcBef>
-              <a:buFont typeface="Wingdings" charset="2"/>
-              <a:buChar char="v"/>
-            </a:pPr>
-            <a:r>
-              <a:rPr lang="en-US" sz="1800" dirty="0">
-                <a:latin typeface="Garamond"/>
-                <a:cs typeface="Garamond"/>
-              </a:rPr>
-              <a:t>Indirect-response models and turnover models</a:t>
-            </a:r>
-            <a:endParaRPr lang="en-US" sz="1800" dirty="0" smtClean="0">
-              <a:latin typeface="Garamond"/>
-              <a:cs typeface="Garamond"/>
-            </a:endParaRPr>
-          </a:p>
-          <a:p>
-            <a:pPr marL="514350" lvl="0" indent="-285750">
-              <a:lnSpc>
-                <a:spcPct val="120000"/>
-              </a:lnSpc>
-              <a:spcBef>
-                <a:spcPts val="0"/>
-              </a:spcBef>
-              <a:buFont typeface="Wingdings" charset="2"/>
-              <a:buChar char="v"/>
-            </a:pPr>
-            <a:endParaRPr lang="en-US" sz="1800" dirty="0" smtClean="0">
-              <a:latin typeface="Garamond"/>
-              <a:cs typeface="Garamond"/>
-            </a:endParaRPr>
-          </a:p>
-          <a:p>
-            <a:pPr marL="514350" indent="-285750">
-              <a:lnSpc>
-                <a:spcPct val="120000"/>
-              </a:lnSpc>
-              <a:spcBef>
-                <a:spcPts val="0"/>
-              </a:spcBef>
-              <a:buFont typeface="Wingdings" charset="2"/>
-              <a:buChar char="v"/>
-            </a:pPr>
-            <a:endParaRPr lang="en-US" sz="1800" dirty="0" smtClean="0">
-              <a:latin typeface="Garamond"/>
-              <a:cs typeface="Garamond"/>
-            </a:endParaRPr>
-          </a:p>
-        </p:txBody>
-      </p:sp>
-      <p:grpSp>
-        <p:nvGrpSpPr>
-          <p:cNvPr id="113" name="Shape 113"/>
-          <p:cNvGrpSpPr/>
-          <p:nvPr/>
-        </p:nvGrpSpPr>
-        <p:grpSpPr>
-          <a:xfrm>
-            <a:off x="916458" y="1019750"/>
-            <a:ext cx="214624" cy="214624"/>
-            <a:chOff x="2594050" y="1631825"/>
-            <a:chExt cx="439625" cy="439625"/>
-          </a:xfrm>
-        </p:grpSpPr>
-        <p:sp>
-          <p:nvSpPr>
-            <p:cNvPr id="114" name="Shape 114"/>
-            <p:cNvSpPr/>
-            <p:nvPr/>
-          </p:nvSpPr>
-          <p:spPr>
-            <a:xfrm>
-              <a:off x="2594050" y="1883300"/>
-              <a:ext cx="188175" cy="188150"/>
-            </a:xfrm>
-            <a:custGeom>
-              <a:avLst/>
-              <a:gdLst/>
-              <a:ahLst/>
-              <a:cxnLst/>
-              <a:rect l="0" t="0" r="0" b="0"/>
-              <a:pathLst>
-                <a:path w="7527" h="7526" fill="none" extrusionOk="0">
-                  <a:moveTo>
-                    <a:pt x="5992" y="0"/>
-                  </a:moveTo>
-                  <a:lnTo>
-                    <a:pt x="537" y="6430"/>
-                  </a:lnTo>
-                  <a:lnTo>
-                    <a:pt x="1" y="7526"/>
-                  </a:lnTo>
-                  <a:lnTo>
-                    <a:pt x="1097" y="6990"/>
-                  </a:lnTo>
-                  <a:lnTo>
-                    <a:pt x="7526" y="1534"/>
-                  </a:lnTo>
-                  <a:lnTo>
-                    <a:pt x="5992" y="0"/>
-                  </a:lnTo>
-                  <a:close/>
-                </a:path>
-              </a:pathLst>
-            </a:custGeom>
-            <a:noFill/>
-            <a:ln w="9525" cap="rnd" cmpd="sng">
-              <a:solidFill>
-                <a:srgbClr val="000000"/>
-              </a:solidFill>
-              <a:prstDash val="solid"/>
-              <a:round/>
-              <a:headEnd type="none" w="med" len="med"/>
-              <a:tailEnd type="none" w="med" len="med"/>
-            </a:ln>
-          </p:spPr>
-          <p:txBody>
-            <a:bodyPr lIns="91425" tIns="91425" rIns="91425" bIns="91425" anchor="ctr" anchorCtr="0">
-              <a:noAutofit/>
-            </a:bodyPr>
-            <a:lstStyle/>
-            <a:p>
-              <a:pPr lvl="0">
-                <a:spcBef>
-                  <a:spcPts val="0"/>
-                </a:spcBef>
-                <a:buNone/>
-              </a:pPr>
-              <a:endParaRPr/>
-            </a:p>
-          </p:txBody>
-        </p:sp>
-        <p:sp>
-          <p:nvSpPr>
-            <p:cNvPr id="115" name="Shape 115"/>
-            <p:cNvSpPr/>
-            <p:nvPr/>
-          </p:nvSpPr>
-          <p:spPr>
-            <a:xfrm>
-              <a:off x="2857700" y="1631825"/>
-              <a:ext cx="175975" cy="176000"/>
-            </a:xfrm>
-            <a:custGeom>
-              <a:avLst/>
-              <a:gdLst/>
-              <a:ahLst/>
-              <a:cxnLst/>
-              <a:rect l="0" t="0" r="0" b="0"/>
-              <a:pathLst>
-                <a:path w="7039" h="7040" fill="none" extrusionOk="0">
-                  <a:moveTo>
-                    <a:pt x="268" y="2704"/>
-                  </a:moveTo>
-                  <a:lnTo>
-                    <a:pt x="4336" y="6771"/>
-                  </a:lnTo>
-                  <a:lnTo>
-                    <a:pt x="4336" y="6771"/>
-                  </a:lnTo>
-                  <a:lnTo>
-                    <a:pt x="4336" y="6771"/>
-                  </a:lnTo>
-                  <a:lnTo>
-                    <a:pt x="4652" y="6917"/>
-                  </a:lnTo>
-                  <a:lnTo>
-                    <a:pt x="4993" y="7015"/>
-                  </a:lnTo>
-                  <a:lnTo>
-                    <a:pt x="5310" y="7039"/>
-                  </a:lnTo>
-                  <a:lnTo>
-                    <a:pt x="5651" y="7039"/>
-                  </a:lnTo>
-                  <a:lnTo>
-                    <a:pt x="5992" y="6966"/>
-                  </a:lnTo>
-                  <a:lnTo>
-                    <a:pt x="6308" y="6844"/>
-                  </a:lnTo>
-                  <a:lnTo>
-                    <a:pt x="6454" y="6747"/>
-                  </a:lnTo>
-                  <a:lnTo>
-                    <a:pt x="6601" y="6674"/>
-                  </a:lnTo>
-                  <a:lnTo>
-                    <a:pt x="6747" y="6552"/>
-                  </a:lnTo>
-                  <a:lnTo>
-                    <a:pt x="6893" y="6430"/>
-                  </a:lnTo>
-                  <a:lnTo>
-                    <a:pt x="6893" y="6430"/>
-                  </a:lnTo>
-                  <a:lnTo>
-                    <a:pt x="6942" y="6357"/>
-                  </a:lnTo>
-                  <a:lnTo>
-                    <a:pt x="7015" y="6260"/>
-                  </a:lnTo>
-                  <a:lnTo>
-                    <a:pt x="7039" y="6138"/>
-                  </a:lnTo>
-                  <a:lnTo>
-                    <a:pt x="7039" y="6041"/>
-                  </a:lnTo>
-                  <a:lnTo>
-                    <a:pt x="7039" y="6041"/>
-                  </a:lnTo>
-                  <a:lnTo>
-                    <a:pt x="7039" y="5943"/>
-                  </a:lnTo>
-                  <a:lnTo>
-                    <a:pt x="7015" y="5846"/>
-                  </a:lnTo>
-                  <a:lnTo>
-                    <a:pt x="6942" y="5748"/>
-                  </a:lnTo>
-                  <a:lnTo>
-                    <a:pt x="6893" y="5651"/>
-                  </a:lnTo>
-                  <a:lnTo>
-                    <a:pt x="1389" y="147"/>
-                  </a:lnTo>
-                  <a:lnTo>
-                    <a:pt x="1389" y="147"/>
-                  </a:lnTo>
-                  <a:lnTo>
-                    <a:pt x="1291" y="98"/>
-                  </a:lnTo>
-                  <a:lnTo>
-                    <a:pt x="1194" y="25"/>
-                  </a:lnTo>
-                  <a:lnTo>
-                    <a:pt x="1096" y="0"/>
-                  </a:lnTo>
-                  <a:lnTo>
-                    <a:pt x="999" y="0"/>
-                  </a:lnTo>
-                  <a:lnTo>
-                    <a:pt x="999" y="0"/>
-                  </a:lnTo>
-                  <a:lnTo>
-                    <a:pt x="902" y="0"/>
-                  </a:lnTo>
-                  <a:lnTo>
-                    <a:pt x="780" y="25"/>
-                  </a:lnTo>
-                  <a:lnTo>
-                    <a:pt x="682" y="98"/>
-                  </a:lnTo>
-                  <a:lnTo>
-                    <a:pt x="609" y="147"/>
-                  </a:lnTo>
-                  <a:lnTo>
-                    <a:pt x="609" y="147"/>
-                  </a:lnTo>
-                  <a:lnTo>
-                    <a:pt x="487" y="293"/>
-                  </a:lnTo>
-                  <a:lnTo>
-                    <a:pt x="366" y="439"/>
-                  </a:lnTo>
-                  <a:lnTo>
-                    <a:pt x="293" y="585"/>
-                  </a:lnTo>
-                  <a:lnTo>
-                    <a:pt x="195" y="731"/>
-                  </a:lnTo>
-                  <a:lnTo>
-                    <a:pt x="73" y="1048"/>
-                  </a:lnTo>
-                  <a:lnTo>
-                    <a:pt x="0" y="1389"/>
-                  </a:lnTo>
-                  <a:lnTo>
-                    <a:pt x="0" y="1730"/>
-                  </a:lnTo>
-                  <a:lnTo>
-                    <a:pt x="25" y="2046"/>
-                  </a:lnTo>
-                  <a:lnTo>
-                    <a:pt x="122" y="2387"/>
-                  </a:lnTo>
-                  <a:lnTo>
-                    <a:pt x="268" y="2704"/>
-                  </a:lnTo>
-                  <a:lnTo>
-                    <a:pt x="268" y="2704"/>
-                  </a:lnTo>
-                  <a:close/>
-                </a:path>
-              </a:pathLst>
-            </a:custGeom>
-            <a:noFill/>
-            <a:ln w="9525" cap="rnd" cmpd="sng">
-              <a:solidFill>
-                <a:srgbClr val="000000"/>
-              </a:solidFill>
-              <a:prstDash val="solid"/>
-              <a:round/>
-              <a:headEnd type="none" w="med" len="med"/>
-              <a:tailEnd type="none" w="med" len="med"/>
-            </a:ln>
-          </p:spPr>
-          <p:txBody>
-            <a:bodyPr lIns="91425" tIns="91425" rIns="91425" bIns="91425" anchor="ctr" anchorCtr="0">
-              <a:noAutofit/>
-            </a:bodyPr>
-            <a:lstStyle/>
-            <a:p>
-              <a:pPr lvl="0">
-                <a:spcBef>
-                  <a:spcPts val="0"/>
-                </a:spcBef>
-                <a:buNone/>
-              </a:pPr>
-              <a:endParaRPr/>
-            </a:p>
-          </p:txBody>
-        </p:sp>
-        <p:sp>
-          <p:nvSpPr>
-            <p:cNvPr id="116" name="Shape 116"/>
-            <p:cNvSpPr/>
-            <p:nvPr/>
-          </p:nvSpPr>
-          <p:spPr>
-            <a:xfrm>
-              <a:off x="2662850" y="1699400"/>
-              <a:ext cx="303250" cy="303250"/>
-            </a:xfrm>
-            <a:custGeom>
-              <a:avLst/>
-              <a:gdLst/>
-              <a:ahLst/>
-              <a:cxnLst/>
-              <a:rect l="0" t="0" r="0" b="0"/>
-              <a:pathLst>
-                <a:path w="12130" h="12130" fill="none" extrusionOk="0">
-                  <a:moveTo>
-                    <a:pt x="8038" y="1"/>
-                  </a:moveTo>
-                  <a:lnTo>
-                    <a:pt x="4872" y="3191"/>
-                  </a:lnTo>
-                  <a:lnTo>
-                    <a:pt x="4872" y="3191"/>
-                  </a:lnTo>
-                  <a:lnTo>
-                    <a:pt x="4628" y="3094"/>
-                  </a:lnTo>
-                  <a:lnTo>
-                    <a:pt x="4385" y="2997"/>
-                  </a:lnTo>
-                  <a:lnTo>
-                    <a:pt x="4092" y="2899"/>
-                  </a:lnTo>
-                  <a:lnTo>
-                    <a:pt x="3800" y="2850"/>
-                  </a:lnTo>
-                  <a:lnTo>
-                    <a:pt x="3484" y="2777"/>
-                  </a:lnTo>
-                  <a:lnTo>
-                    <a:pt x="3167" y="2729"/>
-                  </a:lnTo>
-                  <a:lnTo>
-                    <a:pt x="2850" y="2704"/>
-                  </a:lnTo>
-                  <a:lnTo>
-                    <a:pt x="2534" y="2704"/>
-                  </a:lnTo>
-                  <a:lnTo>
-                    <a:pt x="2534" y="2704"/>
-                  </a:lnTo>
-                  <a:lnTo>
-                    <a:pt x="2241" y="2704"/>
-                  </a:lnTo>
-                  <a:lnTo>
-                    <a:pt x="1949" y="2729"/>
-                  </a:lnTo>
-                  <a:lnTo>
-                    <a:pt x="1633" y="2777"/>
-                  </a:lnTo>
-                  <a:lnTo>
-                    <a:pt x="1316" y="2850"/>
-                  </a:lnTo>
-                  <a:lnTo>
-                    <a:pt x="999" y="2972"/>
-                  </a:lnTo>
-                  <a:lnTo>
-                    <a:pt x="707" y="3094"/>
-                  </a:lnTo>
-                  <a:lnTo>
-                    <a:pt x="415" y="3289"/>
-                  </a:lnTo>
-                  <a:lnTo>
-                    <a:pt x="147" y="3508"/>
-                  </a:lnTo>
-                  <a:lnTo>
-                    <a:pt x="147" y="3508"/>
-                  </a:lnTo>
-                  <a:lnTo>
-                    <a:pt x="74" y="3581"/>
-                  </a:lnTo>
-                  <a:lnTo>
-                    <a:pt x="25" y="3678"/>
-                  </a:lnTo>
-                  <a:lnTo>
-                    <a:pt x="1" y="3776"/>
-                  </a:lnTo>
-                  <a:lnTo>
-                    <a:pt x="1" y="3898"/>
-                  </a:lnTo>
-                  <a:lnTo>
-                    <a:pt x="1" y="3898"/>
-                  </a:lnTo>
-                  <a:lnTo>
-                    <a:pt x="1" y="3995"/>
-                  </a:lnTo>
-                  <a:lnTo>
-                    <a:pt x="25" y="4093"/>
-                  </a:lnTo>
-                  <a:lnTo>
-                    <a:pt x="74" y="4190"/>
-                  </a:lnTo>
-                  <a:lnTo>
-                    <a:pt x="147" y="4287"/>
-                  </a:lnTo>
-                  <a:lnTo>
-                    <a:pt x="7843" y="11984"/>
-                  </a:lnTo>
-                  <a:lnTo>
-                    <a:pt x="7843" y="11984"/>
-                  </a:lnTo>
-                  <a:lnTo>
-                    <a:pt x="7941" y="12057"/>
-                  </a:lnTo>
-                  <a:lnTo>
-                    <a:pt x="8038" y="12105"/>
-                  </a:lnTo>
-                  <a:lnTo>
-                    <a:pt x="8135" y="12130"/>
-                  </a:lnTo>
-                  <a:lnTo>
-                    <a:pt x="8233" y="12130"/>
-                  </a:lnTo>
-                  <a:lnTo>
-                    <a:pt x="8233" y="12130"/>
-                  </a:lnTo>
-                  <a:lnTo>
-                    <a:pt x="8355" y="12130"/>
-                  </a:lnTo>
-                  <a:lnTo>
-                    <a:pt x="8452" y="12105"/>
-                  </a:lnTo>
-                  <a:lnTo>
-                    <a:pt x="8549" y="12057"/>
-                  </a:lnTo>
-                  <a:lnTo>
-                    <a:pt x="8622" y="11984"/>
-                  </a:lnTo>
-                  <a:lnTo>
-                    <a:pt x="8622" y="11984"/>
-                  </a:lnTo>
-                  <a:lnTo>
-                    <a:pt x="8842" y="11716"/>
-                  </a:lnTo>
-                  <a:lnTo>
-                    <a:pt x="9036" y="11423"/>
-                  </a:lnTo>
-                  <a:lnTo>
-                    <a:pt x="9158" y="11131"/>
-                  </a:lnTo>
-                  <a:lnTo>
-                    <a:pt x="9280" y="10814"/>
-                  </a:lnTo>
-                  <a:lnTo>
-                    <a:pt x="9353" y="10498"/>
-                  </a:lnTo>
-                  <a:lnTo>
-                    <a:pt x="9402" y="10181"/>
-                  </a:lnTo>
-                  <a:lnTo>
-                    <a:pt x="9426" y="9889"/>
-                  </a:lnTo>
-                  <a:lnTo>
-                    <a:pt x="9426" y="9597"/>
-                  </a:lnTo>
-                  <a:lnTo>
-                    <a:pt x="9426" y="9597"/>
-                  </a:lnTo>
-                  <a:lnTo>
-                    <a:pt x="9426" y="9280"/>
-                  </a:lnTo>
-                  <a:lnTo>
-                    <a:pt x="9402" y="8964"/>
-                  </a:lnTo>
-                  <a:lnTo>
-                    <a:pt x="9353" y="8647"/>
-                  </a:lnTo>
-                  <a:lnTo>
-                    <a:pt x="9280" y="8330"/>
-                  </a:lnTo>
-                  <a:lnTo>
-                    <a:pt x="9231" y="8038"/>
-                  </a:lnTo>
-                  <a:lnTo>
-                    <a:pt x="9134" y="7746"/>
-                  </a:lnTo>
-                  <a:lnTo>
-                    <a:pt x="9036" y="7502"/>
-                  </a:lnTo>
-                  <a:lnTo>
-                    <a:pt x="8939" y="7259"/>
-                  </a:lnTo>
-                  <a:lnTo>
-                    <a:pt x="12130" y="4093"/>
-                  </a:lnTo>
-                </a:path>
-              </a:pathLst>
-            </a:custGeom>
-            <a:noFill/>
-            <a:ln w="9525" cap="rnd" cmpd="sng">
-              <a:solidFill>
-                <a:srgbClr val="000000"/>
-              </a:solidFill>
-              <a:prstDash val="solid"/>
-              <a:round/>
-              <a:headEnd type="none" w="med" len="med"/>
-              <a:tailEnd type="none" w="med" len="med"/>
-            </a:ln>
-          </p:spPr>
-          <p:txBody>
-            <a:bodyPr lIns="91425" tIns="91425" rIns="91425" bIns="91425" anchor="ctr" anchorCtr="0">
-              <a:noAutofit/>
-            </a:bodyPr>
-            <a:lstStyle/>
-            <a:p>
-              <a:pPr lvl="0">
-                <a:spcBef>
-                  <a:spcPts val="0"/>
-                </a:spcBef>
-                <a:buNone/>
-              </a:pPr>
-              <a:endParaRPr/>
-            </a:p>
-          </p:txBody>
-        </p:sp>
-        <p:sp>
-          <p:nvSpPr>
-            <p:cNvPr id="117" name="Shape 117"/>
-            <p:cNvSpPr/>
-            <p:nvPr/>
-          </p:nvSpPr>
-          <p:spPr>
-            <a:xfrm>
-              <a:off x="2814911" y="1754061"/>
-              <a:ext cx="49950" cy="49950"/>
-            </a:xfrm>
-            <a:custGeom>
-              <a:avLst/>
-              <a:gdLst/>
-              <a:ahLst/>
-              <a:cxnLst/>
-              <a:rect l="0" t="0" r="0" b="0"/>
-              <a:pathLst>
-                <a:path w="1998" h="1998" fill="none" extrusionOk="0">
-                  <a:moveTo>
-                    <a:pt x="1" y="1997"/>
-                  </a:moveTo>
-                  <a:lnTo>
-                    <a:pt x="1998" y="0"/>
-                  </a:lnTo>
-                </a:path>
-              </a:pathLst>
-            </a:custGeom>
-            <a:noFill/>
-            <a:ln w="9525" cap="rnd" cmpd="sng">
-              <a:solidFill>
-                <a:srgbClr val="000000"/>
-              </a:solidFill>
-              <a:prstDash val="solid"/>
-              <a:round/>
-              <a:headEnd type="none" w="med" len="med"/>
-              <a:tailEnd type="none" w="med" len="med"/>
-            </a:ln>
-          </p:spPr>
-          <p:txBody>
-            <a:bodyPr lIns="91425" tIns="91425" rIns="91425" bIns="91425" anchor="ctr" anchorCtr="0">
-              <a:noAutofit/>
-            </a:bodyPr>
-            <a:lstStyle/>
-            <a:p>
-              <a:pPr lvl="0">
-                <a:spcBef>
-                  <a:spcPts val="0"/>
-                </a:spcBef>
-                <a:buNone/>
-              </a:pPr>
-              <a:endParaRPr/>
-            </a:p>
-          </p:txBody>
-        </p:sp>
-      </p:grpSp>
-    </p:spTree>
-    <p:extLst>
-      <p:ext uri="{BB962C8B-B14F-4D97-AF65-F5344CB8AC3E}">
-        <p14:creationId xmlns:p14="http://schemas.microsoft.com/office/powerpoint/2010/main" val="2497695029"/>
-      </p:ext>
-    </p:extLst>
-  </p:cSld>
-  <p:clrMapOvr>
-    <a:masterClrMapping/>
-  </p:clrMapOvr>
-  <p:transition xmlns:p14="http://schemas.microsoft.com/office/powerpoint/2010/main" spd="slow">
-    <p:cut/>
-  </p:transition>
-  <p:timing>
-    <p:tnLst>
-      <p:par>
-        <p:cTn xmlns:p14="http://schemas.microsoft.com/office/powerpoint/2010/main" id="1" dur="indefinite" restart="never" nodeType="tmRoot"/>
-      </p:par>
-    </p:tnLst>
-  </p:timing>
-</p:sld>
-</file>
-
-<file path=ppt/slides/slide15.xml><?xml version="1.0" encoding="utf-8"?>
-<p:sld xmlns:a="http://schemas.openxmlformats.org/drawingml/2006/main" xmlns:r="http://schemas.openxmlformats.org/officeDocument/2006/relationships" xmlns:p="http://schemas.openxmlformats.org/presentationml/2006/main">
-  <p:cSld>
-    <p:spTree>
-      <p:nvGrpSpPr>
         <p:cNvPr id="1" name="Shape 98"/>
         <p:cNvGrpSpPr/>
         <p:nvPr/>
@@ -12326,7 +11417,7 @@
 </p:sld>
 </file>
 
-<file path=ppt/slides/slide16.xml><?xml version="1.0" encoding="utf-8"?>
+<file path=ppt/slides/slide15.xml><?xml version="1.0" encoding="utf-8"?>
 <p:sld xmlns:a="http://schemas.openxmlformats.org/drawingml/2006/main" xmlns:r="http://schemas.openxmlformats.org/officeDocument/2006/relationships" xmlns:p="http://schemas.openxmlformats.org/presentationml/2006/main">
   <p:cSld>
     <p:spTree>
@@ -13194,7 +12285,7 @@
 </p:sld>
 </file>
 
-<file path=ppt/slides/slide17.xml><?xml version="1.0" encoding="utf-8"?>
+<file path=ppt/slides/slide16.xml><?xml version="1.0" encoding="utf-8"?>
 <p:sld xmlns:a="http://schemas.openxmlformats.org/drawingml/2006/main" xmlns:r="http://schemas.openxmlformats.org/officeDocument/2006/relationships" xmlns:p="http://schemas.openxmlformats.org/presentationml/2006/main">
   <p:cSld>
     <p:spTree>
@@ -13919,7 +13010,7 @@
 </p:sld>
 </file>
 
-<file path=ppt/slides/slide18.xml><?xml version="1.0" encoding="utf-8"?>
+<file path=ppt/slides/slide17.xml><?xml version="1.0" encoding="utf-8"?>
 <p:sld xmlns:a="http://schemas.openxmlformats.org/drawingml/2006/main" xmlns:r="http://schemas.openxmlformats.org/officeDocument/2006/relationships" xmlns:p="http://schemas.openxmlformats.org/presentationml/2006/main">
   <p:cSld>
     <p:spTree>
@@ -14784,7 +13875,7 @@
 </p:sld>
 </file>
 
-<file path=ppt/slides/slide19.xml><?xml version="1.0" encoding="utf-8"?>
+<file path=ppt/slides/slide18.xml><?xml version="1.0" encoding="utf-8"?>
 <p:sld xmlns:a="http://schemas.openxmlformats.org/drawingml/2006/main" xmlns:r="http://schemas.openxmlformats.org/officeDocument/2006/relationships" xmlns:p="http://schemas.openxmlformats.org/presentationml/2006/main">
   <p:cSld>
     <p:spTree>
@@ -14837,7 +13928,14 @@
                 <a:latin typeface="Rockwell"/>
                 <a:cs typeface="Rockwell"/>
               </a:rPr>
-              <a:t>Clinical Trail</a:t>
+              <a:t>Clinical </a:t>
+            </a:r>
+            <a:r>
+              <a:rPr lang="en-US" dirty="0" smtClean="0">
+                <a:latin typeface="Rockwell"/>
+                <a:cs typeface="Rockwell"/>
+              </a:rPr>
+              <a:t>Trial</a:t>
             </a:r>
             <a:endParaRPr lang="en" dirty="0">
               <a:latin typeface="Rockwell"/>
@@ -14905,6 +14003,762 @@
     <p:extLst>
       <p:ext uri="{BB962C8B-B14F-4D97-AF65-F5344CB8AC3E}">
         <p14:creationId xmlns:p14="http://schemas.microsoft.com/office/powerpoint/2010/main" val="810476638"/>
+      </p:ext>
+    </p:extLst>
+  </p:cSld>
+  <p:clrMapOvr>
+    <a:masterClrMapping/>
+  </p:clrMapOvr>
+  <p:transition xmlns:p14="http://schemas.microsoft.com/office/powerpoint/2010/main" spd="slow">
+    <p:cut/>
+  </p:transition>
+  <p:timing>
+    <p:tnLst>
+      <p:par>
+        <p:cTn xmlns:p14="http://schemas.microsoft.com/office/powerpoint/2010/main" id="1" dur="indefinite" restart="never" nodeType="tmRoot"/>
+      </p:par>
+    </p:tnLst>
+  </p:timing>
+</p:sld>
+</file>
+
+<file path=ppt/slides/slide19.xml><?xml version="1.0" encoding="utf-8"?>
+<p:sld xmlns:a="http://schemas.openxmlformats.org/drawingml/2006/main" xmlns:r="http://schemas.openxmlformats.org/officeDocument/2006/relationships" xmlns:p="http://schemas.openxmlformats.org/presentationml/2006/main">
+  <p:cSld>
+    <p:spTree>
+      <p:nvGrpSpPr>
+        <p:cNvPr id="1" name="Shape 110"/>
+        <p:cNvGrpSpPr/>
+        <p:nvPr/>
+      </p:nvGrpSpPr>
+      <p:grpSpPr>
+        <a:xfrm>
+          <a:off x="0" y="0"/>
+          <a:ext cx="0" cy="0"/>
+          <a:chOff x="0" y="0"/>
+          <a:chExt cx="0" cy="0"/>
+        </a:xfrm>
+      </p:grpSpPr>
+      <p:sp>
+        <p:nvSpPr>
+          <p:cNvPr id="111" name="Shape 111"/>
+          <p:cNvSpPr txBox="1">
+            <a:spLocks noGrp="1"/>
+          </p:cNvSpPr>
+          <p:nvPr>
+            <p:ph type="title"/>
+          </p:nvPr>
+        </p:nvSpPr>
+        <p:spPr>
+          <a:xfrm>
+            <a:off x="1381250" y="876896"/>
+            <a:ext cx="3878399" cy="435599"/>
+          </a:xfrm>
+          <a:prstGeom prst="rect">
+            <a:avLst/>
+          </a:prstGeom>
+        </p:spPr>
+        <p:txBody>
+          <a:bodyPr lIns="91425" tIns="91425" rIns="91425" bIns="91425" anchor="ctr" anchorCtr="0">
+            <a:noAutofit/>
+          </a:bodyPr>
+          <a:lstStyle/>
+          <a:p>
+            <a:pPr lvl="0">
+              <a:spcBef>
+                <a:spcPts val="0"/>
+              </a:spcBef>
+              <a:buNone/>
+            </a:pPr>
+            <a:r>
+              <a:rPr lang="en-US" sz="2800" dirty="0" smtClean="0">
+                <a:latin typeface="Rockwell"/>
+                <a:cs typeface="Rockwell"/>
+              </a:rPr>
+              <a:t>Clinical </a:t>
+            </a:r>
+            <a:r>
+              <a:rPr lang="en-US" sz="2800" dirty="0" smtClean="0">
+                <a:latin typeface="Rockwell"/>
+                <a:cs typeface="Rockwell"/>
+              </a:rPr>
+              <a:t>Trial</a:t>
+            </a:r>
+            <a:endParaRPr lang="en" sz="2800" dirty="0">
+              <a:highlight>
+                <a:srgbClr val="FFCD00"/>
+              </a:highlight>
+              <a:latin typeface="Rockwell"/>
+              <a:cs typeface="Rockwell"/>
+            </a:endParaRPr>
+          </a:p>
+        </p:txBody>
+      </p:sp>
+      <p:sp>
+        <p:nvSpPr>
+          <p:cNvPr id="112" name="Shape 112"/>
+          <p:cNvSpPr txBox="1">
+            <a:spLocks noGrp="1"/>
+          </p:cNvSpPr>
+          <p:nvPr>
+            <p:ph type="body" idx="1"/>
+          </p:nvPr>
+        </p:nvSpPr>
+        <p:spPr>
+          <a:xfrm>
+            <a:off x="549158" y="1399053"/>
+            <a:ext cx="8134353" cy="3315346"/>
+          </a:xfrm>
+          <a:prstGeom prst="rect">
+            <a:avLst/>
+          </a:prstGeom>
+        </p:spPr>
+        <p:txBody>
+          <a:bodyPr lIns="91425" tIns="91425" rIns="91425" bIns="91425" anchor="t" anchorCtr="0">
+            <a:noAutofit/>
+          </a:bodyPr>
+          <a:lstStyle/>
+          <a:p>
+            <a:pPr marL="228600" lvl="0">
+              <a:lnSpc>
+                <a:spcPct val="120000"/>
+              </a:lnSpc>
+              <a:spcBef>
+                <a:spcPts val="0"/>
+              </a:spcBef>
+              <a:spcAft>
+                <a:spcPts val="1000"/>
+              </a:spcAft>
+              <a:buNone/>
+            </a:pPr>
+            <a:r>
+              <a:rPr lang="en-US" sz="2000" b="1" dirty="0" smtClean="0">
+                <a:latin typeface="Garamond"/>
+                <a:cs typeface="Garamond"/>
+              </a:rPr>
+              <a:t>Objectives</a:t>
+            </a:r>
+          </a:p>
+          <a:p>
+            <a:pPr marL="514350" lvl="0" indent="-285750">
+              <a:lnSpc>
+                <a:spcPct val="120000"/>
+              </a:lnSpc>
+              <a:spcBef>
+                <a:spcPts val="0"/>
+              </a:spcBef>
+              <a:buFont typeface="Wingdings" charset="2"/>
+              <a:buChar char="v"/>
+            </a:pPr>
+            <a:r>
+              <a:rPr lang="en-US" sz="1800" dirty="0" smtClean="0">
+                <a:latin typeface="Garamond"/>
+                <a:cs typeface="Garamond"/>
+              </a:rPr>
+              <a:t>To evaluate the </a:t>
+            </a:r>
+            <a:r>
+              <a:rPr lang="en-US" sz="1800" dirty="0">
+                <a:latin typeface="Garamond"/>
+                <a:cs typeface="Garamond"/>
+              </a:rPr>
+              <a:t>fitness of the dose-time-response model in the clinical </a:t>
+            </a:r>
+            <a:r>
+              <a:rPr lang="en-US" sz="1800" dirty="0" smtClean="0">
+                <a:latin typeface="Garamond"/>
+                <a:cs typeface="Garamond"/>
+              </a:rPr>
+              <a:t>trial</a:t>
+            </a:r>
+            <a:endParaRPr lang="en-US" sz="1800" dirty="0">
+              <a:latin typeface="Garamond"/>
+              <a:cs typeface="Garamond"/>
+            </a:endParaRPr>
+          </a:p>
+          <a:p>
+            <a:pPr marL="514350" lvl="0" indent="-285750">
+              <a:lnSpc>
+                <a:spcPct val="120000"/>
+              </a:lnSpc>
+              <a:spcBef>
+                <a:spcPts val="0"/>
+              </a:spcBef>
+              <a:buFont typeface="Wingdings" charset="2"/>
+              <a:buChar char="v"/>
+            </a:pPr>
+            <a:r>
+              <a:rPr lang="en-US" sz="1800" dirty="0">
+                <a:latin typeface="Garamond"/>
+                <a:cs typeface="Garamond"/>
+              </a:rPr>
+              <a:t>To evaluate the accuracy of the dose-time-response model predictions of the untested treatment regimens response</a:t>
+            </a:r>
+          </a:p>
+        </p:txBody>
+      </p:sp>
+      <p:grpSp>
+        <p:nvGrpSpPr>
+          <p:cNvPr id="113" name="Shape 113"/>
+          <p:cNvGrpSpPr/>
+          <p:nvPr/>
+        </p:nvGrpSpPr>
+        <p:grpSpPr>
+          <a:xfrm>
+            <a:off x="916458" y="1019750"/>
+            <a:ext cx="214624" cy="214624"/>
+            <a:chOff x="2594050" y="1631825"/>
+            <a:chExt cx="439625" cy="439625"/>
+          </a:xfrm>
+        </p:grpSpPr>
+        <p:sp>
+          <p:nvSpPr>
+            <p:cNvPr id="114" name="Shape 114"/>
+            <p:cNvSpPr/>
+            <p:nvPr/>
+          </p:nvSpPr>
+          <p:spPr>
+            <a:xfrm>
+              <a:off x="2594050" y="1883300"/>
+              <a:ext cx="188175" cy="188150"/>
+            </a:xfrm>
+            <a:custGeom>
+              <a:avLst/>
+              <a:gdLst/>
+              <a:ahLst/>
+              <a:cxnLst/>
+              <a:rect l="0" t="0" r="0" b="0"/>
+              <a:pathLst>
+                <a:path w="7527" h="7526" fill="none" extrusionOk="0">
+                  <a:moveTo>
+                    <a:pt x="5992" y="0"/>
+                  </a:moveTo>
+                  <a:lnTo>
+                    <a:pt x="537" y="6430"/>
+                  </a:lnTo>
+                  <a:lnTo>
+                    <a:pt x="1" y="7526"/>
+                  </a:lnTo>
+                  <a:lnTo>
+                    <a:pt x="1097" y="6990"/>
+                  </a:lnTo>
+                  <a:lnTo>
+                    <a:pt x="7526" y="1534"/>
+                  </a:lnTo>
+                  <a:lnTo>
+                    <a:pt x="5992" y="0"/>
+                  </a:lnTo>
+                  <a:close/>
+                </a:path>
+              </a:pathLst>
+            </a:custGeom>
+            <a:noFill/>
+            <a:ln w="9525" cap="rnd" cmpd="sng">
+              <a:solidFill>
+                <a:srgbClr val="000000"/>
+              </a:solidFill>
+              <a:prstDash val="solid"/>
+              <a:round/>
+              <a:headEnd type="none" w="med" len="med"/>
+              <a:tailEnd type="none" w="med" len="med"/>
+            </a:ln>
+          </p:spPr>
+          <p:txBody>
+            <a:bodyPr lIns="91425" tIns="91425" rIns="91425" bIns="91425" anchor="ctr" anchorCtr="0">
+              <a:noAutofit/>
+            </a:bodyPr>
+            <a:lstStyle/>
+            <a:p>
+              <a:pPr lvl="0">
+                <a:spcBef>
+                  <a:spcPts val="0"/>
+                </a:spcBef>
+                <a:buNone/>
+              </a:pPr>
+              <a:endParaRPr/>
+            </a:p>
+          </p:txBody>
+        </p:sp>
+        <p:sp>
+          <p:nvSpPr>
+            <p:cNvPr id="115" name="Shape 115"/>
+            <p:cNvSpPr/>
+            <p:nvPr/>
+          </p:nvSpPr>
+          <p:spPr>
+            <a:xfrm>
+              <a:off x="2857700" y="1631825"/>
+              <a:ext cx="175975" cy="176000"/>
+            </a:xfrm>
+            <a:custGeom>
+              <a:avLst/>
+              <a:gdLst/>
+              <a:ahLst/>
+              <a:cxnLst/>
+              <a:rect l="0" t="0" r="0" b="0"/>
+              <a:pathLst>
+                <a:path w="7039" h="7040" fill="none" extrusionOk="0">
+                  <a:moveTo>
+                    <a:pt x="268" y="2704"/>
+                  </a:moveTo>
+                  <a:lnTo>
+                    <a:pt x="4336" y="6771"/>
+                  </a:lnTo>
+                  <a:lnTo>
+                    <a:pt x="4336" y="6771"/>
+                  </a:lnTo>
+                  <a:lnTo>
+                    <a:pt x="4336" y="6771"/>
+                  </a:lnTo>
+                  <a:lnTo>
+                    <a:pt x="4652" y="6917"/>
+                  </a:lnTo>
+                  <a:lnTo>
+                    <a:pt x="4993" y="7015"/>
+                  </a:lnTo>
+                  <a:lnTo>
+                    <a:pt x="5310" y="7039"/>
+                  </a:lnTo>
+                  <a:lnTo>
+                    <a:pt x="5651" y="7039"/>
+                  </a:lnTo>
+                  <a:lnTo>
+                    <a:pt x="5992" y="6966"/>
+                  </a:lnTo>
+                  <a:lnTo>
+                    <a:pt x="6308" y="6844"/>
+                  </a:lnTo>
+                  <a:lnTo>
+                    <a:pt x="6454" y="6747"/>
+                  </a:lnTo>
+                  <a:lnTo>
+                    <a:pt x="6601" y="6674"/>
+                  </a:lnTo>
+                  <a:lnTo>
+                    <a:pt x="6747" y="6552"/>
+                  </a:lnTo>
+                  <a:lnTo>
+                    <a:pt x="6893" y="6430"/>
+                  </a:lnTo>
+                  <a:lnTo>
+                    <a:pt x="6893" y="6430"/>
+                  </a:lnTo>
+                  <a:lnTo>
+                    <a:pt x="6942" y="6357"/>
+                  </a:lnTo>
+                  <a:lnTo>
+                    <a:pt x="7015" y="6260"/>
+                  </a:lnTo>
+                  <a:lnTo>
+                    <a:pt x="7039" y="6138"/>
+                  </a:lnTo>
+                  <a:lnTo>
+                    <a:pt x="7039" y="6041"/>
+                  </a:lnTo>
+                  <a:lnTo>
+                    <a:pt x="7039" y="6041"/>
+                  </a:lnTo>
+                  <a:lnTo>
+                    <a:pt x="7039" y="5943"/>
+                  </a:lnTo>
+                  <a:lnTo>
+                    <a:pt x="7015" y="5846"/>
+                  </a:lnTo>
+                  <a:lnTo>
+                    <a:pt x="6942" y="5748"/>
+                  </a:lnTo>
+                  <a:lnTo>
+                    <a:pt x="6893" y="5651"/>
+                  </a:lnTo>
+                  <a:lnTo>
+                    <a:pt x="1389" y="147"/>
+                  </a:lnTo>
+                  <a:lnTo>
+                    <a:pt x="1389" y="147"/>
+                  </a:lnTo>
+                  <a:lnTo>
+                    <a:pt x="1291" y="98"/>
+                  </a:lnTo>
+                  <a:lnTo>
+                    <a:pt x="1194" y="25"/>
+                  </a:lnTo>
+                  <a:lnTo>
+                    <a:pt x="1096" y="0"/>
+                  </a:lnTo>
+                  <a:lnTo>
+                    <a:pt x="999" y="0"/>
+                  </a:lnTo>
+                  <a:lnTo>
+                    <a:pt x="999" y="0"/>
+                  </a:lnTo>
+                  <a:lnTo>
+                    <a:pt x="902" y="0"/>
+                  </a:lnTo>
+                  <a:lnTo>
+                    <a:pt x="780" y="25"/>
+                  </a:lnTo>
+                  <a:lnTo>
+                    <a:pt x="682" y="98"/>
+                  </a:lnTo>
+                  <a:lnTo>
+                    <a:pt x="609" y="147"/>
+                  </a:lnTo>
+                  <a:lnTo>
+                    <a:pt x="609" y="147"/>
+                  </a:lnTo>
+                  <a:lnTo>
+                    <a:pt x="487" y="293"/>
+                  </a:lnTo>
+                  <a:lnTo>
+                    <a:pt x="366" y="439"/>
+                  </a:lnTo>
+                  <a:lnTo>
+                    <a:pt x="293" y="585"/>
+                  </a:lnTo>
+                  <a:lnTo>
+                    <a:pt x="195" y="731"/>
+                  </a:lnTo>
+                  <a:lnTo>
+                    <a:pt x="73" y="1048"/>
+                  </a:lnTo>
+                  <a:lnTo>
+                    <a:pt x="0" y="1389"/>
+                  </a:lnTo>
+                  <a:lnTo>
+                    <a:pt x="0" y="1730"/>
+                  </a:lnTo>
+                  <a:lnTo>
+                    <a:pt x="25" y="2046"/>
+                  </a:lnTo>
+                  <a:lnTo>
+                    <a:pt x="122" y="2387"/>
+                  </a:lnTo>
+                  <a:lnTo>
+                    <a:pt x="268" y="2704"/>
+                  </a:lnTo>
+                  <a:lnTo>
+                    <a:pt x="268" y="2704"/>
+                  </a:lnTo>
+                  <a:close/>
+                </a:path>
+              </a:pathLst>
+            </a:custGeom>
+            <a:noFill/>
+            <a:ln w="9525" cap="rnd" cmpd="sng">
+              <a:solidFill>
+                <a:srgbClr val="000000"/>
+              </a:solidFill>
+              <a:prstDash val="solid"/>
+              <a:round/>
+              <a:headEnd type="none" w="med" len="med"/>
+              <a:tailEnd type="none" w="med" len="med"/>
+            </a:ln>
+          </p:spPr>
+          <p:txBody>
+            <a:bodyPr lIns="91425" tIns="91425" rIns="91425" bIns="91425" anchor="ctr" anchorCtr="0">
+              <a:noAutofit/>
+            </a:bodyPr>
+            <a:lstStyle/>
+            <a:p>
+              <a:pPr lvl="0">
+                <a:spcBef>
+                  <a:spcPts val="0"/>
+                </a:spcBef>
+                <a:buNone/>
+              </a:pPr>
+              <a:endParaRPr/>
+            </a:p>
+          </p:txBody>
+        </p:sp>
+        <p:sp>
+          <p:nvSpPr>
+            <p:cNvPr id="116" name="Shape 116"/>
+            <p:cNvSpPr/>
+            <p:nvPr/>
+          </p:nvSpPr>
+          <p:spPr>
+            <a:xfrm>
+              <a:off x="2662850" y="1699400"/>
+              <a:ext cx="303250" cy="303250"/>
+            </a:xfrm>
+            <a:custGeom>
+              <a:avLst/>
+              <a:gdLst/>
+              <a:ahLst/>
+              <a:cxnLst/>
+              <a:rect l="0" t="0" r="0" b="0"/>
+              <a:pathLst>
+                <a:path w="12130" h="12130" fill="none" extrusionOk="0">
+                  <a:moveTo>
+                    <a:pt x="8038" y="1"/>
+                  </a:moveTo>
+                  <a:lnTo>
+                    <a:pt x="4872" y="3191"/>
+                  </a:lnTo>
+                  <a:lnTo>
+                    <a:pt x="4872" y="3191"/>
+                  </a:lnTo>
+                  <a:lnTo>
+                    <a:pt x="4628" y="3094"/>
+                  </a:lnTo>
+                  <a:lnTo>
+                    <a:pt x="4385" y="2997"/>
+                  </a:lnTo>
+                  <a:lnTo>
+                    <a:pt x="4092" y="2899"/>
+                  </a:lnTo>
+                  <a:lnTo>
+                    <a:pt x="3800" y="2850"/>
+                  </a:lnTo>
+                  <a:lnTo>
+                    <a:pt x="3484" y="2777"/>
+                  </a:lnTo>
+                  <a:lnTo>
+                    <a:pt x="3167" y="2729"/>
+                  </a:lnTo>
+                  <a:lnTo>
+                    <a:pt x="2850" y="2704"/>
+                  </a:lnTo>
+                  <a:lnTo>
+                    <a:pt x="2534" y="2704"/>
+                  </a:lnTo>
+                  <a:lnTo>
+                    <a:pt x="2534" y="2704"/>
+                  </a:lnTo>
+                  <a:lnTo>
+                    <a:pt x="2241" y="2704"/>
+                  </a:lnTo>
+                  <a:lnTo>
+                    <a:pt x="1949" y="2729"/>
+                  </a:lnTo>
+                  <a:lnTo>
+                    <a:pt x="1633" y="2777"/>
+                  </a:lnTo>
+                  <a:lnTo>
+                    <a:pt x="1316" y="2850"/>
+                  </a:lnTo>
+                  <a:lnTo>
+                    <a:pt x="999" y="2972"/>
+                  </a:lnTo>
+                  <a:lnTo>
+                    <a:pt x="707" y="3094"/>
+                  </a:lnTo>
+                  <a:lnTo>
+                    <a:pt x="415" y="3289"/>
+                  </a:lnTo>
+                  <a:lnTo>
+                    <a:pt x="147" y="3508"/>
+                  </a:lnTo>
+                  <a:lnTo>
+                    <a:pt x="147" y="3508"/>
+                  </a:lnTo>
+                  <a:lnTo>
+                    <a:pt x="74" y="3581"/>
+                  </a:lnTo>
+                  <a:lnTo>
+                    <a:pt x="25" y="3678"/>
+                  </a:lnTo>
+                  <a:lnTo>
+                    <a:pt x="1" y="3776"/>
+                  </a:lnTo>
+                  <a:lnTo>
+                    <a:pt x="1" y="3898"/>
+                  </a:lnTo>
+                  <a:lnTo>
+                    <a:pt x="1" y="3898"/>
+                  </a:lnTo>
+                  <a:lnTo>
+                    <a:pt x="1" y="3995"/>
+                  </a:lnTo>
+                  <a:lnTo>
+                    <a:pt x="25" y="4093"/>
+                  </a:lnTo>
+                  <a:lnTo>
+                    <a:pt x="74" y="4190"/>
+                  </a:lnTo>
+                  <a:lnTo>
+                    <a:pt x="147" y="4287"/>
+                  </a:lnTo>
+                  <a:lnTo>
+                    <a:pt x="7843" y="11984"/>
+                  </a:lnTo>
+                  <a:lnTo>
+                    <a:pt x="7843" y="11984"/>
+                  </a:lnTo>
+                  <a:lnTo>
+                    <a:pt x="7941" y="12057"/>
+                  </a:lnTo>
+                  <a:lnTo>
+                    <a:pt x="8038" y="12105"/>
+                  </a:lnTo>
+                  <a:lnTo>
+                    <a:pt x="8135" y="12130"/>
+                  </a:lnTo>
+                  <a:lnTo>
+                    <a:pt x="8233" y="12130"/>
+                  </a:lnTo>
+                  <a:lnTo>
+                    <a:pt x="8233" y="12130"/>
+                  </a:lnTo>
+                  <a:lnTo>
+                    <a:pt x="8355" y="12130"/>
+                  </a:lnTo>
+                  <a:lnTo>
+                    <a:pt x="8452" y="12105"/>
+                  </a:lnTo>
+                  <a:lnTo>
+                    <a:pt x="8549" y="12057"/>
+                  </a:lnTo>
+                  <a:lnTo>
+                    <a:pt x="8622" y="11984"/>
+                  </a:lnTo>
+                  <a:lnTo>
+                    <a:pt x="8622" y="11984"/>
+                  </a:lnTo>
+                  <a:lnTo>
+                    <a:pt x="8842" y="11716"/>
+                  </a:lnTo>
+                  <a:lnTo>
+                    <a:pt x="9036" y="11423"/>
+                  </a:lnTo>
+                  <a:lnTo>
+                    <a:pt x="9158" y="11131"/>
+                  </a:lnTo>
+                  <a:lnTo>
+                    <a:pt x="9280" y="10814"/>
+                  </a:lnTo>
+                  <a:lnTo>
+                    <a:pt x="9353" y="10498"/>
+                  </a:lnTo>
+                  <a:lnTo>
+                    <a:pt x="9402" y="10181"/>
+                  </a:lnTo>
+                  <a:lnTo>
+                    <a:pt x="9426" y="9889"/>
+                  </a:lnTo>
+                  <a:lnTo>
+                    <a:pt x="9426" y="9597"/>
+                  </a:lnTo>
+                  <a:lnTo>
+                    <a:pt x="9426" y="9597"/>
+                  </a:lnTo>
+                  <a:lnTo>
+                    <a:pt x="9426" y="9280"/>
+                  </a:lnTo>
+                  <a:lnTo>
+                    <a:pt x="9402" y="8964"/>
+                  </a:lnTo>
+                  <a:lnTo>
+                    <a:pt x="9353" y="8647"/>
+                  </a:lnTo>
+                  <a:lnTo>
+                    <a:pt x="9280" y="8330"/>
+                  </a:lnTo>
+                  <a:lnTo>
+                    <a:pt x="9231" y="8038"/>
+                  </a:lnTo>
+                  <a:lnTo>
+                    <a:pt x="9134" y="7746"/>
+                  </a:lnTo>
+                  <a:lnTo>
+                    <a:pt x="9036" y="7502"/>
+                  </a:lnTo>
+                  <a:lnTo>
+                    <a:pt x="8939" y="7259"/>
+                  </a:lnTo>
+                  <a:lnTo>
+                    <a:pt x="12130" y="4093"/>
+                  </a:lnTo>
+                </a:path>
+              </a:pathLst>
+            </a:custGeom>
+            <a:noFill/>
+            <a:ln w="9525" cap="rnd" cmpd="sng">
+              <a:solidFill>
+                <a:srgbClr val="000000"/>
+              </a:solidFill>
+              <a:prstDash val="solid"/>
+              <a:round/>
+              <a:headEnd type="none" w="med" len="med"/>
+              <a:tailEnd type="none" w="med" len="med"/>
+            </a:ln>
+          </p:spPr>
+          <p:txBody>
+            <a:bodyPr lIns="91425" tIns="91425" rIns="91425" bIns="91425" anchor="ctr" anchorCtr="0">
+              <a:noAutofit/>
+            </a:bodyPr>
+            <a:lstStyle/>
+            <a:p>
+              <a:pPr lvl="0">
+                <a:spcBef>
+                  <a:spcPts val="0"/>
+                </a:spcBef>
+                <a:buNone/>
+              </a:pPr>
+              <a:endParaRPr/>
+            </a:p>
+          </p:txBody>
+        </p:sp>
+        <p:sp>
+          <p:nvSpPr>
+            <p:cNvPr id="117" name="Shape 117"/>
+            <p:cNvSpPr/>
+            <p:nvPr/>
+          </p:nvSpPr>
+          <p:spPr>
+            <a:xfrm>
+              <a:off x="2814911" y="1754061"/>
+              <a:ext cx="49950" cy="49950"/>
+            </a:xfrm>
+            <a:custGeom>
+              <a:avLst/>
+              <a:gdLst/>
+              <a:ahLst/>
+              <a:cxnLst/>
+              <a:rect l="0" t="0" r="0" b="0"/>
+              <a:pathLst>
+                <a:path w="1998" h="1998" fill="none" extrusionOk="0">
+                  <a:moveTo>
+                    <a:pt x="1" y="1997"/>
+                  </a:moveTo>
+                  <a:lnTo>
+                    <a:pt x="1998" y="0"/>
+                  </a:lnTo>
+                </a:path>
+              </a:pathLst>
+            </a:custGeom>
+            <a:noFill/>
+            <a:ln w="9525" cap="rnd" cmpd="sng">
+              <a:solidFill>
+                <a:srgbClr val="000000"/>
+              </a:solidFill>
+              <a:prstDash val="solid"/>
+              <a:round/>
+              <a:headEnd type="none" w="med" len="med"/>
+              <a:tailEnd type="none" w="med" len="med"/>
+            </a:ln>
+          </p:spPr>
+          <p:txBody>
+            <a:bodyPr lIns="91425" tIns="91425" rIns="91425" bIns="91425" anchor="ctr" anchorCtr="0">
+              <a:noAutofit/>
+            </a:bodyPr>
+            <a:lstStyle/>
+            <a:p>
+              <a:pPr lvl="0">
+                <a:spcBef>
+                  <a:spcPts val="0"/>
+                </a:spcBef>
+                <a:buNone/>
+              </a:pPr>
+              <a:endParaRPr/>
+            </a:p>
+          </p:txBody>
+        </p:sp>
+      </p:grpSp>
+    </p:spTree>
+    <p:extLst>
+      <p:ext uri="{BB962C8B-B14F-4D97-AF65-F5344CB8AC3E}">
+        <p14:creationId xmlns:p14="http://schemas.microsoft.com/office/powerpoint/2010/main" val="3632421131"/>
       </p:ext>
     </p:extLst>
   </p:cSld>
@@ -15712,8 +15566,26 @@
                 <a:latin typeface="Rockwell"/>
                 <a:cs typeface="Rockwell"/>
               </a:rPr>
-              <a:t>Clinical Trail</a:t>
-            </a:r>
+              <a:t>Clinical </a:t>
+            </a:r>
+            <a:r>
+              <a:rPr lang="en-US" dirty="0">
+                <a:latin typeface="Rockwell"/>
+                <a:cs typeface="Rockwell"/>
+              </a:rPr>
+              <a:t>T</a:t>
+            </a:r>
+            <a:r>
+              <a:rPr lang="en-US" dirty="0" smtClean="0">
+                <a:latin typeface="Rockwell"/>
+                <a:cs typeface="Rockwell"/>
+              </a:rPr>
+              <a:t>rial</a:t>
+            </a:r>
+            <a:endParaRPr lang="en-US" dirty="0" smtClean="0">
+              <a:latin typeface="Rockwell"/>
+              <a:cs typeface="Rockwell"/>
+            </a:endParaRPr>
           </a:p>
           <a:p>
             <a:pPr marL="571500" lvl="0" indent="-342900" rtl="0">
@@ -15807,7 +15679,14 @@
                 <a:latin typeface="Rockwell"/>
                 <a:cs typeface="Rockwell"/>
               </a:rPr>
-              <a:t>Clinical Trail</a:t>
+              <a:t>Clinical </a:t>
+            </a:r>
+            <a:r>
+              <a:rPr lang="en-US" sz="2800" dirty="0" smtClean="0">
+                <a:latin typeface="Rockwell"/>
+                <a:cs typeface="Rockwell"/>
+              </a:rPr>
+              <a:t>Trial</a:t>
             </a:r>
             <a:endParaRPr lang="en" sz="2800" dirty="0">
               <a:highlight>
@@ -15857,12 +15736,23 @@
               <a:buNone/>
             </a:pPr>
             <a:r>
+              <a:rPr lang="en-US" sz="2000" b="1" dirty="0">
+                <a:latin typeface="Garamond"/>
+                <a:cs typeface="Garamond"/>
+              </a:rPr>
+              <a:t>Dose-time-response models used to analyze the clinical </a:t>
+            </a:r>
+            <a:r>
               <a:rPr lang="en-US" sz="2000" b="1" dirty="0" smtClean="0">
                 <a:latin typeface="Garamond"/>
                 <a:cs typeface="Garamond"/>
               </a:rPr>
-              <a:t>Objectives</a:t>
-            </a:r>
+              <a:t>trial</a:t>
+            </a:r>
+            <a:endParaRPr lang="en-US" sz="2000" b="1" dirty="0" smtClean="0">
+              <a:latin typeface="Garamond"/>
+              <a:cs typeface="Garamond"/>
+            </a:endParaRPr>
           </a:p>
           <a:p>
             <a:pPr marL="514350" lvl="0" indent="-285750">
@@ -15880,14 +15770,21 @@
                 <a:latin typeface="Garamond"/>
                 <a:cs typeface="Garamond"/>
               </a:rPr>
-              <a:t>To evaluate the </a:t>
-            </a:r>
-            <a:r>
-              <a:rPr lang="en-US" sz="1800" dirty="0">
+              <a:t>The effects of </a:t>
+            </a:r>
+            <a:r>
+              <a:rPr lang="en-US" sz="1800" dirty="0" err="1" smtClean="0">
                 <a:latin typeface="Garamond"/>
                 <a:cs typeface="Garamond"/>
               </a:rPr>
-              <a:t>fitness of the dose-time-response model in the clinical trail</a:t>
+              <a:t>canakinumab</a:t>
+            </a:r>
+            <a:r>
+              <a:rPr lang="en-US" sz="1800" dirty="0" smtClean="0">
+                <a:latin typeface="Garamond"/>
+                <a:cs typeface="Garamond"/>
+              </a:rPr>
+              <a:t> subcutaneous injection were examined</a:t>
             </a:r>
           </a:p>
           <a:p>
@@ -15902,12 +15799,201 @@
               <a:buChar char="v"/>
             </a:pPr>
             <a:r>
+              <a:rPr lang="en-US" sz="1800" dirty="0" smtClean="0">
+                <a:latin typeface="Garamond"/>
+                <a:cs typeface="Garamond"/>
+              </a:rPr>
+              <a:t>24 weeks, 400 patients</a:t>
+            </a:r>
+            <a:endParaRPr lang="en-US" sz="1800" dirty="0">
+              <a:latin typeface="Garamond"/>
+              <a:cs typeface="Garamond"/>
+            </a:endParaRPr>
+          </a:p>
+          <a:p>
+            <a:pPr marL="514350" lvl="0" indent="-285750">
+              <a:lnSpc>
+                <a:spcPct val="120000"/>
+              </a:lnSpc>
+              <a:spcBef>
+                <a:spcPts val="0"/>
+              </a:spcBef>
+              <a:buFont typeface="Wingdings" charset="2"/>
+              <a:buChar char="v"/>
+            </a:pPr>
+            <a:r>
               <a:rPr lang="en-US" sz="1800" dirty="0">
                 <a:latin typeface="Garamond"/>
                 <a:cs typeface="Garamond"/>
               </a:rPr>
-              <a:t>To evaluate the accuracy of the dose-time-response model predictions of the untested treatment regimens response</a:t>
-            </a:r>
+              <a:t>Participants randomly divided into seven groups</a:t>
+            </a:r>
+          </a:p>
+          <a:p>
+            <a:pPr marL="766800" lvl="2" indent="-285750">
+              <a:lnSpc>
+                <a:spcPct val="120000"/>
+              </a:lnSpc>
+              <a:spcBef>
+                <a:spcPts val="0"/>
+              </a:spcBef>
+              <a:buFont typeface="Wingdings" charset="2"/>
+              <a:buChar char="²"/>
+            </a:pPr>
+            <a:r>
+              <a:rPr lang="en-US" sz="1400" dirty="0">
+                <a:latin typeface="Garamond"/>
+                <a:cs typeface="Garamond"/>
+              </a:rPr>
+              <a:t>Five </a:t>
+            </a:r>
+            <a:r>
+              <a:rPr lang="en-US" sz="1400" dirty="0" smtClean="0">
+                <a:latin typeface="Garamond"/>
+                <a:cs typeface="Garamond"/>
+              </a:rPr>
+              <a:t>groups </a:t>
+            </a:r>
+            <a:r>
+              <a:rPr lang="en-US" sz="1400" dirty="0">
+                <a:latin typeface="Garamond"/>
+                <a:cs typeface="Garamond"/>
+              </a:rPr>
+              <a:t>received single doses (either 25 mg, 50 mg, 100 mg, 200 mg, or 300 mg at day 1)</a:t>
+            </a:r>
+          </a:p>
+          <a:p>
+            <a:pPr marL="766800" lvl="2" indent="-285750">
+              <a:lnSpc>
+                <a:spcPct val="120000"/>
+              </a:lnSpc>
+              <a:spcBef>
+                <a:spcPts val="0"/>
+              </a:spcBef>
+              <a:buFont typeface="Wingdings" charset="2"/>
+              <a:buChar char="²"/>
+            </a:pPr>
+            <a:r>
+              <a:rPr lang="en-US" sz="1400" dirty="0">
+                <a:latin typeface="Garamond"/>
+                <a:cs typeface="Garamond"/>
+              </a:rPr>
+              <a:t>One group received multiple doses (50 mg at day 1, 50 mg at week 4, 25 mg at week 8, and 25 mg at week 12)</a:t>
+            </a:r>
+          </a:p>
+          <a:p>
+            <a:pPr marL="766800" lvl="2" indent="-285750">
+              <a:lnSpc>
+                <a:spcPct val="120000"/>
+              </a:lnSpc>
+              <a:spcBef>
+                <a:spcPts val="0"/>
+              </a:spcBef>
+              <a:buFont typeface="Wingdings" charset="2"/>
+              <a:buChar char="²"/>
+            </a:pPr>
+            <a:r>
+              <a:rPr lang="en-US" sz="1400" dirty="0">
+                <a:latin typeface="Garamond"/>
+                <a:cs typeface="Garamond"/>
+              </a:rPr>
+              <a:t>The last group </a:t>
+            </a:r>
+            <a:r>
+              <a:rPr lang="en-US" sz="1400" dirty="0" smtClean="0">
+                <a:latin typeface="Garamond"/>
+                <a:cs typeface="Garamond"/>
+              </a:rPr>
+              <a:t>as the </a:t>
+            </a:r>
+            <a:r>
+              <a:rPr lang="en-US" sz="1400" dirty="0">
+                <a:latin typeface="Garamond"/>
+                <a:cs typeface="Garamond"/>
+              </a:rPr>
+              <a:t>placebo</a:t>
+            </a:r>
+          </a:p>
+          <a:p>
+            <a:pPr marL="514350" lvl="0" indent="-285750">
+              <a:lnSpc>
+                <a:spcPct val="120000"/>
+              </a:lnSpc>
+              <a:spcBef>
+                <a:spcPts val="0"/>
+              </a:spcBef>
+              <a:buFont typeface="Wingdings" charset="2"/>
+              <a:buChar char="v"/>
+            </a:pPr>
+            <a:r>
+              <a:rPr lang="en-US" sz="1800" dirty="0">
+                <a:latin typeface="Garamond"/>
+                <a:cs typeface="Garamond"/>
+              </a:rPr>
+              <a:t>The logarithm of C-reactive protein (CRP) levels as a proxy of the </a:t>
+            </a:r>
+            <a:r>
+              <a:rPr lang="en-US" sz="1800" dirty="0" smtClean="0">
+                <a:latin typeface="Garamond"/>
+                <a:cs typeface="Garamond"/>
+              </a:rPr>
+              <a:t>response</a:t>
+            </a:r>
+            <a:endParaRPr lang="en-US" sz="1800" dirty="0">
+              <a:latin typeface="Garamond"/>
+              <a:cs typeface="Garamond"/>
+            </a:endParaRPr>
+          </a:p>
+          <a:p>
+            <a:pPr marL="766800" lvl="1" indent="-285750">
+              <a:lnSpc>
+                <a:spcPct val="120000"/>
+              </a:lnSpc>
+              <a:spcBef>
+                <a:spcPts val="0"/>
+              </a:spcBef>
+              <a:buFont typeface="Wingdings" charset="2"/>
+              <a:buChar char="²"/>
+            </a:pPr>
+            <a:r>
+              <a:rPr lang="en-US" sz="1400" dirty="0">
+                <a:latin typeface="Garamond"/>
+                <a:cs typeface="Garamond"/>
+              </a:rPr>
+              <a:t>CRP</a:t>
+            </a:r>
+            <a:r>
+              <a:rPr lang="en-US" sz="1400" dirty="0" smtClean="0">
+                <a:latin typeface="Garamond"/>
+                <a:cs typeface="Garamond"/>
+              </a:rPr>
+              <a:t> </a:t>
+            </a:r>
+            <a:r>
+              <a:rPr lang="en-US" sz="1400" dirty="0">
+                <a:latin typeface="Garamond"/>
+                <a:cs typeface="Garamond"/>
+              </a:rPr>
+              <a:t>is a biomarker signaling the </a:t>
+            </a:r>
+            <a:r>
+              <a:rPr lang="en-US" sz="1400" dirty="0" err="1">
+                <a:latin typeface="Garamond"/>
+                <a:cs typeface="Garamond"/>
+              </a:rPr>
+              <a:t>severeness</a:t>
+            </a:r>
+            <a:r>
+              <a:rPr lang="en-US" sz="1400" dirty="0">
+                <a:latin typeface="Garamond"/>
+                <a:cs typeface="Garamond"/>
+              </a:rPr>
+              <a:t> of the disease</a:t>
+            </a:r>
+            <a:endParaRPr sz="1400" dirty="0">
+              <a:latin typeface="Garamond"/>
+              <a:cs typeface="Garamond"/>
+            </a:endParaRPr>
           </a:p>
         </p:txBody>
       </p:sp>
@@ -16472,7 +16558,7 @@
     </p:spTree>
     <p:extLst>
       <p:ext uri="{BB962C8B-B14F-4D97-AF65-F5344CB8AC3E}">
-        <p14:creationId xmlns:p14="http://schemas.microsoft.com/office/powerpoint/2010/main" val="3632421131"/>
+        <p14:creationId xmlns:p14="http://schemas.microsoft.com/office/powerpoint/2010/main" val="1061081451"/>
       </p:ext>
     </p:extLst>
   </p:cSld>
@@ -16545,948 +16631,14 @@
                 <a:latin typeface="Rockwell"/>
                 <a:cs typeface="Rockwell"/>
               </a:rPr>
-              <a:t>Clinical Trail</a:t>
-            </a:r>
-            <a:endParaRPr lang="en" sz="2800" dirty="0">
-              <a:highlight>
-                <a:srgbClr val="FFCD00"/>
-              </a:highlight>
-              <a:latin typeface="Rockwell"/>
-              <a:cs typeface="Rockwell"/>
-            </a:endParaRPr>
-          </a:p>
-        </p:txBody>
-      </p:sp>
-      <p:sp>
-        <p:nvSpPr>
-          <p:cNvPr id="112" name="Shape 112"/>
-          <p:cNvSpPr txBox="1">
-            <a:spLocks noGrp="1"/>
-          </p:cNvSpPr>
-          <p:nvPr>
-            <p:ph type="body" idx="1"/>
-          </p:nvPr>
-        </p:nvSpPr>
-        <p:spPr>
-          <a:xfrm>
-            <a:off x="549158" y="1399053"/>
-            <a:ext cx="8134353" cy="3315346"/>
-          </a:xfrm>
-          <a:prstGeom prst="rect">
-            <a:avLst/>
-          </a:prstGeom>
-        </p:spPr>
-        <p:txBody>
-          <a:bodyPr lIns="91425" tIns="91425" rIns="91425" bIns="91425" anchor="t" anchorCtr="0">
-            <a:noAutofit/>
-          </a:bodyPr>
-          <a:lstStyle/>
-          <a:p>
-            <a:pPr marL="228600" lvl="0">
-              <a:lnSpc>
-                <a:spcPct val="120000"/>
-              </a:lnSpc>
-              <a:spcBef>
-                <a:spcPts val="0"/>
-              </a:spcBef>
-              <a:spcAft>
-                <a:spcPts val="1000"/>
-              </a:spcAft>
-              <a:buNone/>
-            </a:pPr>
-            <a:r>
-              <a:rPr lang="en-US" sz="2000" b="1" dirty="0">
-                <a:latin typeface="Garamond"/>
-                <a:cs typeface="Garamond"/>
-              </a:rPr>
-              <a:t>Dose-time-response models used to analyze the clinical </a:t>
-            </a:r>
-            <a:r>
-              <a:rPr lang="en-US" sz="2000" b="1" dirty="0" smtClean="0">
-                <a:latin typeface="Garamond"/>
-                <a:cs typeface="Garamond"/>
-              </a:rPr>
-              <a:t>trail</a:t>
-            </a:r>
-          </a:p>
-          <a:p>
-            <a:pPr marL="514350" lvl="0" indent="-285750">
-              <a:lnSpc>
-                <a:spcPct val="120000"/>
-              </a:lnSpc>
-              <a:spcBef>
-                <a:spcPts val="0"/>
-              </a:spcBef>
-              <a:buFont typeface="Wingdings" charset="2"/>
-              <a:buChar char="v"/>
-            </a:pPr>
-            <a:r>
-              <a:rPr lang="en-US" sz="1800" dirty="0" smtClean="0">
-                <a:latin typeface="Garamond"/>
-                <a:cs typeface="Garamond"/>
-              </a:rPr>
-              <a:t>The effects of </a:t>
-            </a:r>
-            <a:r>
-              <a:rPr lang="en-US" sz="1800" dirty="0" err="1" smtClean="0">
-                <a:latin typeface="Garamond"/>
-                <a:cs typeface="Garamond"/>
-              </a:rPr>
-              <a:t>canakinumab</a:t>
-            </a:r>
-            <a:r>
-              <a:rPr lang="en-US" sz="1800" dirty="0" smtClean="0">
-                <a:latin typeface="Garamond"/>
-                <a:cs typeface="Garamond"/>
-              </a:rPr>
-              <a:t> subcutaneous injection were examined</a:t>
-            </a:r>
-          </a:p>
-          <a:p>
-            <a:pPr marL="514350" lvl="0" indent="-285750">
-              <a:lnSpc>
-                <a:spcPct val="120000"/>
-              </a:lnSpc>
-              <a:spcBef>
-                <a:spcPts val="0"/>
-              </a:spcBef>
-              <a:buFont typeface="Wingdings" charset="2"/>
-              <a:buChar char="v"/>
-            </a:pPr>
-            <a:r>
-              <a:rPr lang="en-US" sz="1800" dirty="0" smtClean="0">
-                <a:latin typeface="Garamond"/>
-                <a:cs typeface="Garamond"/>
-              </a:rPr>
-              <a:t>24 weeks, 400 patients</a:t>
-            </a:r>
-            <a:endParaRPr lang="en-US" sz="1800" dirty="0">
-              <a:latin typeface="Garamond"/>
-              <a:cs typeface="Garamond"/>
-            </a:endParaRPr>
-          </a:p>
-          <a:p>
-            <a:pPr marL="514350" lvl="0" indent="-285750">
-              <a:lnSpc>
-                <a:spcPct val="120000"/>
-              </a:lnSpc>
-              <a:spcBef>
-                <a:spcPts val="0"/>
-              </a:spcBef>
-              <a:buFont typeface="Wingdings" charset="2"/>
-              <a:buChar char="v"/>
-            </a:pPr>
-            <a:r>
-              <a:rPr lang="en-US" sz="1800" dirty="0">
-                <a:latin typeface="Garamond"/>
-                <a:cs typeface="Garamond"/>
-              </a:rPr>
-              <a:t>Participants randomly divided into seven groups</a:t>
-            </a:r>
-          </a:p>
-          <a:p>
-            <a:pPr marL="766800" lvl="2" indent="-285750">
-              <a:lnSpc>
-                <a:spcPct val="120000"/>
-              </a:lnSpc>
-              <a:spcBef>
-                <a:spcPts val="0"/>
-              </a:spcBef>
-              <a:buFont typeface="Wingdings" charset="2"/>
-              <a:buChar char="²"/>
-            </a:pPr>
-            <a:r>
-              <a:rPr lang="en-US" sz="1400" dirty="0">
-                <a:latin typeface="Garamond"/>
-                <a:cs typeface="Garamond"/>
-              </a:rPr>
-              <a:t>Five </a:t>
-            </a:r>
-            <a:r>
-              <a:rPr lang="en-US" sz="1400" dirty="0" smtClean="0">
-                <a:latin typeface="Garamond"/>
-                <a:cs typeface="Garamond"/>
-              </a:rPr>
-              <a:t>groups </a:t>
-            </a:r>
-            <a:r>
-              <a:rPr lang="en-US" sz="1400" dirty="0">
-                <a:latin typeface="Garamond"/>
-                <a:cs typeface="Garamond"/>
-              </a:rPr>
-              <a:t>received single doses (either 25 mg, 50 mg, 100 mg, 200 mg, or 300 mg at day 1)</a:t>
-            </a:r>
-          </a:p>
-          <a:p>
-            <a:pPr marL="766800" lvl="2" indent="-285750">
-              <a:lnSpc>
-                <a:spcPct val="120000"/>
-              </a:lnSpc>
-              <a:spcBef>
-                <a:spcPts val="0"/>
-              </a:spcBef>
-              <a:buFont typeface="Wingdings" charset="2"/>
-              <a:buChar char="²"/>
-            </a:pPr>
-            <a:r>
-              <a:rPr lang="en-US" sz="1400" dirty="0">
-                <a:latin typeface="Garamond"/>
-                <a:cs typeface="Garamond"/>
-              </a:rPr>
-              <a:t>One group received multiple doses (50 mg at day 1, 50 mg at week 4, 25 mg at week 8, and 25 mg at week 12)</a:t>
-            </a:r>
-          </a:p>
-          <a:p>
-            <a:pPr marL="766800" lvl="2" indent="-285750">
-              <a:lnSpc>
-                <a:spcPct val="120000"/>
-              </a:lnSpc>
-              <a:spcBef>
-                <a:spcPts val="0"/>
-              </a:spcBef>
-              <a:buFont typeface="Wingdings" charset="2"/>
-              <a:buChar char="²"/>
-            </a:pPr>
-            <a:r>
-              <a:rPr lang="en-US" sz="1400" dirty="0">
-                <a:latin typeface="Garamond"/>
-                <a:cs typeface="Garamond"/>
-              </a:rPr>
-              <a:t>The last group </a:t>
-            </a:r>
-            <a:r>
-              <a:rPr lang="en-US" sz="1400" dirty="0" smtClean="0">
-                <a:latin typeface="Garamond"/>
-                <a:cs typeface="Garamond"/>
-              </a:rPr>
-              <a:t>as the </a:t>
-            </a:r>
-            <a:r>
-              <a:rPr lang="en-US" sz="1400" dirty="0">
-                <a:latin typeface="Garamond"/>
-                <a:cs typeface="Garamond"/>
-              </a:rPr>
-              <a:t>placebo</a:t>
-            </a:r>
-          </a:p>
-          <a:p>
-            <a:pPr marL="514350" lvl="0" indent="-285750">
-              <a:lnSpc>
-                <a:spcPct val="120000"/>
-              </a:lnSpc>
-              <a:spcBef>
-                <a:spcPts val="0"/>
-              </a:spcBef>
-              <a:buFont typeface="Wingdings" charset="2"/>
-              <a:buChar char="v"/>
-            </a:pPr>
-            <a:r>
-              <a:rPr lang="en-US" sz="1800" dirty="0">
-                <a:latin typeface="Garamond"/>
-                <a:cs typeface="Garamond"/>
-              </a:rPr>
-              <a:t>The logarithm of C-reactive protein (CRP) levels as a proxy of the </a:t>
-            </a:r>
-            <a:r>
-              <a:rPr lang="en-US" sz="1800" dirty="0" smtClean="0">
-                <a:latin typeface="Garamond"/>
-                <a:cs typeface="Garamond"/>
-              </a:rPr>
-              <a:t>response</a:t>
-            </a:r>
-            <a:endParaRPr lang="en-US" sz="1800" dirty="0">
-              <a:latin typeface="Garamond"/>
-              <a:cs typeface="Garamond"/>
-            </a:endParaRPr>
-          </a:p>
-          <a:p>
-            <a:pPr marL="766800" lvl="1" indent="-285750">
-              <a:lnSpc>
-                <a:spcPct val="120000"/>
-              </a:lnSpc>
-              <a:spcBef>
-                <a:spcPts val="0"/>
-              </a:spcBef>
-              <a:buFont typeface="Wingdings" charset="2"/>
-              <a:buChar char="²"/>
-            </a:pPr>
-            <a:r>
-              <a:rPr lang="en-US" sz="1400" dirty="0">
-                <a:latin typeface="Garamond"/>
-                <a:cs typeface="Garamond"/>
-              </a:rPr>
-              <a:t>CRP</a:t>
-            </a:r>
-            <a:r>
-              <a:rPr lang="en-US" sz="1400" dirty="0" smtClean="0">
-                <a:latin typeface="Garamond"/>
-                <a:cs typeface="Garamond"/>
-              </a:rPr>
-              <a:t> </a:t>
-            </a:r>
-            <a:r>
-              <a:rPr lang="en-US" sz="1400" dirty="0">
-                <a:latin typeface="Garamond"/>
-                <a:cs typeface="Garamond"/>
-              </a:rPr>
-              <a:t>is a biomarker signaling the </a:t>
-            </a:r>
-            <a:r>
-              <a:rPr lang="en-US" sz="1400" dirty="0" err="1">
-                <a:latin typeface="Garamond"/>
-                <a:cs typeface="Garamond"/>
-              </a:rPr>
-              <a:t>severeness</a:t>
-            </a:r>
-            <a:r>
-              <a:rPr lang="en-US" sz="1400" dirty="0">
-                <a:latin typeface="Garamond"/>
-                <a:cs typeface="Garamond"/>
-              </a:rPr>
-              <a:t> of the disease</a:t>
-            </a:r>
-            <a:endParaRPr sz="1400" dirty="0">
-              <a:latin typeface="Garamond"/>
-              <a:cs typeface="Garamond"/>
-            </a:endParaRPr>
-          </a:p>
-        </p:txBody>
-      </p:sp>
-      <p:grpSp>
-        <p:nvGrpSpPr>
-          <p:cNvPr id="113" name="Shape 113"/>
-          <p:cNvGrpSpPr/>
-          <p:nvPr/>
-        </p:nvGrpSpPr>
-        <p:grpSpPr>
-          <a:xfrm>
-            <a:off x="916458" y="1019750"/>
-            <a:ext cx="214624" cy="214624"/>
-            <a:chOff x="2594050" y="1631825"/>
-            <a:chExt cx="439625" cy="439625"/>
-          </a:xfrm>
-        </p:grpSpPr>
-        <p:sp>
-          <p:nvSpPr>
-            <p:cNvPr id="114" name="Shape 114"/>
-            <p:cNvSpPr/>
-            <p:nvPr/>
-          </p:nvSpPr>
-          <p:spPr>
-            <a:xfrm>
-              <a:off x="2594050" y="1883300"/>
-              <a:ext cx="188175" cy="188150"/>
-            </a:xfrm>
-            <a:custGeom>
-              <a:avLst/>
-              <a:gdLst/>
-              <a:ahLst/>
-              <a:cxnLst/>
-              <a:rect l="0" t="0" r="0" b="0"/>
-              <a:pathLst>
-                <a:path w="7527" h="7526" fill="none" extrusionOk="0">
-                  <a:moveTo>
-                    <a:pt x="5992" y="0"/>
-                  </a:moveTo>
-                  <a:lnTo>
-                    <a:pt x="537" y="6430"/>
-                  </a:lnTo>
-                  <a:lnTo>
-                    <a:pt x="1" y="7526"/>
-                  </a:lnTo>
-                  <a:lnTo>
-                    <a:pt x="1097" y="6990"/>
-                  </a:lnTo>
-                  <a:lnTo>
-                    <a:pt x="7526" y="1534"/>
-                  </a:lnTo>
-                  <a:lnTo>
-                    <a:pt x="5992" y="0"/>
-                  </a:lnTo>
-                  <a:close/>
-                </a:path>
-              </a:pathLst>
-            </a:custGeom>
-            <a:noFill/>
-            <a:ln w="9525" cap="rnd" cmpd="sng">
-              <a:solidFill>
-                <a:srgbClr val="000000"/>
-              </a:solidFill>
-              <a:prstDash val="solid"/>
-              <a:round/>
-              <a:headEnd type="none" w="med" len="med"/>
-              <a:tailEnd type="none" w="med" len="med"/>
-            </a:ln>
-          </p:spPr>
-          <p:txBody>
-            <a:bodyPr lIns="91425" tIns="91425" rIns="91425" bIns="91425" anchor="ctr" anchorCtr="0">
-              <a:noAutofit/>
-            </a:bodyPr>
-            <a:lstStyle/>
-            <a:p>
-              <a:pPr lvl="0">
-                <a:spcBef>
-                  <a:spcPts val="0"/>
-                </a:spcBef>
-                <a:buNone/>
-              </a:pPr>
-              <a:endParaRPr/>
-            </a:p>
-          </p:txBody>
-        </p:sp>
-        <p:sp>
-          <p:nvSpPr>
-            <p:cNvPr id="115" name="Shape 115"/>
-            <p:cNvSpPr/>
-            <p:nvPr/>
-          </p:nvSpPr>
-          <p:spPr>
-            <a:xfrm>
-              <a:off x="2857700" y="1631825"/>
-              <a:ext cx="175975" cy="176000"/>
-            </a:xfrm>
-            <a:custGeom>
-              <a:avLst/>
-              <a:gdLst/>
-              <a:ahLst/>
-              <a:cxnLst/>
-              <a:rect l="0" t="0" r="0" b="0"/>
-              <a:pathLst>
-                <a:path w="7039" h="7040" fill="none" extrusionOk="0">
-                  <a:moveTo>
-                    <a:pt x="268" y="2704"/>
-                  </a:moveTo>
-                  <a:lnTo>
-                    <a:pt x="4336" y="6771"/>
-                  </a:lnTo>
-                  <a:lnTo>
-                    <a:pt x="4336" y="6771"/>
-                  </a:lnTo>
-                  <a:lnTo>
-                    <a:pt x="4336" y="6771"/>
-                  </a:lnTo>
-                  <a:lnTo>
-                    <a:pt x="4652" y="6917"/>
-                  </a:lnTo>
-                  <a:lnTo>
-                    <a:pt x="4993" y="7015"/>
-                  </a:lnTo>
-                  <a:lnTo>
-                    <a:pt x="5310" y="7039"/>
-                  </a:lnTo>
-                  <a:lnTo>
-                    <a:pt x="5651" y="7039"/>
-                  </a:lnTo>
-                  <a:lnTo>
-                    <a:pt x="5992" y="6966"/>
-                  </a:lnTo>
-                  <a:lnTo>
-                    <a:pt x="6308" y="6844"/>
-                  </a:lnTo>
-                  <a:lnTo>
-                    <a:pt x="6454" y="6747"/>
-                  </a:lnTo>
-                  <a:lnTo>
-                    <a:pt x="6601" y="6674"/>
-                  </a:lnTo>
-                  <a:lnTo>
-                    <a:pt x="6747" y="6552"/>
-                  </a:lnTo>
-                  <a:lnTo>
-                    <a:pt x="6893" y="6430"/>
-                  </a:lnTo>
-                  <a:lnTo>
-                    <a:pt x="6893" y="6430"/>
-                  </a:lnTo>
-                  <a:lnTo>
-                    <a:pt x="6942" y="6357"/>
-                  </a:lnTo>
-                  <a:lnTo>
-                    <a:pt x="7015" y="6260"/>
-                  </a:lnTo>
-                  <a:lnTo>
-                    <a:pt x="7039" y="6138"/>
-                  </a:lnTo>
-                  <a:lnTo>
-                    <a:pt x="7039" y="6041"/>
-                  </a:lnTo>
-                  <a:lnTo>
-                    <a:pt x="7039" y="6041"/>
-                  </a:lnTo>
-                  <a:lnTo>
-                    <a:pt x="7039" y="5943"/>
-                  </a:lnTo>
-                  <a:lnTo>
-                    <a:pt x="7015" y="5846"/>
-                  </a:lnTo>
-                  <a:lnTo>
-                    <a:pt x="6942" y="5748"/>
-                  </a:lnTo>
-                  <a:lnTo>
-                    <a:pt x="6893" y="5651"/>
-                  </a:lnTo>
-                  <a:lnTo>
-                    <a:pt x="1389" y="147"/>
-                  </a:lnTo>
-                  <a:lnTo>
-                    <a:pt x="1389" y="147"/>
-                  </a:lnTo>
-                  <a:lnTo>
-                    <a:pt x="1291" y="98"/>
-                  </a:lnTo>
-                  <a:lnTo>
-                    <a:pt x="1194" y="25"/>
-                  </a:lnTo>
-                  <a:lnTo>
-                    <a:pt x="1096" y="0"/>
-                  </a:lnTo>
-                  <a:lnTo>
-                    <a:pt x="999" y="0"/>
-                  </a:lnTo>
-                  <a:lnTo>
-                    <a:pt x="999" y="0"/>
-                  </a:lnTo>
-                  <a:lnTo>
-                    <a:pt x="902" y="0"/>
-                  </a:lnTo>
-                  <a:lnTo>
-                    <a:pt x="780" y="25"/>
-                  </a:lnTo>
-                  <a:lnTo>
-                    <a:pt x="682" y="98"/>
-                  </a:lnTo>
-                  <a:lnTo>
-                    <a:pt x="609" y="147"/>
-                  </a:lnTo>
-                  <a:lnTo>
-                    <a:pt x="609" y="147"/>
-                  </a:lnTo>
-                  <a:lnTo>
-                    <a:pt x="487" y="293"/>
-                  </a:lnTo>
-                  <a:lnTo>
-                    <a:pt x="366" y="439"/>
-                  </a:lnTo>
-                  <a:lnTo>
-                    <a:pt x="293" y="585"/>
-                  </a:lnTo>
-                  <a:lnTo>
-                    <a:pt x="195" y="731"/>
-                  </a:lnTo>
-                  <a:lnTo>
-                    <a:pt x="73" y="1048"/>
-                  </a:lnTo>
-                  <a:lnTo>
-                    <a:pt x="0" y="1389"/>
-                  </a:lnTo>
-                  <a:lnTo>
-                    <a:pt x="0" y="1730"/>
-                  </a:lnTo>
-                  <a:lnTo>
-                    <a:pt x="25" y="2046"/>
-                  </a:lnTo>
-                  <a:lnTo>
-                    <a:pt x="122" y="2387"/>
-                  </a:lnTo>
-                  <a:lnTo>
-                    <a:pt x="268" y="2704"/>
-                  </a:lnTo>
-                  <a:lnTo>
-                    <a:pt x="268" y="2704"/>
-                  </a:lnTo>
-                  <a:close/>
-                </a:path>
-              </a:pathLst>
-            </a:custGeom>
-            <a:noFill/>
-            <a:ln w="9525" cap="rnd" cmpd="sng">
-              <a:solidFill>
-                <a:srgbClr val="000000"/>
-              </a:solidFill>
-              <a:prstDash val="solid"/>
-              <a:round/>
-              <a:headEnd type="none" w="med" len="med"/>
-              <a:tailEnd type="none" w="med" len="med"/>
-            </a:ln>
-          </p:spPr>
-          <p:txBody>
-            <a:bodyPr lIns="91425" tIns="91425" rIns="91425" bIns="91425" anchor="ctr" anchorCtr="0">
-              <a:noAutofit/>
-            </a:bodyPr>
-            <a:lstStyle/>
-            <a:p>
-              <a:pPr lvl="0">
-                <a:spcBef>
-                  <a:spcPts val="0"/>
-                </a:spcBef>
-                <a:buNone/>
-              </a:pPr>
-              <a:endParaRPr/>
-            </a:p>
-          </p:txBody>
-        </p:sp>
-        <p:sp>
-          <p:nvSpPr>
-            <p:cNvPr id="116" name="Shape 116"/>
-            <p:cNvSpPr/>
-            <p:nvPr/>
-          </p:nvSpPr>
-          <p:spPr>
-            <a:xfrm>
-              <a:off x="2662850" y="1699400"/>
-              <a:ext cx="303250" cy="303250"/>
-            </a:xfrm>
-            <a:custGeom>
-              <a:avLst/>
-              <a:gdLst/>
-              <a:ahLst/>
-              <a:cxnLst/>
-              <a:rect l="0" t="0" r="0" b="0"/>
-              <a:pathLst>
-                <a:path w="12130" h="12130" fill="none" extrusionOk="0">
-                  <a:moveTo>
-                    <a:pt x="8038" y="1"/>
-                  </a:moveTo>
-                  <a:lnTo>
-                    <a:pt x="4872" y="3191"/>
-                  </a:lnTo>
-                  <a:lnTo>
-                    <a:pt x="4872" y="3191"/>
-                  </a:lnTo>
-                  <a:lnTo>
-                    <a:pt x="4628" y="3094"/>
-                  </a:lnTo>
-                  <a:lnTo>
-                    <a:pt x="4385" y="2997"/>
-                  </a:lnTo>
-                  <a:lnTo>
-                    <a:pt x="4092" y="2899"/>
-                  </a:lnTo>
-                  <a:lnTo>
-                    <a:pt x="3800" y="2850"/>
-                  </a:lnTo>
-                  <a:lnTo>
-                    <a:pt x="3484" y="2777"/>
-                  </a:lnTo>
-                  <a:lnTo>
-                    <a:pt x="3167" y="2729"/>
-                  </a:lnTo>
-                  <a:lnTo>
-                    <a:pt x="2850" y="2704"/>
-                  </a:lnTo>
-                  <a:lnTo>
-                    <a:pt x="2534" y="2704"/>
-                  </a:lnTo>
-                  <a:lnTo>
-                    <a:pt x="2534" y="2704"/>
-                  </a:lnTo>
-                  <a:lnTo>
-                    <a:pt x="2241" y="2704"/>
-                  </a:lnTo>
-                  <a:lnTo>
-                    <a:pt x="1949" y="2729"/>
-                  </a:lnTo>
-                  <a:lnTo>
-                    <a:pt x="1633" y="2777"/>
-                  </a:lnTo>
-                  <a:lnTo>
-                    <a:pt x="1316" y="2850"/>
-                  </a:lnTo>
-                  <a:lnTo>
-                    <a:pt x="999" y="2972"/>
-                  </a:lnTo>
-                  <a:lnTo>
-                    <a:pt x="707" y="3094"/>
-                  </a:lnTo>
-                  <a:lnTo>
-                    <a:pt x="415" y="3289"/>
-                  </a:lnTo>
-                  <a:lnTo>
-                    <a:pt x="147" y="3508"/>
-                  </a:lnTo>
-                  <a:lnTo>
-                    <a:pt x="147" y="3508"/>
-                  </a:lnTo>
-                  <a:lnTo>
-                    <a:pt x="74" y="3581"/>
-                  </a:lnTo>
-                  <a:lnTo>
-                    <a:pt x="25" y="3678"/>
-                  </a:lnTo>
-                  <a:lnTo>
-                    <a:pt x="1" y="3776"/>
-                  </a:lnTo>
-                  <a:lnTo>
-                    <a:pt x="1" y="3898"/>
-                  </a:lnTo>
-                  <a:lnTo>
-                    <a:pt x="1" y="3898"/>
-                  </a:lnTo>
-                  <a:lnTo>
-                    <a:pt x="1" y="3995"/>
-                  </a:lnTo>
-                  <a:lnTo>
-                    <a:pt x="25" y="4093"/>
-                  </a:lnTo>
-                  <a:lnTo>
-                    <a:pt x="74" y="4190"/>
-                  </a:lnTo>
-                  <a:lnTo>
-                    <a:pt x="147" y="4287"/>
-                  </a:lnTo>
-                  <a:lnTo>
-                    <a:pt x="7843" y="11984"/>
-                  </a:lnTo>
-                  <a:lnTo>
-                    <a:pt x="7843" y="11984"/>
-                  </a:lnTo>
-                  <a:lnTo>
-                    <a:pt x="7941" y="12057"/>
-                  </a:lnTo>
-                  <a:lnTo>
-                    <a:pt x="8038" y="12105"/>
-                  </a:lnTo>
-                  <a:lnTo>
-                    <a:pt x="8135" y="12130"/>
-                  </a:lnTo>
-                  <a:lnTo>
-                    <a:pt x="8233" y="12130"/>
-                  </a:lnTo>
-                  <a:lnTo>
-                    <a:pt x="8233" y="12130"/>
-                  </a:lnTo>
-                  <a:lnTo>
-                    <a:pt x="8355" y="12130"/>
-                  </a:lnTo>
-                  <a:lnTo>
-                    <a:pt x="8452" y="12105"/>
-                  </a:lnTo>
-                  <a:lnTo>
-                    <a:pt x="8549" y="12057"/>
-                  </a:lnTo>
-                  <a:lnTo>
-                    <a:pt x="8622" y="11984"/>
-                  </a:lnTo>
-                  <a:lnTo>
-                    <a:pt x="8622" y="11984"/>
-                  </a:lnTo>
-                  <a:lnTo>
-                    <a:pt x="8842" y="11716"/>
-                  </a:lnTo>
-                  <a:lnTo>
-                    <a:pt x="9036" y="11423"/>
-                  </a:lnTo>
-                  <a:lnTo>
-                    <a:pt x="9158" y="11131"/>
-                  </a:lnTo>
-                  <a:lnTo>
-                    <a:pt x="9280" y="10814"/>
-                  </a:lnTo>
-                  <a:lnTo>
-                    <a:pt x="9353" y="10498"/>
-                  </a:lnTo>
-                  <a:lnTo>
-                    <a:pt x="9402" y="10181"/>
-                  </a:lnTo>
-                  <a:lnTo>
-                    <a:pt x="9426" y="9889"/>
-                  </a:lnTo>
-                  <a:lnTo>
-                    <a:pt x="9426" y="9597"/>
-                  </a:lnTo>
-                  <a:lnTo>
-                    <a:pt x="9426" y="9597"/>
-                  </a:lnTo>
-                  <a:lnTo>
-                    <a:pt x="9426" y="9280"/>
-                  </a:lnTo>
-                  <a:lnTo>
-                    <a:pt x="9402" y="8964"/>
-                  </a:lnTo>
-                  <a:lnTo>
-                    <a:pt x="9353" y="8647"/>
-                  </a:lnTo>
-                  <a:lnTo>
-                    <a:pt x="9280" y="8330"/>
-                  </a:lnTo>
-                  <a:lnTo>
-                    <a:pt x="9231" y="8038"/>
-                  </a:lnTo>
-                  <a:lnTo>
-                    <a:pt x="9134" y="7746"/>
-                  </a:lnTo>
-                  <a:lnTo>
-                    <a:pt x="9036" y="7502"/>
-                  </a:lnTo>
-                  <a:lnTo>
-                    <a:pt x="8939" y="7259"/>
-                  </a:lnTo>
-                  <a:lnTo>
-                    <a:pt x="12130" y="4093"/>
-                  </a:lnTo>
-                </a:path>
-              </a:pathLst>
-            </a:custGeom>
-            <a:noFill/>
-            <a:ln w="9525" cap="rnd" cmpd="sng">
-              <a:solidFill>
-                <a:srgbClr val="000000"/>
-              </a:solidFill>
-              <a:prstDash val="solid"/>
-              <a:round/>
-              <a:headEnd type="none" w="med" len="med"/>
-              <a:tailEnd type="none" w="med" len="med"/>
-            </a:ln>
-          </p:spPr>
-          <p:txBody>
-            <a:bodyPr lIns="91425" tIns="91425" rIns="91425" bIns="91425" anchor="ctr" anchorCtr="0">
-              <a:noAutofit/>
-            </a:bodyPr>
-            <a:lstStyle/>
-            <a:p>
-              <a:pPr lvl="0">
-                <a:spcBef>
-                  <a:spcPts val="0"/>
-                </a:spcBef>
-                <a:buNone/>
-              </a:pPr>
-              <a:endParaRPr/>
-            </a:p>
-          </p:txBody>
-        </p:sp>
-        <p:sp>
-          <p:nvSpPr>
-            <p:cNvPr id="117" name="Shape 117"/>
-            <p:cNvSpPr/>
-            <p:nvPr/>
-          </p:nvSpPr>
-          <p:spPr>
-            <a:xfrm>
-              <a:off x="2814911" y="1754061"/>
-              <a:ext cx="49950" cy="49950"/>
-            </a:xfrm>
-            <a:custGeom>
-              <a:avLst/>
-              <a:gdLst/>
-              <a:ahLst/>
-              <a:cxnLst/>
-              <a:rect l="0" t="0" r="0" b="0"/>
-              <a:pathLst>
-                <a:path w="1998" h="1998" fill="none" extrusionOk="0">
-                  <a:moveTo>
-                    <a:pt x="1" y="1997"/>
-                  </a:moveTo>
-                  <a:lnTo>
-                    <a:pt x="1998" y="0"/>
-                  </a:lnTo>
-                </a:path>
-              </a:pathLst>
-            </a:custGeom>
-            <a:noFill/>
-            <a:ln w="9525" cap="rnd" cmpd="sng">
-              <a:solidFill>
-                <a:srgbClr val="000000"/>
-              </a:solidFill>
-              <a:prstDash val="solid"/>
-              <a:round/>
-              <a:headEnd type="none" w="med" len="med"/>
-              <a:tailEnd type="none" w="med" len="med"/>
-            </a:ln>
-          </p:spPr>
-          <p:txBody>
-            <a:bodyPr lIns="91425" tIns="91425" rIns="91425" bIns="91425" anchor="ctr" anchorCtr="0">
-              <a:noAutofit/>
-            </a:bodyPr>
-            <a:lstStyle/>
-            <a:p>
-              <a:pPr lvl="0">
-                <a:spcBef>
-                  <a:spcPts val="0"/>
-                </a:spcBef>
-                <a:buNone/>
-              </a:pPr>
-              <a:endParaRPr/>
-            </a:p>
-          </p:txBody>
-        </p:sp>
-      </p:grpSp>
-    </p:spTree>
-    <p:extLst>
-      <p:ext uri="{BB962C8B-B14F-4D97-AF65-F5344CB8AC3E}">
-        <p14:creationId xmlns:p14="http://schemas.microsoft.com/office/powerpoint/2010/main" val="1061081451"/>
-      </p:ext>
-    </p:extLst>
-  </p:cSld>
-  <p:clrMapOvr>
-    <a:masterClrMapping/>
-  </p:clrMapOvr>
-  <p:transition xmlns:p14="http://schemas.microsoft.com/office/powerpoint/2010/main" spd="slow">
-    <p:cut/>
-  </p:transition>
-  <p:timing>
-    <p:tnLst>
-      <p:par>
-        <p:cTn xmlns:p14="http://schemas.microsoft.com/office/powerpoint/2010/main" id="1" dur="indefinite" restart="never" nodeType="tmRoot"/>
-      </p:par>
-    </p:tnLst>
-  </p:timing>
-</p:sld>
-</file>
-
-<file path=ppt/slides/slide22.xml><?xml version="1.0" encoding="utf-8"?>
-<p:sld xmlns:a="http://schemas.openxmlformats.org/drawingml/2006/main" xmlns:r="http://schemas.openxmlformats.org/officeDocument/2006/relationships" xmlns:p="http://schemas.openxmlformats.org/presentationml/2006/main">
-  <p:cSld>
-    <p:spTree>
-      <p:nvGrpSpPr>
-        <p:cNvPr id="1" name="Shape 110"/>
-        <p:cNvGrpSpPr/>
-        <p:nvPr/>
-      </p:nvGrpSpPr>
-      <p:grpSpPr>
-        <a:xfrm>
-          <a:off x="0" y="0"/>
-          <a:ext cx="0" cy="0"/>
-          <a:chOff x="0" y="0"/>
-          <a:chExt cx="0" cy="0"/>
-        </a:xfrm>
-      </p:grpSpPr>
-      <p:sp>
-        <p:nvSpPr>
-          <p:cNvPr id="111" name="Shape 111"/>
-          <p:cNvSpPr txBox="1">
-            <a:spLocks noGrp="1"/>
-          </p:cNvSpPr>
-          <p:nvPr>
-            <p:ph type="title"/>
-          </p:nvPr>
-        </p:nvSpPr>
-        <p:spPr>
-          <a:xfrm>
-            <a:off x="1381250" y="876896"/>
-            <a:ext cx="3878399" cy="435599"/>
-          </a:xfrm>
-          <a:prstGeom prst="rect">
-            <a:avLst/>
-          </a:prstGeom>
-        </p:spPr>
-        <p:txBody>
-          <a:bodyPr lIns="91425" tIns="91425" rIns="91425" bIns="91425" anchor="ctr" anchorCtr="0">
-            <a:noAutofit/>
-          </a:bodyPr>
-          <a:lstStyle/>
-          <a:p>
-            <a:pPr lvl="0">
-              <a:spcBef>
-                <a:spcPts val="0"/>
-              </a:spcBef>
-              <a:buNone/>
-            </a:pPr>
+              <a:t>Clinical </a:t>
+            </a:r>
             <a:r>
               <a:rPr lang="en-US" sz="2800" dirty="0" smtClean="0">
                 <a:latin typeface="Rockwell"/>
                 <a:cs typeface="Rockwell"/>
               </a:rPr>
-              <a:t>Clinical Trail</a:t>
+              <a:t>Trial</a:t>
             </a:r>
             <a:endParaRPr lang="en" sz="2800" dirty="0">
               <a:highlight>
@@ -18249,7 +17401,7 @@
 </p:sld>
 </file>
 
-<file path=ppt/slides/slide23.xml><?xml version="1.0" encoding="utf-8"?>
+<file path=ppt/slides/slide22.xml><?xml version="1.0" encoding="utf-8"?>
 <p:sld xmlns:a="http://schemas.openxmlformats.org/drawingml/2006/main" xmlns:r="http://schemas.openxmlformats.org/officeDocument/2006/relationships" xmlns:p="http://schemas.openxmlformats.org/presentationml/2006/main">
   <p:cSld>
     <p:spTree>
@@ -18300,11 +17452,11 @@
               <a:t>Clinical </a:t>
             </a:r>
             <a:r>
-              <a:rPr lang="en-US" sz="2800" dirty="0">
+              <a:rPr lang="en-US" sz="2800" dirty="0" smtClean="0">
                 <a:latin typeface="Rockwell"/>
                 <a:cs typeface="Rockwell"/>
               </a:rPr>
-              <a:t>Trail</a:t>
+              <a:t>Trial</a:t>
             </a:r>
             <a:endParaRPr lang="en" sz="2800" dirty="0">
               <a:highlight>
@@ -19389,7 +18541,7 @@
 </p:sld>
 </file>
 
-<file path=ppt/slides/slide24.xml><?xml version="1.0" encoding="utf-8"?>
+<file path=ppt/slides/slide23.xml><?xml version="1.0" encoding="utf-8"?>
 <p:sld xmlns:a="http://schemas.openxmlformats.org/drawingml/2006/main" xmlns:r="http://schemas.openxmlformats.org/officeDocument/2006/relationships" xmlns:p="http://schemas.openxmlformats.org/presentationml/2006/main">
   <p:cSld>
     <p:spTree>
@@ -19440,11 +18592,11 @@
               <a:t>Clinical </a:t>
             </a:r>
             <a:r>
-              <a:rPr lang="en-US" sz="2800" dirty="0">
+              <a:rPr lang="en-US" sz="2800" dirty="0" smtClean="0">
                 <a:latin typeface="Rockwell"/>
                 <a:cs typeface="Rockwell"/>
               </a:rPr>
-              <a:t>Trail</a:t>
+              <a:t>Trial</a:t>
             </a:r>
             <a:endParaRPr lang="en" sz="2800" dirty="0">
               <a:highlight>
@@ -20165,7 +19317,7 @@
 </p:sld>
 </file>
 
-<file path=ppt/slides/slide25.xml><?xml version="1.0" encoding="utf-8"?>
+<file path=ppt/slides/slide24.xml><?xml version="1.0" encoding="utf-8"?>
 <p:sld xmlns:a="http://schemas.openxmlformats.org/drawingml/2006/main" xmlns:r="http://schemas.openxmlformats.org/officeDocument/2006/relationships" xmlns:p="http://schemas.openxmlformats.org/presentationml/2006/main">
   <p:cSld>
     <p:spTree>
@@ -20216,11 +19368,11 @@
               <a:t>Clinical </a:t>
             </a:r>
             <a:r>
-              <a:rPr lang="en-US" sz="2800" dirty="0">
+              <a:rPr lang="en-US" sz="2800" dirty="0" smtClean="0">
                 <a:latin typeface="Rockwell"/>
                 <a:cs typeface="Rockwell"/>
               </a:rPr>
-              <a:t>Trail</a:t>
+              <a:t>Trial</a:t>
             </a:r>
             <a:endParaRPr lang="en" sz="2800" dirty="0">
               <a:highlight>
@@ -20897,7 +20049,7 @@
 </p:sld>
 </file>
 
-<file path=ppt/slides/slide26.xml><?xml version="1.0" encoding="utf-8"?>
+<file path=ppt/slides/slide25.xml><?xml version="1.0" encoding="utf-8"?>
 <p:sld xmlns:a="http://schemas.openxmlformats.org/drawingml/2006/main" xmlns:r="http://schemas.openxmlformats.org/officeDocument/2006/relationships" xmlns:p="http://schemas.openxmlformats.org/presentationml/2006/main">
   <p:cSld>
     <p:spTree>
@@ -20948,11 +20100,11 @@
               <a:t>Clinical </a:t>
             </a:r>
             <a:r>
-              <a:rPr lang="en-US" sz="2800" dirty="0">
+              <a:rPr lang="en-US" sz="2800" dirty="0" smtClean="0">
                 <a:latin typeface="Rockwell"/>
                 <a:cs typeface="Rockwell"/>
               </a:rPr>
-              <a:t>Trail</a:t>
+              <a:t>Trial</a:t>
             </a:r>
             <a:endParaRPr lang="en" sz="2800" dirty="0">
               <a:highlight>
@@ -21761,7 +20913,7 @@
 </p:sld>
 </file>
 
-<file path=ppt/slides/slide27.xml><?xml version="1.0" encoding="utf-8"?>
+<file path=ppt/slides/slide26.xml><?xml version="1.0" encoding="utf-8"?>
 <p:sld xmlns:a="http://schemas.openxmlformats.org/drawingml/2006/main" xmlns:r="http://schemas.openxmlformats.org/officeDocument/2006/relationships" xmlns:p="http://schemas.openxmlformats.org/presentationml/2006/main">
   <p:cSld>
     <p:spTree>
@@ -21812,11 +20964,11 @@
               <a:t>Clinical </a:t>
             </a:r>
             <a:r>
-              <a:rPr lang="en-US" sz="2800" dirty="0">
+              <a:rPr lang="en-US" sz="2800" dirty="0" smtClean="0">
                 <a:latin typeface="Rockwell"/>
                 <a:cs typeface="Rockwell"/>
               </a:rPr>
-              <a:t>Trail</a:t>
+              <a:t>Trial</a:t>
             </a:r>
             <a:endParaRPr lang="en" sz="2800" dirty="0">
               <a:highlight>
@@ -22985,7 +22137,7 @@
 </p:sld>
 </file>
 
-<file path=ppt/slides/slide28.xml><?xml version="1.0" encoding="utf-8"?>
+<file path=ppt/slides/slide27.xml><?xml version="1.0" encoding="utf-8"?>
 <p:sld xmlns:a="http://schemas.openxmlformats.org/drawingml/2006/main" xmlns:r="http://schemas.openxmlformats.org/officeDocument/2006/relationships" xmlns:p="http://schemas.openxmlformats.org/presentationml/2006/main">
   <p:cSld>
     <p:spTree>
@@ -23036,11 +22188,11 @@
               <a:t>Clinical </a:t>
             </a:r>
             <a:r>
-              <a:rPr lang="en-US" sz="2800" dirty="0">
+              <a:rPr lang="en-US" sz="2800" dirty="0" smtClean="0">
                 <a:latin typeface="Rockwell"/>
                 <a:cs typeface="Rockwell"/>
               </a:rPr>
-              <a:t>Trail</a:t>
+              <a:t>Trial</a:t>
             </a:r>
             <a:endParaRPr lang="en" sz="2800" dirty="0">
               <a:highlight>
@@ -23822,7 +22974,7 @@
 </p:sld>
 </file>
 
-<file path=ppt/slides/slide29.xml><?xml version="1.0" encoding="utf-8"?>
+<file path=ppt/slides/slide28.xml><?xml version="1.0" encoding="utf-8"?>
 <p:sld xmlns:a="http://schemas.openxmlformats.org/drawingml/2006/main" xmlns:r="http://schemas.openxmlformats.org/officeDocument/2006/relationships" xmlns:p="http://schemas.openxmlformats.org/presentationml/2006/main">
   <p:cSld>
     <p:spTree>
@@ -23934,6 +23086,851 @@
     <p:extLst>
       <p:ext uri="{BB962C8B-B14F-4D97-AF65-F5344CB8AC3E}">
         <p14:creationId xmlns:p14="http://schemas.microsoft.com/office/powerpoint/2010/main" val="3262529069"/>
+      </p:ext>
+    </p:extLst>
+  </p:cSld>
+  <p:clrMapOvr>
+    <a:masterClrMapping/>
+  </p:clrMapOvr>
+  <p:transition xmlns:p14="http://schemas.microsoft.com/office/powerpoint/2010/main" spd="slow">
+    <p:cut/>
+  </p:transition>
+  <p:timing>
+    <p:tnLst>
+      <p:par>
+        <p:cTn xmlns:p14="http://schemas.microsoft.com/office/powerpoint/2010/main" id="1" dur="indefinite" restart="never" nodeType="tmRoot"/>
+      </p:par>
+    </p:tnLst>
+  </p:timing>
+</p:sld>
+</file>
+
+<file path=ppt/slides/slide29.xml><?xml version="1.0" encoding="utf-8"?>
+<p:sld xmlns:a="http://schemas.openxmlformats.org/drawingml/2006/main" xmlns:r="http://schemas.openxmlformats.org/officeDocument/2006/relationships" xmlns:p="http://schemas.openxmlformats.org/presentationml/2006/main">
+  <p:cSld>
+    <p:spTree>
+      <p:nvGrpSpPr>
+        <p:cNvPr id="1" name="Shape 110"/>
+        <p:cNvGrpSpPr/>
+        <p:nvPr/>
+      </p:nvGrpSpPr>
+      <p:grpSpPr>
+        <a:xfrm>
+          <a:off x="0" y="0"/>
+          <a:ext cx="0" cy="0"/>
+          <a:chOff x="0" y="0"/>
+          <a:chExt cx="0" cy="0"/>
+        </a:xfrm>
+      </p:grpSpPr>
+      <p:sp>
+        <p:nvSpPr>
+          <p:cNvPr id="111" name="Shape 111"/>
+          <p:cNvSpPr txBox="1">
+            <a:spLocks noGrp="1"/>
+          </p:cNvSpPr>
+          <p:nvPr>
+            <p:ph type="title"/>
+          </p:nvPr>
+        </p:nvSpPr>
+        <p:spPr>
+          <a:xfrm>
+            <a:off x="1381250" y="876896"/>
+            <a:ext cx="3878399" cy="435599"/>
+          </a:xfrm>
+          <a:prstGeom prst="rect">
+            <a:avLst/>
+          </a:prstGeom>
+        </p:spPr>
+        <p:txBody>
+          <a:bodyPr lIns="91425" tIns="91425" rIns="91425" bIns="91425" anchor="ctr" anchorCtr="0">
+            <a:noAutofit/>
+          </a:bodyPr>
+          <a:lstStyle/>
+          <a:p>
+            <a:pPr lvl="0">
+              <a:spcBef>
+                <a:spcPts val="0"/>
+              </a:spcBef>
+              <a:buNone/>
+            </a:pPr>
+            <a:r>
+              <a:rPr lang="en-US" sz="2800" dirty="0" smtClean="0">
+                <a:latin typeface="Rockwell"/>
+                <a:cs typeface="Rockwell"/>
+              </a:rPr>
+              <a:t>Evaluations</a:t>
+            </a:r>
+            <a:endParaRPr lang="en" sz="2800" dirty="0">
+              <a:highlight>
+                <a:srgbClr val="FFCD00"/>
+              </a:highlight>
+              <a:latin typeface="Rockwell"/>
+              <a:cs typeface="Rockwell"/>
+            </a:endParaRPr>
+          </a:p>
+        </p:txBody>
+      </p:sp>
+      <p:sp>
+        <p:nvSpPr>
+          <p:cNvPr id="112" name="Shape 112"/>
+          <p:cNvSpPr txBox="1">
+            <a:spLocks noGrp="1"/>
+          </p:cNvSpPr>
+          <p:nvPr>
+            <p:ph type="body" idx="1"/>
+          </p:nvPr>
+        </p:nvSpPr>
+        <p:spPr>
+          <a:xfrm>
+            <a:off x="549157" y="1399053"/>
+            <a:ext cx="7977683" cy="3315346"/>
+          </a:xfrm>
+          <a:prstGeom prst="rect">
+            <a:avLst/>
+          </a:prstGeom>
+        </p:spPr>
+        <p:txBody>
+          <a:bodyPr lIns="91425" tIns="91425" rIns="91425" bIns="91425" anchor="t" anchorCtr="0">
+            <a:noAutofit/>
+          </a:bodyPr>
+          <a:lstStyle/>
+          <a:p>
+            <a:pPr marL="228600" lvl="0" rtl="0">
+              <a:lnSpc>
+                <a:spcPct val="120000"/>
+              </a:lnSpc>
+              <a:spcBef>
+                <a:spcPts val="0"/>
+              </a:spcBef>
+              <a:spcAft>
+                <a:spcPts val="1000"/>
+              </a:spcAft>
+              <a:buNone/>
+            </a:pPr>
+            <a:r>
+              <a:rPr lang="en-US" sz="2000" b="1" dirty="0" smtClean="0">
+                <a:latin typeface="Garamond"/>
+                <a:cs typeface="Garamond"/>
+              </a:rPr>
+              <a:t>Limitations</a:t>
+            </a:r>
+          </a:p>
+          <a:p>
+            <a:pPr marL="571500" lvl="0" indent="-342900">
+              <a:lnSpc>
+                <a:spcPct val="120000"/>
+              </a:lnSpc>
+              <a:spcBef>
+                <a:spcPts val="0"/>
+              </a:spcBef>
+              <a:buFont typeface="Wingdings" charset="2"/>
+              <a:buChar char="v"/>
+            </a:pPr>
+            <a:r>
+              <a:rPr lang="en-US" sz="1800" dirty="0">
+                <a:latin typeface="Garamond"/>
+                <a:cs typeface="Garamond"/>
+              </a:rPr>
+              <a:t>ML methods </a:t>
+            </a:r>
+            <a:r>
+              <a:rPr lang="en-US" sz="1800" dirty="0" smtClean="0">
+                <a:latin typeface="Garamond"/>
+                <a:cs typeface="Garamond"/>
+              </a:rPr>
+              <a:t>may </a:t>
+            </a:r>
+            <a:r>
+              <a:rPr lang="en-US" sz="1800" dirty="0">
+                <a:latin typeface="Garamond"/>
+                <a:cs typeface="Garamond"/>
+              </a:rPr>
+              <a:t>not be valid for small samples in the </a:t>
+            </a:r>
+            <a:r>
+              <a:rPr lang="en-US" sz="1800" dirty="0" smtClean="0">
+                <a:latin typeface="Garamond"/>
+                <a:cs typeface="Garamond"/>
+              </a:rPr>
+              <a:t>experiments </a:t>
+            </a:r>
+            <a:endParaRPr lang="en-US" sz="1800" dirty="0">
+              <a:latin typeface="Garamond"/>
+              <a:cs typeface="Garamond"/>
+            </a:endParaRPr>
+          </a:p>
+          <a:p>
+            <a:pPr marL="571500" lvl="0" indent="-342900">
+              <a:lnSpc>
+                <a:spcPct val="120000"/>
+              </a:lnSpc>
+              <a:spcBef>
+                <a:spcPts val="0"/>
+              </a:spcBef>
+              <a:buFont typeface="Wingdings" charset="2"/>
+              <a:buChar char="v"/>
+            </a:pPr>
+            <a:r>
+              <a:rPr lang="en-US" sz="1800" dirty="0" smtClean="0">
+                <a:latin typeface="Garamond"/>
+                <a:cs typeface="Garamond"/>
+              </a:rPr>
+              <a:t>Bayesian framework</a:t>
+            </a:r>
+            <a:r>
+              <a:rPr lang="en-US" sz="1800" dirty="0">
+                <a:latin typeface="Garamond"/>
+                <a:cs typeface="Garamond"/>
+              </a:rPr>
+              <a:t> </a:t>
+            </a:r>
+            <a:r>
+              <a:rPr lang="en-US" sz="1800" dirty="0" smtClean="0">
+                <a:latin typeface="Garamond"/>
+                <a:cs typeface="Garamond"/>
+              </a:rPr>
+              <a:t>may cause unintended </a:t>
+            </a:r>
+            <a:r>
+              <a:rPr lang="en-US" sz="1800" dirty="0">
+                <a:latin typeface="Garamond"/>
+                <a:cs typeface="Garamond"/>
+              </a:rPr>
+              <a:t>informative prior </a:t>
+            </a:r>
+            <a:r>
+              <a:rPr lang="en-US" sz="1800" dirty="0" smtClean="0">
+                <a:latin typeface="Garamond"/>
+                <a:cs typeface="Garamond"/>
+              </a:rPr>
+              <a:t>problems</a:t>
+            </a:r>
+          </a:p>
+          <a:p>
+            <a:pPr marL="571500" lvl="0" indent="-342900">
+              <a:lnSpc>
+                <a:spcPct val="120000"/>
+              </a:lnSpc>
+              <a:spcBef>
+                <a:spcPts val="0"/>
+              </a:spcBef>
+              <a:buFont typeface="Wingdings" charset="2"/>
+              <a:buChar char="v"/>
+            </a:pPr>
+            <a:r>
+              <a:rPr lang="en-US" sz="1800" dirty="0">
+                <a:latin typeface="Garamond"/>
+                <a:cs typeface="Garamond"/>
+              </a:rPr>
+              <a:t>S</a:t>
+            </a:r>
+            <a:r>
+              <a:rPr lang="en-US" sz="1800" dirty="0" smtClean="0">
+                <a:latin typeface="Garamond"/>
+                <a:cs typeface="Garamond"/>
+              </a:rPr>
+              <a:t>ample generated using </a:t>
+            </a:r>
+            <a:r>
+              <a:rPr lang="en-US" sz="1800" dirty="0">
+                <a:solidFill>
+                  <a:schemeClr val="tx1"/>
+                </a:solidFill>
+                <a:latin typeface="Garamond"/>
+                <a:cs typeface="Garamond"/>
+              </a:rPr>
+              <a:t>Markov chain Monte Carlo (MCMC) </a:t>
+            </a:r>
+            <a:r>
+              <a:rPr lang="en-US" sz="1800" dirty="0" smtClean="0">
+                <a:latin typeface="Garamond"/>
+                <a:cs typeface="Garamond"/>
+              </a:rPr>
+              <a:t>methods are </a:t>
+            </a:r>
+            <a:r>
+              <a:rPr lang="en-US" sz="1800" dirty="0">
+                <a:latin typeface="Garamond"/>
+                <a:cs typeface="Garamond"/>
+              </a:rPr>
+              <a:t>subject to the </a:t>
+            </a:r>
+            <a:r>
+              <a:rPr lang="en-US" sz="1800" dirty="0" smtClean="0">
+                <a:latin typeface="Garamond"/>
+                <a:cs typeface="Garamond"/>
+              </a:rPr>
+              <a:t>validity problem</a:t>
+            </a:r>
+            <a:endParaRPr lang="en-US" sz="1800" dirty="0">
+              <a:latin typeface="Garamond"/>
+              <a:cs typeface="Garamond"/>
+            </a:endParaRPr>
+          </a:p>
+        </p:txBody>
+      </p:sp>
+      <p:grpSp>
+        <p:nvGrpSpPr>
+          <p:cNvPr id="113" name="Shape 113"/>
+          <p:cNvGrpSpPr/>
+          <p:nvPr/>
+        </p:nvGrpSpPr>
+        <p:grpSpPr>
+          <a:xfrm>
+            <a:off x="916458" y="1019750"/>
+            <a:ext cx="214624" cy="214624"/>
+            <a:chOff x="2594050" y="1631825"/>
+            <a:chExt cx="439625" cy="439625"/>
+          </a:xfrm>
+        </p:grpSpPr>
+        <p:sp>
+          <p:nvSpPr>
+            <p:cNvPr id="114" name="Shape 114"/>
+            <p:cNvSpPr/>
+            <p:nvPr/>
+          </p:nvSpPr>
+          <p:spPr>
+            <a:xfrm>
+              <a:off x="2594050" y="1883300"/>
+              <a:ext cx="188175" cy="188150"/>
+            </a:xfrm>
+            <a:custGeom>
+              <a:avLst/>
+              <a:gdLst/>
+              <a:ahLst/>
+              <a:cxnLst/>
+              <a:rect l="0" t="0" r="0" b="0"/>
+              <a:pathLst>
+                <a:path w="7527" h="7526" fill="none" extrusionOk="0">
+                  <a:moveTo>
+                    <a:pt x="5992" y="0"/>
+                  </a:moveTo>
+                  <a:lnTo>
+                    <a:pt x="537" y="6430"/>
+                  </a:lnTo>
+                  <a:lnTo>
+                    <a:pt x="1" y="7526"/>
+                  </a:lnTo>
+                  <a:lnTo>
+                    <a:pt x="1097" y="6990"/>
+                  </a:lnTo>
+                  <a:lnTo>
+                    <a:pt x="7526" y="1534"/>
+                  </a:lnTo>
+                  <a:lnTo>
+                    <a:pt x="5992" y="0"/>
+                  </a:lnTo>
+                  <a:close/>
+                </a:path>
+              </a:pathLst>
+            </a:custGeom>
+            <a:noFill/>
+            <a:ln w="9525" cap="rnd" cmpd="sng">
+              <a:solidFill>
+                <a:srgbClr val="000000"/>
+              </a:solidFill>
+              <a:prstDash val="solid"/>
+              <a:round/>
+              <a:headEnd type="none" w="med" len="med"/>
+              <a:tailEnd type="none" w="med" len="med"/>
+            </a:ln>
+          </p:spPr>
+          <p:txBody>
+            <a:bodyPr lIns="91425" tIns="91425" rIns="91425" bIns="91425" anchor="ctr" anchorCtr="0">
+              <a:noAutofit/>
+            </a:bodyPr>
+            <a:lstStyle/>
+            <a:p>
+              <a:pPr lvl="0">
+                <a:spcBef>
+                  <a:spcPts val="0"/>
+                </a:spcBef>
+                <a:buNone/>
+              </a:pPr>
+              <a:endParaRPr/>
+            </a:p>
+          </p:txBody>
+        </p:sp>
+        <p:sp>
+          <p:nvSpPr>
+            <p:cNvPr id="115" name="Shape 115"/>
+            <p:cNvSpPr/>
+            <p:nvPr/>
+          </p:nvSpPr>
+          <p:spPr>
+            <a:xfrm>
+              <a:off x="2857700" y="1631825"/>
+              <a:ext cx="175975" cy="176000"/>
+            </a:xfrm>
+            <a:custGeom>
+              <a:avLst/>
+              <a:gdLst/>
+              <a:ahLst/>
+              <a:cxnLst/>
+              <a:rect l="0" t="0" r="0" b="0"/>
+              <a:pathLst>
+                <a:path w="7039" h="7040" fill="none" extrusionOk="0">
+                  <a:moveTo>
+                    <a:pt x="268" y="2704"/>
+                  </a:moveTo>
+                  <a:lnTo>
+                    <a:pt x="4336" y="6771"/>
+                  </a:lnTo>
+                  <a:lnTo>
+                    <a:pt x="4336" y="6771"/>
+                  </a:lnTo>
+                  <a:lnTo>
+                    <a:pt x="4336" y="6771"/>
+                  </a:lnTo>
+                  <a:lnTo>
+                    <a:pt x="4652" y="6917"/>
+                  </a:lnTo>
+                  <a:lnTo>
+                    <a:pt x="4993" y="7015"/>
+                  </a:lnTo>
+                  <a:lnTo>
+                    <a:pt x="5310" y="7039"/>
+                  </a:lnTo>
+                  <a:lnTo>
+                    <a:pt x="5651" y="7039"/>
+                  </a:lnTo>
+                  <a:lnTo>
+                    <a:pt x="5992" y="6966"/>
+                  </a:lnTo>
+                  <a:lnTo>
+                    <a:pt x="6308" y="6844"/>
+                  </a:lnTo>
+                  <a:lnTo>
+                    <a:pt x="6454" y="6747"/>
+                  </a:lnTo>
+                  <a:lnTo>
+                    <a:pt x="6601" y="6674"/>
+                  </a:lnTo>
+                  <a:lnTo>
+                    <a:pt x="6747" y="6552"/>
+                  </a:lnTo>
+                  <a:lnTo>
+                    <a:pt x="6893" y="6430"/>
+                  </a:lnTo>
+                  <a:lnTo>
+                    <a:pt x="6893" y="6430"/>
+                  </a:lnTo>
+                  <a:lnTo>
+                    <a:pt x="6942" y="6357"/>
+                  </a:lnTo>
+                  <a:lnTo>
+                    <a:pt x="7015" y="6260"/>
+                  </a:lnTo>
+                  <a:lnTo>
+                    <a:pt x="7039" y="6138"/>
+                  </a:lnTo>
+                  <a:lnTo>
+                    <a:pt x="7039" y="6041"/>
+                  </a:lnTo>
+                  <a:lnTo>
+                    <a:pt x="7039" y="6041"/>
+                  </a:lnTo>
+                  <a:lnTo>
+                    <a:pt x="7039" y="5943"/>
+                  </a:lnTo>
+                  <a:lnTo>
+                    <a:pt x="7015" y="5846"/>
+                  </a:lnTo>
+                  <a:lnTo>
+                    <a:pt x="6942" y="5748"/>
+                  </a:lnTo>
+                  <a:lnTo>
+                    <a:pt x="6893" y="5651"/>
+                  </a:lnTo>
+                  <a:lnTo>
+                    <a:pt x="1389" y="147"/>
+                  </a:lnTo>
+                  <a:lnTo>
+                    <a:pt x="1389" y="147"/>
+                  </a:lnTo>
+                  <a:lnTo>
+                    <a:pt x="1291" y="98"/>
+                  </a:lnTo>
+                  <a:lnTo>
+                    <a:pt x="1194" y="25"/>
+                  </a:lnTo>
+                  <a:lnTo>
+                    <a:pt x="1096" y="0"/>
+                  </a:lnTo>
+                  <a:lnTo>
+                    <a:pt x="999" y="0"/>
+                  </a:lnTo>
+                  <a:lnTo>
+                    <a:pt x="999" y="0"/>
+                  </a:lnTo>
+                  <a:lnTo>
+                    <a:pt x="902" y="0"/>
+                  </a:lnTo>
+                  <a:lnTo>
+                    <a:pt x="780" y="25"/>
+                  </a:lnTo>
+                  <a:lnTo>
+                    <a:pt x="682" y="98"/>
+                  </a:lnTo>
+                  <a:lnTo>
+                    <a:pt x="609" y="147"/>
+                  </a:lnTo>
+                  <a:lnTo>
+                    <a:pt x="609" y="147"/>
+                  </a:lnTo>
+                  <a:lnTo>
+                    <a:pt x="487" y="293"/>
+                  </a:lnTo>
+                  <a:lnTo>
+                    <a:pt x="366" y="439"/>
+                  </a:lnTo>
+                  <a:lnTo>
+                    <a:pt x="293" y="585"/>
+                  </a:lnTo>
+                  <a:lnTo>
+                    <a:pt x="195" y="731"/>
+                  </a:lnTo>
+                  <a:lnTo>
+                    <a:pt x="73" y="1048"/>
+                  </a:lnTo>
+                  <a:lnTo>
+                    <a:pt x="0" y="1389"/>
+                  </a:lnTo>
+                  <a:lnTo>
+                    <a:pt x="0" y="1730"/>
+                  </a:lnTo>
+                  <a:lnTo>
+                    <a:pt x="25" y="2046"/>
+                  </a:lnTo>
+                  <a:lnTo>
+                    <a:pt x="122" y="2387"/>
+                  </a:lnTo>
+                  <a:lnTo>
+                    <a:pt x="268" y="2704"/>
+                  </a:lnTo>
+                  <a:lnTo>
+                    <a:pt x="268" y="2704"/>
+                  </a:lnTo>
+                  <a:close/>
+                </a:path>
+              </a:pathLst>
+            </a:custGeom>
+            <a:noFill/>
+            <a:ln w="9525" cap="rnd" cmpd="sng">
+              <a:solidFill>
+                <a:srgbClr val="000000"/>
+              </a:solidFill>
+              <a:prstDash val="solid"/>
+              <a:round/>
+              <a:headEnd type="none" w="med" len="med"/>
+              <a:tailEnd type="none" w="med" len="med"/>
+            </a:ln>
+          </p:spPr>
+          <p:txBody>
+            <a:bodyPr lIns="91425" tIns="91425" rIns="91425" bIns="91425" anchor="ctr" anchorCtr="0">
+              <a:noAutofit/>
+            </a:bodyPr>
+            <a:lstStyle/>
+            <a:p>
+              <a:pPr lvl="0">
+                <a:spcBef>
+                  <a:spcPts val="0"/>
+                </a:spcBef>
+                <a:buNone/>
+              </a:pPr>
+              <a:endParaRPr/>
+            </a:p>
+          </p:txBody>
+        </p:sp>
+        <p:sp>
+          <p:nvSpPr>
+            <p:cNvPr id="116" name="Shape 116"/>
+            <p:cNvSpPr/>
+            <p:nvPr/>
+          </p:nvSpPr>
+          <p:spPr>
+            <a:xfrm>
+              <a:off x="2662850" y="1699400"/>
+              <a:ext cx="303250" cy="303250"/>
+            </a:xfrm>
+            <a:custGeom>
+              <a:avLst/>
+              <a:gdLst/>
+              <a:ahLst/>
+              <a:cxnLst/>
+              <a:rect l="0" t="0" r="0" b="0"/>
+              <a:pathLst>
+                <a:path w="12130" h="12130" fill="none" extrusionOk="0">
+                  <a:moveTo>
+                    <a:pt x="8038" y="1"/>
+                  </a:moveTo>
+                  <a:lnTo>
+                    <a:pt x="4872" y="3191"/>
+                  </a:lnTo>
+                  <a:lnTo>
+                    <a:pt x="4872" y="3191"/>
+                  </a:lnTo>
+                  <a:lnTo>
+                    <a:pt x="4628" y="3094"/>
+                  </a:lnTo>
+                  <a:lnTo>
+                    <a:pt x="4385" y="2997"/>
+                  </a:lnTo>
+                  <a:lnTo>
+                    <a:pt x="4092" y="2899"/>
+                  </a:lnTo>
+                  <a:lnTo>
+                    <a:pt x="3800" y="2850"/>
+                  </a:lnTo>
+                  <a:lnTo>
+                    <a:pt x="3484" y="2777"/>
+                  </a:lnTo>
+                  <a:lnTo>
+                    <a:pt x="3167" y="2729"/>
+                  </a:lnTo>
+                  <a:lnTo>
+                    <a:pt x="2850" y="2704"/>
+                  </a:lnTo>
+                  <a:lnTo>
+                    <a:pt x="2534" y="2704"/>
+                  </a:lnTo>
+                  <a:lnTo>
+                    <a:pt x="2534" y="2704"/>
+                  </a:lnTo>
+                  <a:lnTo>
+                    <a:pt x="2241" y="2704"/>
+                  </a:lnTo>
+                  <a:lnTo>
+                    <a:pt x="1949" y="2729"/>
+                  </a:lnTo>
+                  <a:lnTo>
+                    <a:pt x="1633" y="2777"/>
+                  </a:lnTo>
+                  <a:lnTo>
+                    <a:pt x="1316" y="2850"/>
+                  </a:lnTo>
+                  <a:lnTo>
+                    <a:pt x="999" y="2972"/>
+                  </a:lnTo>
+                  <a:lnTo>
+                    <a:pt x="707" y="3094"/>
+                  </a:lnTo>
+                  <a:lnTo>
+                    <a:pt x="415" y="3289"/>
+                  </a:lnTo>
+                  <a:lnTo>
+                    <a:pt x="147" y="3508"/>
+                  </a:lnTo>
+                  <a:lnTo>
+                    <a:pt x="147" y="3508"/>
+                  </a:lnTo>
+                  <a:lnTo>
+                    <a:pt x="74" y="3581"/>
+                  </a:lnTo>
+                  <a:lnTo>
+                    <a:pt x="25" y="3678"/>
+                  </a:lnTo>
+                  <a:lnTo>
+                    <a:pt x="1" y="3776"/>
+                  </a:lnTo>
+                  <a:lnTo>
+                    <a:pt x="1" y="3898"/>
+                  </a:lnTo>
+                  <a:lnTo>
+                    <a:pt x="1" y="3898"/>
+                  </a:lnTo>
+                  <a:lnTo>
+                    <a:pt x="1" y="3995"/>
+                  </a:lnTo>
+                  <a:lnTo>
+                    <a:pt x="25" y="4093"/>
+                  </a:lnTo>
+                  <a:lnTo>
+                    <a:pt x="74" y="4190"/>
+                  </a:lnTo>
+                  <a:lnTo>
+                    <a:pt x="147" y="4287"/>
+                  </a:lnTo>
+                  <a:lnTo>
+                    <a:pt x="7843" y="11984"/>
+                  </a:lnTo>
+                  <a:lnTo>
+                    <a:pt x="7843" y="11984"/>
+                  </a:lnTo>
+                  <a:lnTo>
+                    <a:pt x="7941" y="12057"/>
+                  </a:lnTo>
+                  <a:lnTo>
+                    <a:pt x="8038" y="12105"/>
+                  </a:lnTo>
+                  <a:lnTo>
+                    <a:pt x="8135" y="12130"/>
+                  </a:lnTo>
+                  <a:lnTo>
+                    <a:pt x="8233" y="12130"/>
+                  </a:lnTo>
+                  <a:lnTo>
+                    <a:pt x="8233" y="12130"/>
+                  </a:lnTo>
+                  <a:lnTo>
+                    <a:pt x="8355" y="12130"/>
+                  </a:lnTo>
+                  <a:lnTo>
+                    <a:pt x="8452" y="12105"/>
+                  </a:lnTo>
+                  <a:lnTo>
+                    <a:pt x="8549" y="12057"/>
+                  </a:lnTo>
+                  <a:lnTo>
+                    <a:pt x="8622" y="11984"/>
+                  </a:lnTo>
+                  <a:lnTo>
+                    <a:pt x="8622" y="11984"/>
+                  </a:lnTo>
+                  <a:lnTo>
+                    <a:pt x="8842" y="11716"/>
+                  </a:lnTo>
+                  <a:lnTo>
+                    <a:pt x="9036" y="11423"/>
+                  </a:lnTo>
+                  <a:lnTo>
+                    <a:pt x="9158" y="11131"/>
+                  </a:lnTo>
+                  <a:lnTo>
+                    <a:pt x="9280" y="10814"/>
+                  </a:lnTo>
+                  <a:lnTo>
+                    <a:pt x="9353" y="10498"/>
+                  </a:lnTo>
+                  <a:lnTo>
+                    <a:pt x="9402" y="10181"/>
+                  </a:lnTo>
+                  <a:lnTo>
+                    <a:pt x="9426" y="9889"/>
+                  </a:lnTo>
+                  <a:lnTo>
+                    <a:pt x="9426" y="9597"/>
+                  </a:lnTo>
+                  <a:lnTo>
+                    <a:pt x="9426" y="9597"/>
+                  </a:lnTo>
+                  <a:lnTo>
+                    <a:pt x="9426" y="9280"/>
+                  </a:lnTo>
+                  <a:lnTo>
+                    <a:pt x="9402" y="8964"/>
+                  </a:lnTo>
+                  <a:lnTo>
+                    <a:pt x="9353" y="8647"/>
+                  </a:lnTo>
+                  <a:lnTo>
+                    <a:pt x="9280" y="8330"/>
+                  </a:lnTo>
+                  <a:lnTo>
+                    <a:pt x="9231" y="8038"/>
+                  </a:lnTo>
+                  <a:lnTo>
+                    <a:pt x="9134" y="7746"/>
+                  </a:lnTo>
+                  <a:lnTo>
+                    <a:pt x="9036" y="7502"/>
+                  </a:lnTo>
+                  <a:lnTo>
+                    <a:pt x="8939" y="7259"/>
+                  </a:lnTo>
+                  <a:lnTo>
+                    <a:pt x="12130" y="4093"/>
+                  </a:lnTo>
+                </a:path>
+              </a:pathLst>
+            </a:custGeom>
+            <a:noFill/>
+            <a:ln w="9525" cap="rnd" cmpd="sng">
+              <a:solidFill>
+                <a:srgbClr val="000000"/>
+              </a:solidFill>
+              <a:prstDash val="solid"/>
+              <a:round/>
+              <a:headEnd type="none" w="med" len="med"/>
+              <a:tailEnd type="none" w="med" len="med"/>
+            </a:ln>
+          </p:spPr>
+          <p:txBody>
+            <a:bodyPr lIns="91425" tIns="91425" rIns="91425" bIns="91425" anchor="ctr" anchorCtr="0">
+              <a:noAutofit/>
+            </a:bodyPr>
+            <a:lstStyle/>
+            <a:p>
+              <a:pPr lvl="0">
+                <a:spcBef>
+                  <a:spcPts val="0"/>
+                </a:spcBef>
+                <a:buNone/>
+              </a:pPr>
+              <a:endParaRPr/>
+            </a:p>
+          </p:txBody>
+        </p:sp>
+        <p:sp>
+          <p:nvSpPr>
+            <p:cNvPr id="117" name="Shape 117"/>
+            <p:cNvSpPr/>
+            <p:nvPr/>
+          </p:nvSpPr>
+          <p:spPr>
+            <a:xfrm>
+              <a:off x="2814911" y="1754061"/>
+              <a:ext cx="49950" cy="49950"/>
+            </a:xfrm>
+            <a:custGeom>
+              <a:avLst/>
+              <a:gdLst/>
+              <a:ahLst/>
+              <a:cxnLst/>
+              <a:rect l="0" t="0" r="0" b="0"/>
+              <a:pathLst>
+                <a:path w="1998" h="1998" fill="none" extrusionOk="0">
+                  <a:moveTo>
+                    <a:pt x="1" y="1997"/>
+                  </a:moveTo>
+                  <a:lnTo>
+                    <a:pt x="1998" y="0"/>
+                  </a:lnTo>
+                </a:path>
+              </a:pathLst>
+            </a:custGeom>
+            <a:noFill/>
+            <a:ln w="9525" cap="rnd" cmpd="sng">
+              <a:solidFill>
+                <a:srgbClr val="000000"/>
+              </a:solidFill>
+              <a:prstDash val="solid"/>
+              <a:round/>
+              <a:headEnd type="none" w="med" len="med"/>
+              <a:tailEnd type="none" w="med" len="med"/>
+            </a:ln>
+          </p:spPr>
+          <p:txBody>
+            <a:bodyPr lIns="91425" tIns="91425" rIns="91425" bIns="91425" anchor="ctr" anchorCtr="0">
+              <a:noAutofit/>
+            </a:bodyPr>
+            <a:lstStyle/>
+            <a:p>
+              <a:pPr lvl="0">
+                <a:spcBef>
+                  <a:spcPts val="0"/>
+                </a:spcBef>
+                <a:buNone/>
+              </a:pPr>
+              <a:endParaRPr/>
+            </a:p>
+          </p:txBody>
+        </p:sp>
+      </p:grpSp>
+    </p:spTree>
+    <p:extLst>
+      <p:ext uri="{BB962C8B-B14F-4D97-AF65-F5344CB8AC3E}">
+        <p14:creationId xmlns:p14="http://schemas.microsoft.com/office/powerpoint/2010/main" val="1340038159"/>
       </p:ext>
     </p:extLst>
   </p:cSld>
@@ -24186,851 +24183,6 @@
                 <a:latin typeface="Garamond"/>
                 <a:cs typeface="Garamond"/>
               </a:rPr>
-              <a:t>Limitations</a:t>
-            </a:r>
-          </a:p>
-          <a:p>
-            <a:pPr marL="571500" lvl="0" indent="-342900">
-              <a:lnSpc>
-                <a:spcPct val="120000"/>
-              </a:lnSpc>
-              <a:spcBef>
-                <a:spcPts val="0"/>
-              </a:spcBef>
-              <a:buFont typeface="Wingdings" charset="2"/>
-              <a:buChar char="v"/>
-            </a:pPr>
-            <a:r>
-              <a:rPr lang="en-US" sz="1800" dirty="0">
-                <a:latin typeface="Garamond"/>
-                <a:cs typeface="Garamond"/>
-              </a:rPr>
-              <a:t>ML methods </a:t>
-            </a:r>
-            <a:r>
-              <a:rPr lang="en-US" sz="1800" dirty="0" smtClean="0">
-                <a:latin typeface="Garamond"/>
-                <a:cs typeface="Garamond"/>
-              </a:rPr>
-              <a:t>may </a:t>
-            </a:r>
-            <a:r>
-              <a:rPr lang="en-US" sz="1800" dirty="0">
-                <a:latin typeface="Garamond"/>
-                <a:cs typeface="Garamond"/>
-              </a:rPr>
-              <a:t>not be valid for small samples in the </a:t>
-            </a:r>
-            <a:r>
-              <a:rPr lang="en-US" sz="1800" dirty="0" smtClean="0">
-                <a:latin typeface="Garamond"/>
-                <a:cs typeface="Garamond"/>
-              </a:rPr>
-              <a:t>experiments </a:t>
-            </a:r>
-            <a:endParaRPr lang="en-US" sz="1800" dirty="0">
-              <a:latin typeface="Garamond"/>
-              <a:cs typeface="Garamond"/>
-            </a:endParaRPr>
-          </a:p>
-          <a:p>
-            <a:pPr marL="571500" lvl="0" indent="-342900">
-              <a:lnSpc>
-                <a:spcPct val="120000"/>
-              </a:lnSpc>
-              <a:spcBef>
-                <a:spcPts val="0"/>
-              </a:spcBef>
-              <a:buFont typeface="Wingdings" charset="2"/>
-              <a:buChar char="v"/>
-            </a:pPr>
-            <a:r>
-              <a:rPr lang="en-US" sz="1800" dirty="0" smtClean="0">
-                <a:latin typeface="Garamond"/>
-                <a:cs typeface="Garamond"/>
-              </a:rPr>
-              <a:t>Bayesian framework</a:t>
-            </a:r>
-            <a:r>
-              <a:rPr lang="en-US" sz="1800" dirty="0">
-                <a:latin typeface="Garamond"/>
-                <a:cs typeface="Garamond"/>
-              </a:rPr>
-              <a:t> </a:t>
-            </a:r>
-            <a:r>
-              <a:rPr lang="en-US" sz="1800" dirty="0" smtClean="0">
-                <a:latin typeface="Garamond"/>
-                <a:cs typeface="Garamond"/>
-              </a:rPr>
-              <a:t>may cause unintended </a:t>
-            </a:r>
-            <a:r>
-              <a:rPr lang="en-US" sz="1800" dirty="0">
-                <a:latin typeface="Garamond"/>
-                <a:cs typeface="Garamond"/>
-              </a:rPr>
-              <a:t>informative prior </a:t>
-            </a:r>
-            <a:r>
-              <a:rPr lang="en-US" sz="1800" dirty="0" smtClean="0">
-                <a:latin typeface="Garamond"/>
-                <a:cs typeface="Garamond"/>
-              </a:rPr>
-              <a:t>problems</a:t>
-            </a:r>
-          </a:p>
-          <a:p>
-            <a:pPr marL="571500" lvl="0" indent="-342900">
-              <a:lnSpc>
-                <a:spcPct val="120000"/>
-              </a:lnSpc>
-              <a:spcBef>
-                <a:spcPts val="0"/>
-              </a:spcBef>
-              <a:buFont typeface="Wingdings" charset="2"/>
-              <a:buChar char="v"/>
-            </a:pPr>
-            <a:r>
-              <a:rPr lang="en-US" sz="1800" dirty="0">
-                <a:latin typeface="Garamond"/>
-                <a:cs typeface="Garamond"/>
-              </a:rPr>
-              <a:t>S</a:t>
-            </a:r>
-            <a:r>
-              <a:rPr lang="en-US" sz="1800" dirty="0" smtClean="0">
-                <a:latin typeface="Garamond"/>
-                <a:cs typeface="Garamond"/>
-              </a:rPr>
-              <a:t>ample generated using </a:t>
-            </a:r>
-            <a:r>
-              <a:rPr lang="en-US" sz="1800" dirty="0">
-                <a:solidFill>
-                  <a:schemeClr val="tx1"/>
-                </a:solidFill>
-                <a:latin typeface="Garamond"/>
-                <a:cs typeface="Garamond"/>
-              </a:rPr>
-              <a:t>Markov chain Monte Carlo (MCMC) </a:t>
-            </a:r>
-            <a:r>
-              <a:rPr lang="en-US" sz="1800" dirty="0" smtClean="0">
-                <a:latin typeface="Garamond"/>
-                <a:cs typeface="Garamond"/>
-              </a:rPr>
-              <a:t>methods are </a:t>
-            </a:r>
-            <a:r>
-              <a:rPr lang="en-US" sz="1800" dirty="0">
-                <a:latin typeface="Garamond"/>
-                <a:cs typeface="Garamond"/>
-              </a:rPr>
-              <a:t>subject to the </a:t>
-            </a:r>
-            <a:r>
-              <a:rPr lang="en-US" sz="1800" dirty="0" smtClean="0">
-                <a:latin typeface="Garamond"/>
-                <a:cs typeface="Garamond"/>
-              </a:rPr>
-              <a:t>validity problem</a:t>
-            </a:r>
-            <a:endParaRPr lang="en-US" sz="1800" dirty="0">
-              <a:latin typeface="Garamond"/>
-              <a:cs typeface="Garamond"/>
-            </a:endParaRPr>
-          </a:p>
-        </p:txBody>
-      </p:sp>
-      <p:grpSp>
-        <p:nvGrpSpPr>
-          <p:cNvPr id="113" name="Shape 113"/>
-          <p:cNvGrpSpPr/>
-          <p:nvPr/>
-        </p:nvGrpSpPr>
-        <p:grpSpPr>
-          <a:xfrm>
-            <a:off x="916458" y="1019750"/>
-            <a:ext cx="214624" cy="214624"/>
-            <a:chOff x="2594050" y="1631825"/>
-            <a:chExt cx="439625" cy="439625"/>
-          </a:xfrm>
-        </p:grpSpPr>
-        <p:sp>
-          <p:nvSpPr>
-            <p:cNvPr id="114" name="Shape 114"/>
-            <p:cNvSpPr/>
-            <p:nvPr/>
-          </p:nvSpPr>
-          <p:spPr>
-            <a:xfrm>
-              <a:off x="2594050" y="1883300"/>
-              <a:ext cx="188175" cy="188150"/>
-            </a:xfrm>
-            <a:custGeom>
-              <a:avLst/>
-              <a:gdLst/>
-              <a:ahLst/>
-              <a:cxnLst/>
-              <a:rect l="0" t="0" r="0" b="0"/>
-              <a:pathLst>
-                <a:path w="7527" h="7526" fill="none" extrusionOk="0">
-                  <a:moveTo>
-                    <a:pt x="5992" y="0"/>
-                  </a:moveTo>
-                  <a:lnTo>
-                    <a:pt x="537" y="6430"/>
-                  </a:lnTo>
-                  <a:lnTo>
-                    <a:pt x="1" y="7526"/>
-                  </a:lnTo>
-                  <a:lnTo>
-                    <a:pt x="1097" y="6990"/>
-                  </a:lnTo>
-                  <a:lnTo>
-                    <a:pt x="7526" y="1534"/>
-                  </a:lnTo>
-                  <a:lnTo>
-                    <a:pt x="5992" y="0"/>
-                  </a:lnTo>
-                  <a:close/>
-                </a:path>
-              </a:pathLst>
-            </a:custGeom>
-            <a:noFill/>
-            <a:ln w="9525" cap="rnd" cmpd="sng">
-              <a:solidFill>
-                <a:srgbClr val="000000"/>
-              </a:solidFill>
-              <a:prstDash val="solid"/>
-              <a:round/>
-              <a:headEnd type="none" w="med" len="med"/>
-              <a:tailEnd type="none" w="med" len="med"/>
-            </a:ln>
-          </p:spPr>
-          <p:txBody>
-            <a:bodyPr lIns="91425" tIns="91425" rIns="91425" bIns="91425" anchor="ctr" anchorCtr="0">
-              <a:noAutofit/>
-            </a:bodyPr>
-            <a:lstStyle/>
-            <a:p>
-              <a:pPr lvl="0">
-                <a:spcBef>
-                  <a:spcPts val="0"/>
-                </a:spcBef>
-                <a:buNone/>
-              </a:pPr>
-              <a:endParaRPr/>
-            </a:p>
-          </p:txBody>
-        </p:sp>
-        <p:sp>
-          <p:nvSpPr>
-            <p:cNvPr id="115" name="Shape 115"/>
-            <p:cNvSpPr/>
-            <p:nvPr/>
-          </p:nvSpPr>
-          <p:spPr>
-            <a:xfrm>
-              <a:off x="2857700" y="1631825"/>
-              <a:ext cx="175975" cy="176000"/>
-            </a:xfrm>
-            <a:custGeom>
-              <a:avLst/>
-              <a:gdLst/>
-              <a:ahLst/>
-              <a:cxnLst/>
-              <a:rect l="0" t="0" r="0" b="0"/>
-              <a:pathLst>
-                <a:path w="7039" h="7040" fill="none" extrusionOk="0">
-                  <a:moveTo>
-                    <a:pt x="268" y="2704"/>
-                  </a:moveTo>
-                  <a:lnTo>
-                    <a:pt x="4336" y="6771"/>
-                  </a:lnTo>
-                  <a:lnTo>
-                    <a:pt x="4336" y="6771"/>
-                  </a:lnTo>
-                  <a:lnTo>
-                    <a:pt x="4336" y="6771"/>
-                  </a:lnTo>
-                  <a:lnTo>
-                    <a:pt x="4652" y="6917"/>
-                  </a:lnTo>
-                  <a:lnTo>
-                    <a:pt x="4993" y="7015"/>
-                  </a:lnTo>
-                  <a:lnTo>
-                    <a:pt x="5310" y="7039"/>
-                  </a:lnTo>
-                  <a:lnTo>
-                    <a:pt x="5651" y="7039"/>
-                  </a:lnTo>
-                  <a:lnTo>
-                    <a:pt x="5992" y="6966"/>
-                  </a:lnTo>
-                  <a:lnTo>
-                    <a:pt x="6308" y="6844"/>
-                  </a:lnTo>
-                  <a:lnTo>
-                    <a:pt x="6454" y="6747"/>
-                  </a:lnTo>
-                  <a:lnTo>
-                    <a:pt x="6601" y="6674"/>
-                  </a:lnTo>
-                  <a:lnTo>
-                    <a:pt x="6747" y="6552"/>
-                  </a:lnTo>
-                  <a:lnTo>
-                    <a:pt x="6893" y="6430"/>
-                  </a:lnTo>
-                  <a:lnTo>
-                    <a:pt x="6893" y="6430"/>
-                  </a:lnTo>
-                  <a:lnTo>
-                    <a:pt x="6942" y="6357"/>
-                  </a:lnTo>
-                  <a:lnTo>
-                    <a:pt x="7015" y="6260"/>
-                  </a:lnTo>
-                  <a:lnTo>
-                    <a:pt x="7039" y="6138"/>
-                  </a:lnTo>
-                  <a:lnTo>
-                    <a:pt x="7039" y="6041"/>
-                  </a:lnTo>
-                  <a:lnTo>
-                    <a:pt x="7039" y="6041"/>
-                  </a:lnTo>
-                  <a:lnTo>
-                    <a:pt x="7039" y="5943"/>
-                  </a:lnTo>
-                  <a:lnTo>
-                    <a:pt x="7015" y="5846"/>
-                  </a:lnTo>
-                  <a:lnTo>
-                    <a:pt x="6942" y="5748"/>
-                  </a:lnTo>
-                  <a:lnTo>
-                    <a:pt x="6893" y="5651"/>
-                  </a:lnTo>
-                  <a:lnTo>
-                    <a:pt x="1389" y="147"/>
-                  </a:lnTo>
-                  <a:lnTo>
-                    <a:pt x="1389" y="147"/>
-                  </a:lnTo>
-                  <a:lnTo>
-                    <a:pt x="1291" y="98"/>
-                  </a:lnTo>
-                  <a:lnTo>
-                    <a:pt x="1194" y="25"/>
-                  </a:lnTo>
-                  <a:lnTo>
-                    <a:pt x="1096" y="0"/>
-                  </a:lnTo>
-                  <a:lnTo>
-                    <a:pt x="999" y="0"/>
-                  </a:lnTo>
-                  <a:lnTo>
-                    <a:pt x="999" y="0"/>
-                  </a:lnTo>
-                  <a:lnTo>
-                    <a:pt x="902" y="0"/>
-                  </a:lnTo>
-                  <a:lnTo>
-                    <a:pt x="780" y="25"/>
-                  </a:lnTo>
-                  <a:lnTo>
-                    <a:pt x="682" y="98"/>
-                  </a:lnTo>
-                  <a:lnTo>
-                    <a:pt x="609" y="147"/>
-                  </a:lnTo>
-                  <a:lnTo>
-                    <a:pt x="609" y="147"/>
-                  </a:lnTo>
-                  <a:lnTo>
-                    <a:pt x="487" y="293"/>
-                  </a:lnTo>
-                  <a:lnTo>
-                    <a:pt x="366" y="439"/>
-                  </a:lnTo>
-                  <a:lnTo>
-                    <a:pt x="293" y="585"/>
-                  </a:lnTo>
-                  <a:lnTo>
-                    <a:pt x="195" y="731"/>
-                  </a:lnTo>
-                  <a:lnTo>
-                    <a:pt x="73" y="1048"/>
-                  </a:lnTo>
-                  <a:lnTo>
-                    <a:pt x="0" y="1389"/>
-                  </a:lnTo>
-                  <a:lnTo>
-                    <a:pt x="0" y="1730"/>
-                  </a:lnTo>
-                  <a:lnTo>
-                    <a:pt x="25" y="2046"/>
-                  </a:lnTo>
-                  <a:lnTo>
-                    <a:pt x="122" y="2387"/>
-                  </a:lnTo>
-                  <a:lnTo>
-                    <a:pt x="268" y="2704"/>
-                  </a:lnTo>
-                  <a:lnTo>
-                    <a:pt x="268" y="2704"/>
-                  </a:lnTo>
-                  <a:close/>
-                </a:path>
-              </a:pathLst>
-            </a:custGeom>
-            <a:noFill/>
-            <a:ln w="9525" cap="rnd" cmpd="sng">
-              <a:solidFill>
-                <a:srgbClr val="000000"/>
-              </a:solidFill>
-              <a:prstDash val="solid"/>
-              <a:round/>
-              <a:headEnd type="none" w="med" len="med"/>
-              <a:tailEnd type="none" w="med" len="med"/>
-            </a:ln>
-          </p:spPr>
-          <p:txBody>
-            <a:bodyPr lIns="91425" tIns="91425" rIns="91425" bIns="91425" anchor="ctr" anchorCtr="0">
-              <a:noAutofit/>
-            </a:bodyPr>
-            <a:lstStyle/>
-            <a:p>
-              <a:pPr lvl="0">
-                <a:spcBef>
-                  <a:spcPts val="0"/>
-                </a:spcBef>
-                <a:buNone/>
-              </a:pPr>
-              <a:endParaRPr/>
-            </a:p>
-          </p:txBody>
-        </p:sp>
-        <p:sp>
-          <p:nvSpPr>
-            <p:cNvPr id="116" name="Shape 116"/>
-            <p:cNvSpPr/>
-            <p:nvPr/>
-          </p:nvSpPr>
-          <p:spPr>
-            <a:xfrm>
-              <a:off x="2662850" y="1699400"/>
-              <a:ext cx="303250" cy="303250"/>
-            </a:xfrm>
-            <a:custGeom>
-              <a:avLst/>
-              <a:gdLst/>
-              <a:ahLst/>
-              <a:cxnLst/>
-              <a:rect l="0" t="0" r="0" b="0"/>
-              <a:pathLst>
-                <a:path w="12130" h="12130" fill="none" extrusionOk="0">
-                  <a:moveTo>
-                    <a:pt x="8038" y="1"/>
-                  </a:moveTo>
-                  <a:lnTo>
-                    <a:pt x="4872" y="3191"/>
-                  </a:lnTo>
-                  <a:lnTo>
-                    <a:pt x="4872" y="3191"/>
-                  </a:lnTo>
-                  <a:lnTo>
-                    <a:pt x="4628" y="3094"/>
-                  </a:lnTo>
-                  <a:lnTo>
-                    <a:pt x="4385" y="2997"/>
-                  </a:lnTo>
-                  <a:lnTo>
-                    <a:pt x="4092" y="2899"/>
-                  </a:lnTo>
-                  <a:lnTo>
-                    <a:pt x="3800" y="2850"/>
-                  </a:lnTo>
-                  <a:lnTo>
-                    <a:pt x="3484" y="2777"/>
-                  </a:lnTo>
-                  <a:lnTo>
-                    <a:pt x="3167" y="2729"/>
-                  </a:lnTo>
-                  <a:lnTo>
-                    <a:pt x="2850" y="2704"/>
-                  </a:lnTo>
-                  <a:lnTo>
-                    <a:pt x="2534" y="2704"/>
-                  </a:lnTo>
-                  <a:lnTo>
-                    <a:pt x="2534" y="2704"/>
-                  </a:lnTo>
-                  <a:lnTo>
-                    <a:pt x="2241" y="2704"/>
-                  </a:lnTo>
-                  <a:lnTo>
-                    <a:pt x="1949" y="2729"/>
-                  </a:lnTo>
-                  <a:lnTo>
-                    <a:pt x="1633" y="2777"/>
-                  </a:lnTo>
-                  <a:lnTo>
-                    <a:pt x="1316" y="2850"/>
-                  </a:lnTo>
-                  <a:lnTo>
-                    <a:pt x="999" y="2972"/>
-                  </a:lnTo>
-                  <a:lnTo>
-                    <a:pt x="707" y="3094"/>
-                  </a:lnTo>
-                  <a:lnTo>
-                    <a:pt x="415" y="3289"/>
-                  </a:lnTo>
-                  <a:lnTo>
-                    <a:pt x="147" y="3508"/>
-                  </a:lnTo>
-                  <a:lnTo>
-                    <a:pt x="147" y="3508"/>
-                  </a:lnTo>
-                  <a:lnTo>
-                    <a:pt x="74" y="3581"/>
-                  </a:lnTo>
-                  <a:lnTo>
-                    <a:pt x="25" y="3678"/>
-                  </a:lnTo>
-                  <a:lnTo>
-                    <a:pt x="1" y="3776"/>
-                  </a:lnTo>
-                  <a:lnTo>
-                    <a:pt x="1" y="3898"/>
-                  </a:lnTo>
-                  <a:lnTo>
-                    <a:pt x="1" y="3898"/>
-                  </a:lnTo>
-                  <a:lnTo>
-                    <a:pt x="1" y="3995"/>
-                  </a:lnTo>
-                  <a:lnTo>
-                    <a:pt x="25" y="4093"/>
-                  </a:lnTo>
-                  <a:lnTo>
-                    <a:pt x="74" y="4190"/>
-                  </a:lnTo>
-                  <a:lnTo>
-                    <a:pt x="147" y="4287"/>
-                  </a:lnTo>
-                  <a:lnTo>
-                    <a:pt x="7843" y="11984"/>
-                  </a:lnTo>
-                  <a:lnTo>
-                    <a:pt x="7843" y="11984"/>
-                  </a:lnTo>
-                  <a:lnTo>
-                    <a:pt x="7941" y="12057"/>
-                  </a:lnTo>
-                  <a:lnTo>
-                    <a:pt x="8038" y="12105"/>
-                  </a:lnTo>
-                  <a:lnTo>
-                    <a:pt x="8135" y="12130"/>
-                  </a:lnTo>
-                  <a:lnTo>
-                    <a:pt x="8233" y="12130"/>
-                  </a:lnTo>
-                  <a:lnTo>
-                    <a:pt x="8233" y="12130"/>
-                  </a:lnTo>
-                  <a:lnTo>
-                    <a:pt x="8355" y="12130"/>
-                  </a:lnTo>
-                  <a:lnTo>
-                    <a:pt x="8452" y="12105"/>
-                  </a:lnTo>
-                  <a:lnTo>
-                    <a:pt x="8549" y="12057"/>
-                  </a:lnTo>
-                  <a:lnTo>
-                    <a:pt x="8622" y="11984"/>
-                  </a:lnTo>
-                  <a:lnTo>
-                    <a:pt x="8622" y="11984"/>
-                  </a:lnTo>
-                  <a:lnTo>
-                    <a:pt x="8842" y="11716"/>
-                  </a:lnTo>
-                  <a:lnTo>
-                    <a:pt x="9036" y="11423"/>
-                  </a:lnTo>
-                  <a:lnTo>
-                    <a:pt x="9158" y="11131"/>
-                  </a:lnTo>
-                  <a:lnTo>
-                    <a:pt x="9280" y="10814"/>
-                  </a:lnTo>
-                  <a:lnTo>
-                    <a:pt x="9353" y="10498"/>
-                  </a:lnTo>
-                  <a:lnTo>
-                    <a:pt x="9402" y="10181"/>
-                  </a:lnTo>
-                  <a:lnTo>
-                    <a:pt x="9426" y="9889"/>
-                  </a:lnTo>
-                  <a:lnTo>
-                    <a:pt x="9426" y="9597"/>
-                  </a:lnTo>
-                  <a:lnTo>
-                    <a:pt x="9426" y="9597"/>
-                  </a:lnTo>
-                  <a:lnTo>
-                    <a:pt x="9426" y="9280"/>
-                  </a:lnTo>
-                  <a:lnTo>
-                    <a:pt x="9402" y="8964"/>
-                  </a:lnTo>
-                  <a:lnTo>
-                    <a:pt x="9353" y="8647"/>
-                  </a:lnTo>
-                  <a:lnTo>
-                    <a:pt x="9280" y="8330"/>
-                  </a:lnTo>
-                  <a:lnTo>
-                    <a:pt x="9231" y="8038"/>
-                  </a:lnTo>
-                  <a:lnTo>
-                    <a:pt x="9134" y="7746"/>
-                  </a:lnTo>
-                  <a:lnTo>
-                    <a:pt x="9036" y="7502"/>
-                  </a:lnTo>
-                  <a:lnTo>
-                    <a:pt x="8939" y="7259"/>
-                  </a:lnTo>
-                  <a:lnTo>
-                    <a:pt x="12130" y="4093"/>
-                  </a:lnTo>
-                </a:path>
-              </a:pathLst>
-            </a:custGeom>
-            <a:noFill/>
-            <a:ln w="9525" cap="rnd" cmpd="sng">
-              <a:solidFill>
-                <a:srgbClr val="000000"/>
-              </a:solidFill>
-              <a:prstDash val="solid"/>
-              <a:round/>
-              <a:headEnd type="none" w="med" len="med"/>
-              <a:tailEnd type="none" w="med" len="med"/>
-            </a:ln>
-          </p:spPr>
-          <p:txBody>
-            <a:bodyPr lIns="91425" tIns="91425" rIns="91425" bIns="91425" anchor="ctr" anchorCtr="0">
-              <a:noAutofit/>
-            </a:bodyPr>
-            <a:lstStyle/>
-            <a:p>
-              <a:pPr lvl="0">
-                <a:spcBef>
-                  <a:spcPts val="0"/>
-                </a:spcBef>
-                <a:buNone/>
-              </a:pPr>
-              <a:endParaRPr/>
-            </a:p>
-          </p:txBody>
-        </p:sp>
-        <p:sp>
-          <p:nvSpPr>
-            <p:cNvPr id="117" name="Shape 117"/>
-            <p:cNvSpPr/>
-            <p:nvPr/>
-          </p:nvSpPr>
-          <p:spPr>
-            <a:xfrm>
-              <a:off x="2814911" y="1754061"/>
-              <a:ext cx="49950" cy="49950"/>
-            </a:xfrm>
-            <a:custGeom>
-              <a:avLst/>
-              <a:gdLst/>
-              <a:ahLst/>
-              <a:cxnLst/>
-              <a:rect l="0" t="0" r="0" b="0"/>
-              <a:pathLst>
-                <a:path w="1998" h="1998" fill="none" extrusionOk="0">
-                  <a:moveTo>
-                    <a:pt x="1" y="1997"/>
-                  </a:moveTo>
-                  <a:lnTo>
-                    <a:pt x="1998" y="0"/>
-                  </a:lnTo>
-                </a:path>
-              </a:pathLst>
-            </a:custGeom>
-            <a:noFill/>
-            <a:ln w="9525" cap="rnd" cmpd="sng">
-              <a:solidFill>
-                <a:srgbClr val="000000"/>
-              </a:solidFill>
-              <a:prstDash val="solid"/>
-              <a:round/>
-              <a:headEnd type="none" w="med" len="med"/>
-              <a:tailEnd type="none" w="med" len="med"/>
-            </a:ln>
-          </p:spPr>
-          <p:txBody>
-            <a:bodyPr lIns="91425" tIns="91425" rIns="91425" bIns="91425" anchor="ctr" anchorCtr="0">
-              <a:noAutofit/>
-            </a:bodyPr>
-            <a:lstStyle/>
-            <a:p>
-              <a:pPr lvl="0">
-                <a:spcBef>
-                  <a:spcPts val="0"/>
-                </a:spcBef>
-                <a:buNone/>
-              </a:pPr>
-              <a:endParaRPr/>
-            </a:p>
-          </p:txBody>
-        </p:sp>
-      </p:grpSp>
-    </p:spTree>
-    <p:extLst>
-      <p:ext uri="{BB962C8B-B14F-4D97-AF65-F5344CB8AC3E}">
-        <p14:creationId xmlns:p14="http://schemas.microsoft.com/office/powerpoint/2010/main" val="1340038159"/>
-      </p:ext>
-    </p:extLst>
-  </p:cSld>
-  <p:clrMapOvr>
-    <a:masterClrMapping/>
-  </p:clrMapOvr>
-  <p:transition xmlns:p14="http://schemas.microsoft.com/office/powerpoint/2010/main" spd="slow">
-    <p:cut/>
-  </p:transition>
-  <p:timing>
-    <p:tnLst>
-      <p:par>
-        <p:cTn xmlns:p14="http://schemas.microsoft.com/office/powerpoint/2010/main" id="1" dur="indefinite" restart="never" nodeType="tmRoot"/>
-      </p:par>
-    </p:tnLst>
-  </p:timing>
-</p:sld>
-</file>
-
-<file path=ppt/slides/slide31.xml><?xml version="1.0" encoding="utf-8"?>
-<p:sld xmlns:a="http://schemas.openxmlformats.org/drawingml/2006/main" xmlns:r="http://schemas.openxmlformats.org/officeDocument/2006/relationships" xmlns:p="http://schemas.openxmlformats.org/presentationml/2006/main">
-  <p:cSld>
-    <p:spTree>
-      <p:nvGrpSpPr>
-        <p:cNvPr id="1" name="Shape 110"/>
-        <p:cNvGrpSpPr/>
-        <p:nvPr/>
-      </p:nvGrpSpPr>
-      <p:grpSpPr>
-        <a:xfrm>
-          <a:off x="0" y="0"/>
-          <a:ext cx="0" cy="0"/>
-          <a:chOff x="0" y="0"/>
-          <a:chExt cx="0" cy="0"/>
-        </a:xfrm>
-      </p:grpSpPr>
-      <p:sp>
-        <p:nvSpPr>
-          <p:cNvPr id="111" name="Shape 111"/>
-          <p:cNvSpPr txBox="1">
-            <a:spLocks noGrp="1"/>
-          </p:cNvSpPr>
-          <p:nvPr>
-            <p:ph type="title"/>
-          </p:nvPr>
-        </p:nvSpPr>
-        <p:spPr>
-          <a:xfrm>
-            <a:off x="1381250" y="876896"/>
-            <a:ext cx="3878399" cy="435599"/>
-          </a:xfrm>
-          <a:prstGeom prst="rect">
-            <a:avLst/>
-          </a:prstGeom>
-        </p:spPr>
-        <p:txBody>
-          <a:bodyPr lIns="91425" tIns="91425" rIns="91425" bIns="91425" anchor="ctr" anchorCtr="0">
-            <a:noAutofit/>
-          </a:bodyPr>
-          <a:lstStyle/>
-          <a:p>
-            <a:pPr lvl="0">
-              <a:spcBef>
-                <a:spcPts val="0"/>
-              </a:spcBef>
-              <a:buNone/>
-            </a:pPr>
-            <a:r>
-              <a:rPr lang="en-US" sz="2800" dirty="0" smtClean="0">
-                <a:latin typeface="Rockwell"/>
-                <a:cs typeface="Rockwell"/>
-              </a:rPr>
-              <a:t>Evaluations</a:t>
-            </a:r>
-            <a:endParaRPr lang="en" sz="2800" dirty="0">
-              <a:highlight>
-                <a:srgbClr val="FFCD00"/>
-              </a:highlight>
-              <a:latin typeface="Rockwell"/>
-              <a:cs typeface="Rockwell"/>
-            </a:endParaRPr>
-          </a:p>
-        </p:txBody>
-      </p:sp>
-      <p:sp>
-        <p:nvSpPr>
-          <p:cNvPr id="112" name="Shape 112"/>
-          <p:cNvSpPr txBox="1">
-            <a:spLocks noGrp="1"/>
-          </p:cNvSpPr>
-          <p:nvPr>
-            <p:ph type="body" idx="1"/>
-          </p:nvPr>
-        </p:nvSpPr>
-        <p:spPr>
-          <a:xfrm>
-            <a:off x="549157" y="1399053"/>
-            <a:ext cx="7977683" cy="3315346"/>
-          </a:xfrm>
-          <a:prstGeom prst="rect">
-            <a:avLst/>
-          </a:prstGeom>
-        </p:spPr>
-        <p:txBody>
-          <a:bodyPr lIns="91425" tIns="91425" rIns="91425" bIns="91425" anchor="t" anchorCtr="0">
-            <a:noAutofit/>
-          </a:bodyPr>
-          <a:lstStyle/>
-          <a:p>
-            <a:pPr marL="228600" lvl="0" rtl="0">
-              <a:lnSpc>
-                <a:spcPct val="120000"/>
-              </a:lnSpc>
-              <a:spcBef>
-                <a:spcPts val="0"/>
-              </a:spcBef>
-              <a:spcAft>
-                <a:spcPts val="1000"/>
-              </a:spcAft>
-              <a:buNone/>
-            </a:pPr>
-            <a:r>
-              <a:rPr lang="en-US" sz="2000" b="1" dirty="0" smtClean="0">
-                <a:latin typeface="Garamond"/>
-                <a:cs typeface="Garamond"/>
-              </a:rPr>
               <a:t>Issues &amp; Challenges</a:t>
             </a:r>
           </a:p>
@@ -25708,7 +24860,7 @@
 </p:sld>
 </file>
 
-<file path=ppt/slides/slide32.xml><?xml version="1.0" encoding="utf-8"?>
+<file path=ppt/slides/slide31.xml><?xml version="1.0" encoding="utf-8"?>
 <p:sld xmlns:a="http://schemas.openxmlformats.org/drawingml/2006/main" xmlns:r="http://schemas.openxmlformats.org/officeDocument/2006/relationships" xmlns:p="http://schemas.openxmlformats.org/presentationml/2006/main">
   <p:cSld>
     <p:spTree>
@@ -26601,7 +25753,7 @@
 </p:sld>
 </file>
 
-<file path=ppt/slides/slide33.xml><?xml version="1.0" encoding="utf-8"?>
+<file path=ppt/slides/slide32.xml><?xml version="1.0" encoding="utf-8"?>
 <p:sld xmlns:a="http://schemas.openxmlformats.org/drawingml/2006/main" xmlns:r="http://schemas.openxmlformats.org/officeDocument/2006/relationships" xmlns:p="http://schemas.openxmlformats.org/presentationml/2006/main">
   <p:cSld>
     <p:spTree>
@@ -27408,6 +26560,728 @@
     <p:extLst>
       <p:ext uri="{BB962C8B-B14F-4D97-AF65-F5344CB8AC3E}">
         <p14:creationId xmlns:p14="http://schemas.microsoft.com/office/powerpoint/2010/main" val="918659723"/>
+      </p:ext>
+    </p:extLst>
+  </p:cSld>
+  <p:clrMapOvr>
+    <a:masterClrMapping/>
+  </p:clrMapOvr>
+  <p:transition xmlns:p14="http://schemas.microsoft.com/office/powerpoint/2010/main" spd="slow">
+    <p:cut/>
+  </p:transition>
+  <p:timing>
+    <p:tnLst>
+      <p:par>
+        <p:cTn xmlns:p14="http://schemas.microsoft.com/office/powerpoint/2010/main" id="1" dur="indefinite" restart="never" nodeType="tmRoot"/>
+      </p:par>
+    </p:tnLst>
+  </p:timing>
+</p:sld>
+</file>
+
+<file path=ppt/slides/slide33.xml><?xml version="1.0" encoding="utf-8"?>
+<p:sld xmlns:a="http://schemas.openxmlformats.org/drawingml/2006/main" xmlns:r="http://schemas.openxmlformats.org/officeDocument/2006/relationships" xmlns:p="http://schemas.openxmlformats.org/presentationml/2006/main">
+  <p:cSld>
+    <p:spTree>
+      <p:nvGrpSpPr>
+        <p:cNvPr id="1" name="Shape 110"/>
+        <p:cNvGrpSpPr/>
+        <p:nvPr/>
+      </p:nvGrpSpPr>
+      <p:grpSpPr>
+        <a:xfrm>
+          <a:off x="0" y="0"/>
+          <a:ext cx="0" cy="0"/>
+          <a:chOff x="0" y="0"/>
+          <a:chExt cx="0" cy="0"/>
+        </a:xfrm>
+      </p:grpSpPr>
+      <p:sp>
+        <p:nvSpPr>
+          <p:cNvPr id="111" name="Shape 111"/>
+          <p:cNvSpPr txBox="1">
+            <a:spLocks noGrp="1"/>
+          </p:cNvSpPr>
+          <p:nvPr>
+            <p:ph type="title"/>
+          </p:nvPr>
+        </p:nvSpPr>
+        <p:spPr>
+          <a:xfrm>
+            <a:off x="1381250" y="876896"/>
+            <a:ext cx="3878399" cy="435599"/>
+          </a:xfrm>
+          <a:prstGeom prst="rect">
+            <a:avLst/>
+          </a:prstGeom>
+        </p:spPr>
+        <p:txBody>
+          <a:bodyPr lIns="91425" tIns="91425" rIns="91425" bIns="91425" anchor="ctr" anchorCtr="0">
+            <a:noAutofit/>
+          </a:bodyPr>
+          <a:lstStyle/>
+          <a:p>
+            <a:pPr lvl="0"/>
+            <a:r>
+              <a:rPr lang="en-US" sz="2800" dirty="0" smtClean="0">
+                <a:latin typeface="Rockwell"/>
+                <a:cs typeface="Rockwell"/>
+              </a:rPr>
+              <a:t>MLE</a:t>
+            </a:r>
+            <a:endParaRPr lang="en-US" sz="2800" dirty="0">
+              <a:latin typeface="Rockwell"/>
+              <a:cs typeface="Rockwell"/>
+            </a:endParaRPr>
+          </a:p>
+        </p:txBody>
+      </p:sp>
+      <p:sp>
+        <p:nvSpPr>
+          <p:cNvPr id="112" name="Shape 112"/>
+          <p:cNvSpPr txBox="1">
+            <a:spLocks noGrp="1"/>
+          </p:cNvSpPr>
+          <p:nvPr>
+            <p:ph type="body" idx="1"/>
+          </p:nvPr>
+        </p:nvSpPr>
+        <p:spPr>
+          <a:xfrm>
+            <a:off x="549157" y="1399053"/>
+            <a:ext cx="7977683" cy="3315346"/>
+          </a:xfrm>
+          <a:prstGeom prst="rect">
+            <a:avLst/>
+          </a:prstGeom>
+        </p:spPr>
+        <p:txBody>
+          <a:bodyPr lIns="91425" tIns="91425" rIns="91425" bIns="91425" anchor="t" anchorCtr="0">
+            <a:noAutofit/>
+          </a:bodyPr>
+          <a:lstStyle/>
+          <a:p>
+            <a:pPr marL="514350" lvl="0" indent="-285750">
+              <a:lnSpc>
+                <a:spcPct val="120000"/>
+              </a:lnSpc>
+              <a:spcBef>
+                <a:spcPts val="0"/>
+              </a:spcBef>
+              <a:buFont typeface="Wingdings" charset="2"/>
+              <a:buChar char="v"/>
+            </a:pPr>
+            <a:r>
+              <a:rPr lang="en-US" sz="1800" dirty="0" smtClean="0">
+                <a:solidFill>
+                  <a:srgbClr val="FF6600"/>
+                </a:solidFill>
+                <a:latin typeface="Garamond"/>
+                <a:cs typeface="Garamond"/>
+              </a:rPr>
+              <a:t>Maximum</a:t>
+            </a:r>
+            <a:r>
+              <a:rPr lang="en-US" sz="1800" dirty="0">
+                <a:solidFill>
+                  <a:srgbClr val="FF6600"/>
+                </a:solidFill>
+                <a:latin typeface="Garamond"/>
+                <a:cs typeface="Garamond"/>
+              </a:rPr>
+              <a:t>-likelihood estimation </a:t>
+            </a:r>
+            <a:r>
+              <a:rPr lang="en-US" sz="1800" dirty="0">
+                <a:latin typeface="Garamond"/>
+                <a:cs typeface="Garamond"/>
+              </a:rPr>
+              <a:t>(MLE) is a method of estimating the parameters of a statistical model given data.</a:t>
+            </a:r>
+          </a:p>
+          <a:p>
+            <a:pPr marL="514350" lvl="0" indent="-285750">
+              <a:lnSpc>
+                <a:spcPct val="120000"/>
+              </a:lnSpc>
+              <a:spcBef>
+                <a:spcPts val="0"/>
+              </a:spcBef>
+              <a:buFont typeface="Wingdings" charset="2"/>
+              <a:buChar char="v"/>
+            </a:pPr>
+            <a:r>
+              <a:rPr lang="en-US" sz="1800" dirty="0">
+                <a:latin typeface="Garamond"/>
+                <a:cs typeface="Garamond"/>
+              </a:rPr>
+              <a:t>In general, for a fixed set of data and underlying statistical model, the method of maximum likelihood selects the set of values of the model parameters that maximizes the likelihood function.</a:t>
+            </a:r>
+          </a:p>
+        </p:txBody>
+      </p:sp>
+      <p:grpSp>
+        <p:nvGrpSpPr>
+          <p:cNvPr id="113" name="Shape 113"/>
+          <p:cNvGrpSpPr/>
+          <p:nvPr/>
+        </p:nvGrpSpPr>
+        <p:grpSpPr>
+          <a:xfrm>
+            <a:off x="916458" y="1019750"/>
+            <a:ext cx="214624" cy="214624"/>
+            <a:chOff x="2594050" y="1631825"/>
+            <a:chExt cx="439625" cy="439625"/>
+          </a:xfrm>
+        </p:grpSpPr>
+        <p:sp>
+          <p:nvSpPr>
+            <p:cNvPr id="114" name="Shape 114"/>
+            <p:cNvSpPr/>
+            <p:nvPr/>
+          </p:nvSpPr>
+          <p:spPr>
+            <a:xfrm>
+              <a:off x="2594050" y="1883300"/>
+              <a:ext cx="188175" cy="188150"/>
+            </a:xfrm>
+            <a:custGeom>
+              <a:avLst/>
+              <a:gdLst/>
+              <a:ahLst/>
+              <a:cxnLst/>
+              <a:rect l="0" t="0" r="0" b="0"/>
+              <a:pathLst>
+                <a:path w="7527" h="7526" fill="none" extrusionOk="0">
+                  <a:moveTo>
+                    <a:pt x="5992" y="0"/>
+                  </a:moveTo>
+                  <a:lnTo>
+                    <a:pt x="537" y="6430"/>
+                  </a:lnTo>
+                  <a:lnTo>
+                    <a:pt x="1" y="7526"/>
+                  </a:lnTo>
+                  <a:lnTo>
+                    <a:pt x="1097" y="6990"/>
+                  </a:lnTo>
+                  <a:lnTo>
+                    <a:pt x="7526" y="1534"/>
+                  </a:lnTo>
+                  <a:lnTo>
+                    <a:pt x="5992" y="0"/>
+                  </a:lnTo>
+                  <a:close/>
+                </a:path>
+              </a:pathLst>
+            </a:custGeom>
+            <a:noFill/>
+            <a:ln w="9525" cap="rnd" cmpd="sng">
+              <a:solidFill>
+                <a:srgbClr val="000000"/>
+              </a:solidFill>
+              <a:prstDash val="solid"/>
+              <a:round/>
+              <a:headEnd type="none" w="med" len="med"/>
+              <a:tailEnd type="none" w="med" len="med"/>
+            </a:ln>
+          </p:spPr>
+          <p:txBody>
+            <a:bodyPr lIns="91425" tIns="91425" rIns="91425" bIns="91425" anchor="ctr" anchorCtr="0">
+              <a:noAutofit/>
+            </a:bodyPr>
+            <a:lstStyle/>
+            <a:p>
+              <a:pPr lvl="0">
+                <a:spcBef>
+                  <a:spcPts val="0"/>
+                </a:spcBef>
+                <a:buNone/>
+              </a:pPr>
+              <a:endParaRPr/>
+            </a:p>
+          </p:txBody>
+        </p:sp>
+        <p:sp>
+          <p:nvSpPr>
+            <p:cNvPr id="115" name="Shape 115"/>
+            <p:cNvSpPr/>
+            <p:nvPr/>
+          </p:nvSpPr>
+          <p:spPr>
+            <a:xfrm>
+              <a:off x="2857700" y="1631825"/>
+              <a:ext cx="175975" cy="176000"/>
+            </a:xfrm>
+            <a:custGeom>
+              <a:avLst/>
+              <a:gdLst/>
+              <a:ahLst/>
+              <a:cxnLst/>
+              <a:rect l="0" t="0" r="0" b="0"/>
+              <a:pathLst>
+                <a:path w="7039" h="7040" fill="none" extrusionOk="0">
+                  <a:moveTo>
+                    <a:pt x="268" y="2704"/>
+                  </a:moveTo>
+                  <a:lnTo>
+                    <a:pt x="4336" y="6771"/>
+                  </a:lnTo>
+                  <a:lnTo>
+                    <a:pt x="4336" y="6771"/>
+                  </a:lnTo>
+                  <a:lnTo>
+                    <a:pt x="4336" y="6771"/>
+                  </a:lnTo>
+                  <a:lnTo>
+                    <a:pt x="4652" y="6917"/>
+                  </a:lnTo>
+                  <a:lnTo>
+                    <a:pt x="4993" y="7015"/>
+                  </a:lnTo>
+                  <a:lnTo>
+                    <a:pt x="5310" y="7039"/>
+                  </a:lnTo>
+                  <a:lnTo>
+                    <a:pt x="5651" y="7039"/>
+                  </a:lnTo>
+                  <a:lnTo>
+                    <a:pt x="5992" y="6966"/>
+                  </a:lnTo>
+                  <a:lnTo>
+                    <a:pt x="6308" y="6844"/>
+                  </a:lnTo>
+                  <a:lnTo>
+                    <a:pt x="6454" y="6747"/>
+                  </a:lnTo>
+                  <a:lnTo>
+                    <a:pt x="6601" y="6674"/>
+                  </a:lnTo>
+                  <a:lnTo>
+                    <a:pt x="6747" y="6552"/>
+                  </a:lnTo>
+                  <a:lnTo>
+                    <a:pt x="6893" y="6430"/>
+                  </a:lnTo>
+                  <a:lnTo>
+                    <a:pt x="6893" y="6430"/>
+                  </a:lnTo>
+                  <a:lnTo>
+                    <a:pt x="6942" y="6357"/>
+                  </a:lnTo>
+                  <a:lnTo>
+                    <a:pt x="7015" y="6260"/>
+                  </a:lnTo>
+                  <a:lnTo>
+                    <a:pt x="7039" y="6138"/>
+                  </a:lnTo>
+                  <a:lnTo>
+                    <a:pt x="7039" y="6041"/>
+                  </a:lnTo>
+                  <a:lnTo>
+                    <a:pt x="7039" y="6041"/>
+                  </a:lnTo>
+                  <a:lnTo>
+                    <a:pt x="7039" y="5943"/>
+                  </a:lnTo>
+                  <a:lnTo>
+                    <a:pt x="7015" y="5846"/>
+                  </a:lnTo>
+                  <a:lnTo>
+                    <a:pt x="6942" y="5748"/>
+                  </a:lnTo>
+                  <a:lnTo>
+                    <a:pt x="6893" y="5651"/>
+                  </a:lnTo>
+                  <a:lnTo>
+                    <a:pt x="1389" y="147"/>
+                  </a:lnTo>
+                  <a:lnTo>
+                    <a:pt x="1389" y="147"/>
+                  </a:lnTo>
+                  <a:lnTo>
+                    <a:pt x="1291" y="98"/>
+                  </a:lnTo>
+                  <a:lnTo>
+                    <a:pt x="1194" y="25"/>
+                  </a:lnTo>
+                  <a:lnTo>
+                    <a:pt x="1096" y="0"/>
+                  </a:lnTo>
+                  <a:lnTo>
+                    <a:pt x="999" y="0"/>
+                  </a:lnTo>
+                  <a:lnTo>
+                    <a:pt x="999" y="0"/>
+                  </a:lnTo>
+                  <a:lnTo>
+                    <a:pt x="902" y="0"/>
+                  </a:lnTo>
+                  <a:lnTo>
+                    <a:pt x="780" y="25"/>
+                  </a:lnTo>
+                  <a:lnTo>
+                    <a:pt x="682" y="98"/>
+                  </a:lnTo>
+                  <a:lnTo>
+                    <a:pt x="609" y="147"/>
+                  </a:lnTo>
+                  <a:lnTo>
+                    <a:pt x="609" y="147"/>
+                  </a:lnTo>
+                  <a:lnTo>
+                    <a:pt x="487" y="293"/>
+                  </a:lnTo>
+                  <a:lnTo>
+                    <a:pt x="366" y="439"/>
+                  </a:lnTo>
+                  <a:lnTo>
+                    <a:pt x="293" y="585"/>
+                  </a:lnTo>
+                  <a:lnTo>
+                    <a:pt x="195" y="731"/>
+                  </a:lnTo>
+                  <a:lnTo>
+                    <a:pt x="73" y="1048"/>
+                  </a:lnTo>
+                  <a:lnTo>
+                    <a:pt x="0" y="1389"/>
+                  </a:lnTo>
+                  <a:lnTo>
+                    <a:pt x="0" y="1730"/>
+                  </a:lnTo>
+                  <a:lnTo>
+                    <a:pt x="25" y="2046"/>
+                  </a:lnTo>
+                  <a:lnTo>
+                    <a:pt x="122" y="2387"/>
+                  </a:lnTo>
+                  <a:lnTo>
+                    <a:pt x="268" y="2704"/>
+                  </a:lnTo>
+                  <a:lnTo>
+                    <a:pt x="268" y="2704"/>
+                  </a:lnTo>
+                  <a:close/>
+                </a:path>
+              </a:pathLst>
+            </a:custGeom>
+            <a:noFill/>
+            <a:ln w="9525" cap="rnd" cmpd="sng">
+              <a:solidFill>
+                <a:srgbClr val="000000"/>
+              </a:solidFill>
+              <a:prstDash val="solid"/>
+              <a:round/>
+              <a:headEnd type="none" w="med" len="med"/>
+              <a:tailEnd type="none" w="med" len="med"/>
+            </a:ln>
+          </p:spPr>
+          <p:txBody>
+            <a:bodyPr lIns="91425" tIns="91425" rIns="91425" bIns="91425" anchor="ctr" anchorCtr="0">
+              <a:noAutofit/>
+            </a:bodyPr>
+            <a:lstStyle/>
+            <a:p>
+              <a:pPr lvl="0">
+                <a:spcBef>
+                  <a:spcPts val="0"/>
+                </a:spcBef>
+                <a:buNone/>
+              </a:pPr>
+              <a:endParaRPr/>
+            </a:p>
+          </p:txBody>
+        </p:sp>
+        <p:sp>
+          <p:nvSpPr>
+            <p:cNvPr id="116" name="Shape 116"/>
+            <p:cNvSpPr/>
+            <p:nvPr/>
+          </p:nvSpPr>
+          <p:spPr>
+            <a:xfrm>
+              <a:off x="2662850" y="1699400"/>
+              <a:ext cx="303250" cy="303250"/>
+            </a:xfrm>
+            <a:custGeom>
+              <a:avLst/>
+              <a:gdLst/>
+              <a:ahLst/>
+              <a:cxnLst/>
+              <a:rect l="0" t="0" r="0" b="0"/>
+              <a:pathLst>
+                <a:path w="12130" h="12130" fill="none" extrusionOk="0">
+                  <a:moveTo>
+                    <a:pt x="8038" y="1"/>
+                  </a:moveTo>
+                  <a:lnTo>
+                    <a:pt x="4872" y="3191"/>
+                  </a:lnTo>
+                  <a:lnTo>
+                    <a:pt x="4872" y="3191"/>
+                  </a:lnTo>
+                  <a:lnTo>
+                    <a:pt x="4628" y="3094"/>
+                  </a:lnTo>
+                  <a:lnTo>
+                    <a:pt x="4385" y="2997"/>
+                  </a:lnTo>
+                  <a:lnTo>
+                    <a:pt x="4092" y="2899"/>
+                  </a:lnTo>
+                  <a:lnTo>
+                    <a:pt x="3800" y="2850"/>
+                  </a:lnTo>
+                  <a:lnTo>
+                    <a:pt x="3484" y="2777"/>
+                  </a:lnTo>
+                  <a:lnTo>
+                    <a:pt x="3167" y="2729"/>
+                  </a:lnTo>
+                  <a:lnTo>
+                    <a:pt x="2850" y="2704"/>
+                  </a:lnTo>
+                  <a:lnTo>
+                    <a:pt x="2534" y="2704"/>
+                  </a:lnTo>
+                  <a:lnTo>
+                    <a:pt x="2534" y="2704"/>
+                  </a:lnTo>
+                  <a:lnTo>
+                    <a:pt x="2241" y="2704"/>
+                  </a:lnTo>
+                  <a:lnTo>
+                    <a:pt x="1949" y="2729"/>
+                  </a:lnTo>
+                  <a:lnTo>
+                    <a:pt x="1633" y="2777"/>
+                  </a:lnTo>
+                  <a:lnTo>
+                    <a:pt x="1316" y="2850"/>
+                  </a:lnTo>
+                  <a:lnTo>
+                    <a:pt x="999" y="2972"/>
+                  </a:lnTo>
+                  <a:lnTo>
+                    <a:pt x="707" y="3094"/>
+                  </a:lnTo>
+                  <a:lnTo>
+                    <a:pt x="415" y="3289"/>
+                  </a:lnTo>
+                  <a:lnTo>
+                    <a:pt x="147" y="3508"/>
+                  </a:lnTo>
+                  <a:lnTo>
+                    <a:pt x="147" y="3508"/>
+                  </a:lnTo>
+                  <a:lnTo>
+                    <a:pt x="74" y="3581"/>
+                  </a:lnTo>
+                  <a:lnTo>
+                    <a:pt x="25" y="3678"/>
+                  </a:lnTo>
+                  <a:lnTo>
+                    <a:pt x="1" y="3776"/>
+                  </a:lnTo>
+                  <a:lnTo>
+                    <a:pt x="1" y="3898"/>
+                  </a:lnTo>
+                  <a:lnTo>
+                    <a:pt x="1" y="3898"/>
+                  </a:lnTo>
+                  <a:lnTo>
+                    <a:pt x="1" y="3995"/>
+                  </a:lnTo>
+                  <a:lnTo>
+                    <a:pt x="25" y="4093"/>
+                  </a:lnTo>
+                  <a:lnTo>
+                    <a:pt x="74" y="4190"/>
+                  </a:lnTo>
+                  <a:lnTo>
+                    <a:pt x="147" y="4287"/>
+                  </a:lnTo>
+                  <a:lnTo>
+                    <a:pt x="7843" y="11984"/>
+                  </a:lnTo>
+                  <a:lnTo>
+                    <a:pt x="7843" y="11984"/>
+                  </a:lnTo>
+                  <a:lnTo>
+                    <a:pt x="7941" y="12057"/>
+                  </a:lnTo>
+                  <a:lnTo>
+                    <a:pt x="8038" y="12105"/>
+                  </a:lnTo>
+                  <a:lnTo>
+                    <a:pt x="8135" y="12130"/>
+                  </a:lnTo>
+                  <a:lnTo>
+                    <a:pt x="8233" y="12130"/>
+                  </a:lnTo>
+                  <a:lnTo>
+                    <a:pt x="8233" y="12130"/>
+                  </a:lnTo>
+                  <a:lnTo>
+                    <a:pt x="8355" y="12130"/>
+                  </a:lnTo>
+                  <a:lnTo>
+                    <a:pt x="8452" y="12105"/>
+                  </a:lnTo>
+                  <a:lnTo>
+                    <a:pt x="8549" y="12057"/>
+                  </a:lnTo>
+                  <a:lnTo>
+                    <a:pt x="8622" y="11984"/>
+                  </a:lnTo>
+                  <a:lnTo>
+                    <a:pt x="8622" y="11984"/>
+                  </a:lnTo>
+                  <a:lnTo>
+                    <a:pt x="8842" y="11716"/>
+                  </a:lnTo>
+                  <a:lnTo>
+                    <a:pt x="9036" y="11423"/>
+                  </a:lnTo>
+                  <a:lnTo>
+                    <a:pt x="9158" y="11131"/>
+                  </a:lnTo>
+                  <a:lnTo>
+                    <a:pt x="9280" y="10814"/>
+                  </a:lnTo>
+                  <a:lnTo>
+                    <a:pt x="9353" y="10498"/>
+                  </a:lnTo>
+                  <a:lnTo>
+                    <a:pt x="9402" y="10181"/>
+                  </a:lnTo>
+                  <a:lnTo>
+                    <a:pt x="9426" y="9889"/>
+                  </a:lnTo>
+                  <a:lnTo>
+                    <a:pt x="9426" y="9597"/>
+                  </a:lnTo>
+                  <a:lnTo>
+                    <a:pt x="9426" y="9597"/>
+                  </a:lnTo>
+                  <a:lnTo>
+                    <a:pt x="9426" y="9280"/>
+                  </a:lnTo>
+                  <a:lnTo>
+                    <a:pt x="9402" y="8964"/>
+                  </a:lnTo>
+                  <a:lnTo>
+                    <a:pt x="9353" y="8647"/>
+                  </a:lnTo>
+                  <a:lnTo>
+                    <a:pt x="9280" y="8330"/>
+                  </a:lnTo>
+                  <a:lnTo>
+                    <a:pt x="9231" y="8038"/>
+                  </a:lnTo>
+                  <a:lnTo>
+                    <a:pt x="9134" y="7746"/>
+                  </a:lnTo>
+                  <a:lnTo>
+                    <a:pt x="9036" y="7502"/>
+                  </a:lnTo>
+                  <a:lnTo>
+                    <a:pt x="8939" y="7259"/>
+                  </a:lnTo>
+                  <a:lnTo>
+                    <a:pt x="12130" y="4093"/>
+                  </a:lnTo>
+                </a:path>
+              </a:pathLst>
+            </a:custGeom>
+            <a:noFill/>
+            <a:ln w="9525" cap="rnd" cmpd="sng">
+              <a:solidFill>
+                <a:srgbClr val="000000"/>
+              </a:solidFill>
+              <a:prstDash val="solid"/>
+              <a:round/>
+              <a:headEnd type="none" w="med" len="med"/>
+              <a:tailEnd type="none" w="med" len="med"/>
+            </a:ln>
+          </p:spPr>
+          <p:txBody>
+            <a:bodyPr lIns="91425" tIns="91425" rIns="91425" bIns="91425" anchor="ctr" anchorCtr="0">
+              <a:noAutofit/>
+            </a:bodyPr>
+            <a:lstStyle/>
+            <a:p>
+              <a:pPr lvl="0">
+                <a:spcBef>
+                  <a:spcPts val="0"/>
+                </a:spcBef>
+                <a:buNone/>
+              </a:pPr>
+              <a:endParaRPr/>
+            </a:p>
+          </p:txBody>
+        </p:sp>
+        <p:sp>
+          <p:nvSpPr>
+            <p:cNvPr id="117" name="Shape 117"/>
+            <p:cNvSpPr/>
+            <p:nvPr/>
+          </p:nvSpPr>
+          <p:spPr>
+            <a:xfrm>
+              <a:off x="2814911" y="1754061"/>
+              <a:ext cx="49950" cy="49950"/>
+            </a:xfrm>
+            <a:custGeom>
+              <a:avLst/>
+              <a:gdLst/>
+              <a:ahLst/>
+              <a:cxnLst/>
+              <a:rect l="0" t="0" r="0" b="0"/>
+              <a:pathLst>
+                <a:path w="1998" h="1998" fill="none" extrusionOk="0">
+                  <a:moveTo>
+                    <a:pt x="1" y="1997"/>
+                  </a:moveTo>
+                  <a:lnTo>
+                    <a:pt x="1998" y="0"/>
+                  </a:lnTo>
+                </a:path>
+              </a:pathLst>
+            </a:custGeom>
+            <a:noFill/>
+            <a:ln w="9525" cap="rnd" cmpd="sng">
+              <a:solidFill>
+                <a:srgbClr val="000000"/>
+              </a:solidFill>
+              <a:prstDash val="solid"/>
+              <a:round/>
+              <a:headEnd type="none" w="med" len="med"/>
+              <a:tailEnd type="none" w="med" len="med"/>
+            </a:ln>
+          </p:spPr>
+          <p:txBody>
+            <a:bodyPr lIns="91425" tIns="91425" rIns="91425" bIns="91425" anchor="ctr" anchorCtr="0">
+              <a:noAutofit/>
+            </a:bodyPr>
+            <a:lstStyle/>
+            <a:p>
+              <a:pPr lvl="0">
+                <a:spcBef>
+                  <a:spcPts val="0"/>
+                </a:spcBef>
+                <a:buNone/>
+              </a:pPr>
+              <a:endParaRPr/>
+            </a:p>
+          </p:txBody>
+        </p:sp>
+      </p:grpSp>
+    </p:spTree>
+    <p:extLst>
+      <p:ext uri="{BB962C8B-B14F-4D97-AF65-F5344CB8AC3E}">
+        <p14:creationId xmlns:p14="http://schemas.microsoft.com/office/powerpoint/2010/main" val="2723390862"/>
       </p:ext>
     </p:extLst>
   </p:cSld>
@@ -27469,728 +27343,6 @@
           </a:bodyPr>
           <a:lstStyle/>
           <a:p>
-            <a:pPr lvl="0"/>
-            <a:r>
-              <a:rPr lang="en-US" sz="2800" dirty="0" smtClean="0">
-                <a:latin typeface="Rockwell"/>
-                <a:cs typeface="Rockwell"/>
-              </a:rPr>
-              <a:t>MLE</a:t>
-            </a:r>
-            <a:endParaRPr lang="en-US" sz="2800" dirty="0">
-              <a:latin typeface="Rockwell"/>
-              <a:cs typeface="Rockwell"/>
-            </a:endParaRPr>
-          </a:p>
-        </p:txBody>
-      </p:sp>
-      <p:sp>
-        <p:nvSpPr>
-          <p:cNvPr id="112" name="Shape 112"/>
-          <p:cNvSpPr txBox="1">
-            <a:spLocks noGrp="1"/>
-          </p:cNvSpPr>
-          <p:nvPr>
-            <p:ph type="body" idx="1"/>
-          </p:nvPr>
-        </p:nvSpPr>
-        <p:spPr>
-          <a:xfrm>
-            <a:off x="549157" y="1399053"/>
-            <a:ext cx="7977683" cy="3315346"/>
-          </a:xfrm>
-          <a:prstGeom prst="rect">
-            <a:avLst/>
-          </a:prstGeom>
-        </p:spPr>
-        <p:txBody>
-          <a:bodyPr lIns="91425" tIns="91425" rIns="91425" bIns="91425" anchor="t" anchorCtr="0">
-            <a:noAutofit/>
-          </a:bodyPr>
-          <a:lstStyle/>
-          <a:p>
-            <a:pPr marL="514350" lvl="0" indent="-285750">
-              <a:lnSpc>
-                <a:spcPct val="120000"/>
-              </a:lnSpc>
-              <a:spcBef>
-                <a:spcPts val="0"/>
-              </a:spcBef>
-              <a:buFont typeface="Wingdings" charset="2"/>
-              <a:buChar char="v"/>
-            </a:pPr>
-            <a:r>
-              <a:rPr lang="en-US" sz="1800" dirty="0" smtClean="0">
-                <a:solidFill>
-                  <a:srgbClr val="FF6600"/>
-                </a:solidFill>
-                <a:latin typeface="Garamond"/>
-                <a:cs typeface="Garamond"/>
-              </a:rPr>
-              <a:t>Maximum</a:t>
-            </a:r>
-            <a:r>
-              <a:rPr lang="en-US" sz="1800" dirty="0">
-                <a:solidFill>
-                  <a:srgbClr val="FF6600"/>
-                </a:solidFill>
-                <a:latin typeface="Garamond"/>
-                <a:cs typeface="Garamond"/>
-              </a:rPr>
-              <a:t>-likelihood estimation </a:t>
-            </a:r>
-            <a:r>
-              <a:rPr lang="en-US" sz="1800" dirty="0">
-                <a:latin typeface="Garamond"/>
-                <a:cs typeface="Garamond"/>
-              </a:rPr>
-              <a:t>(MLE) is a method of estimating the parameters of a statistical model given data.</a:t>
-            </a:r>
-          </a:p>
-          <a:p>
-            <a:pPr marL="514350" lvl="0" indent="-285750">
-              <a:lnSpc>
-                <a:spcPct val="120000"/>
-              </a:lnSpc>
-              <a:spcBef>
-                <a:spcPts val="0"/>
-              </a:spcBef>
-              <a:buFont typeface="Wingdings" charset="2"/>
-              <a:buChar char="v"/>
-            </a:pPr>
-            <a:r>
-              <a:rPr lang="en-US" sz="1800" dirty="0">
-                <a:latin typeface="Garamond"/>
-                <a:cs typeface="Garamond"/>
-              </a:rPr>
-              <a:t>In general, for a fixed set of data and underlying statistical model, the method of maximum likelihood selects the set of values of the model parameters that maximizes the likelihood function.</a:t>
-            </a:r>
-          </a:p>
-        </p:txBody>
-      </p:sp>
-      <p:grpSp>
-        <p:nvGrpSpPr>
-          <p:cNvPr id="113" name="Shape 113"/>
-          <p:cNvGrpSpPr/>
-          <p:nvPr/>
-        </p:nvGrpSpPr>
-        <p:grpSpPr>
-          <a:xfrm>
-            <a:off x="916458" y="1019750"/>
-            <a:ext cx="214624" cy="214624"/>
-            <a:chOff x="2594050" y="1631825"/>
-            <a:chExt cx="439625" cy="439625"/>
-          </a:xfrm>
-        </p:grpSpPr>
-        <p:sp>
-          <p:nvSpPr>
-            <p:cNvPr id="114" name="Shape 114"/>
-            <p:cNvSpPr/>
-            <p:nvPr/>
-          </p:nvSpPr>
-          <p:spPr>
-            <a:xfrm>
-              <a:off x="2594050" y="1883300"/>
-              <a:ext cx="188175" cy="188150"/>
-            </a:xfrm>
-            <a:custGeom>
-              <a:avLst/>
-              <a:gdLst/>
-              <a:ahLst/>
-              <a:cxnLst/>
-              <a:rect l="0" t="0" r="0" b="0"/>
-              <a:pathLst>
-                <a:path w="7527" h="7526" fill="none" extrusionOk="0">
-                  <a:moveTo>
-                    <a:pt x="5992" y="0"/>
-                  </a:moveTo>
-                  <a:lnTo>
-                    <a:pt x="537" y="6430"/>
-                  </a:lnTo>
-                  <a:lnTo>
-                    <a:pt x="1" y="7526"/>
-                  </a:lnTo>
-                  <a:lnTo>
-                    <a:pt x="1097" y="6990"/>
-                  </a:lnTo>
-                  <a:lnTo>
-                    <a:pt x="7526" y="1534"/>
-                  </a:lnTo>
-                  <a:lnTo>
-                    <a:pt x="5992" y="0"/>
-                  </a:lnTo>
-                  <a:close/>
-                </a:path>
-              </a:pathLst>
-            </a:custGeom>
-            <a:noFill/>
-            <a:ln w="9525" cap="rnd" cmpd="sng">
-              <a:solidFill>
-                <a:srgbClr val="000000"/>
-              </a:solidFill>
-              <a:prstDash val="solid"/>
-              <a:round/>
-              <a:headEnd type="none" w="med" len="med"/>
-              <a:tailEnd type="none" w="med" len="med"/>
-            </a:ln>
-          </p:spPr>
-          <p:txBody>
-            <a:bodyPr lIns="91425" tIns="91425" rIns="91425" bIns="91425" anchor="ctr" anchorCtr="0">
-              <a:noAutofit/>
-            </a:bodyPr>
-            <a:lstStyle/>
-            <a:p>
-              <a:pPr lvl="0">
-                <a:spcBef>
-                  <a:spcPts val="0"/>
-                </a:spcBef>
-                <a:buNone/>
-              </a:pPr>
-              <a:endParaRPr/>
-            </a:p>
-          </p:txBody>
-        </p:sp>
-        <p:sp>
-          <p:nvSpPr>
-            <p:cNvPr id="115" name="Shape 115"/>
-            <p:cNvSpPr/>
-            <p:nvPr/>
-          </p:nvSpPr>
-          <p:spPr>
-            <a:xfrm>
-              <a:off x="2857700" y="1631825"/>
-              <a:ext cx="175975" cy="176000"/>
-            </a:xfrm>
-            <a:custGeom>
-              <a:avLst/>
-              <a:gdLst/>
-              <a:ahLst/>
-              <a:cxnLst/>
-              <a:rect l="0" t="0" r="0" b="0"/>
-              <a:pathLst>
-                <a:path w="7039" h="7040" fill="none" extrusionOk="0">
-                  <a:moveTo>
-                    <a:pt x="268" y="2704"/>
-                  </a:moveTo>
-                  <a:lnTo>
-                    <a:pt x="4336" y="6771"/>
-                  </a:lnTo>
-                  <a:lnTo>
-                    <a:pt x="4336" y="6771"/>
-                  </a:lnTo>
-                  <a:lnTo>
-                    <a:pt x="4336" y="6771"/>
-                  </a:lnTo>
-                  <a:lnTo>
-                    <a:pt x="4652" y="6917"/>
-                  </a:lnTo>
-                  <a:lnTo>
-                    <a:pt x="4993" y="7015"/>
-                  </a:lnTo>
-                  <a:lnTo>
-                    <a:pt x="5310" y="7039"/>
-                  </a:lnTo>
-                  <a:lnTo>
-                    <a:pt x="5651" y="7039"/>
-                  </a:lnTo>
-                  <a:lnTo>
-                    <a:pt x="5992" y="6966"/>
-                  </a:lnTo>
-                  <a:lnTo>
-                    <a:pt x="6308" y="6844"/>
-                  </a:lnTo>
-                  <a:lnTo>
-                    <a:pt x="6454" y="6747"/>
-                  </a:lnTo>
-                  <a:lnTo>
-                    <a:pt x="6601" y="6674"/>
-                  </a:lnTo>
-                  <a:lnTo>
-                    <a:pt x="6747" y="6552"/>
-                  </a:lnTo>
-                  <a:lnTo>
-                    <a:pt x="6893" y="6430"/>
-                  </a:lnTo>
-                  <a:lnTo>
-                    <a:pt x="6893" y="6430"/>
-                  </a:lnTo>
-                  <a:lnTo>
-                    <a:pt x="6942" y="6357"/>
-                  </a:lnTo>
-                  <a:lnTo>
-                    <a:pt x="7015" y="6260"/>
-                  </a:lnTo>
-                  <a:lnTo>
-                    <a:pt x="7039" y="6138"/>
-                  </a:lnTo>
-                  <a:lnTo>
-                    <a:pt x="7039" y="6041"/>
-                  </a:lnTo>
-                  <a:lnTo>
-                    <a:pt x="7039" y="6041"/>
-                  </a:lnTo>
-                  <a:lnTo>
-                    <a:pt x="7039" y="5943"/>
-                  </a:lnTo>
-                  <a:lnTo>
-                    <a:pt x="7015" y="5846"/>
-                  </a:lnTo>
-                  <a:lnTo>
-                    <a:pt x="6942" y="5748"/>
-                  </a:lnTo>
-                  <a:lnTo>
-                    <a:pt x="6893" y="5651"/>
-                  </a:lnTo>
-                  <a:lnTo>
-                    <a:pt x="1389" y="147"/>
-                  </a:lnTo>
-                  <a:lnTo>
-                    <a:pt x="1389" y="147"/>
-                  </a:lnTo>
-                  <a:lnTo>
-                    <a:pt x="1291" y="98"/>
-                  </a:lnTo>
-                  <a:lnTo>
-                    <a:pt x="1194" y="25"/>
-                  </a:lnTo>
-                  <a:lnTo>
-                    <a:pt x="1096" y="0"/>
-                  </a:lnTo>
-                  <a:lnTo>
-                    <a:pt x="999" y="0"/>
-                  </a:lnTo>
-                  <a:lnTo>
-                    <a:pt x="999" y="0"/>
-                  </a:lnTo>
-                  <a:lnTo>
-                    <a:pt x="902" y="0"/>
-                  </a:lnTo>
-                  <a:lnTo>
-                    <a:pt x="780" y="25"/>
-                  </a:lnTo>
-                  <a:lnTo>
-                    <a:pt x="682" y="98"/>
-                  </a:lnTo>
-                  <a:lnTo>
-                    <a:pt x="609" y="147"/>
-                  </a:lnTo>
-                  <a:lnTo>
-                    <a:pt x="609" y="147"/>
-                  </a:lnTo>
-                  <a:lnTo>
-                    <a:pt x="487" y="293"/>
-                  </a:lnTo>
-                  <a:lnTo>
-                    <a:pt x="366" y="439"/>
-                  </a:lnTo>
-                  <a:lnTo>
-                    <a:pt x="293" y="585"/>
-                  </a:lnTo>
-                  <a:lnTo>
-                    <a:pt x="195" y="731"/>
-                  </a:lnTo>
-                  <a:lnTo>
-                    <a:pt x="73" y="1048"/>
-                  </a:lnTo>
-                  <a:lnTo>
-                    <a:pt x="0" y="1389"/>
-                  </a:lnTo>
-                  <a:lnTo>
-                    <a:pt x="0" y="1730"/>
-                  </a:lnTo>
-                  <a:lnTo>
-                    <a:pt x="25" y="2046"/>
-                  </a:lnTo>
-                  <a:lnTo>
-                    <a:pt x="122" y="2387"/>
-                  </a:lnTo>
-                  <a:lnTo>
-                    <a:pt x="268" y="2704"/>
-                  </a:lnTo>
-                  <a:lnTo>
-                    <a:pt x="268" y="2704"/>
-                  </a:lnTo>
-                  <a:close/>
-                </a:path>
-              </a:pathLst>
-            </a:custGeom>
-            <a:noFill/>
-            <a:ln w="9525" cap="rnd" cmpd="sng">
-              <a:solidFill>
-                <a:srgbClr val="000000"/>
-              </a:solidFill>
-              <a:prstDash val="solid"/>
-              <a:round/>
-              <a:headEnd type="none" w="med" len="med"/>
-              <a:tailEnd type="none" w="med" len="med"/>
-            </a:ln>
-          </p:spPr>
-          <p:txBody>
-            <a:bodyPr lIns="91425" tIns="91425" rIns="91425" bIns="91425" anchor="ctr" anchorCtr="0">
-              <a:noAutofit/>
-            </a:bodyPr>
-            <a:lstStyle/>
-            <a:p>
-              <a:pPr lvl="0">
-                <a:spcBef>
-                  <a:spcPts val="0"/>
-                </a:spcBef>
-                <a:buNone/>
-              </a:pPr>
-              <a:endParaRPr/>
-            </a:p>
-          </p:txBody>
-        </p:sp>
-        <p:sp>
-          <p:nvSpPr>
-            <p:cNvPr id="116" name="Shape 116"/>
-            <p:cNvSpPr/>
-            <p:nvPr/>
-          </p:nvSpPr>
-          <p:spPr>
-            <a:xfrm>
-              <a:off x="2662850" y="1699400"/>
-              <a:ext cx="303250" cy="303250"/>
-            </a:xfrm>
-            <a:custGeom>
-              <a:avLst/>
-              <a:gdLst/>
-              <a:ahLst/>
-              <a:cxnLst/>
-              <a:rect l="0" t="0" r="0" b="0"/>
-              <a:pathLst>
-                <a:path w="12130" h="12130" fill="none" extrusionOk="0">
-                  <a:moveTo>
-                    <a:pt x="8038" y="1"/>
-                  </a:moveTo>
-                  <a:lnTo>
-                    <a:pt x="4872" y="3191"/>
-                  </a:lnTo>
-                  <a:lnTo>
-                    <a:pt x="4872" y="3191"/>
-                  </a:lnTo>
-                  <a:lnTo>
-                    <a:pt x="4628" y="3094"/>
-                  </a:lnTo>
-                  <a:lnTo>
-                    <a:pt x="4385" y="2997"/>
-                  </a:lnTo>
-                  <a:lnTo>
-                    <a:pt x="4092" y="2899"/>
-                  </a:lnTo>
-                  <a:lnTo>
-                    <a:pt x="3800" y="2850"/>
-                  </a:lnTo>
-                  <a:lnTo>
-                    <a:pt x="3484" y="2777"/>
-                  </a:lnTo>
-                  <a:lnTo>
-                    <a:pt x="3167" y="2729"/>
-                  </a:lnTo>
-                  <a:lnTo>
-                    <a:pt x="2850" y="2704"/>
-                  </a:lnTo>
-                  <a:lnTo>
-                    <a:pt x="2534" y="2704"/>
-                  </a:lnTo>
-                  <a:lnTo>
-                    <a:pt x="2534" y="2704"/>
-                  </a:lnTo>
-                  <a:lnTo>
-                    <a:pt x="2241" y="2704"/>
-                  </a:lnTo>
-                  <a:lnTo>
-                    <a:pt x="1949" y="2729"/>
-                  </a:lnTo>
-                  <a:lnTo>
-                    <a:pt x="1633" y="2777"/>
-                  </a:lnTo>
-                  <a:lnTo>
-                    <a:pt x="1316" y="2850"/>
-                  </a:lnTo>
-                  <a:lnTo>
-                    <a:pt x="999" y="2972"/>
-                  </a:lnTo>
-                  <a:lnTo>
-                    <a:pt x="707" y="3094"/>
-                  </a:lnTo>
-                  <a:lnTo>
-                    <a:pt x="415" y="3289"/>
-                  </a:lnTo>
-                  <a:lnTo>
-                    <a:pt x="147" y="3508"/>
-                  </a:lnTo>
-                  <a:lnTo>
-                    <a:pt x="147" y="3508"/>
-                  </a:lnTo>
-                  <a:lnTo>
-                    <a:pt x="74" y="3581"/>
-                  </a:lnTo>
-                  <a:lnTo>
-                    <a:pt x="25" y="3678"/>
-                  </a:lnTo>
-                  <a:lnTo>
-                    <a:pt x="1" y="3776"/>
-                  </a:lnTo>
-                  <a:lnTo>
-                    <a:pt x="1" y="3898"/>
-                  </a:lnTo>
-                  <a:lnTo>
-                    <a:pt x="1" y="3898"/>
-                  </a:lnTo>
-                  <a:lnTo>
-                    <a:pt x="1" y="3995"/>
-                  </a:lnTo>
-                  <a:lnTo>
-                    <a:pt x="25" y="4093"/>
-                  </a:lnTo>
-                  <a:lnTo>
-                    <a:pt x="74" y="4190"/>
-                  </a:lnTo>
-                  <a:lnTo>
-                    <a:pt x="147" y="4287"/>
-                  </a:lnTo>
-                  <a:lnTo>
-                    <a:pt x="7843" y="11984"/>
-                  </a:lnTo>
-                  <a:lnTo>
-                    <a:pt x="7843" y="11984"/>
-                  </a:lnTo>
-                  <a:lnTo>
-                    <a:pt x="7941" y="12057"/>
-                  </a:lnTo>
-                  <a:lnTo>
-                    <a:pt x="8038" y="12105"/>
-                  </a:lnTo>
-                  <a:lnTo>
-                    <a:pt x="8135" y="12130"/>
-                  </a:lnTo>
-                  <a:lnTo>
-                    <a:pt x="8233" y="12130"/>
-                  </a:lnTo>
-                  <a:lnTo>
-                    <a:pt x="8233" y="12130"/>
-                  </a:lnTo>
-                  <a:lnTo>
-                    <a:pt x="8355" y="12130"/>
-                  </a:lnTo>
-                  <a:lnTo>
-                    <a:pt x="8452" y="12105"/>
-                  </a:lnTo>
-                  <a:lnTo>
-                    <a:pt x="8549" y="12057"/>
-                  </a:lnTo>
-                  <a:lnTo>
-                    <a:pt x="8622" y="11984"/>
-                  </a:lnTo>
-                  <a:lnTo>
-                    <a:pt x="8622" y="11984"/>
-                  </a:lnTo>
-                  <a:lnTo>
-                    <a:pt x="8842" y="11716"/>
-                  </a:lnTo>
-                  <a:lnTo>
-                    <a:pt x="9036" y="11423"/>
-                  </a:lnTo>
-                  <a:lnTo>
-                    <a:pt x="9158" y="11131"/>
-                  </a:lnTo>
-                  <a:lnTo>
-                    <a:pt x="9280" y="10814"/>
-                  </a:lnTo>
-                  <a:lnTo>
-                    <a:pt x="9353" y="10498"/>
-                  </a:lnTo>
-                  <a:lnTo>
-                    <a:pt x="9402" y="10181"/>
-                  </a:lnTo>
-                  <a:lnTo>
-                    <a:pt x="9426" y="9889"/>
-                  </a:lnTo>
-                  <a:lnTo>
-                    <a:pt x="9426" y="9597"/>
-                  </a:lnTo>
-                  <a:lnTo>
-                    <a:pt x="9426" y="9597"/>
-                  </a:lnTo>
-                  <a:lnTo>
-                    <a:pt x="9426" y="9280"/>
-                  </a:lnTo>
-                  <a:lnTo>
-                    <a:pt x="9402" y="8964"/>
-                  </a:lnTo>
-                  <a:lnTo>
-                    <a:pt x="9353" y="8647"/>
-                  </a:lnTo>
-                  <a:lnTo>
-                    <a:pt x="9280" y="8330"/>
-                  </a:lnTo>
-                  <a:lnTo>
-                    <a:pt x="9231" y="8038"/>
-                  </a:lnTo>
-                  <a:lnTo>
-                    <a:pt x="9134" y="7746"/>
-                  </a:lnTo>
-                  <a:lnTo>
-                    <a:pt x="9036" y="7502"/>
-                  </a:lnTo>
-                  <a:lnTo>
-                    <a:pt x="8939" y="7259"/>
-                  </a:lnTo>
-                  <a:lnTo>
-                    <a:pt x="12130" y="4093"/>
-                  </a:lnTo>
-                </a:path>
-              </a:pathLst>
-            </a:custGeom>
-            <a:noFill/>
-            <a:ln w="9525" cap="rnd" cmpd="sng">
-              <a:solidFill>
-                <a:srgbClr val="000000"/>
-              </a:solidFill>
-              <a:prstDash val="solid"/>
-              <a:round/>
-              <a:headEnd type="none" w="med" len="med"/>
-              <a:tailEnd type="none" w="med" len="med"/>
-            </a:ln>
-          </p:spPr>
-          <p:txBody>
-            <a:bodyPr lIns="91425" tIns="91425" rIns="91425" bIns="91425" anchor="ctr" anchorCtr="0">
-              <a:noAutofit/>
-            </a:bodyPr>
-            <a:lstStyle/>
-            <a:p>
-              <a:pPr lvl="0">
-                <a:spcBef>
-                  <a:spcPts val="0"/>
-                </a:spcBef>
-                <a:buNone/>
-              </a:pPr>
-              <a:endParaRPr/>
-            </a:p>
-          </p:txBody>
-        </p:sp>
-        <p:sp>
-          <p:nvSpPr>
-            <p:cNvPr id="117" name="Shape 117"/>
-            <p:cNvSpPr/>
-            <p:nvPr/>
-          </p:nvSpPr>
-          <p:spPr>
-            <a:xfrm>
-              <a:off x="2814911" y="1754061"/>
-              <a:ext cx="49950" cy="49950"/>
-            </a:xfrm>
-            <a:custGeom>
-              <a:avLst/>
-              <a:gdLst/>
-              <a:ahLst/>
-              <a:cxnLst/>
-              <a:rect l="0" t="0" r="0" b="0"/>
-              <a:pathLst>
-                <a:path w="1998" h="1998" fill="none" extrusionOk="0">
-                  <a:moveTo>
-                    <a:pt x="1" y="1997"/>
-                  </a:moveTo>
-                  <a:lnTo>
-                    <a:pt x="1998" y="0"/>
-                  </a:lnTo>
-                </a:path>
-              </a:pathLst>
-            </a:custGeom>
-            <a:noFill/>
-            <a:ln w="9525" cap="rnd" cmpd="sng">
-              <a:solidFill>
-                <a:srgbClr val="000000"/>
-              </a:solidFill>
-              <a:prstDash val="solid"/>
-              <a:round/>
-              <a:headEnd type="none" w="med" len="med"/>
-              <a:tailEnd type="none" w="med" len="med"/>
-            </a:ln>
-          </p:spPr>
-          <p:txBody>
-            <a:bodyPr lIns="91425" tIns="91425" rIns="91425" bIns="91425" anchor="ctr" anchorCtr="0">
-              <a:noAutofit/>
-            </a:bodyPr>
-            <a:lstStyle/>
-            <a:p>
-              <a:pPr lvl="0">
-                <a:spcBef>
-                  <a:spcPts val="0"/>
-                </a:spcBef>
-                <a:buNone/>
-              </a:pPr>
-              <a:endParaRPr/>
-            </a:p>
-          </p:txBody>
-        </p:sp>
-      </p:grpSp>
-    </p:spTree>
-    <p:extLst>
-      <p:ext uri="{BB962C8B-B14F-4D97-AF65-F5344CB8AC3E}">
-        <p14:creationId xmlns:p14="http://schemas.microsoft.com/office/powerpoint/2010/main" val="2723390862"/>
-      </p:ext>
-    </p:extLst>
-  </p:cSld>
-  <p:clrMapOvr>
-    <a:masterClrMapping/>
-  </p:clrMapOvr>
-  <p:transition xmlns:p14="http://schemas.microsoft.com/office/powerpoint/2010/main" spd="slow">
-    <p:cut/>
-  </p:transition>
-  <p:timing>
-    <p:tnLst>
-      <p:par>
-        <p:cTn xmlns:p14="http://schemas.microsoft.com/office/powerpoint/2010/main" id="1" dur="indefinite" restart="never" nodeType="tmRoot"/>
-      </p:par>
-    </p:tnLst>
-  </p:timing>
-</p:sld>
-</file>
-
-<file path=ppt/slides/slide35.xml><?xml version="1.0" encoding="utf-8"?>
-<p:sld xmlns:a="http://schemas.openxmlformats.org/drawingml/2006/main" xmlns:r="http://schemas.openxmlformats.org/officeDocument/2006/relationships" xmlns:p="http://schemas.openxmlformats.org/presentationml/2006/main">
-  <p:cSld>
-    <p:spTree>
-      <p:nvGrpSpPr>
-        <p:cNvPr id="1" name="Shape 110"/>
-        <p:cNvGrpSpPr/>
-        <p:nvPr/>
-      </p:nvGrpSpPr>
-      <p:grpSpPr>
-        <a:xfrm>
-          <a:off x="0" y="0"/>
-          <a:ext cx="0" cy="0"/>
-          <a:chOff x="0" y="0"/>
-          <a:chExt cx="0" cy="0"/>
-        </a:xfrm>
-      </p:grpSpPr>
-      <p:sp>
-        <p:nvSpPr>
-          <p:cNvPr id="111" name="Shape 111"/>
-          <p:cNvSpPr txBox="1">
-            <a:spLocks noGrp="1"/>
-          </p:cNvSpPr>
-          <p:nvPr>
-            <p:ph type="title"/>
-          </p:nvPr>
-        </p:nvSpPr>
-        <p:spPr>
-          <a:xfrm>
-            <a:off x="1381250" y="876896"/>
-            <a:ext cx="3878399" cy="435599"/>
-          </a:xfrm>
-          <a:prstGeom prst="rect">
-            <a:avLst/>
-          </a:prstGeom>
-        </p:spPr>
-        <p:txBody>
-          <a:bodyPr lIns="91425" tIns="91425" rIns="91425" bIns="91425" anchor="ctr" anchorCtr="0">
-            <a:noAutofit/>
-          </a:bodyPr>
-          <a:lstStyle/>
-          <a:p>
             <a:pPr lvl="0">
               <a:spcBef>
                 <a:spcPts val="0"/>
@@ -28983,7 +28135,7 @@
 </p:sld>
 </file>
 
-<file path=ppt/slides/slide36.xml><?xml version="1.0" encoding="utf-8"?>
+<file path=ppt/slides/slide35.xml><?xml version="1.0" encoding="utf-8"?>
 <p:sld xmlns:a="http://schemas.openxmlformats.org/drawingml/2006/main" xmlns:r="http://schemas.openxmlformats.org/officeDocument/2006/relationships" xmlns:p="http://schemas.openxmlformats.org/presentationml/2006/main">
   <p:cSld>
     <p:spTree>
@@ -29811,7 +28963,7 @@
 </p:sld>
 </file>
 
-<file path=ppt/slides/slide37.xml><?xml version="1.0" encoding="utf-8"?>
+<file path=ppt/slides/slide36.xml><?xml version="1.0" encoding="utf-8"?>
 <p:sld xmlns:a="http://schemas.openxmlformats.org/drawingml/2006/main" xmlns:r="http://schemas.openxmlformats.org/officeDocument/2006/relationships" xmlns:p="http://schemas.openxmlformats.org/presentationml/2006/main">
   <p:cSld>
     <p:spTree>
@@ -30653,7 +29805,7 @@
 </p:sld>
 </file>
 
-<file path=ppt/slides/slide38.xml><?xml version="1.0" encoding="utf-8"?>
+<file path=ppt/slides/slide37.xml><?xml version="1.0" encoding="utf-8"?>
 <p:sld xmlns:a="http://schemas.openxmlformats.org/drawingml/2006/main" xmlns:r="http://schemas.openxmlformats.org/officeDocument/2006/relationships" xmlns:p="http://schemas.openxmlformats.org/presentationml/2006/main">
   <p:cSld>
     <p:spTree>
@@ -31654,7 +30806,7 @@
 </p:sld>
 </file>
 
-<file path=ppt/slides/slide39.xml><?xml version="1.0" encoding="utf-8"?>
+<file path=ppt/slides/slide38.xml><?xml version="1.0" encoding="utf-8"?>
 <p:sld xmlns:a="http://schemas.openxmlformats.org/drawingml/2006/main" xmlns:r="http://schemas.openxmlformats.org/officeDocument/2006/relationships" xmlns:p="http://schemas.openxmlformats.org/presentationml/2006/main">
   <p:cSld>
     <p:spTree>
@@ -32555,746 +31707,7 @@
 </p:sld>
 </file>
 
-<file path=ppt/slides/slide4.xml><?xml version="1.0" encoding="utf-8"?>
-<p:sld xmlns:a="http://schemas.openxmlformats.org/drawingml/2006/main" xmlns:r="http://schemas.openxmlformats.org/officeDocument/2006/relationships" xmlns:p="http://schemas.openxmlformats.org/presentationml/2006/main">
-  <p:cSld>
-    <p:spTree>
-      <p:nvGrpSpPr>
-        <p:cNvPr id="1" name="Shape 110"/>
-        <p:cNvGrpSpPr/>
-        <p:nvPr/>
-      </p:nvGrpSpPr>
-      <p:grpSpPr>
-        <a:xfrm>
-          <a:off x="0" y="0"/>
-          <a:ext cx="0" cy="0"/>
-          <a:chOff x="0" y="0"/>
-          <a:chExt cx="0" cy="0"/>
-        </a:xfrm>
-      </p:grpSpPr>
-      <p:sp>
-        <p:nvSpPr>
-          <p:cNvPr id="111" name="Shape 111"/>
-          <p:cNvSpPr txBox="1">
-            <a:spLocks noGrp="1"/>
-          </p:cNvSpPr>
-          <p:nvPr>
-            <p:ph type="title"/>
-          </p:nvPr>
-        </p:nvSpPr>
-        <p:spPr>
-          <a:xfrm>
-            <a:off x="1381250" y="876896"/>
-            <a:ext cx="3878399" cy="435599"/>
-          </a:xfrm>
-          <a:prstGeom prst="rect">
-            <a:avLst/>
-          </a:prstGeom>
-        </p:spPr>
-        <p:txBody>
-          <a:bodyPr lIns="91425" tIns="91425" rIns="91425" bIns="91425" anchor="ctr" anchorCtr="0">
-            <a:noAutofit/>
-          </a:bodyPr>
-          <a:lstStyle/>
-          <a:p>
-            <a:pPr lvl="0">
-              <a:spcBef>
-                <a:spcPts val="0"/>
-              </a:spcBef>
-              <a:buNone/>
-            </a:pPr>
-            <a:r>
-              <a:rPr lang="en-US" sz="2800" dirty="0" smtClean="0">
-                <a:latin typeface="Rockwell"/>
-                <a:cs typeface="Rockwell"/>
-              </a:rPr>
-              <a:t>Background</a:t>
-            </a:r>
-            <a:endParaRPr lang="en" sz="2800" dirty="0">
-              <a:highlight>
-                <a:srgbClr val="FFCD00"/>
-              </a:highlight>
-              <a:latin typeface="Rockwell"/>
-              <a:cs typeface="Rockwell"/>
-            </a:endParaRPr>
-          </a:p>
-        </p:txBody>
-      </p:sp>
-      <p:sp>
-        <p:nvSpPr>
-          <p:cNvPr id="112" name="Shape 112"/>
-          <p:cNvSpPr txBox="1">
-            <a:spLocks noGrp="1"/>
-          </p:cNvSpPr>
-          <p:nvPr>
-            <p:ph type="body" idx="1"/>
-          </p:nvPr>
-        </p:nvSpPr>
-        <p:spPr>
-          <a:xfrm>
-            <a:off x="549158" y="1399053"/>
-            <a:ext cx="8134353" cy="3315346"/>
-          </a:xfrm>
-          <a:prstGeom prst="rect">
-            <a:avLst/>
-          </a:prstGeom>
-        </p:spPr>
-        <p:txBody>
-          <a:bodyPr lIns="91425" tIns="91425" rIns="91425" bIns="91425" anchor="t" anchorCtr="0">
-            <a:noAutofit/>
-          </a:bodyPr>
-          <a:lstStyle/>
-          <a:p>
-            <a:pPr marL="228600" lvl="0">
-              <a:lnSpc>
-                <a:spcPct val="120000"/>
-              </a:lnSpc>
-              <a:spcBef>
-                <a:spcPts val="0"/>
-              </a:spcBef>
-              <a:spcAft>
-                <a:spcPts val="1000"/>
-              </a:spcAft>
-              <a:buNone/>
-            </a:pPr>
-            <a:r>
-              <a:rPr lang="en-US" sz="2000" b="1" dirty="0">
-                <a:latin typeface="Garamond"/>
-                <a:cs typeface="Garamond"/>
-              </a:rPr>
-              <a:t>Monoclonal Antibodies (</a:t>
-            </a:r>
-            <a:r>
-              <a:rPr lang="en-US" sz="2000" b="1" dirty="0" err="1">
-                <a:latin typeface="Garamond"/>
-                <a:cs typeface="Garamond"/>
-              </a:rPr>
-              <a:t>mAbs</a:t>
-            </a:r>
-            <a:r>
-              <a:rPr lang="en-US" sz="2000" b="1" dirty="0">
-                <a:latin typeface="Garamond"/>
-                <a:cs typeface="Garamond"/>
-              </a:rPr>
-              <a:t>) </a:t>
-            </a:r>
-            <a:endParaRPr lang="en-US" sz="2000" b="1" dirty="0" smtClean="0">
-              <a:latin typeface="Garamond"/>
-              <a:cs typeface="Garamond"/>
-            </a:endParaRPr>
-          </a:p>
-        </p:txBody>
-      </p:sp>
-      <p:grpSp>
-        <p:nvGrpSpPr>
-          <p:cNvPr id="113" name="Shape 113"/>
-          <p:cNvGrpSpPr/>
-          <p:nvPr/>
-        </p:nvGrpSpPr>
-        <p:grpSpPr>
-          <a:xfrm>
-            <a:off x="916458" y="1019750"/>
-            <a:ext cx="214624" cy="214624"/>
-            <a:chOff x="2594050" y="1631825"/>
-            <a:chExt cx="439625" cy="439625"/>
-          </a:xfrm>
-        </p:grpSpPr>
-        <p:sp>
-          <p:nvSpPr>
-            <p:cNvPr id="114" name="Shape 114"/>
-            <p:cNvSpPr/>
-            <p:nvPr/>
-          </p:nvSpPr>
-          <p:spPr>
-            <a:xfrm>
-              <a:off x="2594050" y="1883300"/>
-              <a:ext cx="188175" cy="188150"/>
-            </a:xfrm>
-            <a:custGeom>
-              <a:avLst/>
-              <a:gdLst/>
-              <a:ahLst/>
-              <a:cxnLst/>
-              <a:rect l="0" t="0" r="0" b="0"/>
-              <a:pathLst>
-                <a:path w="7527" h="7526" fill="none" extrusionOk="0">
-                  <a:moveTo>
-                    <a:pt x="5992" y="0"/>
-                  </a:moveTo>
-                  <a:lnTo>
-                    <a:pt x="537" y="6430"/>
-                  </a:lnTo>
-                  <a:lnTo>
-                    <a:pt x="1" y="7526"/>
-                  </a:lnTo>
-                  <a:lnTo>
-                    <a:pt x="1097" y="6990"/>
-                  </a:lnTo>
-                  <a:lnTo>
-                    <a:pt x="7526" y="1534"/>
-                  </a:lnTo>
-                  <a:lnTo>
-                    <a:pt x="5992" y="0"/>
-                  </a:lnTo>
-                  <a:close/>
-                </a:path>
-              </a:pathLst>
-            </a:custGeom>
-            <a:noFill/>
-            <a:ln w="9525" cap="rnd" cmpd="sng">
-              <a:solidFill>
-                <a:srgbClr val="000000"/>
-              </a:solidFill>
-              <a:prstDash val="solid"/>
-              <a:round/>
-              <a:headEnd type="none" w="med" len="med"/>
-              <a:tailEnd type="none" w="med" len="med"/>
-            </a:ln>
-          </p:spPr>
-          <p:txBody>
-            <a:bodyPr lIns="91425" tIns="91425" rIns="91425" bIns="91425" anchor="ctr" anchorCtr="0">
-              <a:noAutofit/>
-            </a:bodyPr>
-            <a:lstStyle/>
-            <a:p>
-              <a:pPr lvl="0">
-                <a:spcBef>
-                  <a:spcPts val="0"/>
-                </a:spcBef>
-                <a:buNone/>
-              </a:pPr>
-              <a:endParaRPr/>
-            </a:p>
-          </p:txBody>
-        </p:sp>
-        <p:sp>
-          <p:nvSpPr>
-            <p:cNvPr id="115" name="Shape 115"/>
-            <p:cNvSpPr/>
-            <p:nvPr/>
-          </p:nvSpPr>
-          <p:spPr>
-            <a:xfrm>
-              <a:off x="2857700" y="1631825"/>
-              <a:ext cx="175975" cy="176000"/>
-            </a:xfrm>
-            <a:custGeom>
-              <a:avLst/>
-              <a:gdLst/>
-              <a:ahLst/>
-              <a:cxnLst/>
-              <a:rect l="0" t="0" r="0" b="0"/>
-              <a:pathLst>
-                <a:path w="7039" h="7040" fill="none" extrusionOk="0">
-                  <a:moveTo>
-                    <a:pt x="268" y="2704"/>
-                  </a:moveTo>
-                  <a:lnTo>
-                    <a:pt x="4336" y="6771"/>
-                  </a:lnTo>
-                  <a:lnTo>
-                    <a:pt x="4336" y="6771"/>
-                  </a:lnTo>
-                  <a:lnTo>
-                    <a:pt x="4336" y="6771"/>
-                  </a:lnTo>
-                  <a:lnTo>
-                    <a:pt x="4652" y="6917"/>
-                  </a:lnTo>
-                  <a:lnTo>
-                    <a:pt x="4993" y="7015"/>
-                  </a:lnTo>
-                  <a:lnTo>
-                    <a:pt x="5310" y="7039"/>
-                  </a:lnTo>
-                  <a:lnTo>
-                    <a:pt x="5651" y="7039"/>
-                  </a:lnTo>
-                  <a:lnTo>
-                    <a:pt x="5992" y="6966"/>
-                  </a:lnTo>
-                  <a:lnTo>
-                    <a:pt x="6308" y="6844"/>
-                  </a:lnTo>
-                  <a:lnTo>
-                    <a:pt x="6454" y="6747"/>
-                  </a:lnTo>
-                  <a:lnTo>
-                    <a:pt x="6601" y="6674"/>
-                  </a:lnTo>
-                  <a:lnTo>
-                    <a:pt x="6747" y="6552"/>
-                  </a:lnTo>
-                  <a:lnTo>
-                    <a:pt x="6893" y="6430"/>
-                  </a:lnTo>
-                  <a:lnTo>
-                    <a:pt x="6893" y="6430"/>
-                  </a:lnTo>
-                  <a:lnTo>
-                    <a:pt x="6942" y="6357"/>
-                  </a:lnTo>
-                  <a:lnTo>
-                    <a:pt x="7015" y="6260"/>
-                  </a:lnTo>
-                  <a:lnTo>
-                    <a:pt x="7039" y="6138"/>
-                  </a:lnTo>
-                  <a:lnTo>
-                    <a:pt x="7039" y="6041"/>
-                  </a:lnTo>
-                  <a:lnTo>
-                    <a:pt x="7039" y="6041"/>
-                  </a:lnTo>
-                  <a:lnTo>
-                    <a:pt x="7039" y="5943"/>
-                  </a:lnTo>
-                  <a:lnTo>
-                    <a:pt x="7015" y="5846"/>
-                  </a:lnTo>
-                  <a:lnTo>
-                    <a:pt x="6942" y="5748"/>
-                  </a:lnTo>
-                  <a:lnTo>
-                    <a:pt x="6893" y="5651"/>
-                  </a:lnTo>
-                  <a:lnTo>
-                    <a:pt x="1389" y="147"/>
-                  </a:lnTo>
-                  <a:lnTo>
-                    <a:pt x="1389" y="147"/>
-                  </a:lnTo>
-                  <a:lnTo>
-                    <a:pt x="1291" y="98"/>
-                  </a:lnTo>
-                  <a:lnTo>
-                    <a:pt x="1194" y="25"/>
-                  </a:lnTo>
-                  <a:lnTo>
-                    <a:pt x="1096" y="0"/>
-                  </a:lnTo>
-                  <a:lnTo>
-                    <a:pt x="999" y="0"/>
-                  </a:lnTo>
-                  <a:lnTo>
-                    <a:pt x="999" y="0"/>
-                  </a:lnTo>
-                  <a:lnTo>
-                    <a:pt x="902" y="0"/>
-                  </a:lnTo>
-                  <a:lnTo>
-                    <a:pt x="780" y="25"/>
-                  </a:lnTo>
-                  <a:lnTo>
-                    <a:pt x="682" y="98"/>
-                  </a:lnTo>
-                  <a:lnTo>
-                    <a:pt x="609" y="147"/>
-                  </a:lnTo>
-                  <a:lnTo>
-                    <a:pt x="609" y="147"/>
-                  </a:lnTo>
-                  <a:lnTo>
-                    <a:pt x="487" y="293"/>
-                  </a:lnTo>
-                  <a:lnTo>
-                    <a:pt x="366" y="439"/>
-                  </a:lnTo>
-                  <a:lnTo>
-                    <a:pt x="293" y="585"/>
-                  </a:lnTo>
-                  <a:lnTo>
-                    <a:pt x="195" y="731"/>
-                  </a:lnTo>
-                  <a:lnTo>
-                    <a:pt x="73" y="1048"/>
-                  </a:lnTo>
-                  <a:lnTo>
-                    <a:pt x="0" y="1389"/>
-                  </a:lnTo>
-                  <a:lnTo>
-                    <a:pt x="0" y="1730"/>
-                  </a:lnTo>
-                  <a:lnTo>
-                    <a:pt x="25" y="2046"/>
-                  </a:lnTo>
-                  <a:lnTo>
-                    <a:pt x="122" y="2387"/>
-                  </a:lnTo>
-                  <a:lnTo>
-                    <a:pt x="268" y="2704"/>
-                  </a:lnTo>
-                  <a:lnTo>
-                    <a:pt x="268" y="2704"/>
-                  </a:lnTo>
-                  <a:close/>
-                </a:path>
-              </a:pathLst>
-            </a:custGeom>
-            <a:noFill/>
-            <a:ln w="9525" cap="rnd" cmpd="sng">
-              <a:solidFill>
-                <a:srgbClr val="000000"/>
-              </a:solidFill>
-              <a:prstDash val="solid"/>
-              <a:round/>
-              <a:headEnd type="none" w="med" len="med"/>
-              <a:tailEnd type="none" w="med" len="med"/>
-            </a:ln>
-          </p:spPr>
-          <p:txBody>
-            <a:bodyPr lIns="91425" tIns="91425" rIns="91425" bIns="91425" anchor="ctr" anchorCtr="0">
-              <a:noAutofit/>
-            </a:bodyPr>
-            <a:lstStyle/>
-            <a:p>
-              <a:pPr lvl="0">
-                <a:spcBef>
-                  <a:spcPts val="0"/>
-                </a:spcBef>
-                <a:buNone/>
-              </a:pPr>
-              <a:endParaRPr/>
-            </a:p>
-          </p:txBody>
-        </p:sp>
-        <p:sp>
-          <p:nvSpPr>
-            <p:cNvPr id="116" name="Shape 116"/>
-            <p:cNvSpPr/>
-            <p:nvPr/>
-          </p:nvSpPr>
-          <p:spPr>
-            <a:xfrm>
-              <a:off x="2662850" y="1699400"/>
-              <a:ext cx="303250" cy="303250"/>
-            </a:xfrm>
-            <a:custGeom>
-              <a:avLst/>
-              <a:gdLst/>
-              <a:ahLst/>
-              <a:cxnLst/>
-              <a:rect l="0" t="0" r="0" b="0"/>
-              <a:pathLst>
-                <a:path w="12130" h="12130" fill="none" extrusionOk="0">
-                  <a:moveTo>
-                    <a:pt x="8038" y="1"/>
-                  </a:moveTo>
-                  <a:lnTo>
-                    <a:pt x="4872" y="3191"/>
-                  </a:lnTo>
-                  <a:lnTo>
-                    <a:pt x="4872" y="3191"/>
-                  </a:lnTo>
-                  <a:lnTo>
-                    <a:pt x="4628" y="3094"/>
-                  </a:lnTo>
-                  <a:lnTo>
-                    <a:pt x="4385" y="2997"/>
-                  </a:lnTo>
-                  <a:lnTo>
-                    <a:pt x="4092" y="2899"/>
-                  </a:lnTo>
-                  <a:lnTo>
-                    <a:pt x="3800" y="2850"/>
-                  </a:lnTo>
-                  <a:lnTo>
-                    <a:pt x="3484" y="2777"/>
-                  </a:lnTo>
-                  <a:lnTo>
-                    <a:pt x="3167" y="2729"/>
-                  </a:lnTo>
-                  <a:lnTo>
-                    <a:pt x="2850" y="2704"/>
-                  </a:lnTo>
-                  <a:lnTo>
-                    <a:pt x="2534" y="2704"/>
-                  </a:lnTo>
-                  <a:lnTo>
-                    <a:pt x="2534" y="2704"/>
-                  </a:lnTo>
-                  <a:lnTo>
-                    <a:pt x="2241" y="2704"/>
-                  </a:lnTo>
-                  <a:lnTo>
-                    <a:pt x="1949" y="2729"/>
-                  </a:lnTo>
-                  <a:lnTo>
-                    <a:pt x="1633" y="2777"/>
-                  </a:lnTo>
-                  <a:lnTo>
-                    <a:pt x="1316" y="2850"/>
-                  </a:lnTo>
-                  <a:lnTo>
-                    <a:pt x="999" y="2972"/>
-                  </a:lnTo>
-                  <a:lnTo>
-                    <a:pt x="707" y="3094"/>
-                  </a:lnTo>
-                  <a:lnTo>
-                    <a:pt x="415" y="3289"/>
-                  </a:lnTo>
-                  <a:lnTo>
-                    <a:pt x="147" y="3508"/>
-                  </a:lnTo>
-                  <a:lnTo>
-                    <a:pt x="147" y="3508"/>
-                  </a:lnTo>
-                  <a:lnTo>
-                    <a:pt x="74" y="3581"/>
-                  </a:lnTo>
-                  <a:lnTo>
-                    <a:pt x="25" y="3678"/>
-                  </a:lnTo>
-                  <a:lnTo>
-                    <a:pt x="1" y="3776"/>
-                  </a:lnTo>
-                  <a:lnTo>
-                    <a:pt x="1" y="3898"/>
-                  </a:lnTo>
-                  <a:lnTo>
-                    <a:pt x="1" y="3898"/>
-                  </a:lnTo>
-                  <a:lnTo>
-                    <a:pt x="1" y="3995"/>
-                  </a:lnTo>
-                  <a:lnTo>
-                    <a:pt x="25" y="4093"/>
-                  </a:lnTo>
-                  <a:lnTo>
-                    <a:pt x="74" y="4190"/>
-                  </a:lnTo>
-                  <a:lnTo>
-                    <a:pt x="147" y="4287"/>
-                  </a:lnTo>
-                  <a:lnTo>
-                    <a:pt x="7843" y="11984"/>
-                  </a:lnTo>
-                  <a:lnTo>
-                    <a:pt x="7843" y="11984"/>
-                  </a:lnTo>
-                  <a:lnTo>
-                    <a:pt x="7941" y="12057"/>
-                  </a:lnTo>
-                  <a:lnTo>
-                    <a:pt x="8038" y="12105"/>
-                  </a:lnTo>
-                  <a:lnTo>
-                    <a:pt x="8135" y="12130"/>
-                  </a:lnTo>
-                  <a:lnTo>
-                    <a:pt x="8233" y="12130"/>
-                  </a:lnTo>
-                  <a:lnTo>
-                    <a:pt x="8233" y="12130"/>
-                  </a:lnTo>
-                  <a:lnTo>
-                    <a:pt x="8355" y="12130"/>
-                  </a:lnTo>
-                  <a:lnTo>
-                    <a:pt x="8452" y="12105"/>
-                  </a:lnTo>
-                  <a:lnTo>
-                    <a:pt x="8549" y="12057"/>
-                  </a:lnTo>
-                  <a:lnTo>
-                    <a:pt x="8622" y="11984"/>
-                  </a:lnTo>
-                  <a:lnTo>
-                    <a:pt x="8622" y="11984"/>
-                  </a:lnTo>
-                  <a:lnTo>
-                    <a:pt x="8842" y="11716"/>
-                  </a:lnTo>
-                  <a:lnTo>
-                    <a:pt x="9036" y="11423"/>
-                  </a:lnTo>
-                  <a:lnTo>
-                    <a:pt x="9158" y="11131"/>
-                  </a:lnTo>
-                  <a:lnTo>
-                    <a:pt x="9280" y="10814"/>
-                  </a:lnTo>
-                  <a:lnTo>
-                    <a:pt x="9353" y="10498"/>
-                  </a:lnTo>
-                  <a:lnTo>
-                    <a:pt x="9402" y="10181"/>
-                  </a:lnTo>
-                  <a:lnTo>
-                    <a:pt x="9426" y="9889"/>
-                  </a:lnTo>
-                  <a:lnTo>
-                    <a:pt x="9426" y="9597"/>
-                  </a:lnTo>
-                  <a:lnTo>
-                    <a:pt x="9426" y="9597"/>
-                  </a:lnTo>
-                  <a:lnTo>
-                    <a:pt x="9426" y="9280"/>
-                  </a:lnTo>
-                  <a:lnTo>
-                    <a:pt x="9402" y="8964"/>
-                  </a:lnTo>
-                  <a:lnTo>
-                    <a:pt x="9353" y="8647"/>
-                  </a:lnTo>
-                  <a:lnTo>
-                    <a:pt x="9280" y="8330"/>
-                  </a:lnTo>
-                  <a:lnTo>
-                    <a:pt x="9231" y="8038"/>
-                  </a:lnTo>
-                  <a:lnTo>
-                    <a:pt x="9134" y="7746"/>
-                  </a:lnTo>
-                  <a:lnTo>
-                    <a:pt x="9036" y="7502"/>
-                  </a:lnTo>
-                  <a:lnTo>
-                    <a:pt x="8939" y="7259"/>
-                  </a:lnTo>
-                  <a:lnTo>
-                    <a:pt x="12130" y="4093"/>
-                  </a:lnTo>
-                </a:path>
-              </a:pathLst>
-            </a:custGeom>
-            <a:noFill/>
-            <a:ln w="9525" cap="rnd" cmpd="sng">
-              <a:solidFill>
-                <a:srgbClr val="000000"/>
-              </a:solidFill>
-              <a:prstDash val="solid"/>
-              <a:round/>
-              <a:headEnd type="none" w="med" len="med"/>
-              <a:tailEnd type="none" w="med" len="med"/>
-            </a:ln>
-          </p:spPr>
-          <p:txBody>
-            <a:bodyPr lIns="91425" tIns="91425" rIns="91425" bIns="91425" anchor="ctr" anchorCtr="0">
-              <a:noAutofit/>
-            </a:bodyPr>
-            <a:lstStyle/>
-            <a:p>
-              <a:pPr lvl="0">
-                <a:spcBef>
-                  <a:spcPts val="0"/>
-                </a:spcBef>
-                <a:buNone/>
-              </a:pPr>
-              <a:endParaRPr/>
-            </a:p>
-          </p:txBody>
-        </p:sp>
-        <p:sp>
-          <p:nvSpPr>
-            <p:cNvPr id="117" name="Shape 117"/>
-            <p:cNvSpPr/>
-            <p:nvPr/>
-          </p:nvSpPr>
-          <p:spPr>
-            <a:xfrm>
-              <a:off x="2814911" y="1754061"/>
-              <a:ext cx="49950" cy="49950"/>
-            </a:xfrm>
-            <a:custGeom>
-              <a:avLst/>
-              <a:gdLst/>
-              <a:ahLst/>
-              <a:cxnLst/>
-              <a:rect l="0" t="0" r="0" b="0"/>
-              <a:pathLst>
-                <a:path w="1998" h="1998" fill="none" extrusionOk="0">
-                  <a:moveTo>
-                    <a:pt x="1" y="1997"/>
-                  </a:moveTo>
-                  <a:lnTo>
-                    <a:pt x="1998" y="0"/>
-                  </a:lnTo>
-                </a:path>
-              </a:pathLst>
-            </a:custGeom>
-            <a:noFill/>
-            <a:ln w="9525" cap="rnd" cmpd="sng">
-              <a:solidFill>
-                <a:srgbClr val="000000"/>
-              </a:solidFill>
-              <a:prstDash val="solid"/>
-              <a:round/>
-              <a:headEnd type="none" w="med" len="med"/>
-              <a:tailEnd type="none" w="med" len="med"/>
-            </a:ln>
-          </p:spPr>
-          <p:txBody>
-            <a:bodyPr lIns="91425" tIns="91425" rIns="91425" bIns="91425" anchor="ctr" anchorCtr="0">
-              <a:noAutofit/>
-            </a:bodyPr>
-            <a:lstStyle/>
-            <a:p>
-              <a:pPr lvl="0">
-                <a:spcBef>
-                  <a:spcPts val="0"/>
-                </a:spcBef>
-                <a:buNone/>
-              </a:pPr>
-              <a:endParaRPr/>
-            </a:p>
-          </p:txBody>
-        </p:sp>
-      </p:grpSp>
-      <p:pic>
-        <p:nvPicPr>
-          <p:cNvPr id="10" name="Shape 61"/>
-          <p:cNvPicPr preferRelativeResize="0"/>
-          <p:nvPr/>
-        </p:nvPicPr>
-        <p:blipFill>
-          <a:blip r:embed="rId3">
-            <a:alphaModFix/>
-          </a:blip>
-          <a:stretch>
-            <a:fillRect/>
-          </a:stretch>
-        </p:blipFill>
-        <p:spPr>
-          <a:xfrm>
-            <a:off x="2580879" y="2234386"/>
-            <a:ext cx="3982243" cy="2150733"/>
-          </a:xfrm>
-          <a:prstGeom prst="rect">
-            <a:avLst/>
-          </a:prstGeom>
-          <a:noFill/>
-          <a:ln>
-            <a:noFill/>
-          </a:ln>
-        </p:spPr>
-      </p:pic>
-    </p:spTree>
-    <p:extLst>
-      <p:ext uri="{BB962C8B-B14F-4D97-AF65-F5344CB8AC3E}">
-        <p14:creationId xmlns:p14="http://schemas.microsoft.com/office/powerpoint/2010/main" val="3000619985"/>
-      </p:ext>
-    </p:extLst>
-  </p:cSld>
-  <p:clrMapOvr>
-    <a:masterClrMapping/>
-  </p:clrMapOvr>
-  <p:transition xmlns:p14="http://schemas.microsoft.com/office/powerpoint/2010/main" spd="slow">
-    <p:cut/>
-  </p:transition>
-  <p:timing>
-    <p:tnLst>
-      <p:par>
-        <p:cTn xmlns:p14="http://schemas.microsoft.com/office/powerpoint/2010/main" id="1" dur="indefinite" restart="never" nodeType="tmRoot"/>
-      </p:par>
-    </p:tnLst>
-  </p:timing>
-</p:sld>
-</file>
-
-<file path=ppt/slides/slide40.xml><?xml version="1.0" encoding="utf-8"?>
+<file path=ppt/slides/slide39.xml><?xml version="1.0" encoding="utf-8"?>
 <p:sld xmlns:a="http://schemas.openxmlformats.org/drawingml/2006/main" xmlns:r="http://schemas.openxmlformats.org/officeDocument/2006/relationships" xmlns:p="http://schemas.openxmlformats.org/presentationml/2006/main">
   <p:cSld>
     <p:spTree>
@@ -34169,6 +32582,745 @@
     <p:extLst>
       <p:ext uri="{BB962C8B-B14F-4D97-AF65-F5344CB8AC3E}">
         <p14:creationId xmlns:p14="http://schemas.microsoft.com/office/powerpoint/2010/main" val="1260935109"/>
+      </p:ext>
+    </p:extLst>
+  </p:cSld>
+  <p:clrMapOvr>
+    <a:masterClrMapping/>
+  </p:clrMapOvr>
+  <p:transition xmlns:p14="http://schemas.microsoft.com/office/powerpoint/2010/main" spd="slow">
+    <p:cut/>
+  </p:transition>
+  <p:timing>
+    <p:tnLst>
+      <p:par>
+        <p:cTn xmlns:p14="http://schemas.microsoft.com/office/powerpoint/2010/main" id="1" dur="indefinite" restart="never" nodeType="tmRoot"/>
+      </p:par>
+    </p:tnLst>
+  </p:timing>
+</p:sld>
+</file>
+
+<file path=ppt/slides/slide4.xml><?xml version="1.0" encoding="utf-8"?>
+<p:sld xmlns:a="http://schemas.openxmlformats.org/drawingml/2006/main" xmlns:r="http://schemas.openxmlformats.org/officeDocument/2006/relationships" xmlns:p="http://schemas.openxmlformats.org/presentationml/2006/main">
+  <p:cSld>
+    <p:spTree>
+      <p:nvGrpSpPr>
+        <p:cNvPr id="1" name="Shape 110"/>
+        <p:cNvGrpSpPr/>
+        <p:nvPr/>
+      </p:nvGrpSpPr>
+      <p:grpSpPr>
+        <a:xfrm>
+          <a:off x="0" y="0"/>
+          <a:ext cx="0" cy="0"/>
+          <a:chOff x="0" y="0"/>
+          <a:chExt cx="0" cy="0"/>
+        </a:xfrm>
+      </p:grpSpPr>
+      <p:sp>
+        <p:nvSpPr>
+          <p:cNvPr id="111" name="Shape 111"/>
+          <p:cNvSpPr txBox="1">
+            <a:spLocks noGrp="1"/>
+          </p:cNvSpPr>
+          <p:nvPr>
+            <p:ph type="title"/>
+          </p:nvPr>
+        </p:nvSpPr>
+        <p:spPr>
+          <a:xfrm>
+            <a:off x="1381250" y="876896"/>
+            <a:ext cx="3878399" cy="435599"/>
+          </a:xfrm>
+          <a:prstGeom prst="rect">
+            <a:avLst/>
+          </a:prstGeom>
+        </p:spPr>
+        <p:txBody>
+          <a:bodyPr lIns="91425" tIns="91425" rIns="91425" bIns="91425" anchor="ctr" anchorCtr="0">
+            <a:noAutofit/>
+          </a:bodyPr>
+          <a:lstStyle/>
+          <a:p>
+            <a:pPr lvl="0">
+              <a:spcBef>
+                <a:spcPts val="0"/>
+              </a:spcBef>
+              <a:buNone/>
+            </a:pPr>
+            <a:r>
+              <a:rPr lang="en-US" sz="2800" dirty="0" smtClean="0">
+                <a:latin typeface="Rockwell"/>
+                <a:cs typeface="Rockwell"/>
+              </a:rPr>
+              <a:t>Background</a:t>
+            </a:r>
+            <a:endParaRPr lang="en" sz="2800" dirty="0">
+              <a:highlight>
+                <a:srgbClr val="FFCD00"/>
+              </a:highlight>
+              <a:latin typeface="Rockwell"/>
+              <a:cs typeface="Rockwell"/>
+            </a:endParaRPr>
+          </a:p>
+        </p:txBody>
+      </p:sp>
+      <p:sp>
+        <p:nvSpPr>
+          <p:cNvPr id="112" name="Shape 112"/>
+          <p:cNvSpPr txBox="1">
+            <a:spLocks noGrp="1"/>
+          </p:cNvSpPr>
+          <p:nvPr>
+            <p:ph type="body" idx="1"/>
+          </p:nvPr>
+        </p:nvSpPr>
+        <p:spPr>
+          <a:xfrm>
+            <a:off x="549158" y="1399053"/>
+            <a:ext cx="8134353" cy="3315346"/>
+          </a:xfrm>
+          <a:prstGeom prst="rect">
+            <a:avLst/>
+          </a:prstGeom>
+        </p:spPr>
+        <p:txBody>
+          <a:bodyPr lIns="91425" tIns="91425" rIns="91425" bIns="91425" anchor="t" anchorCtr="0">
+            <a:noAutofit/>
+          </a:bodyPr>
+          <a:lstStyle/>
+          <a:p>
+            <a:pPr marL="228600" lvl="0">
+              <a:lnSpc>
+                <a:spcPct val="120000"/>
+              </a:lnSpc>
+              <a:spcBef>
+                <a:spcPts val="0"/>
+              </a:spcBef>
+              <a:spcAft>
+                <a:spcPts val="1000"/>
+              </a:spcAft>
+              <a:buNone/>
+            </a:pPr>
+            <a:r>
+              <a:rPr lang="en-US" sz="2000" b="1" dirty="0">
+                <a:latin typeface="Garamond"/>
+                <a:cs typeface="Garamond"/>
+              </a:rPr>
+              <a:t>Monoclonal Antibodies (</a:t>
+            </a:r>
+            <a:r>
+              <a:rPr lang="en-US" sz="2000" b="1" dirty="0" err="1">
+                <a:latin typeface="Garamond"/>
+                <a:cs typeface="Garamond"/>
+              </a:rPr>
+              <a:t>mAbs</a:t>
+            </a:r>
+            <a:r>
+              <a:rPr lang="en-US" sz="2000" b="1" dirty="0">
+                <a:latin typeface="Garamond"/>
+                <a:cs typeface="Garamond"/>
+              </a:rPr>
+              <a:t>) </a:t>
+            </a:r>
+            <a:endParaRPr lang="en-US" sz="2000" b="1" dirty="0" smtClean="0">
+              <a:latin typeface="Garamond"/>
+              <a:cs typeface="Garamond"/>
+            </a:endParaRPr>
+          </a:p>
+        </p:txBody>
+      </p:sp>
+      <p:grpSp>
+        <p:nvGrpSpPr>
+          <p:cNvPr id="113" name="Shape 113"/>
+          <p:cNvGrpSpPr/>
+          <p:nvPr/>
+        </p:nvGrpSpPr>
+        <p:grpSpPr>
+          <a:xfrm>
+            <a:off x="916458" y="1019750"/>
+            <a:ext cx="214624" cy="214624"/>
+            <a:chOff x="2594050" y="1631825"/>
+            <a:chExt cx="439625" cy="439625"/>
+          </a:xfrm>
+        </p:grpSpPr>
+        <p:sp>
+          <p:nvSpPr>
+            <p:cNvPr id="114" name="Shape 114"/>
+            <p:cNvSpPr/>
+            <p:nvPr/>
+          </p:nvSpPr>
+          <p:spPr>
+            <a:xfrm>
+              <a:off x="2594050" y="1883300"/>
+              <a:ext cx="188175" cy="188150"/>
+            </a:xfrm>
+            <a:custGeom>
+              <a:avLst/>
+              <a:gdLst/>
+              <a:ahLst/>
+              <a:cxnLst/>
+              <a:rect l="0" t="0" r="0" b="0"/>
+              <a:pathLst>
+                <a:path w="7527" h="7526" fill="none" extrusionOk="0">
+                  <a:moveTo>
+                    <a:pt x="5992" y="0"/>
+                  </a:moveTo>
+                  <a:lnTo>
+                    <a:pt x="537" y="6430"/>
+                  </a:lnTo>
+                  <a:lnTo>
+                    <a:pt x="1" y="7526"/>
+                  </a:lnTo>
+                  <a:lnTo>
+                    <a:pt x="1097" y="6990"/>
+                  </a:lnTo>
+                  <a:lnTo>
+                    <a:pt x="7526" y="1534"/>
+                  </a:lnTo>
+                  <a:lnTo>
+                    <a:pt x="5992" y="0"/>
+                  </a:lnTo>
+                  <a:close/>
+                </a:path>
+              </a:pathLst>
+            </a:custGeom>
+            <a:noFill/>
+            <a:ln w="9525" cap="rnd" cmpd="sng">
+              <a:solidFill>
+                <a:srgbClr val="000000"/>
+              </a:solidFill>
+              <a:prstDash val="solid"/>
+              <a:round/>
+              <a:headEnd type="none" w="med" len="med"/>
+              <a:tailEnd type="none" w="med" len="med"/>
+            </a:ln>
+          </p:spPr>
+          <p:txBody>
+            <a:bodyPr lIns="91425" tIns="91425" rIns="91425" bIns="91425" anchor="ctr" anchorCtr="0">
+              <a:noAutofit/>
+            </a:bodyPr>
+            <a:lstStyle/>
+            <a:p>
+              <a:pPr lvl="0">
+                <a:spcBef>
+                  <a:spcPts val="0"/>
+                </a:spcBef>
+                <a:buNone/>
+              </a:pPr>
+              <a:endParaRPr/>
+            </a:p>
+          </p:txBody>
+        </p:sp>
+        <p:sp>
+          <p:nvSpPr>
+            <p:cNvPr id="115" name="Shape 115"/>
+            <p:cNvSpPr/>
+            <p:nvPr/>
+          </p:nvSpPr>
+          <p:spPr>
+            <a:xfrm>
+              <a:off x="2857700" y="1631825"/>
+              <a:ext cx="175975" cy="176000"/>
+            </a:xfrm>
+            <a:custGeom>
+              <a:avLst/>
+              <a:gdLst/>
+              <a:ahLst/>
+              <a:cxnLst/>
+              <a:rect l="0" t="0" r="0" b="0"/>
+              <a:pathLst>
+                <a:path w="7039" h="7040" fill="none" extrusionOk="0">
+                  <a:moveTo>
+                    <a:pt x="268" y="2704"/>
+                  </a:moveTo>
+                  <a:lnTo>
+                    <a:pt x="4336" y="6771"/>
+                  </a:lnTo>
+                  <a:lnTo>
+                    <a:pt x="4336" y="6771"/>
+                  </a:lnTo>
+                  <a:lnTo>
+                    <a:pt x="4336" y="6771"/>
+                  </a:lnTo>
+                  <a:lnTo>
+                    <a:pt x="4652" y="6917"/>
+                  </a:lnTo>
+                  <a:lnTo>
+                    <a:pt x="4993" y="7015"/>
+                  </a:lnTo>
+                  <a:lnTo>
+                    <a:pt x="5310" y="7039"/>
+                  </a:lnTo>
+                  <a:lnTo>
+                    <a:pt x="5651" y="7039"/>
+                  </a:lnTo>
+                  <a:lnTo>
+                    <a:pt x="5992" y="6966"/>
+                  </a:lnTo>
+                  <a:lnTo>
+                    <a:pt x="6308" y="6844"/>
+                  </a:lnTo>
+                  <a:lnTo>
+                    <a:pt x="6454" y="6747"/>
+                  </a:lnTo>
+                  <a:lnTo>
+                    <a:pt x="6601" y="6674"/>
+                  </a:lnTo>
+                  <a:lnTo>
+                    <a:pt x="6747" y="6552"/>
+                  </a:lnTo>
+                  <a:lnTo>
+                    <a:pt x="6893" y="6430"/>
+                  </a:lnTo>
+                  <a:lnTo>
+                    <a:pt x="6893" y="6430"/>
+                  </a:lnTo>
+                  <a:lnTo>
+                    <a:pt x="6942" y="6357"/>
+                  </a:lnTo>
+                  <a:lnTo>
+                    <a:pt x="7015" y="6260"/>
+                  </a:lnTo>
+                  <a:lnTo>
+                    <a:pt x="7039" y="6138"/>
+                  </a:lnTo>
+                  <a:lnTo>
+                    <a:pt x="7039" y="6041"/>
+                  </a:lnTo>
+                  <a:lnTo>
+                    <a:pt x="7039" y="6041"/>
+                  </a:lnTo>
+                  <a:lnTo>
+                    <a:pt x="7039" y="5943"/>
+                  </a:lnTo>
+                  <a:lnTo>
+                    <a:pt x="7015" y="5846"/>
+                  </a:lnTo>
+                  <a:lnTo>
+                    <a:pt x="6942" y="5748"/>
+                  </a:lnTo>
+                  <a:lnTo>
+                    <a:pt x="6893" y="5651"/>
+                  </a:lnTo>
+                  <a:lnTo>
+                    <a:pt x="1389" y="147"/>
+                  </a:lnTo>
+                  <a:lnTo>
+                    <a:pt x="1389" y="147"/>
+                  </a:lnTo>
+                  <a:lnTo>
+                    <a:pt x="1291" y="98"/>
+                  </a:lnTo>
+                  <a:lnTo>
+                    <a:pt x="1194" y="25"/>
+                  </a:lnTo>
+                  <a:lnTo>
+                    <a:pt x="1096" y="0"/>
+                  </a:lnTo>
+                  <a:lnTo>
+                    <a:pt x="999" y="0"/>
+                  </a:lnTo>
+                  <a:lnTo>
+                    <a:pt x="999" y="0"/>
+                  </a:lnTo>
+                  <a:lnTo>
+                    <a:pt x="902" y="0"/>
+                  </a:lnTo>
+                  <a:lnTo>
+                    <a:pt x="780" y="25"/>
+                  </a:lnTo>
+                  <a:lnTo>
+                    <a:pt x="682" y="98"/>
+                  </a:lnTo>
+                  <a:lnTo>
+                    <a:pt x="609" y="147"/>
+                  </a:lnTo>
+                  <a:lnTo>
+                    <a:pt x="609" y="147"/>
+                  </a:lnTo>
+                  <a:lnTo>
+                    <a:pt x="487" y="293"/>
+                  </a:lnTo>
+                  <a:lnTo>
+                    <a:pt x="366" y="439"/>
+                  </a:lnTo>
+                  <a:lnTo>
+                    <a:pt x="293" y="585"/>
+                  </a:lnTo>
+                  <a:lnTo>
+                    <a:pt x="195" y="731"/>
+                  </a:lnTo>
+                  <a:lnTo>
+                    <a:pt x="73" y="1048"/>
+                  </a:lnTo>
+                  <a:lnTo>
+                    <a:pt x="0" y="1389"/>
+                  </a:lnTo>
+                  <a:lnTo>
+                    <a:pt x="0" y="1730"/>
+                  </a:lnTo>
+                  <a:lnTo>
+                    <a:pt x="25" y="2046"/>
+                  </a:lnTo>
+                  <a:lnTo>
+                    <a:pt x="122" y="2387"/>
+                  </a:lnTo>
+                  <a:lnTo>
+                    <a:pt x="268" y="2704"/>
+                  </a:lnTo>
+                  <a:lnTo>
+                    <a:pt x="268" y="2704"/>
+                  </a:lnTo>
+                  <a:close/>
+                </a:path>
+              </a:pathLst>
+            </a:custGeom>
+            <a:noFill/>
+            <a:ln w="9525" cap="rnd" cmpd="sng">
+              <a:solidFill>
+                <a:srgbClr val="000000"/>
+              </a:solidFill>
+              <a:prstDash val="solid"/>
+              <a:round/>
+              <a:headEnd type="none" w="med" len="med"/>
+              <a:tailEnd type="none" w="med" len="med"/>
+            </a:ln>
+          </p:spPr>
+          <p:txBody>
+            <a:bodyPr lIns="91425" tIns="91425" rIns="91425" bIns="91425" anchor="ctr" anchorCtr="0">
+              <a:noAutofit/>
+            </a:bodyPr>
+            <a:lstStyle/>
+            <a:p>
+              <a:pPr lvl="0">
+                <a:spcBef>
+                  <a:spcPts val="0"/>
+                </a:spcBef>
+                <a:buNone/>
+              </a:pPr>
+              <a:endParaRPr/>
+            </a:p>
+          </p:txBody>
+        </p:sp>
+        <p:sp>
+          <p:nvSpPr>
+            <p:cNvPr id="116" name="Shape 116"/>
+            <p:cNvSpPr/>
+            <p:nvPr/>
+          </p:nvSpPr>
+          <p:spPr>
+            <a:xfrm>
+              <a:off x="2662850" y="1699400"/>
+              <a:ext cx="303250" cy="303250"/>
+            </a:xfrm>
+            <a:custGeom>
+              <a:avLst/>
+              <a:gdLst/>
+              <a:ahLst/>
+              <a:cxnLst/>
+              <a:rect l="0" t="0" r="0" b="0"/>
+              <a:pathLst>
+                <a:path w="12130" h="12130" fill="none" extrusionOk="0">
+                  <a:moveTo>
+                    <a:pt x="8038" y="1"/>
+                  </a:moveTo>
+                  <a:lnTo>
+                    <a:pt x="4872" y="3191"/>
+                  </a:lnTo>
+                  <a:lnTo>
+                    <a:pt x="4872" y="3191"/>
+                  </a:lnTo>
+                  <a:lnTo>
+                    <a:pt x="4628" y="3094"/>
+                  </a:lnTo>
+                  <a:lnTo>
+                    <a:pt x="4385" y="2997"/>
+                  </a:lnTo>
+                  <a:lnTo>
+                    <a:pt x="4092" y="2899"/>
+                  </a:lnTo>
+                  <a:lnTo>
+                    <a:pt x="3800" y="2850"/>
+                  </a:lnTo>
+                  <a:lnTo>
+                    <a:pt x="3484" y="2777"/>
+                  </a:lnTo>
+                  <a:lnTo>
+                    <a:pt x="3167" y="2729"/>
+                  </a:lnTo>
+                  <a:lnTo>
+                    <a:pt x="2850" y="2704"/>
+                  </a:lnTo>
+                  <a:lnTo>
+                    <a:pt x="2534" y="2704"/>
+                  </a:lnTo>
+                  <a:lnTo>
+                    <a:pt x="2534" y="2704"/>
+                  </a:lnTo>
+                  <a:lnTo>
+                    <a:pt x="2241" y="2704"/>
+                  </a:lnTo>
+                  <a:lnTo>
+                    <a:pt x="1949" y="2729"/>
+                  </a:lnTo>
+                  <a:lnTo>
+                    <a:pt x="1633" y="2777"/>
+                  </a:lnTo>
+                  <a:lnTo>
+                    <a:pt x="1316" y="2850"/>
+                  </a:lnTo>
+                  <a:lnTo>
+                    <a:pt x="999" y="2972"/>
+                  </a:lnTo>
+                  <a:lnTo>
+                    <a:pt x="707" y="3094"/>
+                  </a:lnTo>
+                  <a:lnTo>
+                    <a:pt x="415" y="3289"/>
+                  </a:lnTo>
+                  <a:lnTo>
+                    <a:pt x="147" y="3508"/>
+                  </a:lnTo>
+                  <a:lnTo>
+                    <a:pt x="147" y="3508"/>
+                  </a:lnTo>
+                  <a:lnTo>
+                    <a:pt x="74" y="3581"/>
+                  </a:lnTo>
+                  <a:lnTo>
+                    <a:pt x="25" y="3678"/>
+                  </a:lnTo>
+                  <a:lnTo>
+                    <a:pt x="1" y="3776"/>
+                  </a:lnTo>
+                  <a:lnTo>
+                    <a:pt x="1" y="3898"/>
+                  </a:lnTo>
+                  <a:lnTo>
+                    <a:pt x="1" y="3898"/>
+                  </a:lnTo>
+                  <a:lnTo>
+                    <a:pt x="1" y="3995"/>
+                  </a:lnTo>
+                  <a:lnTo>
+                    <a:pt x="25" y="4093"/>
+                  </a:lnTo>
+                  <a:lnTo>
+                    <a:pt x="74" y="4190"/>
+                  </a:lnTo>
+                  <a:lnTo>
+                    <a:pt x="147" y="4287"/>
+                  </a:lnTo>
+                  <a:lnTo>
+                    <a:pt x="7843" y="11984"/>
+                  </a:lnTo>
+                  <a:lnTo>
+                    <a:pt x="7843" y="11984"/>
+                  </a:lnTo>
+                  <a:lnTo>
+                    <a:pt x="7941" y="12057"/>
+                  </a:lnTo>
+                  <a:lnTo>
+                    <a:pt x="8038" y="12105"/>
+                  </a:lnTo>
+                  <a:lnTo>
+                    <a:pt x="8135" y="12130"/>
+                  </a:lnTo>
+                  <a:lnTo>
+                    <a:pt x="8233" y="12130"/>
+                  </a:lnTo>
+                  <a:lnTo>
+                    <a:pt x="8233" y="12130"/>
+                  </a:lnTo>
+                  <a:lnTo>
+                    <a:pt x="8355" y="12130"/>
+                  </a:lnTo>
+                  <a:lnTo>
+                    <a:pt x="8452" y="12105"/>
+                  </a:lnTo>
+                  <a:lnTo>
+                    <a:pt x="8549" y="12057"/>
+                  </a:lnTo>
+                  <a:lnTo>
+                    <a:pt x="8622" y="11984"/>
+                  </a:lnTo>
+                  <a:lnTo>
+                    <a:pt x="8622" y="11984"/>
+                  </a:lnTo>
+                  <a:lnTo>
+                    <a:pt x="8842" y="11716"/>
+                  </a:lnTo>
+                  <a:lnTo>
+                    <a:pt x="9036" y="11423"/>
+                  </a:lnTo>
+                  <a:lnTo>
+                    <a:pt x="9158" y="11131"/>
+                  </a:lnTo>
+                  <a:lnTo>
+                    <a:pt x="9280" y="10814"/>
+                  </a:lnTo>
+                  <a:lnTo>
+                    <a:pt x="9353" y="10498"/>
+                  </a:lnTo>
+                  <a:lnTo>
+                    <a:pt x="9402" y="10181"/>
+                  </a:lnTo>
+                  <a:lnTo>
+                    <a:pt x="9426" y="9889"/>
+                  </a:lnTo>
+                  <a:lnTo>
+                    <a:pt x="9426" y="9597"/>
+                  </a:lnTo>
+                  <a:lnTo>
+                    <a:pt x="9426" y="9597"/>
+                  </a:lnTo>
+                  <a:lnTo>
+                    <a:pt x="9426" y="9280"/>
+                  </a:lnTo>
+                  <a:lnTo>
+                    <a:pt x="9402" y="8964"/>
+                  </a:lnTo>
+                  <a:lnTo>
+                    <a:pt x="9353" y="8647"/>
+                  </a:lnTo>
+                  <a:lnTo>
+                    <a:pt x="9280" y="8330"/>
+                  </a:lnTo>
+                  <a:lnTo>
+                    <a:pt x="9231" y="8038"/>
+                  </a:lnTo>
+                  <a:lnTo>
+                    <a:pt x="9134" y="7746"/>
+                  </a:lnTo>
+                  <a:lnTo>
+                    <a:pt x="9036" y="7502"/>
+                  </a:lnTo>
+                  <a:lnTo>
+                    <a:pt x="8939" y="7259"/>
+                  </a:lnTo>
+                  <a:lnTo>
+                    <a:pt x="12130" y="4093"/>
+                  </a:lnTo>
+                </a:path>
+              </a:pathLst>
+            </a:custGeom>
+            <a:noFill/>
+            <a:ln w="9525" cap="rnd" cmpd="sng">
+              <a:solidFill>
+                <a:srgbClr val="000000"/>
+              </a:solidFill>
+              <a:prstDash val="solid"/>
+              <a:round/>
+              <a:headEnd type="none" w="med" len="med"/>
+              <a:tailEnd type="none" w="med" len="med"/>
+            </a:ln>
+          </p:spPr>
+          <p:txBody>
+            <a:bodyPr lIns="91425" tIns="91425" rIns="91425" bIns="91425" anchor="ctr" anchorCtr="0">
+              <a:noAutofit/>
+            </a:bodyPr>
+            <a:lstStyle/>
+            <a:p>
+              <a:pPr lvl="0">
+                <a:spcBef>
+                  <a:spcPts val="0"/>
+                </a:spcBef>
+                <a:buNone/>
+              </a:pPr>
+              <a:endParaRPr/>
+            </a:p>
+          </p:txBody>
+        </p:sp>
+        <p:sp>
+          <p:nvSpPr>
+            <p:cNvPr id="117" name="Shape 117"/>
+            <p:cNvSpPr/>
+            <p:nvPr/>
+          </p:nvSpPr>
+          <p:spPr>
+            <a:xfrm>
+              <a:off x="2814911" y="1754061"/>
+              <a:ext cx="49950" cy="49950"/>
+            </a:xfrm>
+            <a:custGeom>
+              <a:avLst/>
+              <a:gdLst/>
+              <a:ahLst/>
+              <a:cxnLst/>
+              <a:rect l="0" t="0" r="0" b="0"/>
+              <a:pathLst>
+                <a:path w="1998" h="1998" fill="none" extrusionOk="0">
+                  <a:moveTo>
+                    <a:pt x="1" y="1997"/>
+                  </a:moveTo>
+                  <a:lnTo>
+                    <a:pt x="1998" y="0"/>
+                  </a:lnTo>
+                </a:path>
+              </a:pathLst>
+            </a:custGeom>
+            <a:noFill/>
+            <a:ln w="9525" cap="rnd" cmpd="sng">
+              <a:solidFill>
+                <a:srgbClr val="000000"/>
+              </a:solidFill>
+              <a:prstDash val="solid"/>
+              <a:round/>
+              <a:headEnd type="none" w="med" len="med"/>
+              <a:tailEnd type="none" w="med" len="med"/>
+            </a:ln>
+          </p:spPr>
+          <p:txBody>
+            <a:bodyPr lIns="91425" tIns="91425" rIns="91425" bIns="91425" anchor="ctr" anchorCtr="0">
+              <a:noAutofit/>
+            </a:bodyPr>
+            <a:lstStyle/>
+            <a:p>
+              <a:pPr lvl="0">
+                <a:spcBef>
+                  <a:spcPts val="0"/>
+                </a:spcBef>
+                <a:buNone/>
+              </a:pPr>
+              <a:endParaRPr/>
+            </a:p>
+          </p:txBody>
+        </p:sp>
+      </p:grpSp>
+      <p:pic>
+        <p:nvPicPr>
+          <p:cNvPr id="10" name="Shape 61"/>
+          <p:cNvPicPr preferRelativeResize="0"/>
+          <p:nvPr/>
+        </p:nvPicPr>
+        <p:blipFill>
+          <a:blip r:embed="rId3">
+            <a:alphaModFix/>
+          </a:blip>
+          <a:stretch>
+            <a:fillRect/>
+          </a:stretch>
+        </p:blipFill>
+        <p:spPr>
+          <a:xfrm>
+            <a:off x="2580879" y="2234386"/>
+            <a:ext cx="3982243" cy="2150733"/>
+          </a:xfrm>
+          <a:prstGeom prst="rect">
+            <a:avLst/>
+          </a:prstGeom>
+          <a:noFill/>
+          <a:ln>
+            <a:noFill/>
+          </a:ln>
+        </p:spPr>
+      </p:pic>
+    </p:spTree>
+    <p:extLst>
+      <p:ext uri="{BB962C8B-B14F-4D97-AF65-F5344CB8AC3E}">
+        <p14:creationId xmlns:p14="http://schemas.microsoft.com/office/powerpoint/2010/main" val="3000619985"/>
       </p:ext>
     </p:extLst>
   </p:cSld>
